--- a/progress.pptx
+++ b/progress.pptx
@@ -5,10 +5,14 @@
     <p:sldMasterId id="2147483648" r:id="rId1"/>
   </p:sldMasterIdLst>
   <p:sldIdLst>
-    <p:sldId id="256" r:id="rId2"/>
-    <p:sldId id="257" r:id="rId3"/>
-    <p:sldId id="258" r:id="rId4"/>
-    <p:sldId id="261" r:id="rId5"/>
+    <p:sldId id="263" r:id="rId2"/>
+    <p:sldId id="256" r:id="rId3"/>
+    <p:sldId id="257" r:id="rId4"/>
+    <p:sldId id="262" r:id="rId5"/>
+    <p:sldId id="264" r:id="rId6"/>
+    <p:sldId id="265" r:id="rId7"/>
+    <p:sldId id="258" r:id="rId8"/>
+    <p:sldId id="261" r:id="rId9"/>
   </p:sldIdLst>
   <p:sldSz cx="12192000" cy="6858000"/>
   <p:notesSz cx="6858000" cy="9144000"/>
@@ -107,7 +111,20 @@
       </a:defRPr>
     </a:lvl9pPr>
   </p:defaultTextStyle>
+  <p:extLst>
+    <p:ext uri="{EFAFB233-063F-42B5-8137-9DF3F51BA10A}">
+      <p15:sldGuideLst xmlns:p15="http://schemas.microsoft.com/office/powerpoint/2012/main"/>
+    </p:ext>
+  </p:extLst>
 </p:presentation>
+</file>
+
+<file path=ppt/revisionInfo.xml><?xml version="1.0" encoding="utf-8"?>
+<p1510:revInfo xmlns:a="http://schemas.openxmlformats.org/drawingml/2006/main" xmlns:r="http://schemas.openxmlformats.org/officeDocument/2006/relationships" xmlns:p1510="http://schemas.microsoft.com/office/powerpoint/2015/10/main">
+  <p1510:revLst>
+    <p1510:client id="{4F2F666E-1318-7ED5-4491-3D8025E35307}" v="1003" dt="2024-11-15T13:53:54.310"/>
+  </p1510:revLst>
+</p1510:revInfo>
 </file>
 
 <file path=ppt/ink/ink1.xml><?xml version="1.0" encoding="utf-8"?>
@@ -161,60 +178,6 @@
     </inkml:brush>
   </inkml:definitions>
   <inkml:trace contextRef="#ctx0" brushRef="#br0">1 1 24575,'3'0'0,"1"3"0,-1 4 0,0 4 0,0 3 0,1-1 0,1 0 0,-1 1 0,-1 1 0,-1 2 0,-1 0 0,0-3-8191</inkml:trace>
-</inkml:ink>
-</file>
-
-<file path=ppt/ink/ink100.xml><?xml version="1.0" encoding="utf-8"?>
-<inkml:ink xmlns:inkml="http://www.w3.org/2003/InkML">
-  <inkml:definitions>
-    <inkml:context xml:id="ctx0">
-      <inkml:inkSource xml:id="inkSrc0">
-        <inkml:traceFormat>
-          <inkml:channel name="X" type="integer" min="-2.14748E9" max="2.14748E9" units="cm"/>
-          <inkml:channel name="Y" type="integer" min="-2.14748E9" max="2.14748E9" units="cm"/>
-          <inkml:channel name="F" type="integer" max="32767" units="dev"/>
-        </inkml:traceFormat>
-        <inkml:channelProperties>
-          <inkml:channelProperty channel="X" name="resolution" value="1000" units="1/cm"/>
-          <inkml:channelProperty channel="Y" name="resolution" value="1000" units="1/cm"/>
-          <inkml:channelProperty channel="F" name="resolution" value="0" units="1/dev"/>
-        </inkml:channelProperties>
-      </inkml:inkSource>
-      <inkml:timestamp xml:id="ts0" timeString="2024-11-14T13:40:03.139"/>
-    </inkml:context>
-    <inkml:brush xml:id="br0">
-      <inkml:brushProperty name="width" value="0.035" units="cm"/>
-      <inkml:brushProperty name="height" value="0.035" units="cm"/>
-    </inkml:brush>
-  </inkml:definitions>
-  <inkml:trace contextRef="#ctx0" brushRef="#br0">82 1 24575,'-2'89'0,"4"97"0,8-123 0,-6-44 0,-1 1 0,1 26 0,-2 18 0,0-26 0,-1-1 0,-7 49 0,6-85 0,0-1 0,0 0 0,0 0 0,0 0 0,0 0 0,0 1 0,0-1 0,0 0 0,0 0 0,0 0 0,0 0 0,-1 1 0,1-1 0,0 0 0,0 0 0,0 0 0,0 0 0,0 0 0,0 1 0,0-1 0,-1 0 0,1 0 0,0 0 0,0 0 0,0 0 0,0 0 0,0 0 0,-1 0 0,1 0 0,0 1 0,0-1 0,0 0 0,0 0 0,-1 0 0,1 0 0,0 0 0,0 0 0,0 0 0,-1 0 0,1 0 0,0 0 0,0 0 0,0 0 0,0-1 0,-1 1 0,1 0 0,0 0 0,0 0 0,0 0 0,0 0 0,-1 0 0,1 0 0,0 0 0,0 0 0,0-1 0,0 1 0,0 0 0,-1 0 0,-13-15 0,-10-21 0,-9-39 0,10 19 0,48 126 0,-22-64 0,0 0 0,0 0 0,1 0 0,0-1 0,0 0 0,1 0 0,0 0 0,0 0 0,0-1 0,8 6 0,-11-9 0,0 0 0,1 0 0,-1 0 0,0-1 0,1 1 0,-1-1 0,1 0 0,-1 0 0,0 1 0,1-2 0,-1 1 0,1 0 0,-1 0 0,1-1 0,-1 1 0,0-1 0,1 0 0,-1 0 0,0 0 0,1 0 0,-1 0 0,0 0 0,0-1 0,0 1 0,0-1 0,0 1 0,-1-1 0,1 0 0,0 0 0,-1 1 0,1-1 0,1-3 0,3-4 0,0 0 0,0-1 0,0 0 0,-1 0 0,5-16 0,5-10 0,-23 59 0,6-15 0,-1 1 0,0-1 0,-1 0 0,0 1 0,-6 9 0,-7 10-1365,11-15-5461</inkml:trace>
-</inkml:ink>
-</file>
-
-<file path=ppt/ink/ink101.xml><?xml version="1.0" encoding="utf-8"?>
-<inkml:ink xmlns:inkml="http://www.w3.org/2003/InkML">
-  <inkml:definitions>
-    <inkml:context xml:id="ctx0">
-      <inkml:inkSource xml:id="inkSrc0">
-        <inkml:traceFormat>
-          <inkml:channel name="X" type="integer" min="-2.14748E9" max="2.14748E9" units="cm"/>
-          <inkml:channel name="Y" type="integer" min="-2.14748E9" max="2.14748E9" units="cm"/>
-          <inkml:channel name="F" type="integer" max="32767" units="dev"/>
-        </inkml:traceFormat>
-        <inkml:channelProperties>
-          <inkml:channelProperty channel="X" name="resolution" value="1000" units="1/cm"/>
-          <inkml:channelProperty channel="Y" name="resolution" value="1000" units="1/cm"/>
-          <inkml:channelProperty channel="F" name="resolution" value="0" units="1/dev"/>
-        </inkml:channelProperties>
-      </inkml:inkSource>
-      <inkml:timestamp xml:id="ts0" timeString="2024-11-14T13:40:22.676"/>
-    </inkml:context>
-    <inkml:brush xml:id="br0">
-      <inkml:brushProperty name="width" value="0.035" units="cm"/>
-      <inkml:brushProperty name="height" value="0.035" units="cm"/>
-    </inkml:brush>
-  </inkml:definitions>
-  <inkml:trace contextRef="#ctx0" brushRef="#br0">0 465 24575,'0'-9'0,"0"1"0,1 0 0,-1-1 0,1 1 0,1 0 0,0 0 0,0 0 0,1 0 0,0 0 0,0 0 0,0 1 0,1-1 0,1 1 0,-1 0 0,1 0 0,0 1 0,0-1 0,1 1 0,0 0 0,0 1 0,1-1 0,-1 1 0,1 1 0,0-1 0,13-5 0,5 0 0,0 1 0,0 1 0,1 1 0,0 2 0,0 0 0,29 0 0,164 4 0,-102 4 0,-93-4 0,-1 0 0,0-2 0,1 0 0,-1-2 0,-1 0 0,1-2 0,41-18 0,22-4 0,-69 25 0,1-1 0,-1-1 0,-1-1 0,1 0 0,15-10 0,-27 14 0,-1-1 0,1 1 0,-1-1 0,0 0 0,0 0 0,-1 0 0,1-1 0,-1 1 0,0-1 0,0 0 0,0 1 0,-1-1 0,0-1 0,0 1 0,0 0 0,-1 0 0,1-1 0,-1 1 0,0-1 0,-1-9 0,7 34 0,-2-4 0,-1 0 0,2 0 0,0 0 0,0-1 0,17 26 0,-19-35 0,1 0 0,0 0 0,1 0 0,-1-1 0,1 0 0,0 0 0,0 0 0,0-1 0,0 0 0,1 0 0,10 3 0,-3-3 0,1-1 0,0-1 0,0 0 0,21-1 0,3 1 0,52 8 0,-50-4 0,43 0 0,-69-5 0,1 0 0,-1 2 0,0-1 0,0 2 0,0 0 0,0 1 0,-1 1 0,0 0 0,1 0 0,19 13 0,-20-12 0,1 0 0,0-1 0,26 5 0,22 8 0,-55-15 0,1 0 0,-1 1 0,0 0 0,0 0 0,0 1 0,7 5 0,-12-7 0,0 0 0,-1 0 0,1 0 0,-1 0 0,0 1 0,0-1 0,0 0 0,0 1 0,0 0 0,-1-1 0,0 1 0,0 0 0,0 0 0,0 0 0,0 0 0,-1 6 0,2 22-18,-2-21-319,0 1 1,1-1-1,4 20 0,-1-17-6489</inkml:trace>
 </inkml:ink>
 </file>
 
@@ -396,14 +359,14 @@
           <inkml:channelProperty channel="F" name="resolution" value="0" units="1/dev"/>
         </inkml:channelProperties>
       </inkml:inkSource>
-      <inkml:timestamp xml:id="ts0" timeString="2024-11-14T13:32:18.484"/>
+      <inkml:timestamp xml:id="ts0" timeString="2024-11-14T13:33:46.295"/>
     </inkml:context>
     <inkml:brush xml:id="br0">
       <inkml:brushProperty name="width" value="0.035" units="cm"/>
       <inkml:brushProperty name="height" value="0.035" units="cm"/>
     </inkml:brush>
   </inkml:definitions>
-  <inkml:trace contextRef="#ctx0" brushRef="#br0">1 1 24575,'0'0'-8191</inkml:trace>
+  <inkml:trace contextRef="#ctx0" brushRef="#br0">360 1 24575,'2'75'0,"-4"83"0,-9-95 0,7-44 0,1-1 0,-1 30 0,-7 74 0,1 10 0,11 356 0,-3-468 0,0 1 0,-7 29 0,-1 5 0,2 1 0,3-28 0,1 1 0,1 28 0,-4-1 0,7-54 0,0-1 0,0 1 0,0 0 0,-1-1 0,1 1 0,-1-1 0,1 1 0,-1-1 0,1 1 0,-1-1 0,0 1 0,1-1 0,-1 1 0,0-1 0,0 0 0,0 1 0,0-1 0,-1 0 0,1 0 0,0 0 0,0 0 0,-1 0 0,1 0 0,0 0 0,-1 0 0,1-1 0,-1 1 0,1 0 0,-1-1 0,-1 1 0,0-2 0,1 0 0,0-1 0,-1 1 0,1 0 0,0-1 0,0 1 0,0-1 0,0 0 0,0 0 0,0 0 0,1 0 0,-1 0 0,-1-3 0,-23-35 0,21 32 0,-8-13 0,-88-154 0,54 58 0,31 82 0,16 35 0,7 18 0,3 6 0,1-1 0,1-1 0,1 0 0,16 20 0,18 30 0,-30-44 0,2-1 0,0 0 0,35 34 0,-52-60 0,-1 1 0,1-1 0,-1 1 0,1-1 0,-1 0 0,1 1 0,0-1 0,0 0 0,0 0 0,0 0 0,0-1 0,0 1 0,0 0 0,0-1 0,0 1 0,0-1 0,0 0 0,0 0 0,0 1 0,1-2 0,2 1 0,-1-1 0,-1 0 0,1-1 0,-1 1 0,1-1 0,-1 1 0,0-1 0,0 0 0,0 0 0,0-1 0,0 1 0,4-5 0,5-8 0,0 0 0,0-1 0,16-31 0,-23 38 0,4-4 0,0 1 0,1 1 0,22-22 0,-8 9 0,17-15 0,20-25 0,15-6 0,-134 151 0,10-31 0,-84 69 0,35-46-1365,87-66-5461</inkml:trace>
 </inkml:ink>
 </file>
 
@@ -423,14 +386,14 @@
           <inkml:channelProperty channel="F" name="resolution" value="0" units="1/dev"/>
         </inkml:channelProperties>
       </inkml:inkSource>
-      <inkml:timestamp xml:id="ts0" timeString="2024-11-14T13:32:18.843"/>
+      <inkml:timestamp xml:id="ts0" timeString="2024-11-14T13:34:10.588"/>
     </inkml:context>
     <inkml:brush xml:id="br0">
       <inkml:brushProperty name="width" value="0.035" units="cm"/>
       <inkml:brushProperty name="height" value="0.035" units="cm"/>
     </inkml:brush>
   </inkml:definitions>
-  <inkml:trace contextRef="#ctx0" brushRef="#br0">1 1 24575,'0'0'-8191</inkml:trace>
+  <inkml:trace contextRef="#ctx0" brushRef="#br0">1 1 24575,'0'40'0,"-1"6"0,2 0 0,12 77 0,-2-26 0,-10-76 0,1 1 0,1-1 0,1 0 0,0-1 0,9 24 0,-1-22 0,-10-38 0,-10-42 0,-23-122 0,27 142 0,1 0 0,2 1 0,5-56 0,-4 91 0,0 1 0,0-1 0,0 1 0,0-1 0,0 1 0,0-1 0,1 1 0,-1-1 0,0 1 0,1-1 0,-1 1 0,1 0 0,0-1 0,-1 1 0,1 0 0,0-1 0,0 1 0,0 0 0,0 0 0,0 0 0,0 0 0,0 0 0,0 0 0,0 0 0,0 0 0,1 0 0,-1 0 0,0 1 0,1-1 0,-1 0 0,0 1 0,1-1 0,-1 1 0,1 0 0,-1-1 0,1 1 0,-1 0 0,1 0 0,-1 0 0,1 0 0,-1 0 0,1 0 0,-1 1 0,1-1 0,-1 0 0,1 1 0,-1-1 0,0 1 0,1 0 0,-1-1 0,0 1 0,1 0 0,1 1 0,8 4 0,0 1 0,-1 0 0,0 1 0,0 0 0,8 9 0,-15-15 4,-1 0 0,0 0 0,0 1 0,-1-1 0,1 1-1,0-1 1,-1 1 0,0-1 0,1 1 0,-1 0 0,0 0 0,0 0-1,-1 0 1,1-1 0,-1 1 0,1 0 0,-1 0 0,0 0 0,0 0 0,0 0-1,0 0 1,-1 0 0,1 0 0,-1 0 0,0 0 0,0 0 0,0 0-1,0-1 1,0 1 0,-4 4 0,2-2-97,0-1 0,0 1 1,-1-1-1,0 0 0,0 0 0,0 0 0,0-1 0,-1 1 1,1-1-1,-1 0 0,0 0 0,0-1 0,0 0 1,0 0-1,-10 3 0,0-2-6733</inkml:trace>
 </inkml:ink>
 </file>
 
@@ -450,14 +413,14 @@
           <inkml:channelProperty channel="F" name="resolution" value="0" units="1/dev"/>
         </inkml:channelProperties>
       </inkml:inkSource>
-      <inkml:timestamp xml:id="ts0" timeString="2024-11-14T13:32:19.172"/>
+      <inkml:timestamp xml:id="ts0" timeString="2024-11-14T13:34:11.910"/>
     </inkml:context>
     <inkml:brush xml:id="br0">
       <inkml:brushProperty name="width" value="0.035" units="cm"/>
       <inkml:brushProperty name="height" value="0.035" units="cm"/>
     </inkml:brush>
   </inkml:definitions>
-  <inkml:trace contextRef="#ctx0" brushRef="#br0">1 0 24575,'0'0'-8191</inkml:trace>
+  <inkml:trace contextRef="#ctx0" brushRef="#br0">0 19 24575,'1'0'0,"0"1"0,0-1 0,0 1 0,0-1 0,0 1 0,0 0 0,0-1 0,0 1 0,0 0 0,0 0 0,-1 0 0,1 0 0,0 0 0,-1 0 0,1 0 0,-1 0 0,1 0 0,-1 0 0,1 0 0,-1 0 0,0 0 0,1 2 0,9 35 0,-7-24 0,13 66 0,-14-63 0,1 0 0,0-1 0,11 31 0,-14-46 0,0-1 0,0 1 0,0-1 0,0 1 0,0-1 0,0 1 0,0-1 0,0 1 0,1-1 0,-1 1 0,0-1 0,0 1 0,1-1 0,-1 1 0,0-1 0,0 1 0,1-1 0,-1 0 0,0 1 0,1-1 0,-1 1 0,1-1 0,-1 0 0,1 0 0,-1 1 0,1-1 0,-1 0 0,1 0 0,-1 1 0,1-1 0,-1 0 0,1 0 0,-1 0 0,1 0 0,-1 0 0,1 0 0,-1 0 0,1 0 0,-1 0 0,1 0 0,-1 0 0,1 0 0,-1 0 0,1 0 0,-1-1 0,1 1 0,-1 0 0,1 0 0,-1 0 0,1-1 0,-1 1 0,1 0 0,-1-1 0,0 1 0,1 0 0,-1-1 0,1 1 0,-1-1 0,0 1 0,0-1 0,1 1 0,-1-1 0,0 1 0,0 0 0,1-1 0,-1 1 0,0-1 0,0-1 0,13-35 0,-13-32 0,-1 58 0,0-1 0,1 1 0,0 0 0,0 0 0,2 0 0,-1 0 0,4-12 0,-4 20 3,1 1 1,-1-1-1,1 0 0,0 1 0,-1-1 0,1 1 0,0-1 0,1 1 1,-1 0-1,0 0 0,1 0 0,-1 0 0,1 0 0,-1 1 0,1-1 1,0 1-1,3-2 0,56-12-348,-37 10-732,-10 2-5749</inkml:trace>
 </inkml:ink>
 </file>
 
@@ -504,141 +467,6 @@
           <inkml:channelProperty channel="F" name="resolution" value="0" units="1/dev"/>
         </inkml:channelProperties>
       </inkml:inkSource>
-      <inkml:timestamp xml:id="ts0" timeString="2024-11-14T13:32:23.456"/>
-    </inkml:context>
-    <inkml:brush xml:id="br0">
-      <inkml:brushProperty name="width" value="0.035" units="cm"/>
-      <inkml:brushProperty name="height" value="0.035" units="cm"/>
-    </inkml:brush>
-  </inkml:definitions>
-  <inkml:trace contextRef="#ctx0" brushRef="#br0">1 0 24575,'0'0'-8191</inkml:trace>
-</inkml:ink>
-</file>
-
-<file path=ppt/ink/ink21.xml><?xml version="1.0" encoding="utf-8"?>
-<inkml:ink xmlns:inkml="http://www.w3.org/2003/InkML">
-  <inkml:definitions>
-    <inkml:context xml:id="ctx0">
-      <inkml:inkSource xml:id="inkSrc0">
-        <inkml:traceFormat>
-          <inkml:channel name="X" type="integer" min="-2.14748E9" max="2.14748E9" units="cm"/>
-          <inkml:channel name="Y" type="integer" min="-2.14748E9" max="2.14748E9" units="cm"/>
-          <inkml:channel name="F" type="integer" max="32767" units="dev"/>
-        </inkml:traceFormat>
-        <inkml:channelProperties>
-          <inkml:channelProperty channel="X" name="resolution" value="1000" units="1/cm"/>
-          <inkml:channelProperty channel="Y" name="resolution" value="1000" units="1/cm"/>
-          <inkml:channelProperty channel="F" name="resolution" value="0" units="1/dev"/>
-        </inkml:channelProperties>
-      </inkml:inkSource>
-      <inkml:timestamp xml:id="ts0" timeString="2024-11-14T13:32:23.783"/>
-    </inkml:context>
-    <inkml:brush xml:id="br0">
-      <inkml:brushProperty name="width" value="0.035" units="cm"/>
-      <inkml:brushProperty name="height" value="0.035" units="cm"/>
-    </inkml:brush>
-  </inkml:definitions>
-  <inkml:trace contextRef="#ctx0" brushRef="#br0">1 1 24575,'0'0'-8191</inkml:trace>
-</inkml:ink>
-</file>
-
-<file path=ppt/ink/ink22.xml><?xml version="1.0" encoding="utf-8"?>
-<inkml:ink xmlns:inkml="http://www.w3.org/2003/InkML">
-  <inkml:definitions>
-    <inkml:context xml:id="ctx0">
-      <inkml:inkSource xml:id="inkSrc0">
-        <inkml:traceFormat>
-          <inkml:channel name="X" type="integer" min="-2.14748E9" max="2.14748E9" units="cm"/>
-          <inkml:channel name="Y" type="integer" min="-2.14748E9" max="2.14748E9" units="cm"/>
-          <inkml:channel name="F" type="integer" max="32767" units="dev"/>
-        </inkml:traceFormat>
-        <inkml:channelProperties>
-          <inkml:channelProperty channel="X" name="resolution" value="1000" units="1/cm"/>
-          <inkml:channelProperty channel="Y" name="resolution" value="1000" units="1/cm"/>
-          <inkml:channelProperty channel="F" name="resolution" value="0" units="1/dev"/>
-        </inkml:channelProperties>
-      </inkml:inkSource>
-      <inkml:timestamp xml:id="ts0" timeString="2024-11-14T13:33:46.295"/>
-    </inkml:context>
-    <inkml:brush xml:id="br0">
-      <inkml:brushProperty name="width" value="0.035" units="cm"/>
-      <inkml:brushProperty name="height" value="0.035" units="cm"/>
-    </inkml:brush>
-  </inkml:definitions>
-  <inkml:trace contextRef="#ctx0" brushRef="#br0">360 1 24575,'2'75'0,"-4"83"0,-9-95 0,7-44 0,1-1 0,-1 30 0,-7 74 0,1 10 0,11 356 0,-3-468 0,0 1 0,-7 29 0,-1 5 0,2 1 0,3-28 0,1 1 0,1 28 0,-4-1 0,7-54 0,0-1 0,0 1 0,0 0 0,-1-1 0,1 1 0,-1-1 0,1 1 0,-1-1 0,1 1 0,-1-1 0,0 1 0,1-1 0,-1 1 0,0-1 0,0 0 0,0 1 0,0-1 0,-1 0 0,1 0 0,0 0 0,0 0 0,-1 0 0,1 0 0,0 0 0,-1 0 0,1-1 0,-1 1 0,1 0 0,-1-1 0,-1 1 0,0-2 0,1 0 0,0-1 0,-1 1 0,1 0 0,0-1 0,0 1 0,0-1 0,0 0 0,0 0 0,0 0 0,1 0 0,-1 0 0,-1-3 0,-23-35 0,21 32 0,-8-13 0,-88-154 0,54 58 0,31 82 0,16 35 0,7 18 0,3 6 0,1-1 0,1-1 0,1 0 0,16 20 0,18 30 0,-30-44 0,2-1 0,0 0 0,35 34 0,-52-60 0,-1 1 0,1-1 0,-1 1 0,1-1 0,-1 0 0,1 1 0,0-1 0,0 0 0,0 0 0,0 0 0,0-1 0,0 1 0,0 0 0,0-1 0,0 1 0,0-1 0,0 0 0,0 0 0,0 1 0,1-2 0,2 1 0,-1-1 0,-1 0 0,1-1 0,-1 1 0,1-1 0,-1 1 0,0-1 0,0 0 0,0 0 0,0-1 0,0 1 0,4-5 0,5-8 0,0 0 0,0-1 0,16-31 0,-23 38 0,4-4 0,0 1 0,1 1 0,22-22 0,-8 9 0,17-15 0,20-25 0,15-6 0,-134 151 0,10-31 0,-84 69 0,35-46-1365,87-66-5461</inkml:trace>
-</inkml:ink>
-</file>
-
-<file path=ppt/ink/ink23.xml><?xml version="1.0" encoding="utf-8"?>
-<inkml:ink xmlns:inkml="http://www.w3.org/2003/InkML">
-  <inkml:definitions>
-    <inkml:context xml:id="ctx0">
-      <inkml:inkSource xml:id="inkSrc0">
-        <inkml:traceFormat>
-          <inkml:channel name="X" type="integer" min="-2.14748E9" max="2.14748E9" units="cm"/>
-          <inkml:channel name="Y" type="integer" min="-2.14748E9" max="2.14748E9" units="cm"/>
-          <inkml:channel name="F" type="integer" max="32767" units="dev"/>
-        </inkml:traceFormat>
-        <inkml:channelProperties>
-          <inkml:channelProperty channel="X" name="resolution" value="1000" units="1/cm"/>
-          <inkml:channelProperty channel="Y" name="resolution" value="1000" units="1/cm"/>
-          <inkml:channelProperty channel="F" name="resolution" value="0" units="1/dev"/>
-        </inkml:channelProperties>
-      </inkml:inkSource>
-      <inkml:timestamp xml:id="ts0" timeString="2024-11-14T13:34:10.588"/>
-    </inkml:context>
-    <inkml:brush xml:id="br0">
-      <inkml:brushProperty name="width" value="0.035" units="cm"/>
-      <inkml:brushProperty name="height" value="0.035" units="cm"/>
-    </inkml:brush>
-  </inkml:definitions>
-  <inkml:trace contextRef="#ctx0" brushRef="#br0">1 1 24575,'0'40'0,"-1"6"0,2 0 0,12 77 0,-2-26 0,-10-76 0,1 1 0,1-1 0,1 0 0,0-1 0,9 24 0,-1-22 0,-10-38 0,-10-42 0,-23-122 0,27 142 0,1 0 0,2 1 0,5-56 0,-4 91 0,0 1 0,0-1 0,0 1 0,0-1 0,0 1 0,0-1 0,1 1 0,-1-1 0,0 1 0,1-1 0,-1 1 0,1 0 0,0-1 0,-1 1 0,1 0 0,0-1 0,0 1 0,0 0 0,0 0 0,0 0 0,0 0 0,0 0 0,0 0 0,0 0 0,0 0 0,1 0 0,-1 0 0,0 1 0,1-1 0,-1 0 0,0 1 0,1-1 0,-1 1 0,1 0 0,-1-1 0,1 1 0,-1 0 0,1 0 0,-1 0 0,1 0 0,-1 0 0,1 0 0,-1 1 0,1-1 0,-1 0 0,1 1 0,-1-1 0,0 1 0,1 0 0,-1-1 0,0 1 0,1 0 0,1 1 0,8 4 0,0 1 0,-1 0 0,0 1 0,0 0 0,8 9 0,-15-15 4,-1 0 0,0 0 0,0 1 0,-1-1 0,1 1-1,0-1 1,-1 1 0,0-1 0,1 1 0,-1 0 0,0 0 0,0 0-1,-1 0 1,1-1 0,-1 1 0,1 0 0,-1 0 0,0 0 0,0 0 0,0 0-1,0 0 1,-1 0 0,1 0 0,-1 0 0,0 0 0,0 0 0,0 0-1,0-1 1,0 1 0,-4 4 0,2-2-97,0-1 0,0 1 1,-1-1-1,0 0 0,0 0 0,0 0 0,0-1 0,-1 1 1,1-1-1,-1 0 0,0 0 0,0-1 0,0 0 1,0 0-1,-10 3 0,0-2-6733</inkml:trace>
-</inkml:ink>
-</file>
-
-<file path=ppt/ink/ink24.xml><?xml version="1.0" encoding="utf-8"?>
-<inkml:ink xmlns:inkml="http://www.w3.org/2003/InkML">
-  <inkml:definitions>
-    <inkml:context xml:id="ctx0">
-      <inkml:inkSource xml:id="inkSrc0">
-        <inkml:traceFormat>
-          <inkml:channel name="X" type="integer" min="-2.14748E9" max="2.14748E9" units="cm"/>
-          <inkml:channel name="Y" type="integer" min="-2.14748E9" max="2.14748E9" units="cm"/>
-          <inkml:channel name="F" type="integer" max="32767" units="dev"/>
-        </inkml:traceFormat>
-        <inkml:channelProperties>
-          <inkml:channelProperty channel="X" name="resolution" value="1000" units="1/cm"/>
-          <inkml:channelProperty channel="Y" name="resolution" value="1000" units="1/cm"/>
-          <inkml:channelProperty channel="F" name="resolution" value="0" units="1/dev"/>
-        </inkml:channelProperties>
-      </inkml:inkSource>
-      <inkml:timestamp xml:id="ts0" timeString="2024-11-14T13:34:11.910"/>
-    </inkml:context>
-    <inkml:brush xml:id="br0">
-      <inkml:brushProperty name="width" value="0.035" units="cm"/>
-      <inkml:brushProperty name="height" value="0.035" units="cm"/>
-    </inkml:brush>
-  </inkml:definitions>
-  <inkml:trace contextRef="#ctx0" brushRef="#br0">0 19 24575,'1'0'0,"0"1"0,0-1 0,0 1 0,0-1 0,0 1 0,0 0 0,0-1 0,0 1 0,0 0 0,0 0 0,-1 0 0,1 0 0,0 0 0,-1 0 0,1 0 0,-1 0 0,1 0 0,-1 0 0,1 0 0,-1 0 0,0 0 0,1 2 0,9 35 0,-7-24 0,13 66 0,-14-63 0,1 0 0,0-1 0,11 31 0,-14-46 0,0-1 0,0 1 0,0-1 0,0 1 0,0-1 0,0 1 0,0-1 0,0 1 0,1-1 0,-1 1 0,0-1 0,0 1 0,1-1 0,-1 1 0,0-1 0,0 1 0,1-1 0,-1 0 0,0 1 0,1-1 0,-1 1 0,1-1 0,-1 0 0,1 0 0,-1 1 0,1-1 0,-1 0 0,1 0 0,-1 1 0,1-1 0,-1 0 0,1 0 0,-1 0 0,1 0 0,-1 0 0,1 0 0,-1 0 0,1 0 0,-1 0 0,1 0 0,-1 0 0,1 0 0,-1 0 0,1 0 0,-1-1 0,1 1 0,-1 0 0,1 0 0,-1 0 0,1-1 0,-1 1 0,1 0 0,-1-1 0,0 1 0,1 0 0,-1-1 0,1 1 0,-1-1 0,0 1 0,0-1 0,1 1 0,-1-1 0,0 1 0,0 0 0,1-1 0,-1 1 0,0-1 0,0-1 0,13-35 0,-13-32 0,-1 58 0,0-1 0,1 1 0,0 0 0,0 0 0,2 0 0,-1 0 0,4-12 0,-4 20 3,1 1 1,-1-1-1,1 0 0,0 1 0,-1-1 0,1 1 0,0-1 0,1 1 1,-1 0-1,0 0 0,1 0 0,-1 0 0,1 0 0,-1 1 0,1-1 1,0 1-1,3-2 0,56-12-348,-37 10-732,-10 2-5749</inkml:trace>
-</inkml:ink>
-</file>
-
-<file path=ppt/ink/ink25.xml><?xml version="1.0" encoding="utf-8"?>
-<inkml:ink xmlns:inkml="http://www.w3.org/2003/InkML">
-  <inkml:definitions>
-    <inkml:context xml:id="ctx0">
-      <inkml:inkSource xml:id="inkSrc0">
-        <inkml:traceFormat>
-          <inkml:channel name="X" type="integer" min="-2.14748E9" max="2.14748E9" units="cm"/>
-          <inkml:channel name="Y" type="integer" min="-2.14748E9" max="2.14748E9" units="cm"/>
-          <inkml:channel name="F" type="integer" max="32767" units="dev"/>
-        </inkml:traceFormat>
-        <inkml:channelProperties>
-          <inkml:channelProperty channel="X" name="resolution" value="1000" units="1/cm"/>
-          <inkml:channelProperty channel="Y" name="resolution" value="1000" units="1/cm"/>
-          <inkml:channelProperty channel="F" name="resolution" value="0" units="1/dev"/>
-        </inkml:channelProperties>
-      </inkml:inkSource>
       <inkml:timestamp xml:id="ts0" timeString="2024-11-14T13:34:12.999"/>
     </inkml:context>
     <inkml:brush xml:id="br0">
@@ -650,7 +478,7 @@
 </inkml:ink>
 </file>
 
-<file path=ppt/ink/ink26.xml><?xml version="1.0" encoding="utf-8"?>
+<file path=ppt/ink/ink21.xml><?xml version="1.0" encoding="utf-8"?>
 <inkml:ink xmlns:inkml="http://www.w3.org/2003/InkML">
   <inkml:definitions>
     <inkml:context xml:id="ctx0">
@@ -677,7 +505,7 @@
 </inkml:ink>
 </file>
 
-<file path=ppt/ink/ink27.xml><?xml version="1.0" encoding="utf-8"?>
+<file path=ppt/ink/ink22.xml><?xml version="1.0" encoding="utf-8"?>
 <inkml:ink xmlns:inkml="http://www.w3.org/2003/InkML">
   <inkml:definitions>
     <inkml:context xml:id="ctx0">
@@ -704,7 +532,7 @@
 </inkml:ink>
 </file>
 
-<file path=ppt/ink/ink28.xml><?xml version="1.0" encoding="utf-8"?>
+<file path=ppt/ink/ink23.xml><?xml version="1.0" encoding="utf-8"?>
 <inkml:ink xmlns:inkml="http://www.w3.org/2003/InkML">
   <inkml:definitions>
     <inkml:context xml:id="ctx0">
@@ -731,7 +559,7 @@
 </inkml:ink>
 </file>
 
-<file path=ppt/ink/ink29.xml><?xml version="1.0" encoding="utf-8"?>
+<file path=ppt/ink/ink24.xml><?xml version="1.0" encoding="utf-8"?>
 <inkml:ink xmlns:inkml="http://www.w3.org/2003/InkML">
   <inkml:definitions>
     <inkml:context xml:id="ctx0">
@@ -755,6 +583,141 @@
     </inkml:brush>
   </inkml:definitions>
   <inkml:trace contextRef="#ctx0" brushRef="#br0">62 1 24575,'1'0'0,"0"1"0,0 0 0,0-1 0,0 1 0,0 0 0,0 0 0,0-1 0,0 1 0,0 0 0,0 0 0,0 0 0,-1 0 0,1 0 0,0 0 0,-1 1 0,1-1 0,0 0 0,-1 0 0,0 0 0,1 1 0,-1-1 0,0 0 0,1 0 0,-1 1 0,0-1 0,0 0 0,0 2 0,3 43 0,-3-40 0,2 39 0,12 67 0,4 52 0,-14-134 0,0 51 0,-3-55 0,0 0 0,1 0 0,7 26 0,-3-6 0,-3-28 0,-3-44 0,0 4 0,-1-1 0,-1 1 0,-1-1 0,-1 1 0,-1 0 0,-1 0 0,-1 1 0,-15-34 0,7 20 0,3 0 0,-15-66 0,-4-12 0,29 107 0,0-1 0,0 0 0,0 0 0,1 1 0,0-1 0,0 0 0,1 0 0,-1 0 0,2 0 0,1-13 0,-1 17 0,0 0 0,0 0 0,1 0 0,-1 0 0,1 0 0,0 1 0,0-1 0,0 0 0,0 1 0,0-1 0,1 1 0,-1 0 0,1 0 0,-1 0 0,1 0 0,0 0 0,0 1 0,0-1 0,0 1 0,0 0 0,0-1 0,0 1 0,0 1 0,6-2 0,20-2 0,1 1 0,0 1 0,0 1 0,58 7 0,-83-5 0,-1 0 0,1 0 0,0 1 0,-1-1 0,1 1 0,-1 0 0,0 0 0,0 0 0,1 1 0,-2 0 0,1 0 0,0 0 0,0 0 0,-1 0 0,0 1 0,1-1 0,-2 1 0,1 0 0,4 7 0,0 2 0,0 0 0,-1 1 0,-1 0 0,0 0 0,3 16 0,-8-28 2,1 0-1,-1 0 1,0 0 0,1 0-1,-1 0 1,0 0-1,0 0 1,-1 0-1,1 0 1,0 0-1,-1 0 1,1 0 0,-1 0-1,1 0 1,-1-1-1,0 1 1,0 0-1,0 0 1,0-1 0,0 1-1,0 0 1,0-1-1,-1 1 1,1-1-1,-1 0 1,1 1-1,-1-1 1,1 0 0,-1 0-1,0 0 1,1 0-1,-1 0 1,0 0-1,0-1 1,0 1 0,0 0-1,0-1 1,0 0-1,0 1 1,0-1-1,-3 0 1,-14 2-112,0-1 1,0-1-1,-31-4 1,19 2-884,12 2-5833</inkml:trace>
+</inkml:ink>
+</file>
+
+<file path=ppt/ink/ink25.xml><?xml version="1.0" encoding="utf-8"?>
+<inkml:ink xmlns:inkml="http://www.w3.org/2003/InkML">
+  <inkml:definitions>
+    <inkml:context xml:id="ctx0">
+      <inkml:inkSource xml:id="inkSrc0">
+        <inkml:traceFormat>
+          <inkml:channel name="X" type="integer" min="-2.14748E9" max="2.14748E9" units="cm"/>
+          <inkml:channel name="Y" type="integer" min="-2.14748E9" max="2.14748E9" units="cm"/>
+          <inkml:channel name="F" type="integer" max="32767" units="dev"/>
+        </inkml:traceFormat>
+        <inkml:channelProperties>
+          <inkml:channelProperty channel="X" name="resolution" value="1000" units="1/cm"/>
+          <inkml:channelProperty channel="Y" name="resolution" value="1000" units="1/cm"/>
+          <inkml:channelProperty channel="F" name="resolution" value="0" units="1/dev"/>
+        </inkml:channelProperties>
+      </inkml:inkSource>
+      <inkml:timestamp xml:id="ts0" timeString="2024-11-14T13:34:32.319"/>
+    </inkml:context>
+    <inkml:brush xml:id="br0">
+      <inkml:brushProperty name="width" value="0.035" units="cm"/>
+      <inkml:brushProperty name="height" value="0.035" units="cm"/>
+    </inkml:brush>
+  </inkml:definitions>
+  <inkml:trace contextRef="#ctx0" brushRef="#br0">0 26 24575,'2'43'0,"1"1"0,9 43 0,-11-74 0,2 4 0,-2-30 0,-2-41 0,2-62 0,-1 114 4,0-1 0,0 1-1,1 0 1,-1 0 0,1 0 0,0 0-1,0 0 1,-1 0 0,1 1 0,0-1-1,0 0 1,1 0 0,-1 1 0,0-1-1,1 0 1,-1 1 0,1-1 0,-1 1-1,1 0 1,0 0 0,-1-1 0,1 1-1,0 0 1,0 0 0,0 1 0,0-1-1,0 0 1,0 1 0,0-1 0,0 1-1,3-1 1,2 1-169,-1-1 0,1 1 0,0 1 0,-1-1 0,1 1 0,-1 0 0,1 1 0,11 3 0,-4 1-6661</inkml:trace>
+</inkml:ink>
+</file>
+
+<file path=ppt/ink/ink26.xml><?xml version="1.0" encoding="utf-8"?>
+<inkml:ink xmlns:inkml="http://www.w3.org/2003/InkML">
+  <inkml:definitions>
+    <inkml:context xml:id="ctx0">
+      <inkml:inkSource xml:id="inkSrc0">
+        <inkml:traceFormat>
+          <inkml:channel name="X" type="integer" min="-2.14748E9" max="2.14748E9" units="cm"/>
+          <inkml:channel name="Y" type="integer" min="-2.14748E9" max="2.14748E9" units="cm"/>
+          <inkml:channel name="F" type="integer" max="32767" units="dev"/>
+        </inkml:traceFormat>
+        <inkml:channelProperties>
+          <inkml:channelProperty channel="X" name="resolution" value="1000" units="1/cm"/>
+          <inkml:channelProperty channel="Y" name="resolution" value="1000" units="1/cm"/>
+          <inkml:channelProperty channel="F" name="resolution" value="0" units="1/dev"/>
+        </inkml:channelProperties>
+      </inkml:inkSource>
+      <inkml:timestamp xml:id="ts0" timeString="2024-11-14T13:34:32.906"/>
+    </inkml:context>
+    <inkml:brush xml:id="br0">
+      <inkml:brushProperty name="width" value="0.035" units="cm"/>
+      <inkml:brushProperty name="height" value="0.035" units="cm"/>
+    </inkml:brush>
+  </inkml:definitions>
+  <inkml:trace contextRef="#ctx0" brushRef="#br0">23 23 24575,'-19'63'0,"18"-59"0,0 0 0,0 1 0,1-1 0,0 1 0,0-1 0,0 1 0,0-1 0,1 1 0,-1-1 0,1 1 0,1-1 0,-1 0 0,0 1 0,1-1 0,0 0 0,0 0 0,0 0 0,1 0 0,-1-1 0,1 1 0,0-1 0,0 1 0,0-1 0,0 0 0,1 0 0,-1 0 0,1-1 0,0 1 0,0-1 0,0 0 0,0 0 0,0 0 0,0-1 0,0 1 0,1-1 0,-1 0 0,1 0 0,-1-1 0,1 1 0,6-1 0,0 1 0,0 0 0,0-1 0,0 0 0,18-4 0,-26 4 0,0-1 0,0 0 0,0 0 0,0 0 0,0 0 0,-1-1 0,1 1 0,0-1 0,-1 1 0,1-1 0,-1 0 0,0 0 0,0 0 0,1 0 0,-2-1 0,1 1 0,0 0 0,0-1 0,-1 1 0,1-1 0,1-4 0,1-2 0,0-1 0,-1 1 0,0-1 0,-1 0 0,0 0 0,1-14 0,-3 22 0,0-1 0,0 0 0,-1 0 0,1 1 0,0-1 0,-1 0 0,0 1 0,0-1 0,0 0 0,0 1 0,0-1 0,0 1 0,-1 0 0,1-1 0,-1 1 0,1 0 0,-1 0 0,0 0 0,0 0 0,0 0 0,0 0 0,0 1 0,-1-1 0,1 0 0,0 1 0,-1 0 0,-4-2 0,-4-2-227,0 1-1,-1 0 1,1 1-1,-1 1 1,-15-3-1,10 4-6598</inkml:trace>
+</inkml:ink>
+</file>
+
+<file path=ppt/ink/ink27.xml><?xml version="1.0" encoding="utf-8"?>
+<inkml:ink xmlns:inkml="http://www.w3.org/2003/InkML">
+  <inkml:definitions>
+    <inkml:context xml:id="ctx0">
+      <inkml:inkSource xml:id="inkSrc0">
+        <inkml:traceFormat>
+          <inkml:channel name="X" type="integer" min="-2.14748E9" max="2.14748E9" units="cm"/>
+          <inkml:channel name="Y" type="integer" min="-2.14748E9" max="2.14748E9" units="cm"/>
+          <inkml:channel name="F" type="integer" max="32767" units="dev"/>
+        </inkml:traceFormat>
+        <inkml:channelProperties>
+          <inkml:channelProperty channel="X" name="resolution" value="1000" units="1/cm"/>
+          <inkml:channelProperty channel="Y" name="resolution" value="1000" units="1/cm"/>
+          <inkml:channelProperty channel="F" name="resolution" value="0" units="1/dev"/>
+        </inkml:channelProperties>
+      </inkml:inkSource>
+      <inkml:timestamp xml:id="ts0" timeString="2024-11-14T13:34:33.507"/>
+    </inkml:context>
+    <inkml:brush xml:id="br0">
+      <inkml:brushProperty name="width" value="0.035" units="cm"/>
+      <inkml:brushProperty name="height" value="0.035" units="cm"/>
+    </inkml:brush>
+  </inkml:definitions>
+  <inkml:trace contextRef="#ctx0" brushRef="#br0">91 81 24575,'0'-7'0,"-1"0"0,1 0 0,-1-1 0,-1 1 0,1 0 0,-5-13 0,5 19 0,1 0 0,-1 0 0,1 0 0,-1 0 0,0 0 0,1 0 0,-1 0 0,0 0 0,0 0 0,1 0 0,-1 1 0,0-1 0,0 0 0,0 0 0,0 1 0,0-1 0,0 1 0,0-1 0,0 1 0,-2-1 0,2 1 0,-1 0 0,0 0 0,1 0 0,-1 1 0,0-1 0,1 1 0,-1-1 0,1 1 0,-1-1 0,1 1 0,-1 0 0,1 0 0,-1-1 0,1 1 0,-1 0 0,1 0 0,0 1 0,-2 1 0,-1 1 0,1 0 0,0 0 0,0 0 0,1 1 0,-1-1 0,1 1 0,0 0 0,0-1 0,1 1 0,-1 0 0,1 0 0,0 0 0,0 0 0,1 0 0,0 0 0,0 0 0,0 0 0,0 1 0,1-1 0,-1 0 0,1 0 0,1 0 0,-1-1 0,1 1 0,0 0 0,0 0 0,0-1 0,1 1 0,-1-1 0,1 0 0,0 0 0,0 0 0,1 0 0,-1 0 0,1-1 0,0 1 0,0-1 0,0 0 0,0-1 0,1 1 0,-1 0 0,8 2 0,1-2-124,-1-1 0,1 0 0,-1-1 0,1 0 0,0-1 0,0-1-1,-1 0 1,1 0 0,0-1 0,15-5 0,-15 2-6702</inkml:trace>
+</inkml:ink>
+</file>
+
+<file path=ppt/ink/ink28.xml><?xml version="1.0" encoding="utf-8"?>
+<inkml:ink xmlns:inkml="http://www.w3.org/2003/InkML">
+  <inkml:definitions>
+    <inkml:context xml:id="ctx0">
+      <inkml:inkSource xml:id="inkSrc0">
+        <inkml:traceFormat>
+          <inkml:channel name="X" type="integer" min="-2.14748E9" max="2.14748E9" units="cm"/>
+          <inkml:channel name="Y" type="integer" min="-2.14748E9" max="2.14748E9" units="cm"/>
+          <inkml:channel name="F" type="integer" max="32767" units="dev"/>
+        </inkml:traceFormat>
+        <inkml:channelProperties>
+          <inkml:channelProperty channel="X" name="resolution" value="1000" units="1/cm"/>
+          <inkml:channelProperty channel="Y" name="resolution" value="1000" units="1/cm"/>
+          <inkml:channelProperty channel="F" name="resolution" value="0" units="1/dev"/>
+        </inkml:channelProperties>
+      </inkml:inkSource>
+      <inkml:timestamp xml:id="ts0" timeString="2024-11-14T13:34:34.408"/>
+    </inkml:context>
+    <inkml:brush xml:id="br0">
+      <inkml:brushProperty name="width" value="0.035" units="cm"/>
+      <inkml:brushProperty name="height" value="0.035" units="cm"/>
+    </inkml:brush>
+  </inkml:definitions>
+  <inkml:trace contextRef="#ctx0" brushRef="#br0">1 1 24575,'3'0'0,"5"0"0,5 0 0,4 0 0,2 0 0,2 0 0,1 0 0,0 0 0,0 0 0,0 0 0,0 0 0,-4 0-8191</inkml:trace>
+</inkml:ink>
+</file>
+
+<file path=ppt/ink/ink29.xml><?xml version="1.0" encoding="utf-8"?>
+<inkml:ink xmlns:inkml="http://www.w3.org/2003/InkML">
+  <inkml:definitions>
+    <inkml:context xml:id="ctx0">
+      <inkml:inkSource xml:id="inkSrc0">
+        <inkml:traceFormat>
+          <inkml:channel name="X" type="integer" min="-2.14748E9" max="2.14748E9" units="cm"/>
+          <inkml:channel name="Y" type="integer" min="-2.14748E9" max="2.14748E9" units="cm"/>
+          <inkml:channel name="F" type="integer" max="32767" units="dev"/>
+        </inkml:traceFormat>
+        <inkml:channelProperties>
+          <inkml:channelProperty channel="X" name="resolution" value="1000" units="1/cm"/>
+          <inkml:channelProperty channel="Y" name="resolution" value="1000" units="1/cm"/>
+          <inkml:channelProperty channel="F" name="resolution" value="0" units="1/dev"/>
+        </inkml:channelProperties>
+      </inkml:inkSource>
+      <inkml:timestamp xml:id="ts0" timeString="2024-11-14T13:34:34.826"/>
+    </inkml:context>
+    <inkml:brush xml:id="br0">
+      <inkml:brushProperty name="width" value="0.035" units="cm"/>
+      <inkml:brushProperty name="height" value="0.035" units="cm"/>
+    </inkml:brush>
+  </inkml:definitions>
+  <inkml:trace contextRef="#ctx0" brushRef="#br0">1 1 24575,'0'3'0,"0"6"0,0 4 0,0 3 0,0 3 0,3-1 0,2-1 0,-1 0 0,0 2 0,-2 0 0,0 1 0,-1 1 0,3-4 0,1 0 0,-1-1 0,0-2-8191</inkml:trace>
 </inkml:ink>
 </file>
 
@@ -801,141 +764,6 @@
           <inkml:channelProperty channel="F" name="resolution" value="0" units="1/dev"/>
         </inkml:channelProperties>
       </inkml:inkSource>
-      <inkml:timestamp xml:id="ts0" timeString="2024-11-14T13:34:32.319"/>
-    </inkml:context>
-    <inkml:brush xml:id="br0">
-      <inkml:brushProperty name="width" value="0.035" units="cm"/>
-      <inkml:brushProperty name="height" value="0.035" units="cm"/>
-    </inkml:brush>
-  </inkml:definitions>
-  <inkml:trace contextRef="#ctx0" brushRef="#br0">0 26 24575,'2'43'0,"1"1"0,9 43 0,-11-74 0,2 4 0,-2-30 0,-2-41 0,2-62 0,-1 114 4,0-1 0,0 1-1,1 0 1,-1 0 0,1 0 0,0 0-1,0 0 1,-1 0 0,1 1 0,0-1-1,0 0 1,1 0 0,-1 1 0,0-1-1,1 0 1,-1 1 0,1-1 0,-1 1-1,1 0 1,0 0 0,-1-1 0,1 1-1,0 0 1,0 0 0,0 1 0,0-1-1,0 0 1,0 1 0,0-1 0,0 1-1,3-1 1,2 1-169,-1-1 0,1 1 0,0 1 0,-1-1 0,1 1 0,-1 0 0,1 1 0,11 3 0,-4 1-6661</inkml:trace>
-</inkml:ink>
-</file>
-
-<file path=ppt/ink/ink31.xml><?xml version="1.0" encoding="utf-8"?>
-<inkml:ink xmlns:inkml="http://www.w3.org/2003/InkML">
-  <inkml:definitions>
-    <inkml:context xml:id="ctx0">
-      <inkml:inkSource xml:id="inkSrc0">
-        <inkml:traceFormat>
-          <inkml:channel name="X" type="integer" min="-2.14748E9" max="2.14748E9" units="cm"/>
-          <inkml:channel name="Y" type="integer" min="-2.14748E9" max="2.14748E9" units="cm"/>
-          <inkml:channel name="F" type="integer" max="32767" units="dev"/>
-        </inkml:traceFormat>
-        <inkml:channelProperties>
-          <inkml:channelProperty channel="X" name="resolution" value="1000" units="1/cm"/>
-          <inkml:channelProperty channel="Y" name="resolution" value="1000" units="1/cm"/>
-          <inkml:channelProperty channel="F" name="resolution" value="0" units="1/dev"/>
-        </inkml:channelProperties>
-      </inkml:inkSource>
-      <inkml:timestamp xml:id="ts0" timeString="2024-11-14T13:34:32.906"/>
-    </inkml:context>
-    <inkml:brush xml:id="br0">
-      <inkml:brushProperty name="width" value="0.035" units="cm"/>
-      <inkml:brushProperty name="height" value="0.035" units="cm"/>
-    </inkml:brush>
-  </inkml:definitions>
-  <inkml:trace contextRef="#ctx0" brushRef="#br0">23 23 24575,'-19'63'0,"18"-59"0,0 0 0,0 1 0,1-1 0,0 1 0,0-1 0,0 1 0,0-1 0,1 1 0,-1-1 0,1 1 0,1-1 0,-1 0 0,0 1 0,1-1 0,0 0 0,0 0 0,0 0 0,1 0 0,-1-1 0,1 1 0,0-1 0,0 1 0,0-1 0,0 0 0,1 0 0,-1 0 0,1-1 0,0 1 0,0-1 0,0 0 0,0 0 0,0 0 0,0-1 0,0 1 0,1-1 0,-1 0 0,1 0 0,-1-1 0,1 1 0,6-1 0,0 1 0,0 0 0,0-1 0,0 0 0,18-4 0,-26 4 0,0-1 0,0 0 0,0 0 0,0 0 0,0 0 0,-1-1 0,1 1 0,0-1 0,-1 1 0,1-1 0,-1 0 0,0 0 0,0 0 0,1 0 0,-2-1 0,1 1 0,0 0 0,0-1 0,-1 1 0,1-1 0,1-4 0,1-2 0,0-1 0,-1 1 0,0-1 0,-1 0 0,0 0 0,1-14 0,-3 22 0,0-1 0,0 0 0,-1 0 0,1 1 0,0-1 0,-1 0 0,0 1 0,0-1 0,0 0 0,0 1 0,0-1 0,0 1 0,-1 0 0,1-1 0,-1 1 0,1 0 0,-1 0 0,0 0 0,0 0 0,0 0 0,0 0 0,0 1 0,-1-1 0,1 0 0,0 1 0,-1 0 0,-4-2 0,-4-2-227,0 1-1,-1 0 1,1 1-1,-1 1 1,-15-3-1,10 4-6598</inkml:trace>
-</inkml:ink>
-</file>
-
-<file path=ppt/ink/ink32.xml><?xml version="1.0" encoding="utf-8"?>
-<inkml:ink xmlns:inkml="http://www.w3.org/2003/InkML">
-  <inkml:definitions>
-    <inkml:context xml:id="ctx0">
-      <inkml:inkSource xml:id="inkSrc0">
-        <inkml:traceFormat>
-          <inkml:channel name="X" type="integer" min="-2.14748E9" max="2.14748E9" units="cm"/>
-          <inkml:channel name="Y" type="integer" min="-2.14748E9" max="2.14748E9" units="cm"/>
-          <inkml:channel name="F" type="integer" max="32767" units="dev"/>
-        </inkml:traceFormat>
-        <inkml:channelProperties>
-          <inkml:channelProperty channel="X" name="resolution" value="1000" units="1/cm"/>
-          <inkml:channelProperty channel="Y" name="resolution" value="1000" units="1/cm"/>
-          <inkml:channelProperty channel="F" name="resolution" value="0" units="1/dev"/>
-        </inkml:channelProperties>
-      </inkml:inkSource>
-      <inkml:timestamp xml:id="ts0" timeString="2024-11-14T13:34:33.507"/>
-    </inkml:context>
-    <inkml:brush xml:id="br0">
-      <inkml:brushProperty name="width" value="0.035" units="cm"/>
-      <inkml:brushProperty name="height" value="0.035" units="cm"/>
-    </inkml:brush>
-  </inkml:definitions>
-  <inkml:trace contextRef="#ctx0" brushRef="#br0">91 81 24575,'0'-7'0,"-1"0"0,1 0 0,-1-1 0,-1 1 0,1 0 0,-5-13 0,5 19 0,1 0 0,-1 0 0,1 0 0,-1 0 0,0 0 0,1 0 0,-1 0 0,0 0 0,0 0 0,1 0 0,-1 1 0,0-1 0,0 0 0,0 0 0,0 1 0,0-1 0,0 1 0,0-1 0,0 1 0,-2-1 0,2 1 0,-1 0 0,0 0 0,1 0 0,-1 1 0,0-1 0,1 1 0,-1-1 0,1 1 0,-1-1 0,1 1 0,-1 0 0,1 0 0,-1-1 0,1 1 0,-1 0 0,1 0 0,0 1 0,-2 1 0,-1 1 0,1 0 0,0 0 0,0 0 0,1 1 0,-1-1 0,1 1 0,0 0 0,0-1 0,1 1 0,-1 0 0,1 0 0,0 0 0,0 0 0,1 0 0,0 0 0,0 0 0,0 0 0,0 1 0,1-1 0,-1 0 0,1 0 0,1 0 0,-1-1 0,1 1 0,0 0 0,0 0 0,0-1 0,1 1 0,-1-1 0,1 0 0,0 0 0,0 0 0,1 0 0,-1 0 0,1-1 0,0 1 0,0-1 0,0 0 0,0-1 0,1 1 0,-1 0 0,8 2 0,1-2-124,-1-1 0,1 0 0,-1-1 0,1 0 0,0-1 0,0-1-1,-1 0 1,1 0 0,0-1 0,15-5 0,-15 2-6702</inkml:trace>
-</inkml:ink>
-</file>
-
-<file path=ppt/ink/ink33.xml><?xml version="1.0" encoding="utf-8"?>
-<inkml:ink xmlns:inkml="http://www.w3.org/2003/InkML">
-  <inkml:definitions>
-    <inkml:context xml:id="ctx0">
-      <inkml:inkSource xml:id="inkSrc0">
-        <inkml:traceFormat>
-          <inkml:channel name="X" type="integer" min="-2.14748E9" max="2.14748E9" units="cm"/>
-          <inkml:channel name="Y" type="integer" min="-2.14748E9" max="2.14748E9" units="cm"/>
-          <inkml:channel name="F" type="integer" max="32767" units="dev"/>
-        </inkml:traceFormat>
-        <inkml:channelProperties>
-          <inkml:channelProperty channel="X" name="resolution" value="1000" units="1/cm"/>
-          <inkml:channelProperty channel="Y" name="resolution" value="1000" units="1/cm"/>
-          <inkml:channelProperty channel="F" name="resolution" value="0" units="1/dev"/>
-        </inkml:channelProperties>
-      </inkml:inkSource>
-      <inkml:timestamp xml:id="ts0" timeString="2024-11-14T13:34:34.408"/>
-    </inkml:context>
-    <inkml:brush xml:id="br0">
-      <inkml:brushProperty name="width" value="0.035" units="cm"/>
-      <inkml:brushProperty name="height" value="0.035" units="cm"/>
-    </inkml:brush>
-  </inkml:definitions>
-  <inkml:trace contextRef="#ctx0" brushRef="#br0">1 1 24575,'3'0'0,"5"0"0,5 0 0,4 0 0,2 0 0,2 0 0,1 0 0,0 0 0,0 0 0,0 0 0,0 0 0,-4 0-8191</inkml:trace>
-</inkml:ink>
-</file>
-
-<file path=ppt/ink/ink34.xml><?xml version="1.0" encoding="utf-8"?>
-<inkml:ink xmlns:inkml="http://www.w3.org/2003/InkML">
-  <inkml:definitions>
-    <inkml:context xml:id="ctx0">
-      <inkml:inkSource xml:id="inkSrc0">
-        <inkml:traceFormat>
-          <inkml:channel name="X" type="integer" min="-2.14748E9" max="2.14748E9" units="cm"/>
-          <inkml:channel name="Y" type="integer" min="-2.14748E9" max="2.14748E9" units="cm"/>
-          <inkml:channel name="F" type="integer" max="32767" units="dev"/>
-        </inkml:traceFormat>
-        <inkml:channelProperties>
-          <inkml:channelProperty channel="X" name="resolution" value="1000" units="1/cm"/>
-          <inkml:channelProperty channel="Y" name="resolution" value="1000" units="1/cm"/>
-          <inkml:channelProperty channel="F" name="resolution" value="0" units="1/dev"/>
-        </inkml:channelProperties>
-      </inkml:inkSource>
-      <inkml:timestamp xml:id="ts0" timeString="2024-11-14T13:34:34.826"/>
-    </inkml:context>
-    <inkml:brush xml:id="br0">
-      <inkml:brushProperty name="width" value="0.035" units="cm"/>
-      <inkml:brushProperty name="height" value="0.035" units="cm"/>
-    </inkml:brush>
-  </inkml:definitions>
-  <inkml:trace contextRef="#ctx0" brushRef="#br0">1 1 24575,'0'3'0,"0"6"0,0 4 0,0 3 0,0 3 0,3-1 0,2-1 0,-1 0 0,0 2 0,-2 0 0,0 1 0,-1 1 0,3-4 0,1 0 0,-1-1 0,0-2-8191</inkml:trace>
-</inkml:ink>
-</file>
-
-<file path=ppt/ink/ink35.xml><?xml version="1.0" encoding="utf-8"?>
-<inkml:ink xmlns:inkml="http://www.w3.org/2003/InkML">
-  <inkml:definitions>
-    <inkml:context xml:id="ctx0">
-      <inkml:inkSource xml:id="inkSrc0">
-        <inkml:traceFormat>
-          <inkml:channel name="X" type="integer" min="-2.14748E9" max="2.14748E9" units="cm"/>
-          <inkml:channel name="Y" type="integer" min="-2.14748E9" max="2.14748E9" units="cm"/>
-          <inkml:channel name="F" type="integer" max="32767" units="dev"/>
-        </inkml:traceFormat>
-        <inkml:channelProperties>
-          <inkml:channelProperty channel="X" name="resolution" value="1000" units="1/cm"/>
-          <inkml:channelProperty channel="Y" name="resolution" value="1000" units="1/cm"/>
-          <inkml:channelProperty channel="F" name="resolution" value="0" units="1/dev"/>
-        </inkml:channelProperties>
-      </inkml:inkSource>
       <inkml:timestamp xml:id="ts0" timeString="2024-11-14T13:34:35.434"/>
     </inkml:context>
     <inkml:brush xml:id="br0">
@@ -947,7 +775,7 @@
 </inkml:ink>
 </file>
 
-<file path=ppt/ink/ink36.xml><?xml version="1.0" encoding="utf-8"?>
+<file path=ppt/ink/ink31.xml><?xml version="1.0" encoding="utf-8"?>
 <inkml:ink xmlns:inkml="http://www.w3.org/2003/InkML">
   <inkml:definitions>
     <inkml:context xml:id="ctx0">
@@ -974,6 +802,141 @@
 </inkml:ink>
 </file>
 
+<file path=ppt/ink/ink32.xml><?xml version="1.0" encoding="utf-8"?>
+<inkml:ink xmlns:inkml="http://www.w3.org/2003/InkML">
+  <inkml:definitions>
+    <inkml:context xml:id="ctx0">
+      <inkml:inkSource xml:id="inkSrc0">
+        <inkml:traceFormat>
+          <inkml:channel name="X" type="integer" min="-2.14748E9" max="2.14748E9" units="cm"/>
+          <inkml:channel name="Y" type="integer" min="-2.14748E9" max="2.14748E9" units="cm"/>
+          <inkml:channel name="F" type="integer" max="32767" units="dev"/>
+        </inkml:traceFormat>
+        <inkml:channelProperties>
+          <inkml:channelProperty channel="X" name="resolution" value="1000" units="1/cm"/>
+          <inkml:channelProperty channel="Y" name="resolution" value="1000" units="1/cm"/>
+          <inkml:channelProperty channel="F" name="resolution" value="0" units="1/dev"/>
+        </inkml:channelProperties>
+      </inkml:inkSource>
+      <inkml:timestamp xml:id="ts0" timeString="2024-11-14T13:34:51.942"/>
+    </inkml:context>
+    <inkml:brush xml:id="br0">
+      <inkml:brushProperty name="width" value="0.035" units="cm"/>
+      <inkml:brushProperty name="height" value="0.035" units="cm"/>
+    </inkml:brush>
+  </inkml:definitions>
+  <inkml:trace contextRef="#ctx0" brushRef="#br0">0 0 24575</inkml:trace>
+</inkml:ink>
+</file>
+
+<file path=ppt/ink/ink33.xml><?xml version="1.0" encoding="utf-8"?>
+<inkml:ink xmlns:inkml="http://www.w3.org/2003/InkML">
+  <inkml:definitions>
+    <inkml:context xml:id="ctx0">
+      <inkml:inkSource xml:id="inkSrc0">
+        <inkml:traceFormat>
+          <inkml:channel name="X" type="integer" min="-2.14748E9" max="2.14748E9" units="cm"/>
+          <inkml:channel name="Y" type="integer" min="-2.14748E9" max="2.14748E9" units="cm"/>
+          <inkml:channel name="F" type="integer" max="32767" units="dev"/>
+        </inkml:traceFormat>
+        <inkml:channelProperties>
+          <inkml:channelProperty channel="X" name="resolution" value="1000" units="1/cm"/>
+          <inkml:channelProperty channel="Y" name="resolution" value="1000" units="1/cm"/>
+          <inkml:channelProperty channel="F" name="resolution" value="0" units="1/dev"/>
+        </inkml:channelProperties>
+      </inkml:inkSource>
+      <inkml:timestamp xml:id="ts0" timeString="2024-11-14T13:35:08.754"/>
+    </inkml:context>
+    <inkml:brush xml:id="br0">
+      <inkml:brushProperty name="width" value="0.035" units="cm"/>
+      <inkml:brushProperty name="height" value="0.035" units="cm"/>
+    </inkml:brush>
+  </inkml:definitions>
+  <inkml:trace contextRef="#ctx0" brushRef="#br0">255 0 24575,'0'1250'0,"0"-1246"0,-1-1 0,1 1 0,0-1 0,-1 1 0,0-1 0,0 1 0,0-1 0,0 0 0,0 1 0,-1-1 0,-3 6 0,5-9 0,-1 1 0,1-1 0,0 1 0,-1-1 0,1 0 0,-1 1 0,1-1 0,-1 1 0,1-1 0,-1 0 0,1 0 0,-1 1 0,1-1 0,-1 0 0,0 0 0,1 1 0,-1-1 0,1 0 0,-1 0 0,0 0 0,1 0 0,-1 0 0,0 0 0,1 0 0,-1 0 0,0 0 0,-1-1 0,1 0 0,-1 0 0,1 0 0,0 0 0,-1 0 0,1 0 0,0 0 0,0 0 0,-1-1 0,1 1 0,0 0 0,0-1 0,0 1 0,-1-3 0,-25-49 0,20 37 0,-1 1 0,-1 0 0,-19-27 0,4 11 0,1-2 0,2 0 0,-24-53 0,32 51 0,13 35 0,0 0 0,0 0 0,0 0 0,0-1 0,0 1 0,0 0 0,0 0 0,0 0 0,0 0 0,0 0 0,0 0 0,0 0 0,0 0 0,0-1 0,0 1 0,0 0 0,0 0 0,0 0 0,0 0 0,0 0 0,0 0 0,0 0 0,0 0 0,0 0 0,1 0 0,-1-1 0,0 1 0,0 0 0,0 0 0,0 0 0,0 0 0,0 0 0,0 0 0,0 0 0,0 0 0,1 0 0,-1 0 0,0 0 0,0 0 0,0 0 0,0 0 0,0 0 0,0 0 0,0 0 0,1 0 0,-1 0 0,0 0 0,0 0 0,0 0 0,0 0 0,0 0 0,0 0 0,0 0 0,0 0 0,0 1 0,1-1 0,-1 0 0,0 0 0,0 0 0,0 0 0,0 0 0,0 0 0,0 0 0,0 0 0,0 0 0,0 0 0,0 1 0,16 16 0,26 41 0,-28-37 0,2 0 0,0-1 0,1-1 0,0 0 0,29 22 0,-35-31 0,0-1 0,0 1 0,11 15 0,-10-11 0,-10-13 0,-1 0 0,0 0 0,0 0 0,0 1 0,0-1 0,1-1 0,-1 1 0,0 0 0,1 0 0,-1 0 0,1-1 0,-1 1 0,1-1 0,-1 1 0,1-1 0,-1 0 0,1 1 0,-1-1 0,1 0 0,0 0 0,-1 0 0,3 0 0,-1-1 0,0 0 0,0 0 0,0 0 0,0-1 0,-1 1 0,1-1 0,0 1 0,0-1 0,-1 0 0,5-4 0,5-7 0,-1 0 0,0 0 0,13-22 0,-16 22 0,44-53 0,-38 50 0,-1 0 0,0-1 0,-1-1 0,13-25 0,-43 56 0,-8 15 0,1 6 0,0-1 0,-37 35 0,35-39 0,20-22-114,1 0 1,0 0-1,0 1 0,1 0 0,0 0 1,0 0-1,1 1 0,0 0 0,1-1 1,0 1-1,-3 12 0,4-5-6712</inkml:trace>
+</inkml:ink>
+</file>
+
+<file path=ppt/ink/ink34.xml><?xml version="1.0" encoding="utf-8"?>
+<inkml:ink xmlns:inkml="http://www.w3.org/2003/InkML">
+  <inkml:definitions>
+    <inkml:context xml:id="ctx0">
+      <inkml:inkSource xml:id="inkSrc0">
+        <inkml:traceFormat>
+          <inkml:channel name="X" type="integer" min="-2.14748E9" max="2.14748E9" units="cm"/>
+          <inkml:channel name="Y" type="integer" min="-2.14748E9" max="2.14748E9" units="cm"/>
+          <inkml:channel name="F" type="integer" max="32767" units="dev"/>
+        </inkml:traceFormat>
+        <inkml:channelProperties>
+          <inkml:channelProperty channel="X" name="resolution" value="1000" units="1/cm"/>
+          <inkml:channelProperty channel="Y" name="resolution" value="1000" units="1/cm"/>
+          <inkml:channelProperty channel="F" name="resolution" value="0" units="1/dev"/>
+        </inkml:channelProperties>
+      </inkml:inkSource>
+      <inkml:timestamp xml:id="ts0" timeString="2024-11-14T13:35:10.630"/>
+    </inkml:context>
+    <inkml:brush xml:id="br0">
+      <inkml:brushProperty name="width" value="0.035" units="cm"/>
+      <inkml:brushProperty name="height" value="0.035" units="cm"/>
+    </inkml:brush>
+  </inkml:definitions>
+  <inkml:trace contextRef="#ctx0" brushRef="#br0">4 109 24575,'-1'39'0,"0"-22"0,1 1 0,0-1 0,1 1 0,1-1 0,7 30 0,-7-42 0,0-1 0,0 1 0,0-1 0,0 1 0,1-1 0,0 0 0,0 0 0,0 0 0,0 0 0,1-1 0,-1 1 0,1-1 0,0 0 0,0 0 0,0 0 0,0-1 0,1 1 0,-1-1 0,1 0 0,-1-1 0,1 1 0,0-1 0,0 1 0,0-1 0,5 0 0,8 1 0,0 0 0,32-1 0,-43-1 0,-1 0 0,1-1 0,-1 0 0,0 0 0,1-1 0,-1 0 0,0 0 0,0 0 0,0-1 0,0 0 0,6-4 0,-8 3 0,0 0 0,0 0 0,-1-1 0,1 0 0,-1 1 0,0-1 0,-1 0 0,1-1 0,-1 1 0,0 0 0,0-1 0,-1 1 0,0-1 0,0 0 0,1-8 0,0-6 0,-1-1 0,-1 1 0,-3-21 0,2 34 0,-1-1 0,0 0 0,0 1 0,-1 0 0,0-1 0,-1 1 0,1 1 0,-1-1 0,0 0 0,-1 1 0,0 0 0,0 0 0,0 0 0,-1 1 0,1-1 0,-1 1 0,-1 1 0,1-1 0,-1 1 0,1 0 0,-1 1 0,0-1 0,-1 2 0,1-1 0,-1 1 0,1 0 0,-1 0 0,1 1 0,-13-1 0,14 2 0,0 0 0,0 0 0,0 1 0,0-1 0,0 1 0,0 1 0,0-1 0,0 1 0,1 0 0,-1 1 0,0-1 0,1 1 0,0 0 0,0 1 0,0-1 0,0 1 0,0 0 0,1 0 0,-1 0 0,1 1 0,0-1 0,1 1 0,-1 0 0,1 0 0,0 1 0,0-1 0,0 1 0,1-1 0,0 1 0,0 0 0,1 0 0,-1 0 0,0 11 0,2-16-10,-2 10 32,1 0 0,1 0 0,0-1 0,0 1-1,4 19 1,-3-27-71,0-1-1,0 1 1,0-1-1,0 0 1,0 1-1,0-1 0,1 0 1,-1 0-1,1 0 1,-1 0-1,1 0 1,0 0-1,0 0 1,0-1-1,0 1 1,0-1-1,0 1 0,0-1 1,0 0-1,1 0 1,-1 0-1,0 0 1,1 0-1,-1-1 1,1 1-1,-1-1 1,1 1-1,0-1 0,3 0 1,12 1-6777</inkml:trace>
+</inkml:ink>
+</file>
+
+<file path=ppt/ink/ink35.xml><?xml version="1.0" encoding="utf-8"?>
+<inkml:ink xmlns:inkml="http://www.w3.org/2003/InkML">
+  <inkml:definitions>
+    <inkml:context xml:id="ctx0">
+      <inkml:inkSource xml:id="inkSrc0">
+        <inkml:traceFormat>
+          <inkml:channel name="X" type="integer" min="-2.14748E9" max="2.14748E9" units="cm"/>
+          <inkml:channel name="Y" type="integer" min="-2.14748E9" max="2.14748E9" units="cm"/>
+          <inkml:channel name="F" type="integer" max="32767" units="dev"/>
+        </inkml:traceFormat>
+        <inkml:channelProperties>
+          <inkml:channelProperty channel="X" name="resolution" value="1000" units="1/cm"/>
+          <inkml:channelProperty channel="Y" name="resolution" value="1000" units="1/cm"/>
+          <inkml:channelProperty channel="F" name="resolution" value="0" units="1/dev"/>
+        </inkml:channelProperties>
+      </inkml:inkSource>
+      <inkml:timestamp xml:id="ts0" timeString="2024-11-14T13:35:11.449"/>
+    </inkml:context>
+    <inkml:brush xml:id="br0">
+      <inkml:brushProperty name="width" value="0.035" units="cm"/>
+      <inkml:brushProperty name="height" value="0.035" units="cm"/>
+    </inkml:brush>
+  </inkml:definitions>
+  <inkml:trace contextRef="#ctx0" brushRef="#br0">0 9 24575,'1'7'0,"0"0"0,1 0 0,-1 0 0,1 0 0,1 0 0,-1 0 0,7 11 0,-5-10 0,-1 0 0,1 0 0,-1 1 0,3 16 0,-3 21 0,-3-32 0,1-1 0,0 0 0,1 0 0,0 1 0,6 14 0,-7-25 0,0 0 0,1 0 0,-1 0 0,1 0 0,0 0 0,0 0 0,0-1 0,0 1 0,0 0 0,1-1 0,-1 0 0,1 0 0,-1 0 0,1 0 0,0 0 0,0 0 0,0-1 0,0 1 0,0-1 0,0 0 0,1 0 0,-1 0 0,0 0 0,1-1 0,3 1 0,-3 0 0,0-1 0,1 1 0,-1-1 0,0 0 0,0 0 0,0-1 0,0 1 0,0-1 0,0 0 0,0 0 0,0 0 0,0-1 0,0 0 0,-1 1 0,1-1 0,-1 0 0,1-1 0,-1 1 0,0-1 0,5-3 0,-3-1 0,0 0 0,0-1 0,0 1 0,-1-1 0,-1 0 0,1 0 0,-1 0 0,3-15 0,2-4 0,-3 6 0,1 1 0,1 0 0,16-34 0,-9 13 0,-13 18 0,-2 22 0,1 1 0,0-1 0,0 1 0,0-1 0,0 1 0,-1-1 0,1 1 0,0-1 0,-1 1 0,1-1 0,0 1 0,-1 0 0,1-1 0,0 1 0,-1 0 0,1-1 0,-1 1 0,1 0 0,0-1 0,-1 1 0,1 0 0,-1 0 0,1-1 0,-1 1 0,1 0 0,-1 0 0,1 0 0,-1 0 0,0 0 0,1 0 0,-1 0 0,-1 0 0,1 1 0,0-1 0,-1 1 0,1 0 0,0 0 0,-1-1 0,1 1 0,0 0 0,0 0 0,0 0 0,0 0 0,0 0 0,0 0 0,0 1 0,0-1 0,0 0 0,1 0 0,-1 1 0,0-1 0,1 0 0,-1 1 0,1-1 0,0 1 0,-1-1 0,1 1 0,0-1 0,0 0 0,0 3 0,-5 46 0,5-46 0,0 8 0,-1 5 0,1-1 0,4 30 0,-3-41 0,0 0 0,0 1 0,1-1 0,0 0 0,0 1 0,0-1 0,1 0 0,0-1 0,-1 1 0,2 0 0,-1-1 0,5 5 0,19 23 0,-21-24 0,1-1 0,-1 0 0,1 0 0,0 0 0,0-1 0,10 6 0,-13-9-42,10 6 76,0 0-1,0-1 0,1-1 1,23 8-1,-34-14-92,0 0-1,-1 0 1,1 0-1,0-1 0,0 1 1,0-1-1,0 0 0,-1 0 1,1 0-1,0-1 1,0 1-1,0-1 0,0 0 1,-1 0-1,1 0 1,0-1-1,-1 1 0,1-1 1,-1 0-1,0 0 0,1 0 1,-1 0-1,0-1 1,5-5-1,3-4-6766</inkml:trace>
+</inkml:ink>
+</file>
+
+<file path=ppt/ink/ink36.xml><?xml version="1.0" encoding="utf-8"?>
+<inkml:ink xmlns:inkml="http://www.w3.org/2003/InkML">
+  <inkml:definitions>
+    <inkml:context xml:id="ctx0">
+      <inkml:inkSource xml:id="inkSrc0">
+        <inkml:traceFormat>
+          <inkml:channel name="X" type="integer" min="-2.14748E9" max="2.14748E9" units="cm"/>
+          <inkml:channel name="Y" type="integer" min="-2.14748E9" max="2.14748E9" units="cm"/>
+          <inkml:channel name="F" type="integer" max="32767" units="dev"/>
+        </inkml:traceFormat>
+        <inkml:channelProperties>
+          <inkml:channelProperty channel="X" name="resolution" value="1000" units="1/cm"/>
+          <inkml:channelProperty channel="Y" name="resolution" value="1000" units="1/cm"/>
+          <inkml:channelProperty channel="F" name="resolution" value="0" units="1/dev"/>
+        </inkml:channelProperties>
+      </inkml:inkSource>
+      <inkml:timestamp xml:id="ts0" timeString="2024-11-14T13:35:12.015"/>
+    </inkml:context>
+    <inkml:brush xml:id="br0">
+      <inkml:brushProperty name="width" value="0.035" units="cm"/>
+      <inkml:brushProperty name="height" value="0.035" units="cm"/>
+    </inkml:brush>
+  </inkml:definitions>
+  <inkml:trace contextRef="#ctx0" brushRef="#br0">2 0 24575,'-2'117'0,"5"126"0,7-185 0,1 12 0,-10-57 0,0 0 0,0 0 0,1 0 0,1 0 0,0-1 0,8 21 0,-10-29 0,1 0 0,0-1 0,0 1 0,0-1 0,0 1 0,0-1 0,1 0 0,0 0 0,-1 0 0,1 0 0,0 0 0,1-1 0,-1 1 0,0-1 0,1 0 0,-1 0 0,1 0 0,-1-1 0,1 1 0,0-1 0,0 0 0,0 0 0,0 0 0,7 0 0,-7 0 0,0-1 0,0 0 0,0 1 0,0-2 0,0 1 0,0 0 0,0-1 0,0 0 0,-1 1 0,1-2 0,0 1 0,0 0 0,-1-1 0,1 0 0,-1 1 0,0-1 0,1-1 0,-1 1 0,0 0 0,0-1 0,0 0 0,-1 0 0,1 1 0,0-2 0,-1 1 0,0 0 0,0 0 0,0-1 0,0 1 0,-1-1 0,1 0 0,-1 1 0,0-1 0,0 0 0,0 0 0,-1 0 0,1 1 0,-1-7 0,1 7-42,0-1-1,0 1 0,-1-1 1,1 1-1,-1-1 0,0 1 1,0-1-1,-1 1 0,1-1 1,-1 1-1,1-1 0,-1 1 1,0-1-1,0 1 0,-1 0 1,1 0-1,-1-1 0,1 1 1,-1 0-1,0 1 0,0-1 1,-1 0-1,1 0 0,0 1 1,-1-1-1,0 1 0,0 0 1,1 0-1,-1 0 0,0 0 1,-6-2-1,-5-1-6783</inkml:trace>
+</inkml:ink>
+</file>
+
 <file path=ppt/ink/ink37.xml><?xml version="1.0" encoding="utf-8"?>
 <inkml:ink xmlns:inkml="http://www.w3.org/2003/InkML">
   <inkml:definitions>
@@ -990,14 +953,14 @@
           <inkml:channelProperty channel="F" name="resolution" value="0" units="1/dev"/>
         </inkml:channelProperties>
       </inkml:inkSource>
-      <inkml:timestamp xml:id="ts0" timeString="2024-11-14T13:34:47.561"/>
+      <inkml:timestamp xml:id="ts0" timeString="2024-11-14T13:35:12.403"/>
     </inkml:context>
     <inkml:brush xml:id="br0">
       <inkml:brushProperty name="width" value="0.035" units="cm"/>
       <inkml:brushProperty name="height" value="0.035" units="cm"/>
     </inkml:brush>
   </inkml:definitions>
-  <inkml:trace contextRef="#ctx0" brushRef="#br0">1 1 24575,'0'0'-8191</inkml:trace>
+  <inkml:trace contextRef="#ctx0" brushRef="#br0">1 1 24575,'3'0'0,"6"0"0,4 0 0,3 0 0,4 0 0,1 0 0,0 0 0,1 0 0,0 0 0,0 0 0,0 0 0,0 0 0,-5 0-8191</inkml:trace>
 </inkml:ink>
 </file>
 
@@ -1017,14 +980,14 @@
           <inkml:channelProperty channel="F" name="resolution" value="0" units="1/dev"/>
         </inkml:channelProperties>
       </inkml:inkSource>
-      <inkml:timestamp xml:id="ts0" timeString="2024-11-14T13:34:48.122"/>
+      <inkml:timestamp xml:id="ts0" timeString="2024-11-14T13:35:13.099"/>
     </inkml:context>
     <inkml:brush xml:id="br0">
       <inkml:brushProperty name="width" value="0.035" units="cm"/>
       <inkml:brushProperty name="height" value="0.035" units="cm"/>
     </inkml:brush>
   </inkml:definitions>
-  <inkml:trace contextRef="#ctx0" brushRef="#br0">0 1 24575,'0'0'-8191</inkml:trace>
+  <inkml:trace contextRef="#ctx0" brushRef="#br0">0 9 24575,'4'0'0,"4"0"0,5 0 0,4 0 0,2 0 0,2 0 0,1 0 0,0 0 0,0 0 0,-1 0 0,-2-3 0,-6-2-8191</inkml:trace>
 </inkml:ink>
 </file>
 
@@ -1044,14 +1007,14 @@
           <inkml:channelProperty channel="F" name="resolution" value="0" units="1/dev"/>
         </inkml:channelProperties>
       </inkml:inkSource>
-      <inkml:timestamp xml:id="ts0" timeString="2024-11-14T13:34:48.597"/>
+      <inkml:timestamp xml:id="ts0" timeString="2024-11-14T13:35:13.630"/>
     </inkml:context>
     <inkml:brush xml:id="br0">
       <inkml:brushProperty name="width" value="0.035" units="cm"/>
       <inkml:brushProperty name="height" value="0.035" units="cm"/>
     </inkml:brush>
   </inkml:definitions>
-  <inkml:trace contextRef="#ctx0" brushRef="#br0">0 1 24575,'0'0'-8191</inkml:trace>
+  <inkml:trace contextRef="#ctx0" brushRef="#br0">1 311 24575,'1'-9'0,"0"0"0,0 1 0,1-1 0,0 0 0,1 1 0,0-1 0,0 1 0,1 0 0,4-9 0,50-71 0,-38 59 0,24-52 0,-35 64 0,-9 17 0,0 0 0,0 0 0,0 0 0,0 0 0,0 0 0,0 1 0,0-1 0,0 0 0,0 0 0,0 0 0,0 0 0,1 0 0,-1 0 0,0 0 0,0 1 0,0-1 0,0 0 0,0 0 0,0 0 0,1 0 0,-1 0 0,0 0 0,0 0 0,0 0 0,0 0 0,0 0 0,1 0 0,-1 0 0,0 0 0,0 0 0,0 0 0,0 0 0,1 0 0,-1 0 0,0 0 0,0 0 0,0 0 0,0 0 0,0 0 0,1 0 0,-1 0 0,0 0 0,0-1 0,0 1 0,0 0 0,0 0 0,0 0 0,0 0 0,1 0 0,-1 0 0,0 0 0,0-1 0,0 1 0,0 0 0,0 0 0,0 0 0,0 0 0,0 0 0,0 0 0,0-1 0,0 1 0,0 0 0,0 0 0,4 22 0,-2 28 0,-5 15-73,1-41-143,0 0 1,2 0 0,1 1 0,1-1-1,9 42 1,-7-53-6611</inkml:trace>
 </inkml:ink>
 </file>
 
@@ -1098,14 +1061,14 @@
           <inkml:channelProperty channel="F" name="resolution" value="0" units="1/dev"/>
         </inkml:channelProperties>
       </inkml:inkSource>
-      <inkml:timestamp xml:id="ts0" timeString="2024-11-14T13:34:49.360"/>
+      <inkml:timestamp xml:id="ts0" timeString="2024-11-14T13:35:15.384"/>
     </inkml:context>
     <inkml:brush xml:id="br0">
       <inkml:brushProperty name="width" value="0.035" units="cm"/>
       <inkml:brushProperty name="height" value="0.035" units="cm"/>
     </inkml:brush>
   </inkml:definitions>
-  <inkml:trace contextRef="#ctx0" brushRef="#br0">1 1 24575,'0'0'-8191</inkml:trace>
+  <inkml:trace contextRef="#ctx0" brushRef="#br0">103 44 24575,'-19'63'0,"19"-62"0,-2 12 0,1 0 0,0 0 0,1 0 0,2 14 0,-2-23 0,1-1 0,-1 1 0,1-1 0,1 1 0,-1-1 0,0 0 0,1 1 0,-1-1 0,1 0 0,0 0 0,0 0 0,0-1 0,1 1 0,-1 0 0,1-1 0,-1 1 0,1-1 0,0 0 0,5 3 0,1 0 0,0-1 0,0 0 0,0 0 0,0-1 0,1 0 0,-1-1 0,1 0 0,0 0 0,12 0 0,-19-2 0,0 0 0,-1 0 0,1 0 0,0 0 0,-1-1 0,1 1 0,0-1 0,-1 0 0,1 1 0,-1-1 0,1 0 0,-1-1 0,1 1 0,-1 0 0,0-1 0,0 1 0,1-1 0,-1 0 0,0 0 0,-1 0 0,1 0 0,0 0 0,0 0 0,-1 0 0,0 0 0,1-1 0,-1 1 0,0-1 0,0 1 0,0-1 0,0 1 0,-1-1 0,1 0 0,-1 1 0,1-1 0,-1-5 0,1-5 0,-1 0 0,0 1 0,0-1 0,-2 0 0,1 1 0,-2-1 0,1 1 0,-2 0 0,-5-15 0,6 22 0,1 0 0,-1 0 0,0 1 0,0-1 0,-1 1 0,1 0 0,-1-1 0,0 2 0,0-1 0,0 0 0,-1 1 0,1 0 0,-1 0 0,0 0 0,0 1 0,0-1 0,0 1 0,0 1 0,0-1 0,-1 1 0,1-1 0,0 1 0,-10 0 0,9 1 0,-1 0 0,0 0 0,1 0 0,-1 1 0,0 0 0,1 0 0,-1 1 0,1 0 0,0 0 0,-1 0 0,1 1 0,0 0 0,0 0 0,1 1 0,-1-1 0,1 1 0,-1 0 0,1 1 0,1-1 0,-1 1 0,0 0 0,1 0 0,0 1 0,1-1 0,-1 1 0,1 0 0,0 0 0,0 0 0,1 0 0,0 1 0,0-1 0,-2 12 0,5-3-1365,2-3-5461</inkml:trace>
 </inkml:ink>
 </file>
 
@@ -1125,14 +1088,14 @@
           <inkml:channelProperty channel="F" name="resolution" value="0" units="1/dev"/>
         </inkml:channelProperties>
       </inkml:inkSource>
-      <inkml:timestamp xml:id="ts0" timeString="2024-11-14T13:34:51.136"/>
+      <inkml:timestamp xml:id="ts0" timeString="2024-11-14T13:35:16.032"/>
     </inkml:context>
     <inkml:brush xml:id="br0">
       <inkml:brushProperty name="width" value="0.035" units="cm"/>
       <inkml:brushProperty name="height" value="0.035" units="cm"/>
     </inkml:brush>
   </inkml:definitions>
-  <inkml:trace contextRef="#ctx0" brushRef="#br0">0 0 24575,'4'0'0</inkml:trace>
+  <inkml:trace contextRef="#ctx0" brushRef="#br0">3 0 24575,'0'39'0,"-2"-23"0,1-1 0,1 1 0,1-1 0,0 1 0,1 0 0,1-1 0,0 0 0,1 0 0,0 0 0,9 18 0,-11-31 0,-1 0 0,1 1 0,0-1 0,0 0 0,0 0 0,1 0 0,-1 0 0,0-1 0,1 1 0,-1-1 0,1 1 0,-1-1 0,1 0 0,0 0 0,0 0 0,-1 0 0,1-1 0,0 1 0,0-1 0,0 1 0,0-1 0,0 0 0,0 0 0,0 0 0,0-1 0,-1 1 0,1-1 0,0 0 0,0 0 0,0 0 0,-1 0 0,1 0 0,0 0 0,-1-1 0,1 1 0,-1-1 0,0 0 0,1 1 0,-1-1 0,0 0 0,0-1 0,0 1 0,-1 0 0,1 0 0,0-1 0,-1 1 0,1-1 0,1-4 0,11-35 0,-2 0 0,7-44 0,-22 128 0,2-27 0,0-1 0,0 1 0,1-1 0,1 1 0,0-1 0,1 1 0,8 25 0,-8-37 0,0 0 0,1 1 0,-1-1 0,1 0 0,0 0 0,0-1 0,0 1 0,0-1 0,1 1 0,-1-1 0,1 0 0,-1 0 0,1-1 0,0 1 0,-1-1 0,1 0 0,0 0 0,0 0 0,6 1 0,10 1 0,0-1 0,29 0 0,-36-2 20,0 0 0,0-1 0,1-1 0,-1 0 0,22-6 0,-29 6-119,0-1 0,-1 1 0,1-1 0,-1 0 0,0 0 0,0-1 0,0 0 0,0 0 0,-1 0 0,1 0 0,-1-1 0,0 1 0,-1-1 0,6-9 0,-2 2-6727</inkml:trace>
 </inkml:ink>
 </file>
 
@@ -1152,14 +1115,14 @@
           <inkml:channelProperty channel="F" name="resolution" value="0" units="1/dev"/>
         </inkml:channelProperties>
       </inkml:inkSource>
-      <inkml:timestamp xml:id="ts0" timeString="2024-11-14T13:34:51.569"/>
+      <inkml:timestamp xml:id="ts0" timeString="2024-11-14T13:35:16.484"/>
     </inkml:context>
     <inkml:brush xml:id="br0">
       <inkml:brushProperty name="width" value="0.035" units="cm"/>
       <inkml:brushProperty name="height" value="0.035" units="cm"/>
     </inkml:brush>
   </inkml:definitions>
-  <inkml:trace contextRef="#ctx0" brushRef="#br0">0 0 24575,'0'0'-8191</inkml:trace>
+  <inkml:trace contextRef="#ctx0" brushRef="#br0">111 0 24575,'-3'0'0,"1"1"0,0-1 0,0 1 0,0-1 0,-1 1 0,1 0 0,0 0 0,0 0 0,0 0 0,0 0 0,0 1 0,0-1 0,1 0 0,-1 1 0,0-1 0,1 1 0,-1 0 0,1 0 0,-1 0 0,1-1 0,0 1 0,0 0 0,0 1 0,0-1 0,-1 3 0,-3 9 0,0 0 0,-5 29 0,3-13 0,-1 3 0,-6 52 0,7-40 0,4-28 0,1 1 0,0-1 0,1 1 0,1 0 0,1-1 0,0 1 0,1-1 0,1 1 0,1-1 0,0 0 0,2 0 0,-1 0 0,2-1 0,14 26 0,-18-39 0,1 0 0,-1 1 0,1-2 0,-1 1 0,1 0 0,0-1 0,0 0 0,0 0 0,1 0 0,-1 0 0,0-1 0,1 1 0,-1-1 0,1 0 0,-1-1 0,1 1 0,0-1 0,-1 0 0,7 0 0,-8 0 0,0 0 0,0 0 0,0 0 0,0 0 0,0-1 0,0 1 0,0-1 0,0 0 0,0 0 0,0 0 0,0 0 0,0 0 0,0-1 0,-1 1 0,1-1 0,-1 0 0,1 0 0,-1 0 0,0 0 0,1 0 0,-1 0 0,0-1 0,0 1 0,-1-1 0,1 1 0,0-1 0,-1 0 0,2-5 0,-1 1-151,-1 0-1,0-1 0,-1 1 0,0 0 1,0 0-1,-1-1 0,1 1 1,-5-14-1,0 6-6674</inkml:trace>
 </inkml:ink>
 </file>
 
@@ -1179,14 +1142,14 @@
           <inkml:channelProperty channel="F" name="resolution" value="0" units="1/dev"/>
         </inkml:channelProperties>
       </inkml:inkSource>
-      <inkml:timestamp xml:id="ts0" timeString="2024-11-14T13:34:51.942"/>
+      <inkml:timestamp xml:id="ts0" timeString="2024-11-14T13:35:16.807"/>
     </inkml:context>
     <inkml:brush xml:id="br0">
       <inkml:brushProperty name="width" value="0.035" units="cm"/>
       <inkml:brushProperty name="height" value="0.035" units="cm"/>
     </inkml:brush>
   </inkml:definitions>
-  <inkml:trace contextRef="#ctx0" brushRef="#br0">0 0 24575</inkml:trace>
+  <inkml:trace contextRef="#ctx0" brushRef="#br0">1 0 24575,'3'0'0,"5"0"0,5 0 0,4 0 0,2 0 0,2 0 0,1 0 0,0 0 0,0 0 0,-4 4 0,-1 1 0,0 0 0,1-2 0,-3 0-8191</inkml:trace>
 </inkml:ink>
 </file>
 
@@ -1206,14 +1169,14 @@
           <inkml:channelProperty channel="F" name="resolution" value="0" units="1/dev"/>
         </inkml:channelProperties>
       </inkml:inkSource>
-      <inkml:timestamp xml:id="ts0" timeString="2024-11-14T13:35:08.754"/>
+      <inkml:timestamp xml:id="ts0" timeString="2024-11-14T13:35:17.238"/>
     </inkml:context>
     <inkml:brush xml:id="br0">
       <inkml:brushProperty name="width" value="0.035" units="cm"/>
       <inkml:brushProperty name="height" value="0.035" units="cm"/>
     </inkml:brush>
   </inkml:definitions>
-  <inkml:trace contextRef="#ctx0" brushRef="#br0">255 0 24575,'0'1250'0,"0"-1246"0,-1-1 0,1 1 0,0-1 0,-1 1 0,0-1 0,0 1 0,0-1 0,0 0 0,0 1 0,-1-1 0,-3 6 0,5-9 0,-1 1 0,1-1 0,0 1 0,-1-1 0,1 0 0,-1 1 0,1-1 0,-1 1 0,1-1 0,-1 0 0,1 0 0,-1 1 0,1-1 0,-1 0 0,0 0 0,1 1 0,-1-1 0,1 0 0,-1 0 0,0 0 0,1 0 0,-1 0 0,0 0 0,1 0 0,-1 0 0,0 0 0,-1-1 0,1 0 0,-1 0 0,1 0 0,0 0 0,-1 0 0,1 0 0,0 0 0,0 0 0,-1-1 0,1 1 0,0 0 0,0-1 0,0 1 0,-1-3 0,-25-49 0,20 37 0,-1 1 0,-1 0 0,-19-27 0,4 11 0,1-2 0,2 0 0,-24-53 0,32 51 0,13 35 0,0 0 0,0 0 0,0 0 0,0-1 0,0 1 0,0 0 0,0 0 0,0 0 0,0 0 0,0 0 0,0 0 0,0 0 0,0 0 0,0-1 0,0 1 0,0 0 0,0 0 0,0 0 0,0 0 0,0 0 0,0 0 0,0 0 0,0 0 0,0 0 0,1 0 0,-1-1 0,0 1 0,0 0 0,0 0 0,0 0 0,0 0 0,0 0 0,0 0 0,0 0 0,0 0 0,1 0 0,-1 0 0,0 0 0,0 0 0,0 0 0,0 0 0,0 0 0,0 0 0,0 0 0,1 0 0,-1 0 0,0 0 0,0 0 0,0 0 0,0 0 0,0 0 0,0 0 0,0 0 0,0 0 0,0 1 0,1-1 0,-1 0 0,0 0 0,0 0 0,0 0 0,0 0 0,0 0 0,0 0 0,0 0 0,0 0 0,0 0 0,0 1 0,16 16 0,26 41 0,-28-37 0,2 0 0,0-1 0,1-1 0,0 0 0,29 22 0,-35-31 0,0-1 0,0 1 0,11 15 0,-10-11 0,-10-13 0,-1 0 0,0 0 0,0 0 0,0 1 0,0-1 0,1-1 0,-1 1 0,0 0 0,1 0 0,-1 0 0,1-1 0,-1 1 0,1-1 0,-1 1 0,1-1 0,-1 0 0,1 1 0,-1-1 0,1 0 0,0 0 0,-1 0 0,3 0 0,-1-1 0,0 0 0,0 0 0,0 0 0,0-1 0,-1 1 0,1-1 0,0 1 0,0-1 0,-1 0 0,5-4 0,5-7 0,-1 0 0,0 0 0,13-22 0,-16 22 0,44-53 0,-38 50 0,-1 0 0,0-1 0,-1-1 0,13-25 0,-43 56 0,-8 15 0,1 6 0,0-1 0,-37 35 0,35-39 0,20-22-114,1 0 1,0 0-1,0 1 0,1 0 0,0 0 1,0 0-1,1 1 0,0 0 0,1-1 1,0 1-1,-3 12 0,4-5-6712</inkml:trace>
+  <inkml:trace contextRef="#ctx0" brushRef="#br0">1 1 24575,'4'0'0,"4"0"0,5 0 0,4 0 0,2 0 0,2 0 0,1 0 0,0 0 0,0 0 0,0 0 0,0 0 0,-1 0 0,-3 0-8191</inkml:trace>
 </inkml:ink>
 </file>
 
@@ -1233,14 +1196,14 @@
           <inkml:channelProperty channel="F" name="resolution" value="0" units="1/dev"/>
         </inkml:channelProperties>
       </inkml:inkSource>
-      <inkml:timestamp xml:id="ts0" timeString="2024-11-14T13:35:10.630"/>
+      <inkml:timestamp xml:id="ts0" timeString="2024-11-14T13:35:18.042"/>
     </inkml:context>
     <inkml:brush xml:id="br0">
       <inkml:brushProperty name="width" value="0.035" units="cm"/>
       <inkml:brushProperty name="height" value="0.035" units="cm"/>
     </inkml:brush>
   </inkml:definitions>
-  <inkml:trace contextRef="#ctx0" brushRef="#br0">4 109 24575,'-1'39'0,"0"-22"0,1 1 0,0-1 0,1 1 0,1-1 0,7 30 0,-7-42 0,0-1 0,0 1 0,0-1 0,0 1 0,1-1 0,0 0 0,0 0 0,0 0 0,0 0 0,1-1 0,-1 1 0,1-1 0,0 0 0,0 0 0,0 0 0,0-1 0,1 1 0,-1-1 0,1 0 0,-1-1 0,1 1 0,0-1 0,0 1 0,0-1 0,5 0 0,8 1 0,0 0 0,32-1 0,-43-1 0,-1 0 0,1-1 0,-1 0 0,0 0 0,1-1 0,-1 0 0,0 0 0,0 0 0,0-1 0,0 0 0,6-4 0,-8 3 0,0 0 0,0 0 0,-1-1 0,1 0 0,-1 1 0,0-1 0,-1 0 0,1-1 0,-1 1 0,0 0 0,0-1 0,-1 1 0,0-1 0,0 0 0,1-8 0,0-6 0,-1-1 0,-1 1 0,-3-21 0,2 34 0,-1-1 0,0 0 0,0 1 0,-1 0 0,0-1 0,-1 1 0,1 1 0,-1-1 0,0 0 0,-1 1 0,0 0 0,0 0 0,0 0 0,-1 1 0,1-1 0,-1 1 0,-1 1 0,1-1 0,-1 1 0,1 0 0,-1 1 0,0-1 0,-1 2 0,1-1 0,-1 1 0,1 0 0,-1 0 0,1 1 0,-13-1 0,14 2 0,0 0 0,0 0 0,0 1 0,0-1 0,0 1 0,0 1 0,0-1 0,0 1 0,1 0 0,-1 1 0,0-1 0,1 1 0,0 0 0,0 1 0,0-1 0,0 1 0,0 0 0,1 0 0,-1 0 0,1 1 0,0-1 0,1 1 0,-1 0 0,1 0 0,0 1 0,0-1 0,0 1 0,1-1 0,0 1 0,0 0 0,1 0 0,-1 0 0,0 11 0,2-16-10,-2 10 32,1 0 0,1 0 0,0-1 0,0 1-1,4 19 1,-3-27-71,0-1-1,0 1 1,0-1-1,0 0 1,0 1-1,0-1 0,1 0 1,-1 0-1,1 0 1,-1 0-1,1 0 1,0 0-1,0 0 1,0-1-1,0 1 1,0-1-1,0 1 0,0-1 1,0 0-1,1 0 1,-1 0-1,0 0 1,1 0-1,-1-1 1,1 1-1,-1-1 1,1 1-1,0-1 0,3 0 1,12 1-6777</inkml:trace>
+  <inkml:trace contextRef="#ctx0" brushRef="#br0">0 222 24575,'1'-10'0,"1"0"0,0 1 0,1-1 0,0 1 0,0 0 0,1 0 0,5-11 0,9-22 0,-13 24 0,9-29 0,-13 45 0,-1 1 0,1-1 0,0 0 0,0 0 0,0 1 0,0-1 0,0 1 0,0-1 0,0 1 0,0-1 0,1 1 0,-1 0 0,0-1 0,1 1 0,-1 0 0,1 0 0,0 0 0,3-1 0,-4 2 0,0 0 0,0 0 0,1 0 0,-1 1 0,0-1 0,0 0 0,1 1 0,-1-1 0,0 1 0,0 0 0,0-1 0,0 1 0,0 0 0,0 0 0,0 0 0,0-1 0,0 1 0,0 0 0,0 0 0,0 0 0,-1 1 0,1-1 0,0 0 0,-1 0 0,1 0 0,-1 0 0,1 1 0,-1-1 0,0 0 0,1 3 0,8 39 0,14 152 0,-23-189-105,0 1 0,1 0 0,0 0 0,0 0 0,1-1 0,0 1 0,0-1 0,0 1 0,1-1 0,0 0 0,0 0 0,7 9 0,1-7-6721</inkml:trace>
 </inkml:ink>
 </file>
 
@@ -1260,14 +1223,14 @@
           <inkml:channelProperty channel="F" name="resolution" value="0" units="1/dev"/>
         </inkml:channelProperties>
       </inkml:inkSource>
-      <inkml:timestamp xml:id="ts0" timeString="2024-11-14T13:35:11.449"/>
+      <inkml:timestamp xml:id="ts0" timeString="2024-11-14T13:35:18.432"/>
     </inkml:context>
     <inkml:brush xml:id="br0">
       <inkml:brushProperty name="width" value="0.035" units="cm"/>
       <inkml:brushProperty name="height" value="0.035" units="cm"/>
     </inkml:brush>
   </inkml:definitions>
-  <inkml:trace contextRef="#ctx0" brushRef="#br0">0 9 24575,'1'7'0,"0"0"0,1 0 0,-1 0 0,1 0 0,1 0 0,-1 0 0,7 11 0,-5-10 0,-1 0 0,1 0 0,-1 1 0,3 16 0,-3 21 0,-3-32 0,1-1 0,0 0 0,1 0 0,0 1 0,6 14 0,-7-25 0,0 0 0,1 0 0,-1 0 0,1 0 0,0 0 0,0 0 0,0-1 0,0 1 0,0 0 0,1-1 0,-1 0 0,1 0 0,-1 0 0,1 0 0,0 0 0,0 0 0,0-1 0,0 1 0,0-1 0,0 0 0,1 0 0,-1 0 0,0 0 0,1-1 0,3 1 0,-3 0 0,0-1 0,1 1 0,-1-1 0,0 0 0,0 0 0,0-1 0,0 1 0,0-1 0,0 0 0,0 0 0,0 0 0,0-1 0,0 0 0,-1 1 0,1-1 0,-1 0 0,1-1 0,-1 1 0,0-1 0,5-3 0,-3-1 0,0 0 0,0-1 0,0 1 0,-1-1 0,-1 0 0,1 0 0,-1 0 0,3-15 0,2-4 0,-3 6 0,1 1 0,1 0 0,16-34 0,-9 13 0,-13 18 0,-2 22 0,1 1 0,0-1 0,0 1 0,0-1 0,0 1 0,-1-1 0,1 1 0,0-1 0,-1 1 0,1-1 0,0 1 0,-1 0 0,1-1 0,0 1 0,-1 0 0,1-1 0,-1 1 0,1 0 0,0-1 0,-1 1 0,1 0 0,-1 0 0,1-1 0,-1 1 0,1 0 0,-1 0 0,1 0 0,-1 0 0,0 0 0,1 0 0,-1 0 0,-1 0 0,1 1 0,0-1 0,-1 1 0,1 0 0,0 0 0,-1-1 0,1 1 0,0 0 0,0 0 0,0 0 0,0 0 0,0 0 0,0 0 0,0 1 0,0-1 0,0 0 0,1 0 0,-1 1 0,0-1 0,1 0 0,-1 1 0,1-1 0,0 1 0,-1-1 0,1 1 0,0-1 0,0 0 0,0 3 0,-5 46 0,5-46 0,0 8 0,-1 5 0,1-1 0,4 30 0,-3-41 0,0 0 0,0 1 0,1-1 0,0 0 0,0 1 0,0-1 0,1 0 0,0-1 0,-1 1 0,2 0 0,-1-1 0,5 5 0,19 23 0,-21-24 0,1-1 0,-1 0 0,1 0 0,0 0 0,0-1 0,10 6 0,-13-9-42,10 6 76,0 0-1,0-1 0,1-1 1,23 8-1,-34-14-92,0 0-1,-1 0 1,1 0-1,0-1 0,0 1 1,0-1-1,0 0 0,-1 0 1,1 0-1,0-1 1,0 1-1,0-1 0,0 0 1,-1 0-1,1 0 1,0-1-1,-1 1 0,1-1 1,-1 0-1,0 0 0,1 0 1,-1 0-1,0-1 1,5-5-1,3-4-6766</inkml:trace>
+  <inkml:trace contextRef="#ctx0" brushRef="#br0">86 294 24575,'0'8'0,"1"0"0,0 0 0,0 0 0,1 0 0,0 0 0,0 0 0,1-1 0,0 1 0,0-1 0,1 1 0,0-1 0,0 0 0,8 8 0,-8-10 0,0 0 0,0-1 0,1 1 0,-1-1 0,1 0 0,1 0 0,-1-1 0,0 0 0,1 0 0,-1 0 0,1 0 0,0-1 0,0 0 0,0 0 0,0-1 0,1 1 0,9-1 0,-11 0 0,0-1 0,0 0 0,0 0 0,-1-1 0,1 0 0,0 0 0,0 0 0,0 0 0,-1-1 0,1 1 0,-1-1 0,1 0 0,-1-1 0,0 1 0,0-1 0,7-5 0,-7 3 0,0 0 0,0 0 0,0 0 0,-1 0 0,0-1 0,0 1 0,0-1 0,-1 0 0,1 0 0,-1 0 0,-1 0 0,1 0 0,0-7 0,6-88 0,-8 90 0,0-1 0,-1 1 0,0 0 0,-1 0 0,0 0 0,-7-21 0,6 26 0,-1 1 0,0 0 0,0 0 0,0 0 0,0 0 0,-1 0 0,0 1 0,0 0 0,-5-4 0,-54-33 0,57 37 0,-9-5 0,1 1 0,-1 1 0,-1 0 0,1 1 0,-1 1 0,0 1 0,0 0 0,-21-1 0,36 5 0,0 0 0,0 0 0,-1 1 0,1 0 0,0-1 0,0 1 0,0 0 0,0 0 0,0 0 0,0 0 0,1 0 0,-1 0 0,0 0 0,0 1 0,1-1 0,-1 1 0,1-1 0,-1 1 0,1 0 0,0-1 0,0 1 0,0 0 0,0 0 0,0 0 0,0 0 0,0 0 0,0 0 0,1 0 0,-1 0 0,1 3 0,-4 11 0,1 0 0,-3 33 0,5-30 0,-3 88-1365,4-89-5461</inkml:trace>
 </inkml:ink>
 </file>
 
@@ -1287,14 +1250,14 @@
           <inkml:channelProperty channel="F" name="resolution" value="0" units="1/dev"/>
         </inkml:channelProperties>
       </inkml:inkSource>
-      <inkml:timestamp xml:id="ts0" timeString="2024-11-14T13:35:12.015"/>
+      <inkml:timestamp xml:id="ts0" timeString="2024-11-14T13:35:30.572"/>
     </inkml:context>
     <inkml:brush xml:id="br0">
       <inkml:brushProperty name="width" value="0.035" units="cm"/>
       <inkml:brushProperty name="height" value="0.035" units="cm"/>
     </inkml:brush>
   </inkml:definitions>
-  <inkml:trace contextRef="#ctx0" brushRef="#br0">2 0 24575,'-2'117'0,"5"126"0,7-185 0,1 12 0,-10-57 0,0 0 0,0 0 0,1 0 0,1 0 0,0-1 0,8 21 0,-10-29 0,1 0 0,0-1 0,0 1 0,0-1 0,0 1 0,0-1 0,1 0 0,0 0 0,-1 0 0,1 0 0,0 0 0,1-1 0,-1 1 0,0-1 0,1 0 0,-1 0 0,1 0 0,-1-1 0,1 1 0,0-1 0,0 0 0,0 0 0,0 0 0,7 0 0,-7 0 0,0-1 0,0 0 0,0 1 0,0-2 0,0 1 0,0 0 0,0-1 0,0 0 0,-1 1 0,1-2 0,0 1 0,0 0 0,-1-1 0,1 0 0,-1 1 0,0-1 0,1-1 0,-1 1 0,0 0 0,0-1 0,0 0 0,-1 0 0,1 1 0,0-2 0,-1 1 0,0 0 0,0 0 0,0-1 0,0 1 0,-1-1 0,1 0 0,-1 1 0,0-1 0,0 0 0,0 0 0,-1 0 0,1 1 0,-1-7 0,1 7-42,0-1-1,0 1 0,-1-1 1,1 1-1,-1-1 0,0 1 1,0-1-1,-1 1 0,1-1 1,-1 1-1,1-1 0,-1 1 1,0-1-1,0 1 0,-1 0 1,1 0-1,-1-1 0,1 1 1,-1 0-1,0 1 0,0-1 1,-1 0-1,1 0 0,0 1 1,-1-1-1,0 1 0,0 0 1,1 0-1,-1 0 0,0 0 1,-6-2-1,-5-1-6783</inkml:trace>
+  <inkml:trace contextRef="#ctx0" brushRef="#br0">207 1 24575,'-11'124'0,"6"-83"0,0 48 0,5 504 0,1-578 0,1-1 0,0 0 0,0 0 0,1-1 0,1 1 0,1 0 0,0-1 0,10 19 0,-44-79 0,-52-65 0,39 65 0,24 28 0,-28-40 0,38 52 0,7 17 0,12 20 0,10-11 0,1-1 0,0-1 0,1-2 0,1 0 0,33 16 0,-43-26 0,0-1 0,0-1 0,1 0 0,0-1 0,-1 0 0,1-2 0,0 1 0,0-2 0,-1 0 0,1 0 0,19-6 0,-29 5 0,0 0 0,0 0 0,-1 0 0,1 0 0,-1-1 0,1 0 0,-1 0 0,0 0 0,0-1 0,-1 1 0,1-1 0,-1 0 0,1 0 0,4-8 0,3-7 0,0-1 0,9-26 0,1 0 0,-20 45 0,-1 0 0,1 0 0,0 0 0,0 0 0,-1 0 0,1 0 0,-1 0 0,1-1 0,-1 1 0,1 0 0,-1 0 0,0-1 0,0 1 0,1 0 0,-1 0 0,0-1 0,0 1 0,0 0 0,0 0 0,-1-1 0,1 1 0,0 0 0,-1 0 0,1-2 0,-2 3 0,1-1 0,0 1 0,0 0 0,0 0 0,-1-1 0,1 1 0,0 0 0,0 0 0,0 1 0,-1-1 0,1 0 0,0 0 0,0 0 0,0 1 0,0-1 0,0 1 0,-1-1 0,1 1 0,-1 0 0,-60 37 0,-61 60 0,-8 8-1365,121-99-5461</inkml:trace>
 </inkml:ink>
 </file>
 
@@ -1314,14 +1277,15 @@
           <inkml:channelProperty channel="F" name="resolution" value="0" units="1/dev"/>
         </inkml:channelProperties>
       </inkml:inkSource>
-      <inkml:timestamp xml:id="ts0" timeString="2024-11-14T13:35:12.403"/>
+      <inkml:timestamp xml:id="ts0" timeString="2024-11-14T13:36:05.688"/>
     </inkml:context>
     <inkml:brush xml:id="br0">
       <inkml:brushProperty name="width" value="0.035" units="cm"/>
       <inkml:brushProperty name="height" value="0.035" units="cm"/>
+      <inkml:brushProperty name="color" value="#E71224"/>
     </inkml:brush>
   </inkml:definitions>
-  <inkml:trace contextRef="#ctx0" brushRef="#br0">1 1 24575,'3'0'0,"6"0"0,4 0 0,3 0 0,4 0 0,1 0 0,0 0 0,1 0 0,0 0 0,0 0 0,0 0 0,0 0 0,-5 0-8191</inkml:trace>
+  <inkml:trace contextRef="#ctx0" brushRef="#br0">26 278 24575,'-1'-1'0,"0"1"0,-1-1 0,1 1 0,0-1 0,0 0 0,0 0 0,0 0 0,0 1 0,0-1 0,1 0 0,-1 0 0,0 0 0,0-1 0,1 1 0,-1 0 0,0 0 0,1 0 0,-1 0 0,1-1 0,0 1 0,-1 0 0,1 0 0,0-1 0,0 1 0,0 0 0,0 0 0,0-2 0,-3-43 0,3 40 0,-2-26 0,0 19 0,2 0 0,-1 0 0,1 0 0,1 0 0,0-1 0,6-23 0,-4 34 0,-1 0 0,0 1 0,1-1 0,-1 0 0,1 1 0,0-1 0,0 1 0,0 0 0,0 0 0,0 0 0,0 0 0,1 1 0,-1-1 0,0 1 0,1 0 0,0 0 0,-1 0 0,8-1 0,69-6 0,-76 7 0,-1 1 0,1 0 0,0-1 0,0 2 0,0-1 0,-1 0 0,1 1 0,0-1 0,0 1 0,-1 0 0,1 0 0,-1 1 0,1-1 0,-1 1 0,1-1 0,-1 1 0,0 0 0,0 1 0,0-1 0,0 0 0,0 1 0,0 0 0,-1 0 0,1-1 0,-1 1 0,0 1 0,0-1 0,0 0 0,0 1 0,0-1 0,-1 1 0,0-1 0,0 1 0,0-1 0,0 1 0,0 0 0,-1 0 0,1 7 0,1 5 0,0-1 0,-1 1 0,-1 0 0,-1 0 0,0 0 0,-1-1 0,0 1 0,-1 0 0,-1-1 0,-1 0 0,-6 15 0,-4 9 0,13-32 0,-1 1 0,0-1 0,1 0 0,-2 0 0,1 0 0,-1-1 0,0 1 0,-1-1 0,0 0 0,0 0 0,-8 8 0,8-10 0,0 0 0,0 0 0,1 1 0,0-1 0,0 1 0,0 0 0,1 0 0,-1 0 0,1 1 0,1-1 0,-1 1 0,-2 9 0,-1 4 0,2 0 0,-4 33 0,11-31-1365</inkml:trace>
 </inkml:ink>
 </file>
 
@@ -1341,14 +1305,15 @@
           <inkml:channelProperty channel="F" name="resolution" value="0" units="1/dev"/>
         </inkml:channelProperties>
       </inkml:inkSource>
-      <inkml:timestamp xml:id="ts0" timeString="2024-11-14T13:35:13.099"/>
+      <inkml:timestamp xml:id="ts0" timeString="2024-11-14T13:36:06.687"/>
     </inkml:context>
     <inkml:brush xml:id="br0">
       <inkml:brushProperty name="width" value="0.035" units="cm"/>
       <inkml:brushProperty name="height" value="0.035" units="cm"/>
+      <inkml:brushProperty name="color" value="#E71224"/>
     </inkml:brush>
   </inkml:definitions>
-  <inkml:trace contextRef="#ctx0" brushRef="#br0">0 9 24575,'4'0'0,"4"0"0,5 0 0,4 0 0,2 0 0,2 0 0,1 0 0,0 0 0,0 0 0,-1 0 0,-2-3 0,-6-2-8191</inkml:trace>
+  <inkml:trace contextRef="#ctx0" brushRef="#br0">1 32 24575,'0'4'0,"0"4"0,3 1 0,6 0 0,0-7 0,-1-6 0,-1-6 0,-3-6 0,-5 1 0,-6 2 0,-2 8 0,0 7 0,3 8 0,1 2-8191</inkml:trace>
 </inkml:ink>
 </file>
 
@@ -1395,14 +1360,15 @@
           <inkml:channelProperty channel="F" name="resolution" value="0" units="1/dev"/>
         </inkml:channelProperties>
       </inkml:inkSource>
-      <inkml:timestamp xml:id="ts0" timeString="2024-11-14T13:35:13.630"/>
+      <inkml:timestamp xml:id="ts0" timeString="2024-11-14T13:36:10.373"/>
     </inkml:context>
     <inkml:brush xml:id="br0">
       <inkml:brushProperty name="width" value="0.035" units="cm"/>
       <inkml:brushProperty name="height" value="0.035" units="cm"/>
+      <inkml:brushProperty name="color" value="#E71224"/>
     </inkml:brush>
   </inkml:definitions>
-  <inkml:trace contextRef="#ctx0" brushRef="#br0">1 311 24575,'1'-9'0,"0"0"0,0 1 0,1-1 0,0 0 0,1 1 0,0-1 0,0 1 0,1 0 0,4-9 0,50-71 0,-38 59 0,24-52 0,-35 64 0,-9 17 0,0 0 0,0 0 0,0 0 0,0 0 0,0 0 0,0 1 0,0-1 0,0 0 0,0 0 0,0 0 0,0 0 0,1 0 0,-1 0 0,0 0 0,0 1 0,0-1 0,0 0 0,0 0 0,0 0 0,1 0 0,-1 0 0,0 0 0,0 0 0,0 0 0,0 0 0,0 0 0,1 0 0,-1 0 0,0 0 0,0 0 0,0 0 0,0 0 0,1 0 0,-1 0 0,0 0 0,0 0 0,0 0 0,0 0 0,0 0 0,1 0 0,-1 0 0,0 0 0,0-1 0,0 1 0,0 0 0,0 0 0,0 0 0,0 0 0,1 0 0,-1 0 0,0 0 0,0-1 0,0 1 0,0 0 0,0 0 0,0 0 0,0 0 0,0 0 0,0 0 0,0-1 0,0 1 0,0 0 0,0 0 0,4 22 0,-2 28 0,-5 15-73,1-41-143,0 0 1,2 0 0,1 1 0,1-1-1,9 42 1,-7-53-6611</inkml:trace>
+  <inkml:trace contextRef="#ctx0" brushRef="#br0">14 11 24575,'0'3'0,"4"2"0,1-4 0,-1-5 0,-4-3 0,-6 0 0,-1 5 0,-1 7 0,2 2-8191</inkml:trace>
 </inkml:ink>
 </file>
 
@@ -1422,14 +1388,15 @@
           <inkml:channelProperty channel="F" name="resolution" value="0" units="1/dev"/>
         </inkml:channelProperties>
       </inkml:inkSource>
-      <inkml:timestamp xml:id="ts0" timeString="2024-11-14T13:35:15.384"/>
+      <inkml:timestamp xml:id="ts0" timeString="2024-11-14T13:36:16.630"/>
     </inkml:context>
     <inkml:brush xml:id="br0">
       <inkml:brushProperty name="width" value="0.035" units="cm"/>
       <inkml:brushProperty name="height" value="0.035" units="cm"/>
+      <inkml:brushProperty name="color" value="#E71224"/>
     </inkml:brush>
   </inkml:definitions>
-  <inkml:trace contextRef="#ctx0" brushRef="#br0">103 44 24575,'-19'63'0,"19"-62"0,-2 12 0,1 0 0,0 0 0,1 0 0,2 14 0,-2-23 0,1-1 0,-1 1 0,1-1 0,1 1 0,-1-1 0,0 0 0,1 1 0,-1-1 0,1 0 0,0 0 0,0 0 0,0-1 0,1 1 0,-1 0 0,1-1 0,-1 1 0,1-1 0,0 0 0,5 3 0,1 0 0,0-1 0,0 0 0,0 0 0,0-1 0,1 0 0,-1-1 0,1 0 0,0 0 0,12 0 0,-19-2 0,0 0 0,-1 0 0,1 0 0,0 0 0,-1-1 0,1 1 0,0-1 0,-1 0 0,1 1 0,-1-1 0,1 0 0,-1-1 0,1 1 0,-1 0 0,0-1 0,0 1 0,1-1 0,-1 0 0,0 0 0,-1 0 0,1 0 0,0 0 0,0 0 0,-1 0 0,0 0 0,1-1 0,-1 1 0,0-1 0,0 1 0,0-1 0,0 1 0,-1-1 0,1 0 0,-1 1 0,1-1 0,-1-5 0,1-5 0,-1 0 0,0 1 0,0-1 0,-2 0 0,1 1 0,-2-1 0,1 1 0,-2 0 0,-5-15 0,6 22 0,1 0 0,-1 0 0,0 1 0,0-1 0,-1 1 0,1 0 0,-1-1 0,0 2 0,0-1 0,0 0 0,-1 1 0,1 0 0,-1 0 0,0 0 0,0 1 0,0-1 0,0 1 0,0 1 0,0-1 0,-1 1 0,1-1 0,0 1 0,-10 0 0,9 1 0,-1 0 0,0 0 0,1 0 0,-1 1 0,0 0 0,1 0 0,-1 1 0,1 0 0,0 0 0,-1 0 0,1 1 0,0 0 0,0 0 0,1 1 0,-1-1 0,1 1 0,-1 0 0,1 1 0,1-1 0,-1 1 0,0 0 0,1 0 0,0 1 0,1-1 0,-1 1 0,1 0 0,0 0 0,0 0 0,1 0 0,0 1 0,0-1 0,-2 12 0,5-3-1365,2-3-5461</inkml:trace>
+  <inkml:trace contextRef="#ctx0" brushRef="#br0">0 661 24575,'1'0'0,"0"1"0,0-1 0,0 0 0,0 1 0,0-1 0,-1 1 0,1 0 0,0-1 0,0 1 0,-1-1 0,1 1 0,0 0 0,-1 0 0,1-1 0,-1 1 0,1 0 0,-1 0 0,1 0 0,-1 0 0,1 0 0,-1 0 0,0 0 0,0-1 0,1 1 0,-1 0 0,0 2 0,6 35 0,-3-19 0,2 3 0,0 1 0,-2 0 0,0 44 0,0-5 0,-2-45 0,2-1 0,0 0 0,1 0 0,0 0 0,1-1 0,1 1 0,9 16 0,-14-31 0,0 0 0,0 1 0,0-1 0,0 0 0,0 0 0,0 0 0,0 0 0,0 0 0,0 0 0,0 0 0,0 0 0,1 0 0,-1-1 0,0 1 0,1-1 0,-1 1 0,1-1 0,-1 1 0,1-1 0,-1 0 0,0 1 0,1-1 0,-1 0 0,1 0 0,-1 0 0,1 0 0,-1-1 0,1 1 0,-1 0 0,1 0 0,-1-1 0,1 1 0,-1-1 0,0 0 0,1 1 0,-1-1 0,0 0 0,0 0 0,1 0 0,-1 0 0,2-1 0,7-7 0,0 0 0,-1 0 0,16-20 0,-12 14 0,175-215 0,-129 158 0,93-146 0,-45 59 0,15-2 0,-1-2-1365,-113 150-5461</inkml:trace>
 </inkml:ink>
 </file>
 
@@ -1449,14 +1416,15 @@
           <inkml:channelProperty channel="F" name="resolution" value="0" units="1/dev"/>
         </inkml:channelProperties>
       </inkml:inkSource>
-      <inkml:timestamp xml:id="ts0" timeString="2024-11-14T13:35:16.032"/>
+      <inkml:timestamp xml:id="ts0" timeString="2024-11-14T13:36:18.091"/>
     </inkml:context>
     <inkml:brush xml:id="br0">
       <inkml:brushProperty name="width" value="0.035" units="cm"/>
       <inkml:brushProperty name="height" value="0.035" units="cm"/>
+      <inkml:brushProperty name="color" value="#E71224"/>
     </inkml:brush>
   </inkml:definitions>
-  <inkml:trace contextRef="#ctx0" brushRef="#br0">3 0 24575,'0'39'0,"-2"-23"0,1-1 0,1 1 0,1-1 0,0 1 0,1 0 0,1-1 0,0 0 0,1 0 0,0 0 0,9 18 0,-11-31 0,-1 0 0,1 1 0,0-1 0,0 0 0,0 0 0,1 0 0,-1 0 0,0-1 0,1 1 0,-1-1 0,1 1 0,-1-1 0,1 0 0,0 0 0,0 0 0,-1 0 0,1-1 0,0 1 0,0-1 0,0 1 0,0-1 0,0 0 0,0 0 0,0 0 0,0-1 0,-1 1 0,1-1 0,0 0 0,0 0 0,0 0 0,-1 0 0,1 0 0,0 0 0,-1-1 0,1 1 0,-1-1 0,0 0 0,1 1 0,-1-1 0,0 0 0,0-1 0,0 1 0,-1 0 0,1 0 0,0-1 0,-1 1 0,1-1 0,1-4 0,11-35 0,-2 0 0,7-44 0,-22 128 0,2-27 0,0-1 0,0 1 0,1-1 0,1 1 0,0-1 0,1 1 0,8 25 0,-8-37 0,0 0 0,1 1 0,-1-1 0,1 0 0,0 0 0,0-1 0,0 1 0,0-1 0,1 1 0,-1-1 0,1 0 0,-1 0 0,1-1 0,0 1 0,-1-1 0,1 0 0,0 0 0,0 0 0,6 1 0,10 1 0,0-1 0,29 0 0,-36-2 20,0 0 0,0-1 0,1-1 0,-1 0 0,22-6 0,-29 6-119,0-1 0,-1 1 0,1-1 0,-1 0 0,0 0 0,0-1 0,0 0 0,0 0 0,-1 0 0,1 0 0,-1-1 0,0 1 0,-1-1 0,6-9 0,-2 2-6727</inkml:trace>
+  <inkml:trace contextRef="#ctx0" brushRef="#br0">26 649 24575,'-2'37'0,"-1"1"0,-9 41 0,9-60 0,1-1 0,0 30 0,1-44 0,1-1 0,0 0 0,0 0 0,0 1 0,1-1 0,-1 0 0,1 1 0,0-1 0,0 0 0,0 0 0,0 0 0,0 0 0,1 0 0,0 0 0,-1 0 0,1 0 0,0-1 0,0 1 0,1 0 0,-1-1 0,0 0 0,5 4 0,-5-6 0,-1 0 0,1 1 0,0-1 0,0 0 0,0 0 0,-1 0 0,1 0 0,0 0 0,0 0 0,-1 0 0,1-1 0,0 1 0,0 0 0,-1-1 0,1 0 0,0 1 0,-1-1 0,1 0 0,-1 0 0,1 0 0,-1 0 0,1 0 0,1-3 0,36-37 0,-23 23 0,14-16 0,45-65 0,-9 11 0,103-126 0,-87 127 0,-18 22 0,38-38 0,-55 57 0,53-67 0,-76 84-1365,-13 19-5461</inkml:trace>
 </inkml:ink>
 </file>
 
@@ -1476,14 +1444,14 @@
           <inkml:channelProperty channel="F" name="resolution" value="0" units="1/dev"/>
         </inkml:channelProperties>
       </inkml:inkSource>
-      <inkml:timestamp xml:id="ts0" timeString="2024-11-14T13:35:16.484"/>
+      <inkml:timestamp xml:id="ts0" timeString="2024-11-14T13:39:25.338"/>
     </inkml:context>
     <inkml:brush xml:id="br0">
       <inkml:brushProperty name="width" value="0.035" units="cm"/>
       <inkml:brushProperty name="height" value="0.035" units="cm"/>
     </inkml:brush>
   </inkml:definitions>
-  <inkml:trace contextRef="#ctx0" brushRef="#br0">111 0 24575,'-3'0'0,"1"1"0,0-1 0,0 1 0,0-1 0,-1 1 0,1 0 0,0 0 0,0 0 0,0 0 0,0 0 0,0 1 0,0-1 0,1 0 0,-1 1 0,0-1 0,1 1 0,-1 0 0,1 0 0,-1 0 0,1-1 0,0 1 0,0 0 0,0 1 0,0-1 0,-1 3 0,-3 9 0,0 0 0,-5 29 0,3-13 0,-1 3 0,-6 52 0,7-40 0,4-28 0,1 1 0,0-1 0,1 1 0,1 0 0,1-1 0,0 1 0,1-1 0,1 1 0,1-1 0,0 0 0,2 0 0,-1 0 0,2-1 0,14 26 0,-18-39 0,1 0 0,-1 1 0,1-2 0,-1 1 0,1 0 0,0-1 0,0 0 0,0 0 0,1 0 0,-1 0 0,0-1 0,1 1 0,-1-1 0,1 0 0,-1-1 0,1 1 0,0-1 0,-1 0 0,7 0 0,-8 0 0,0 0 0,0 0 0,0 0 0,0 0 0,0-1 0,0 1 0,0-1 0,0 0 0,0 0 0,0 0 0,0 0 0,0 0 0,0-1 0,-1 1 0,1-1 0,-1 0 0,1 0 0,-1 0 0,0 0 0,1 0 0,-1 0 0,0-1 0,0 1 0,-1-1 0,1 1 0,0-1 0,-1 0 0,2-5 0,-1 1-151,-1 0-1,0-1 0,-1 1 0,0 0 1,0 0-1,-1-1 0,1 1 1,-5-14-1,0 6-6674</inkml:trace>
+  <inkml:trace contextRef="#ctx0" brushRef="#br0">1 1 24575</inkml:trace>
 </inkml:ink>
 </file>
 
@@ -1503,14 +1471,14 @@
           <inkml:channelProperty channel="F" name="resolution" value="0" units="1/dev"/>
         </inkml:channelProperties>
       </inkml:inkSource>
-      <inkml:timestamp xml:id="ts0" timeString="2024-11-14T13:35:16.807"/>
+      <inkml:timestamp xml:id="ts0" timeString="2024-11-14T13:39:45.739"/>
     </inkml:context>
     <inkml:brush xml:id="br0">
       <inkml:brushProperty name="width" value="0.035" units="cm"/>
       <inkml:brushProperty name="height" value="0.035" units="cm"/>
     </inkml:brush>
   </inkml:definitions>
-  <inkml:trace contextRef="#ctx0" brushRef="#br0">1 0 24575,'3'0'0,"5"0"0,5 0 0,4 0 0,2 0 0,2 0 0,1 0 0,0 0 0,0 0 0,-4 4 0,-1 1 0,0 0 0,1-2 0,-3 0-8191</inkml:trace>
+  <inkml:trace contextRef="#ctx0" brushRef="#br0">82 1 24575,'-2'89'0,"4"97"0,8-123 0,-6-44 0,-1 1 0,1 26 0,-2 18 0,0-26 0,-1-1 0,-7 49 0,6-85 0,0-1 0,0 0 0,0 0 0,0 0 0,0 0 0,0 1 0,0-1 0,0 0 0,0 0 0,0 0 0,0 0 0,-1 1 0,1-1 0,0 0 0,0 0 0,0 0 0,0 0 0,0 0 0,0 1 0,0-1 0,-1 0 0,1 0 0,0 0 0,0 0 0,0 0 0,0 0 0,0 0 0,-1 0 0,1 0 0,0 1 0,0-1 0,0 0 0,0 0 0,-1 0 0,1 0 0,0 0 0,0 0 0,0 0 0,-1 0 0,1 0 0,0 0 0,0 0 0,0 0 0,0-1 0,-1 1 0,1 0 0,0 0 0,0 0 0,0 0 0,0 0 0,-1 0 0,1 0 0,0 0 0,0 0 0,0-1 0,0 1 0,0 0 0,-1 0 0,-13-15 0,-10-21 0,-9-39 0,10 19 0,48 126 0,-22-64 0,0 0 0,0 0 0,1 0 0,0-1 0,0 0 0,1 0 0,0 0 0,0 0 0,0-1 0,8 6 0,-11-9 0,0 0 0,1 0 0,-1 0 0,0-1 0,1 1 0,-1-1 0,1 0 0,-1 0 0,0 1 0,1-2 0,-1 1 0,1 0 0,-1 0 0,1-1 0,-1 1 0,0-1 0,1 0 0,-1 0 0,0 0 0,1 0 0,-1 0 0,0 0 0,0-1 0,0 1 0,0-1 0,0 1 0,-1-1 0,1 0 0,0 0 0,-1 1 0,1-1 0,1-3 0,3-4 0,0 0 0,0-1 0,0 0 0,-1 0 0,5-16 0,5-10 0,-23 59 0,6-15 0,-1 1 0,0-1 0,-1 0 0,0 1 0,-6 9 0,-7 10-1365,11-15-5461</inkml:trace>
 </inkml:ink>
 </file>
 
@@ -1530,14 +1498,14 @@
           <inkml:channelProperty channel="F" name="resolution" value="0" units="1/dev"/>
         </inkml:channelProperties>
       </inkml:inkSource>
-      <inkml:timestamp xml:id="ts0" timeString="2024-11-14T13:35:17.238"/>
+      <inkml:timestamp xml:id="ts0" timeString="2024-11-14T13:39:49.749"/>
     </inkml:context>
     <inkml:brush xml:id="br0">
       <inkml:brushProperty name="width" value="0.035" units="cm"/>
       <inkml:brushProperty name="height" value="0.035" units="cm"/>
     </inkml:brush>
   </inkml:definitions>
-  <inkml:trace contextRef="#ctx0" brushRef="#br0">1 1 24575,'4'0'0,"4"0"0,5 0 0,4 0 0,2 0 0,2 0 0,1 0 0,0 0 0,0 0 0,0 0 0,0 0 0,-1 0 0,-3 0-8191</inkml:trace>
+  <inkml:trace contextRef="#ctx0" brushRef="#br0">82 1 24575,'-2'89'0,"4"97"0,8-123 0,-6-44 0,-1 1 0,1 26 0,-2 18 0,0-26 0,-1-1 0,-7 49 0,6-85 0,0-1 0,0 0 0,0 0 0,0 0 0,0 0 0,0 1 0,0-1 0,0 0 0,0 0 0,0 0 0,0 0 0,-1 1 0,1-1 0,0 0 0,0 0 0,0 0 0,0 0 0,0 0 0,0 1 0,0-1 0,-1 0 0,1 0 0,0 0 0,0 0 0,0 0 0,0 0 0,0 0 0,-1 0 0,1 0 0,0 1 0,0-1 0,0 0 0,0 0 0,-1 0 0,1 0 0,0 0 0,0 0 0,0 0 0,-1 0 0,1 0 0,0 0 0,0 0 0,0 0 0,0-1 0,-1 1 0,1 0 0,0 0 0,0 0 0,0 0 0,0 0 0,-1 0 0,1 0 0,0 0 0,0 0 0,0-1 0,0 1 0,0 0 0,-1 0 0,-13-15 0,-10-21 0,-9-39 0,10 19 0,48 126 0,-22-64 0,0 0 0,0 0 0,1 0 0,0-1 0,0 0 0,1 0 0,0 0 0,0 0 0,0-1 0,8 6 0,-11-9 0,0 0 0,1 0 0,-1 0 0,0-1 0,1 1 0,-1-1 0,1 0 0,-1 0 0,0 1 0,1-2 0,-1 1 0,1 0 0,-1 0 0,1-1 0,-1 1 0,0-1 0,1 0 0,-1 0 0,0 0 0,1 0 0,-1 0 0,0 0 0,0-1 0,0 1 0,0-1 0,0 1 0,-1-1 0,1 0 0,0 0 0,-1 1 0,1-1 0,1-3 0,3-4 0,0 0 0,0-1 0,0 0 0,-1 0 0,5-16 0,5-10 0,-23 59 0,6-15 0,-1 1 0,0-1 0,-1 0 0,0 1 0,-6 9 0,-7 10-1365,11-15-5461</inkml:trace>
 </inkml:ink>
 </file>
 
@@ -1557,14 +1525,14 @@
           <inkml:channelProperty channel="F" name="resolution" value="0" units="1/dev"/>
         </inkml:channelProperties>
       </inkml:inkSource>
-      <inkml:timestamp xml:id="ts0" timeString="2024-11-14T13:35:18.042"/>
+      <inkml:timestamp xml:id="ts0" timeString="2024-11-14T13:39:52.709"/>
     </inkml:context>
     <inkml:brush xml:id="br0">
       <inkml:brushProperty name="width" value="0.035" units="cm"/>
       <inkml:brushProperty name="height" value="0.035" units="cm"/>
     </inkml:brush>
   </inkml:definitions>
-  <inkml:trace contextRef="#ctx0" brushRef="#br0">0 222 24575,'1'-10'0,"1"0"0,0 1 0,1-1 0,0 1 0,0 0 0,1 0 0,5-11 0,9-22 0,-13 24 0,9-29 0,-13 45 0,-1 1 0,1-1 0,0 0 0,0 0 0,0 1 0,0-1 0,0 1 0,0-1 0,0 1 0,0-1 0,1 1 0,-1 0 0,0-1 0,1 1 0,-1 0 0,1 0 0,0 0 0,3-1 0,-4 2 0,0 0 0,0 0 0,1 0 0,-1 1 0,0-1 0,0 0 0,1 1 0,-1-1 0,0 1 0,0 0 0,0-1 0,0 1 0,0 0 0,0 0 0,0 0 0,0-1 0,0 1 0,0 0 0,0 0 0,0 0 0,-1 1 0,1-1 0,0 0 0,-1 0 0,1 0 0,-1 0 0,1 1 0,-1-1 0,0 0 0,1 3 0,8 39 0,14 152 0,-23-189-105,0 1 0,1 0 0,0 0 0,0 0 0,1-1 0,0 1 0,0-1 0,0 1 0,1-1 0,0 0 0,0 0 0,7 9 0,1-7-6721</inkml:trace>
+  <inkml:trace contextRef="#ctx0" brushRef="#br0">82 1 24575,'-2'89'0,"4"97"0,8-123 0,-6-44 0,-1 1 0,1 26 0,-2 18 0,0-26 0,-1-1 0,-7 49 0,6-85 0,0-1 0,0 0 0,0 0 0,0 0 0,0 0 0,0 1 0,0-1 0,0 0 0,0 0 0,0 0 0,0 0 0,-1 1 0,1-1 0,0 0 0,0 0 0,0 0 0,0 0 0,0 0 0,0 1 0,0-1 0,-1 0 0,1 0 0,0 0 0,0 0 0,0 0 0,0 0 0,0 0 0,-1 0 0,1 0 0,0 1 0,0-1 0,0 0 0,0 0 0,-1 0 0,1 0 0,0 0 0,0 0 0,0 0 0,-1 0 0,1 0 0,0 0 0,0 0 0,0 0 0,0-1 0,-1 1 0,1 0 0,0 0 0,0 0 0,0 0 0,0 0 0,-1 0 0,1 0 0,0 0 0,0 0 0,0-1 0,0 1 0,0 0 0,-1 0 0,-13-15 0,-10-21 0,-9-39 0,10 19 0,48 126 0,-22-64 0,0 0 0,0 0 0,1 0 0,0-1 0,0 0 0,1 0 0,0 0 0,0 0 0,0-1 0,8 6 0,-11-9 0,0 0 0,1 0 0,-1 0 0,0-1 0,1 1 0,-1-1 0,1 0 0,-1 0 0,0 1 0,1-2 0,-1 1 0,1 0 0,-1 0 0,1-1 0,-1 1 0,0-1 0,1 0 0,-1 0 0,0 0 0,1 0 0,-1 0 0,0 0 0,0-1 0,0 1 0,0-1 0,0 1 0,-1-1 0,1 0 0,0 0 0,-1 1 0,1-1 0,1-3 0,3-4 0,0 0 0,0-1 0,0 0 0,-1 0 0,5-16 0,5-10 0,-23 59 0,6-15 0,-1 1 0,0-1 0,-1 0 0,0 1 0,-6 9 0,-7 10-1365,11-15-5461</inkml:trace>
 </inkml:ink>
 </file>
 
@@ -1584,14 +1552,14 @@
           <inkml:channelProperty channel="F" name="resolution" value="0" units="1/dev"/>
         </inkml:channelProperties>
       </inkml:inkSource>
-      <inkml:timestamp xml:id="ts0" timeString="2024-11-14T13:35:18.432"/>
+      <inkml:timestamp xml:id="ts0" timeString="2024-11-14T13:39:54.539"/>
     </inkml:context>
     <inkml:brush xml:id="br0">
       <inkml:brushProperty name="width" value="0.035" units="cm"/>
       <inkml:brushProperty name="height" value="0.035" units="cm"/>
     </inkml:brush>
   </inkml:definitions>
-  <inkml:trace contextRef="#ctx0" brushRef="#br0">86 294 24575,'0'8'0,"1"0"0,0 0 0,0 0 0,1 0 0,0 0 0,0 0 0,1-1 0,0 1 0,0-1 0,1 1 0,0-1 0,0 0 0,8 8 0,-8-10 0,0 0 0,0-1 0,1 1 0,-1-1 0,1 0 0,1 0 0,-1-1 0,0 0 0,1 0 0,-1 0 0,1 0 0,0-1 0,0 0 0,0 0 0,0-1 0,1 1 0,9-1 0,-11 0 0,0-1 0,0 0 0,0 0 0,-1-1 0,1 0 0,0 0 0,0 0 0,0 0 0,-1-1 0,1 1 0,-1-1 0,1 0 0,-1-1 0,0 1 0,0-1 0,7-5 0,-7 3 0,0 0 0,0 0 0,0 0 0,-1 0 0,0-1 0,0 1 0,0-1 0,-1 0 0,1 0 0,-1 0 0,-1 0 0,1 0 0,0-7 0,6-88 0,-8 90 0,0-1 0,-1 1 0,0 0 0,-1 0 0,0 0 0,-7-21 0,6 26 0,-1 1 0,0 0 0,0 0 0,0 0 0,0 0 0,-1 0 0,0 1 0,0 0 0,-5-4 0,-54-33 0,57 37 0,-9-5 0,1 1 0,-1 1 0,-1 0 0,1 1 0,-1 1 0,0 1 0,0 0 0,-21-1 0,36 5 0,0 0 0,0 0 0,-1 1 0,1 0 0,0-1 0,0 1 0,0 0 0,0 0 0,0 0 0,0 0 0,1 0 0,-1 0 0,0 0 0,0 1 0,1-1 0,-1 1 0,1-1 0,-1 1 0,1 0 0,0-1 0,0 1 0,0 0 0,0 0 0,0 0 0,0 0 0,0 0 0,0 0 0,1 0 0,-1 0 0,1 3 0,-4 11 0,1 0 0,-3 33 0,5-30 0,-3 88-1365,4-89-5461</inkml:trace>
+  <inkml:trace contextRef="#ctx0" brushRef="#br0">82 1 24575,'-2'89'0,"4"97"0,8-123 0,-6-44 0,-1 1 0,1 26 0,-2 18 0,0-26 0,-1-1 0,-7 49 0,6-85 0,0-1 0,0 0 0,0 0 0,0 0 0,0 0 0,0 1 0,0-1 0,0 0 0,0 0 0,0 0 0,0 0 0,-1 1 0,1-1 0,0 0 0,0 0 0,0 0 0,0 0 0,0 0 0,0 1 0,0-1 0,-1 0 0,1 0 0,0 0 0,0 0 0,0 0 0,0 0 0,0 0 0,-1 0 0,1 0 0,0 1 0,0-1 0,0 0 0,0 0 0,-1 0 0,1 0 0,0 0 0,0 0 0,0 0 0,-1 0 0,1 0 0,0 0 0,0 0 0,0 0 0,0-1 0,-1 1 0,1 0 0,0 0 0,0 0 0,0 0 0,0 0 0,-1 0 0,1 0 0,0 0 0,0 0 0,0-1 0,0 1 0,0 0 0,-1 0 0,-13-15 0,-10-21 0,-9-39 0,10 19 0,48 126 0,-22-64 0,0 0 0,0 0 0,1 0 0,0-1 0,0 0 0,1 0 0,0 0 0,0 0 0,0-1 0,8 6 0,-11-9 0,0 0 0,1 0 0,-1 0 0,0-1 0,1 1 0,-1-1 0,1 0 0,-1 0 0,0 1 0,1-2 0,-1 1 0,1 0 0,-1 0 0,1-1 0,-1 1 0,0-1 0,1 0 0,-1 0 0,0 0 0,1 0 0,-1 0 0,0 0 0,0-1 0,0 1 0,0-1 0,0 1 0,-1-1 0,1 0 0,0 0 0,-1 1 0,1-1 0,1-3 0,3-4 0,0 0 0,0-1 0,0 0 0,-1 0 0,5-16 0,5-10 0,-23 59 0,6-15 0,-1 1 0,0-1 0,-1 0 0,0 1 0,-6 9 0,-7 10-1365,11-15-5461</inkml:trace>
 </inkml:ink>
 </file>
 
@@ -1611,14 +1579,14 @@
           <inkml:channelProperty channel="F" name="resolution" value="0" units="1/dev"/>
         </inkml:channelProperties>
       </inkml:inkSource>
-      <inkml:timestamp xml:id="ts0" timeString="2024-11-14T13:35:30.572"/>
+      <inkml:timestamp xml:id="ts0" timeString="2024-11-14T13:39:56.689"/>
     </inkml:context>
     <inkml:brush xml:id="br0">
       <inkml:brushProperty name="width" value="0.035" units="cm"/>
       <inkml:brushProperty name="height" value="0.035" units="cm"/>
     </inkml:brush>
   </inkml:definitions>
-  <inkml:trace contextRef="#ctx0" brushRef="#br0">207 1 24575,'-11'124'0,"6"-83"0,0 48 0,5 504 0,1-578 0,1-1 0,0 0 0,0 0 0,1-1 0,1 1 0,1 0 0,0-1 0,10 19 0,-44-79 0,-52-65 0,39 65 0,24 28 0,-28-40 0,38 52 0,7 17 0,12 20 0,10-11 0,1-1 0,0-1 0,1-2 0,1 0 0,33 16 0,-43-26 0,0-1 0,0-1 0,1 0 0,0-1 0,-1 0 0,1-2 0,0 1 0,0-2 0,-1 0 0,1 0 0,19-6 0,-29 5 0,0 0 0,0 0 0,-1 0 0,1 0 0,-1-1 0,1 0 0,-1 0 0,0 0 0,0-1 0,-1 1 0,1-1 0,-1 0 0,1 0 0,4-8 0,3-7 0,0-1 0,9-26 0,1 0 0,-20 45 0,-1 0 0,1 0 0,0 0 0,0 0 0,-1 0 0,1 0 0,-1 0 0,1-1 0,-1 1 0,1 0 0,-1 0 0,0-1 0,0 1 0,1 0 0,-1 0 0,0-1 0,0 1 0,0 0 0,0 0 0,-1-1 0,1 1 0,0 0 0,-1 0 0,1-2 0,-2 3 0,1-1 0,0 1 0,0 0 0,0 0 0,-1-1 0,1 1 0,0 0 0,0 0 0,0 1 0,-1-1 0,1 0 0,0 0 0,0 0 0,0 1 0,0-1 0,0 1 0,-1-1 0,1 1 0,-1 0 0,-60 37 0,-61 60 0,-8 8-1365,121-99-5461</inkml:trace>
+  <inkml:trace contextRef="#ctx0" brushRef="#br0">82 1 24575,'-2'89'0,"4"97"0,8-123 0,-6-44 0,-1 1 0,1 26 0,-2 18 0,0-26 0,-1-1 0,-7 49 0,6-85 0,0-1 0,0 0 0,0 0 0,0 0 0,0 0 0,0 1 0,0-1 0,0 0 0,0 0 0,0 0 0,0 0 0,-1 1 0,1-1 0,0 0 0,0 0 0,0 0 0,0 0 0,0 0 0,0 1 0,0-1 0,-1 0 0,1 0 0,0 0 0,0 0 0,0 0 0,0 0 0,0 0 0,-1 0 0,1 0 0,0 1 0,0-1 0,0 0 0,0 0 0,-1 0 0,1 0 0,0 0 0,0 0 0,0 0 0,-1 0 0,1 0 0,0 0 0,0 0 0,0 0 0,0-1 0,-1 1 0,1 0 0,0 0 0,0 0 0,0 0 0,0 0 0,-1 0 0,1 0 0,0 0 0,0 0 0,0-1 0,0 1 0,0 0 0,-1 0 0,-13-15 0,-10-21 0,-9-39 0,10 19 0,48 126 0,-22-64 0,0 0 0,0 0 0,1 0 0,0-1 0,0 0 0,1 0 0,0 0 0,0 0 0,0-1 0,8 6 0,-11-9 0,0 0 0,1 0 0,-1 0 0,0-1 0,1 1 0,-1-1 0,1 0 0,-1 0 0,0 1 0,1-2 0,-1 1 0,1 0 0,-1 0 0,1-1 0,-1 1 0,0-1 0,1 0 0,-1 0 0,0 0 0,1 0 0,-1 0 0,0 0 0,0-1 0,0 1 0,0-1 0,0 1 0,-1-1 0,1 0 0,0 0 0,-1 1 0,1-1 0,1-3 0,3-4 0,0 0 0,0-1 0,0 0 0,-1 0 0,5-16 0,5-10 0,-23 59 0,6-15 0,-1 1 0,0-1 0,-1 0 0,0 1 0,-6 9 0,-7 10-1365,11-15-5461</inkml:trace>
 </inkml:ink>
 </file>
 
@@ -1638,15 +1606,14 @@
           <inkml:channelProperty channel="F" name="resolution" value="0" units="1/dev"/>
         </inkml:channelProperties>
       </inkml:inkSource>
-      <inkml:timestamp xml:id="ts0" timeString="2024-11-14T13:36:05.688"/>
+      <inkml:timestamp xml:id="ts0" timeString="2024-11-14T13:39:58.805"/>
     </inkml:context>
     <inkml:brush xml:id="br0">
       <inkml:brushProperty name="width" value="0.035" units="cm"/>
       <inkml:brushProperty name="height" value="0.035" units="cm"/>
-      <inkml:brushProperty name="color" value="#E71224"/>
     </inkml:brush>
   </inkml:definitions>
-  <inkml:trace contextRef="#ctx0" brushRef="#br0">26 278 24575,'-1'-1'0,"0"1"0,-1-1 0,1 1 0,0-1 0,0 0 0,0 0 0,0 0 0,0 1 0,0-1 0,1 0 0,-1 0 0,0 0 0,0-1 0,1 1 0,-1 0 0,0 0 0,1 0 0,-1 0 0,1-1 0,0 1 0,-1 0 0,1 0 0,0-1 0,0 1 0,0 0 0,0 0 0,0-2 0,-3-43 0,3 40 0,-2-26 0,0 19 0,2 0 0,-1 0 0,1 0 0,1 0 0,0-1 0,6-23 0,-4 34 0,-1 0 0,0 1 0,1-1 0,-1 0 0,1 1 0,0-1 0,0 1 0,0 0 0,0 0 0,0 0 0,0 0 0,1 1 0,-1-1 0,0 1 0,1 0 0,0 0 0,-1 0 0,8-1 0,69-6 0,-76 7 0,-1 1 0,1 0 0,0-1 0,0 2 0,0-1 0,-1 0 0,1 1 0,0-1 0,0 1 0,-1 0 0,1 0 0,-1 1 0,1-1 0,-1 1 0,1-1 0,-1 1 0,0 0 0,0 1 0,0-1 0,0 0 0,0 1 0,0 0 0,-1 0 0,1-1 0,-1 1 0,0 1 0,0-1 0,0 0 0,0 1 0,0-1 0,-1 1 0,0-1 0,0 1 0,0-1 0,0 1 0,0 0 0,-1 0 0,1 7 0,1 5 0,0-1 0,-1 1 0,-1 0 0,-1 0 0,0 0 0,-1-1 0,0 1 0,-1 0 0,-1-1 0,-1 0 0,-6 15 0,-4 9 0,13-32 0,-1 1 0,0-1 0,1 0 0,-2 0 0,1 0 0,-1-1 0,0 1 0,-1-1 0,0 0 0,0 0 0,-8 8 0,8-10 0,0 0 0,0 0 0,1 1 0,0-1 0,0 1 0,0 0 0,1 0 0,-1 0 0,1 1 0,1-1 0,-1 1 0,-2 9 0,-1 4 0,2 0 0,-4 33 0,11-31-1365</inkml:trace>
+  <inkml:trace contextRef="#ctx0" brushRef="#br0">82 1 24575,'-2'89'0,"4"97"0,8-123 0,-6-44 0,-1 1 0,1 26 0,-2 18 0,0-26 0,-1-1 0,-7 49 0,6-85 0,0-1 0,0 0 0,0 0 0,0 0 0,0 0 0,0 1 0,0-1 0,0 0 0,0 0 0,0 0 0,0 0 0,-1 1 0,1-1 0,0 0 0,0 0 0,0 0 0,0 0 0,0 0 0,0 1 0,0-1 0,-1 0 0,1 0 0,0 0 0,0 0 0,0 0 0,0 0 0,0 0 0,-1 0 0,1 0 0,0 1 0,0-1 0,0 0 0,0 0 0,-1 0 0,1 0 0,0 0 0,0 0 0,0 0 0,-1 0 0,1 0 0,0 0 0,0 0 0,0 0 0,0-1 0,-1 1 0,1 0 0,0 0 0,0 0 0,0 0 0,0 0 0,-1 0 0,1 0 0,0 0 0,0 0 0,0-1 0,0 1 0,0 0 0,-1 0 0,-13-15 0,-10-21 0,-9-39 0,10 19 0,48 126 0,-22-64 0,0 0 0,0 0 0,1 0 0,0-1 0,0 0 0,1 0 0,0 0 0,0 0 0,0-1 0,8 6 0,-11-9 0,0 0 0,1 0 0,-1 0 0,0-1 0,1 1 0,-1-1 0,1 0 0,-1 0 0,0 1 0,1-2 0,-1 1 0,1 0 0,-1 0 0,1-1 0,-1 1 0,0-1 0,1 0 0,-1 0 0,0 0 0,1 0 0,-1 0 0,0 0 0,0-1 0,0 1 0,0-1 0,0 1 0,-1-1 0,1 0 0,0 0 0,-1 1 0,1-1 0,1-3 0,3-4 0,0 0 0,0-1 0,0 0 0,-1 0 0,5-16 0,5-10 0,-23 59 0,6-15 0,-1 1 0,0-1 0,-1 0 0,0 1 0,-6 9 0,-7 10-1365,11-15-5461</inkml:trace>
 </inkml:ink>
 </file>
 
@@ -1693,15 +1660,14 @@
           <inkml:channelProperty channel="F" name="resolution" value="0" units="1/dev"/>
         </inkml:channelProperties>
       </inkml:inkSource>
-      <inkml:timestamp xml:id="ts0" timeString="2024-11-14T13:36:06.687"/>
+      <inkml:timestamp xml:id="ts0" timeString="2024-11-14T13:40:01.042"/>
     </inkml:context>
     <inkml:brush xml:id="br0">
       <inkml:brushProperty name="width" value="0.035" units="cm"/>
       <inkml:brushProperty name="height" value="0.035" units="cm"/>
-      <inkml:brushProperty name="color" value="#E71224"/>
     </inkml:brush>
   </inkml:definitions>
-  <inkml:trace contextRef="#ctx0" brushRef="#br0">1 32 24575,'0'4'0,"0"4"0,3 1 0,6 0 0,0-7 0,-1-6 0,-1-6 0,-3-6 0,-5 1 0,-6 2 0,-2 8 0,0 7 0,3 8 0,1 2-8191</inkml:trace>
+  <inkml:trace contextRef="#ctx0" brushRef="#br0">82 1 24575,'-2'89'0,"4"97"0,8-123 0,-6-44 0,-1 1 0,1 26 0,-2 18 0,0-26 0,-1-1 0,-7 49 0,6-85 0,0-1 0,0 0 0,0 0 0,0 0 0,0 0 0,0 1 0,0-1 0,0 0 0,0 0 0,0 0 0,0 0 0,-1 1 0,1-1 0,0 0 0,0 0 0,0 0 0,0 0 0,0 0 0,0 1 0,0-1 0,-1 0 0,1 0 0,0 0 0,0 0 0,0 0 0,0 0 0,0 0 0,-1 0 0,1 0 0,0 1 0,0-1 0,0 0 0,0 0 0,-1 0 0,1 0 0,0 0 0,0 0 0,0 0 0,-1 0 0,1 0 0,0 0 0,0 0 0,0 0 0,0-1 0,-1 1 0,1 0 0,0 0 0,0 0 0,0 0 0,0 0 0,-1 0 0,1 0 0,0 0 0,0 0 0,0-1 0,0 1 0,0 0 0,-1 0 0,-13-15 0,-10-21 0,-9-39 0,10 19 0,48 126 0,-22-64 0,0 0 0,0 0 0,1 0 0,0-1 0,0 0 0,1 0 0,0 0 0,0 0 0,0-1 0,8 6 0,-11-9 0,0 0 0,1 0 0,-1 0 0,0-1 0,1 1 0,-1-1 0,1 0 0,-1 0 0,0 1 0,1-2 0,-1 1 0,1 0 0,-1 0 0,1-1 0,-1 1 0,0-1 0,1 0 0,-1 0 0,0 0 0,1 0 0,-1 0 0,0 0 0,0-1 0,0 1 0,0-1 0,0 1 0,-1-1 0,1 0 0,0 0 0,-1 1 0,1-1 0,1-3 0,3-4 0,0 0 0,0-1 0,0 0 0,-1 0 0,5-16 0,5-10 0,-23 59 0,6-15 0,-1 1 0,0-1 0,-1 0 0,0 1 0,-6 9 0,-7 10-1365,11-15-5461</inkml:trace>
 </inkml:ink>
 </file>
 
@@ -1721,15 +1687,14 @@
           <inkml:channelProperty channel="F" name="resolution" value="0" units="1/dev"/>
         </inkml:channelProperties>
       </inkml:inkSource>
-      <inkml:timestamp xml:id="ts0" timeString="2024-11-14T13:36:09.642"/>
+      <inkml:timestamp xml:id="ts0" timeString="2024-11-14T13:40:03.139"/>
     </inkml:context>
     <inkml:brush xml:id="br0">
       <inkml:brushProperty name="width" value="0.035" units="cm"/>
       <inkml:brushProperty name="height" value="0.035" units="cm"/>
-      <inkml:brushProperty name="color" value="#E71224"/>
     </inkml:brush>
   </inkml:definitions>
-  <inkml:trace contextRef="#ctx0" brushRef="#br0">1 154 24575,'0'-18'0,"0"7"0,-1 1 0,2-1 0,-1 1 0,2 0 0,-1-1 0,6-15 0,-6 23 0,0 0 0,1 0 0,0 0 0,-1 1 0,1-1 0,0 1 0,1-1 0,-1 1 0,0 0 0,1 0 0,-1 0 0,1 0 0,0 0 0,-1 0 0,1 1 0,0 0 0,0-1 0,0 1 0,0 0 0,0 0 0,0 1 0,0-1 0,1 1 0,-1-1 0,0 1 0,4 0 0,5-1 0,0 1 0,0 0 0,1 0 0,-1 2 0,0-1 0,0 1 0,0 1 0,0 0 0,0 1 0,-1 0 0,0 1 0,1 0 0,-2 1 0,16 10 0,-19-11 0,0 1 0,-1 0 0,0 1 0,0-1 0,0 1 0,0 0 0,-1 1 0,0-1 0,-1 1 0,0 0 0,0 0 0,-1 0 0,0 1 0,0-1 0,2 16 0,-1-2 0,-1 0 0,-1 1 0,-1-1 0,-1 1 0,-3 26 0,1-41 0,-1 0 0,1 0 0,-1-1 0,-1 1 0,1-1 0,-1 1 0,-1-1 0,1 0 0,-1-1 0,-1 1 0,1-1 0,-1 0 0,-8 7 0,5-4 0,0 0 0,1 1 0,0 0 0,1 0 0,-7 12 0,-19 38 0,25-47 0,1 0 0,-1 0 0,2 0 0,0 1 0,1 0 0,0 0 0,1 1 0,1-1 0,-4 28 0,7 14-1365,0-46-5461</inkml:trace>
+  <inkml:trace contextRef="#ctx0" brushRef="#br0">82 1 24575,'-2'89'0,"4"97"0,8-123 0,-6-44 0,-1 1 0,1 26 0,-2 18 0,0-26 0,-1-1 0,-7 49 0,6-85 0,0-1 0,0 0 0,0 0 0,0 0 0,0 0 0,0 1 0,0-1 0,0 0 0,0 0 0,0 0 0,0 0 0,-1 1 0,1-1 0,0 0 0,0 0 0,0 0 0,0 0 0,0 0 0,0 1 0,0-1 0,-1 0 0,1 0 0,0 0 0,0 0 0,0 0 0,0 0 0,0 0 0,-1 0 0,1 0 0,0 1 0,0-1 0,0 0 0,0 0 0,-1 0 0,1 0 0,0 0 0,0 0 0,0 0 0,-1 0 0,1 0 0,0 0 0,0 0 0,0 0 0,0-1 0,-1 1 0,1 0 0,0 0 0,0 0 0,0 0 0,0 0 0,-1 0 0,1 0 0,0 0 0,0 0 0,0-1 0,0 1 0,0 0 0,-1 0 0,-13-15 0,-10-21 0,-9-39 0,10 19 0,48 126 0,-22-64 0,0 0 0,0 0 0,1 0 0,0-1 0,0 0 0,1 0 0,0 0 0,0 0 0,0-1 0,8 6 0,-11-9 0,0 0 0,1 0 0,-1 0 0,0-1 0,1 1 0,-1-1 0,1 0 0,-1 0 0,0 1 0,1-2 0,-1 1 0,1 0 0,-1 0 0,1-1 0,-1 1 0,0-1 0,1 0 0,-1 0 0,0 0 0,1 0 0,-1 0 0,0 0 0,0-1 0,0 1 0,0-1 0,0 1 0,-1-1 0,1 0 0,0 0 0,-1 1 0,1-1 0,1-3 0,3-4 0,0 0 0,0-1 0,0 0 0,-1 0 0,5-16 0,5-10 0,-23 59 0,6-15 0,-1 1 0,0-1 0,-1 0 0,0 1 0,-6 9 0,-7 10-1365,11-15-5461</inkml:trace>
 </inkml:ink>
 </file>
 
@@ -1749,208 +1714,14 @@
           <inkml:channelProperty channel="F" name="resolution" value="0" units="1/dev"/>
         </inkml:channelProperties>
       </inkml:inkSource>
-      <inkml:timestamp xml:id="ts0" timeString="2024-11-14T13:36:10.373"/>
-    </inkml:context>
-    <inkml:brush xml:id="br0">
-      <inkml:brushProperty name="width" value="0.035" units="cm"/>
-      <inkml:brushProperty name="height" value="0.035" units="cm"/>
-      <inkml:brushProperty name="color" value="#E71224"/>
-    </inkml:brush>
-  </inkml:definitions>
-  <inkml:trace contextRef="#ctx0" brushRef="#br0">14 11 24575,'0'3'0,"4"2"0,1-4 0,-1-5 0,-4-3 0,-6 0 0,-1 5 0,-1 7 0,2 2-8191</inkml:trace>
-</inkml:ink>
-</file>
-
-<file path=ppt/ink/ink63.xml><?xml version="1.0" encoding="utf-8"?>
-<inkml:ink xmlns:inkml="http://www.w3.org/2003/InkML">
-  <inkml:definitions>
-    <inkml:context xml:id="ctx0">
-      <inkml:inkSource xml:id="inkSrc0">
-        <inkml:traceFormat>
-          <inkml:channel name="X" type="integer" min="-2.14748E9" max="2.14748E9" units="cm"/>
-          <inkml:channel name="Y" type="integer" min="-2.14748E9" max="2.14748E9" units="cm"/>
-          <inkml:channel name="F" type="integer" max="32767" units="dev"/>
-        </inkml:traceFormat>
-        <inkml:channelProperties>
-          <inkml:channelProperty channel="X" name="resolution" value="1000" units="1/cm"/>
-          <inkml:channelProperty channel="Y" name="resolution" value="1000" units="1/cm"/>
-          <inkml:channelProperty channel="F" name="resolution" value="0" units="1/dev"/>
-        </inkml:channelProperties>
-      </inkml:inkSource>
-      <inkml:timestamp xml:id="ts0" timeString="2024-11-14T13:36:16.630"/>
-    </inkml:context>
-    <inkml:brush xml:id="br0">
-      <inkml:brushProperty name="width" value="0.035" units="cm"/>
-      <inkml:brushProperty name="height" value="0.035" units="cm"/>
-      <inkml:brushProperty name="color" value="#E71224"/>
-    </inkml:brush>
-  </inkml:definitions>
-  <inkml:trace contextRef="#ctx0" brushRef="#br0">0 661 24575,'1'0'0,"0"1"0,0-1 0,0 0 0,0 1 0,0-1 0,-1 1 0,1 0 0,0-1 0,0 1 0,-1-1 0,1 1 0,0 0 0,-1 0 0,1-1 0,-1 1 0,1 0 0,-1 0 0,1 0 0,-1 0 0,1 0 0,-1 0 0,0 0 0,0-1 0,1 1 0,-1 0 0,0 2 0,6 35 0,-3-19 0,2 3 0,0 1 0,-2 0 0,0 44 0,0-5 0,-2-45 0,2-1 0,0 0 0,1 0 0,0 0 0,1-1 0,1 1 0,9 16 0,-14-31 0,0 0 0,0 1 0,0-1 0,0 0 0,0 0 0,0 0 0,0 0 0,0 0 0,0 0 0,0 0 0,0 0 0,1 0 0,-1-1 0,0 1 0,1-1 0,-1 1 0,1-1 0,-1 1 0,1-1 0,-1 0 0,0 1 0,1-1 0,-1 0 0,1 0 0,-1 0 0,1 0 0,-1-1 0,1 1 0,-1 0 0,1 0 0,-1-1 0,1 1 0,-1-1 0,0 0 0,1 1 0,-1-1 0,0 0 0,0 0 0,1 0 0,-1 0 0,2-1 0,7-7 0,0 0 0,-1 0 0,16-20 0,-12 14 0,175-215 0,-129 158 0,93-146 0,-45 59 0,15-2 0,-1-2-1365,-113 150-5461</inkml:trace>
-</inkml:ink>
-</file>
-
-<file path=ppt/ink/ink64.xml><?xml version="1.0" encoding="utf-8"?>
-<inkml:ink xmlns:inkml="http://www.w3.org/2003/InkML">
-  <inkml:definitions>
-    <inkml:context xml:id="ctx0">
-      <inkml:inkSource xml:id="inkSrc0">
-        <inkml:traceFormat>
-          <inkml:channel name="X" type="integer" min="-2.14748E9" max="2.14748E9" units="cm"/>
-          <inkml:channel name="Y" type="integer" min="-2.14748E9" max="2.14748E9" units="cm"/>
-          <inkml:channel name="F" type="integer" max="32767" units="dev"/>
-        </inkml:traceFormat>
-        <inkml:channelProperties>
-          <inkml:channelProperty channel="X" name="resolution" value="1000" units="1/cm"/>
-          <inkml:channelProperty channel="Y" name="resolution" value="1000" units="1/cm"/>
-          <inkml:channelProperty channel="F" name="resolution" value="0" units="1/dev"/>
-        </inkml:channelProperties>
-      </inkml:inkSource>
-      <inkml:timestamp xml:id="ts0" timeString="2024-11-14T13:36:18.091"/>
-    </inkml:context>
-    <inkml:brush xml:id="br0">
-      <inkml:brushProperty name="width" value="0.035" units="cm"/>
-      <inkml:brushProperty name="height" value="0.035" units="cm"/>
-      <inkml:brushProperty name="color" value="#E71224"/>
-    </inkml:brush>
-  </inkml:definitions>
-  <inkml:trace contextRef="#ctx0" brushRef="#br0">26 649 24575,'-2'37'0,"-1"1"0,-9 41 0,9-60 0,1-1 0,0 30 0,1-44 0,1-1 0,0 0 0,0 0 0,0 1 0,1-1 0,-1 0 0,1 1 0,0-1 0,0 0 0,0 0 0,0 0 0,0 0 0,1 0 0,0 0 0,-1 0 0,1 0 0,0-1 0,0 1 0,1 0 0,-1-1 0,0 0 0,5 4 0,-5-6 0,-1 0 0,1 1 0,0-1 0,0 0 0,0 0 0,-1 0 0,1 0 0,0 0 0,0 0 0,-1 0 0,1-1 0,0 1 0,0 0 0,-1-1 0,1 0 0,0 1 0,-1-1 0,1 0 0,-1 0 0,1 0 0,-1 0 0,1 0 0,1-3 0,36-37 0,-23 23 0,14-16 0,45-65 0,-9 11 0,103-126 0,-87 127 0,-18 22 0,38-38 0,-55 57 0,53-67 0,-76 84-1365,-13 19-5461</inkml:trace>
-</inkml:ink>
-</file>
-
-<file path=ppt/ink/ink65.xml><?xml version="1.0" encoding="utf-8"?>
-<inkml:ink xmlns:inkml="http://www.w3.org/2003/InkML">
-  <inkml:definitions>
-    <inkml:context xml:id="ctx0">
-      <inkml:inkSource xml:id="inkSrc0">
-        <inkml:traceFormat>
-          <inkml:channel name="X" type="integer" min="-2.14748E9" max="2.14748E9" units="cm"/>
-          <inkml:channel name="Y" type="integer" min="-2.14748E9" max="2.14748E9" units="cm"/>
-          <inkml:channel name="F" type="integer" max="32767" units="dev"/>
-        </inkml:traceFormat>
-        <inkml:channelProperties>
-          <inkml:channelProperty channel="X" name="resolution" value="1000" units="1/cm"/>
-          <inkml:channelProperty channel="Y" name="resolution" value="1000" units="1/cm"/>
-          <inkml:channelProperty channel="F" name="resolution" value="0" units="1/dev"/>
-        </inkml:channelProperties>
-      </inkml:inkSource>
-      <inkml:timestamp xml:id="ts0" timeString="2024-11-14T13:36:19.943"/>
-    </inkml:context>
-    <inkml:brush xml:id="br0">
-      <inkml:brushProperty name="width" value="0.035" units="cm"/>
-      <inkml:brushProperty name="height" value="0.035" units="cm"/>
-      <inkml:brushProperty name="color" value="#E71224"/>
-    </inkml:brush>
-  </inkml:definitions>
-  <inkml:trace contextRef="#ctx0" brushRef="#br0">1 619 24575,'3'0'0,"-1"1"0,1-1 0,0 1 0,0-1 0,0 1 0,0 0 0,0 0 0,-1 0 0,1 1 0,0-1 0,-1 0 0,1 1 0,-1 0 0,0 0 0,1 0 0,-1 0 0,0 0 0,0 0 0,0 0 0,-1 1 0,3 2 0,3 8 0,1 0 0,-2 0 0,6 18 0,10 17 0,25 42 0,-30-56 0,27 42 0,-44-75 0,0-1 0,1 1 0,-1-1 0,0 1 0,1-1 0,-1 1 0,1-1 0,-1 1 0,0-1 0,1 0 0,-1 1 0,1-1 0,-1 0 0,1 1 0,-1-1 0,1 0 0,0 1 0,-1-1 0,1 0 0,-1 0 0,1 0 0,0 0 0,-1 0 0,1 0 0,-1 0 0,1 0 0,0 0 0,-1 0 0,1 0 0,-1 0 0,1 0 0,0 0 0,0-1 0,17-17 0,10-38 0,-26 50 0,137-339 0,-51 127 0,-63 161 0,28-94 0,-48 136 38,2 0-1,14-27 0,0 0-1514,-15 30-5349</inkml:trace>
-</inkml:ink>
-</file>
-
-<file path=ppt/ink/ink66.xml><?xml version="1.0" encoding="utf-8"?>
-<inkml:ink xmlns:inkml="http://www.w3.org/2003/InkML">
-  <inkml:definitions>
-    <inkml:context xml:id="ctx0">
-      <inkml:inkSource xml:id="inkSrc0">
-        <inkml:traceFormat>
-          <inkml:channel name="X" type="integer" min="-2.14748E9" max="2.14748E9" units="cm"/>
-          <inkml:channel name="Y" type="integer" min="-2.14748E9" max="2.14748E9" units="cm"/>
-          <inkml:channel name="F" type="integer" max="32767" units="dev"/>
-        </inkml:traceFormat>
-        <inkml:channelProperties>
-          <inkml:channelProperty channel="X" name="resolution" value="1000" units="1/cm"/>
-          <inkml:channelProperty channel="Y" name="resolution" value="1000" units="1/cm"/>
-          <inkml:channelProperty channel="F" name="resolution" value="0" units="1/dev"/>
-        </inkml:channelProperties>
-      </inkml:inkSource>
-      <inkml:timestamp xml:id="ts0" timeString="2024-11-14T13:36:21.323"/>
-    </inkml:context>
-    <inkml:brush xml:id="br0">
-      <inkml:brushProperty name="width" value="0.035" units="cm"/>
-      <inkml:brushProperty name="height" value="0.035" units="cm"/>
-      <inkml:brushProperty name="color" value="#E71224"/>
-    </inkml:brush>
-  </inkml:definitions>
-  <inkml:trace contextRef="#ctx0" brushRef="#br0">0 636 24575,'2'11'0,"-1"0"0,1 0 0,1-1 0,0 1 0,0-1 0,1 1 0,10 18 0,-7-15 0,0 0 0,7 28 0,0 16 0,2-1 0,27 62 0,-35-92 0,15 35 0,-23-61 0,1 1 0,-1-1 0,1 1 0,0-1 0,0 0 0,-1 1 0,1-1 0,0 0 0,0 0 0,0 0 0,0 0 0,0 0 0,1 0 0,-1 0 0,0 0 0,0 0 0,1 0 0,-1-1 0,0 1 0,1 0 0,-1-1 0,1 1 0,-1-1 0,1 0 0,-1 1 0,1-1 0,-1 0 0,1 0 0,-1 0 0,1 0 0,2-1 0,-1 0 0,-1 0 0,0-1 0,0 1 0,0-1 0,1 0 0,-2 1 0,1-1 0,0 0 0,0 0 0,-1-1 0,1 1 0,-1 0 0,1 0 0,-1-1 0,0 1 0,0-1 0,1-2 0,15-54 0,-12 36 0,80-250 0,-70 218 0,2-6 0,10-68 0,12-74 0,-30 161 0,-3 14 0,-2 3 0,2 0 0,1 0 0,14-34 0,1-12-28,-15 45-1309,-3 11-5489</inkml:trace>
-</inkml:ink>
-</file>
-
-<file path=ppt/ink/ink67.xml><?xml version="1.0" encoding="utf-8"?>
-<inkml:ink xmlns:inkml="http://www.w3.org/2003/InkML">
-  <inkml:definitions>
-    <inkml:context xml:id="ctx0">
-      <inkml:inkSource xml:id="inkSrc0">
-        <inkml:traceFormat>
-          <inkml:channel name="X" type="integer" min="-2.14748E9" max="2.14748E9" units="cm"/>
-          <inkml:channel name="Y" type="integer" min="-2.14748E9" max="2.14748E9" units="cm"/>
-          <inkml:channel name="F" type="integer" max="32767" units="dev"/>
-        </inkml:traceFormat>
-        <inkml:channelProperties>
-          <inkml:channelProperty channel="X" name="resolution" value="1000" units="1/cm"/>
-          <inkml:channelProperty channel="Y" name="resolution" value="1000" units="1/cm"/>
-          <inkml:channelProperty channel="F" name="resolution" value="0" units="1/dev"/>
-        </inkml:channelProperties>
-      </inkml:inkSource>
-      <inkml:timestamp xml:id="ts0" timeString="2024-11-14T13:39:25.338"/>
+      <inkml:timestamp xml:id="ts0" timeString="2024-11-14T13:40:22.676"/>
     </inkml:context>
     <inkml:brush xml:id="br0">
       <inkml:brushProperty name="width" value="0.035" units="cm"/>
       <inkml:brushProperty name="height" value="0.035" units="cm"/>
     </inkml:brush>
   </inkml:definitions>
-  <inkml:trace contextRef="#ctx0" brushRef="#br0">1 1 24575</inkml:trace>
-</inkml:ink>
-</file>
-
-<file path=ppt/ink/ink68.xml><?xml version="1.0" encoding="utf-8"?>
-<inkml:ink xmlns:inkml="http://www.w3.org/2003/InkML">
-  <inkml:definitions>
-    <inkml:context xml:id="ctx0">
-      <inkml:inkSource xml:id="inkSrc0">
-        <inkml:traceFormat>
-          <inkml:channel name="X" type="integer" min="-2.14748E9" max="2.14748E9" units="cm"/>
-          <inkml:channel name="Y" type="integer" min="-2.14748E9" max="2.14748E9" units="cm"/>
-          <inkml:channel name="F" type="integer" max="32767" units="dev"/>
-        </inkml:traceFormat>
-        <inkml:channelProperties>
-          <inkml:channelProperty channel="X" name="resolution" value="1000" units="1/cm"/>
-          <inkml:channelProperty channel="Y" name="resolution" value="1000" units="1/cm"/>
-          <inkml:channelProperty channel="F" name="resolution" value="0" units="1/dev"/>
-        </inkml:channelProperties>
-      </inkml:inkSource>
-      <inkml:timestamp xml:id="ts0" timeString="2024-11-14T13:39:25.665"/>
-    </inkml:context>
-    <inkml:brush xml:id="br0">
-      <inkml:brushProperty name="width" value="0.035" units="cm"/>
-      <inkml:brushProperty name="height" value="0.035" units="cm"/>
-    </inkml:brush>
-  </inkml:definitions>
-  <inkml:trace contextRef="#ctx0" brushRef="#br0">1 1 24575,'0'0'-8191</inkml:trace>
-</inkml:ink>
-</file>
-
-<file path=ppt/ink/ink69.xml><?xml version="1.0" encoding="utf-8"?>
-<inkml:ink xmlns:inkml="http://www.w3.org/2003/InkML">
-  <inkml:definitions>
-    <inkml:context xml:id="ctx0">
-      <inkml:inkSource xml:id="inkSrc0">
-        <inkml:traceFormat>
-          <inkml:channel name="X" type="integer" min="-2.14748E9" max="2.14748E9" units="cm"/>
-          <inkml:channel name="Y" type="integer" min="-2.14748E9" max="2.14748E9" units="cm"/>
-          <inkml:channel name="F" type="integer" max="32767" units="dev"/>
-        </inkml:traceFormat>
-        <inkml:channelProperties>
-          <inkml:channelProperty channel="X" name="resolution" value="1000" units="1/cm"/>
-          <inkml:channelProperty channel="Y" name="resolution" value="1000" units="1/cm"/>
-          <inkml:channelProperty channel="F" name="resolution" value="0" units="1/dev"/>
-        </inkml:channelProperties>
-      </inkml:inkSource>
-      <inkml:timestamp xml:id="ts0" timeString="2024-11-14T13:39:26.003"/>
-    </inkml:context>
-    <inkml:brush xml:id="br0">
-      <inkml:brushProperty name="width" value="0.035" units="cm"/>
-      <inkml:brushProperty name="height" value="0.035" units="cm"/>
-    </inkml:brush>
-  </inkml:definitions>
-  <inkml:trace contextRef="#ctx0" brushRef="#br0">0 1 24575,'0'0'-8191</inkml:trace>
+  <inkml:trace contextRef="#ctx0" brushRef="#br0">0 465 24575,'0'-9'0,"0"1"0,1 0 0,-1-1 0,1 1 0,1 0 0,0 0 0,0 0 0,1 0 0,0 0 0,0 0 0,0 1 0,1-1 0,1 1 0,-1 0 0,1 0 0,0 1 0,0-1 0,1 1 0,0 0 0,0 1 0,1-1 0,-1 1 0,1 1 0,0-1 0,13-5 0,5 0 0,0 1 0,0 1 0,1 1 0,0 2 0,0 0 0,29 0 0,164 4 0,-102 4 0,-93-4 0,-1 0 0,0-2 0,1 0 0,-1-2 0,-1 0 0,1-2 0,41-18 0,22-4 0,-69 25 0,1-1 0,-1-1 0,-1-1 0,1 0 0,15-10 0,-27 14 0,-1-1 0,1 1 0,-1-1 0,0 0 0,0 0 0,-1 0 0,1-1 0,-1 1 0,0-1 0,0 0 0,0 1 0,-1-1 0,0-1 0,0 1 0,0 0 0,-1 0 0,1-1 0,-1 1 0,0-1 0,-1-9 0,7 34 0,-2-4 0,-1 0 0,2 0 0,0 0 0,0-1 0,17 26 0,-19-35 0,1 0 0,0 0 0,1 0 0,-1-1 0,1 0 0,0 0 0,0 0 0,0-1 0,0 0 0,1 0 0,10 3 0,-3-3 0,1-1 0,0-1 0,0 0 0,21-1 0,3 1 0,52 8 0,-50-4 0,43 0 0,-69-5 0,1 0 0,-1 2 0,0-1 0,0 2 0,0 0 0,0 1 0,-1 1 0,0 0 0,1 0 0,19 13 0,-20-12 0,1 0 0,0-1 0,26 5 0,22 8 0,-55-15 0,1 0 0,-1 1 0,0 0 0,0 0 0,0 1 0,7 5 0,-12-7 0,0 0 0,-1 0 0,1 0 0,-1 0 0,0 1 0,0-1 0,0 0 0,0 1 0,0 0 0,-1-1 0,0 1 0,0 0 0,0 0 0,0 0 0,0 0 0,-1 6 0,2 22-18,-2-21-319,0 1 1,1-1-1,4 20 0,-1-17-6489</inkml:trace>
 </inkml:ink>
 </file>
 
@@ -1981,276 +1752,6 @@
 </inkml:ink>
 </file>
 
-<file path=ppt/ink/ink70.xml><?xml version="1.0" encoding="utf-8"?>
-<inkml:ink xmlns:inkml="http://www.w3.org/2003/InkML">
-  <inkml:definitions>
-    <inkml:context xml:id="ctx0">
-      <inkml:inkSource xml:id="inkSrc0">
-        <inkml:traceFormat>
-          <inkml:channel name="X" type="integer" min="-2.14748E9" max="2.14748E9" units="cm"/>
-          <inkml:channel name="Y" type="integer" min="-2.14748E9" max="2.14748E9" units="cm"/>
-          <inkml:channel name="F" type="integer" max="32767" units="dev"/>
-        </inkml:traceFormat>
-        <inkml:channelProperties>
-          <inkml:channelProperty channel="X" name="resolution" value="1000" units="1/cm"/>
-          <inkml:channelProperty channel="Y" name="resolution" value="1000" units="1/cm"/>
-          <inkml:channelProperty channel="F" name="resolution" value="0" units="1/dev"/>
-        </inkml:channelProperties>
-      </inkml:inkSource>
-      <inkml:timestamp xml:id="ts0" timeString="2024-11-14T13:39:26.802"/>
-    </inkml:context>
-    <inkml:brush xml:id="br0">
-      <inkml:brushProperty name="width" value="0.035" units="cm"/>
-      <inkml:brushProperty name="height" value="0.035" units="cm"/>
-    </inkml:brush>
-  </inkml:definitions>
-  <inkml:trace contextRef="#ctx0" brushRef="#br0">1 1 24575,'0'0'-8191</inkml:trace>
-</inkml:ink>
-</file>
-
-<file path=ppt/ink/ink71.xml><?xml version="1.0" encoding="utf-8"?>
-<inkml:ink xmlns:inkml="http://www.w3.org/2003/InkML">
-  <inkml:definitions>
-    <inkml:context xml:id="ctx0">
-      <inkml:inkSource xml:id="inkSrc0">
-        <inkml:traceFormat>
-          <inkml:channel name="X" type="integer" min="-2.14748E9" max="2.14748E9" units="cm"/>
-          <inkml:channel name="Y" type="integer" min="-2.14748E9" max="2.14748E9" units="cm"/>
-          <inkml:channel name="F" type="integer" max="32767" units="dev"/>
-        </inkml:traceFormat>
-        <inkml:channelProperties>
-          <inkml:channelProperty channel="X" name="resolution" value="1000" units="1/cm"/>
-          <inkml:channelProperty channel="Y" name="resolution" value="1000" units="1/cm"/>
-          <inkml:channelProperty channel="F" name="resolution" value="0" units="1/dev"/>
-        </inkml:channelProperties>
-      </inkml:inkSource>
-      <inkml:timestamp xml:id="ts0" timeString="2024-11-14T13:39:28.467"/>
-    </inkml:context>
-    <inkml:brush xml:id="br0">
-      <inkml:brushProperty name="width" value="0.035" units="cm"/>
-      <inkml:brushProperty name="height" value="0.035" units="cm"/>
-    </inkml:brush>
-  </inkml:definitions>
-  <inkml:trace contextRef="#ctx0" brushRef="#br0">1 1 24575,'0'0'-8191</inkml:trace>
-</inkml:ink>
-</file>
-
-<file path=ppt/ink/ink72.xml><?xml version="1.0" encoding="utf-8"?>
-<inkml:ink xmlns:inkml="http://www.w3.org/2003/InkML">
-  <inkml:definitions>
-    <inkml:context xml:id="ctx0">
-      <inkml:inkSource xml:id="inkSrc0">
-        <inkml:traceFormat>
-          <inkml:channel name="X" type="integer" min="-2.14748E9" max="2.14748E9" units="cm"/>
-          <inkml:channel name="Y" type="integer" min="-2.14748E9" max="2.14748E9" units="cm"/>
-          <inkml:channel name="F" type="integer" max="32767" units="dev"/>
-        </inkml:traceFormat>
-        <inkml:channelProperties>
-          <inkml:channelProperty channel="X" name="resolution" value="1000" units="1/cm"/>
-          <inkml:channelProperty channel="Y" name="resolution" value="1000" units="1/cm"/>
-          <inkml:channelProperty channel="F" name="resolution" value="0" units="1/dev"/>
-        </inkml:channelProperties>
-      </inkml:inkSource>
-      <inkml:timestamp xml:id="ts0" timeString="2024-11-14T13:39:28.796"/>
-    </inkml:context>
-    <inkml:brush xml:id="br0">
-      <inkml:brushProperty name="width" value="0.035" units="cm"/>
-      <inkml:brushProperty name="height" value="0.035" units="cm"/>
-    </inkml:brush>
-  </inkml:definitions>
-  <inkml:trace contextRef="#ctx0" brushRef="#br0">0 1 24575,'0'0'-8191</inkml:trace>
-</inkml:ink>
-</file>
-
-<file path=ppt/ink/ink73.xml><?xml version="1.0" encoding="utf-8"?>
-<inkml:ink xmlns:inkml="http://www.w3.org/2003/InkML">
-  <inkml:definitions>
-    <inkml:context xml:id="ctx0">
-      <inkml:inkSource xml:id="inkSrc0">
-        <inkml:traceFormat>
-          <inkml:channel name="X" type="integer" min="-2.14748E9" max="2.14748E9" units="cm"/>
-          <inkml:channel name="Y" type="integer" min="-2.14748E9" max="2.14748E9" units="cm"/>
-          <inkml:channel name="F" type="integer" max="32767" units="dev"/>
-        </inkml:traceFormat>
-        <inkml:channelProperties>
-          <inkml:channelProperty channel="X" name="resolution" value="1000" units="1/cm"/>
-          <inkml:channelProperty channel="Y" name="resolution" value="1000" units="1/cm"/>
-          <inkml:channelProperty channel="F" name="resolution" value="0" units="1/dev"/>
-        </inkml:channelProperties>
-      </inkml:inkSource>
-      <inkml:timestamp xml:id="ts0" timeString="2024-11-14T13:39:29.185"/>
-    </inkml:context>
-    <inkml:brush xml:id="br0">
-      <inkml:brushProperty name="width" value="0.035" units="cm"/>
-      <inkml:brushProperty name="height" value="0.035" units="cm"/>
-    </inkml:brush>
-  </inkml:definitions>
-  <inkml:trace contextRef="#ctx0" brushRef="#br0">0 1 24575,'0'0'-8191</inkml:trace>
-</inkml:ink>
-</file>
-
-<file path=ppt/ink/ink74.xml><?xml version="1.0" encoding="utf-8"?>
-<inkml:ink xmlns:inkml="http://www.w3.org/2003/InkML">
-  <inkml:definitions>
-    <inkml:context xml:id="ctx0">
-      <inkml:inkSource xml:id="inkSrc0">
-        <inkml:traceFormat>
-          <inkml:channel name="X" type="integer" min="-2.14748E9" max="2.14748E9" units="cm"/>
-          <inkml:channel name="Y" type="integer" min="-2.14748E9" max="2.14748E9" units="cm"/>
-          <inkml:channel name="F" type="integer" max="32767" units="dev"/>
-        </inkml:traceFormat>
-        <inkml:channelProperties>
-          <inkml:channelProperty channel="X" name="resolution" value="1000" units="1/cm"/>
-          <inkml:channelProperty channel="Y" name="resolution" value="1000" units="1/cm"/>
-          <inkml:channelProperty channel="F" name="resolution" value="0" units="1/dev"/>
-        </inkml:channelProperties>
-      </inkml:inkSource>
-      <inkml:timestamp xml:id="ts0" timeString="2024-11-14T13:32:21.718"/>
-    </inkml:context>
-    <inkml:brush xml:id="br0">
-      <inkml:brushProperty name="width" value="0.035" units="cm"/>
-      <inkml:brushProperty name="height" value="0.035" units="cm"/>
-    </inkml:brush>
-  </inkml:definitions>
-  <inkml:trace contextRef="#ctx0" brushRef="#br0">0 0 24575,'0'0'-8191</inkml:trace>
-</inkml:ink>
-</file>
-
-<file path=ppt/ink/ink75.xml><?xml version="1.0" encoding="utf-8"?>
-<inkml:ink xmlns:inkml="http://www.w3.org/2003/InkML">
-  <inkml:definitions>
-    <inkml:context xml:id="ctx0">
-      <inkml:inkSource xml:id="inkSrc0">
-        <inkml:traceFormat>
-          <inkml:channel name="X" type="integer" min="-2.14748E9" max="2.14748E9" units="cm"/>
-          <inkml:channel name="Y" type="integer" min="-2.14748E9" max="2.14748E9" units="cm"/>
-          <inkml:channel name="F" type="integer" max="32767" units="dev"/>
-        </inkml:traceFormat>
-        <inkml:channelProperties>
-          <inkml:channelProperty channel="X" name="resolution" value="1000" units="1/cm"/>
-          <inkml:channelProperty channel="Y" name="resolution" value="1000" units="1/cm"/>
-          <inkml:channelProperty channel="F" name="resolution" value="0" units="1/dev"/>
-        </inkml:channelProperties>
-      </inkml:inkSource>
-      <inkml:timestamp xml:id="ts0" timeString="2024-11-14T13:32:22.155"/>
-    </inkml:context>
-    <inkml:brush xml:id="br0">
-      <inkml:brushProperty name="width" value="0.035" units="cm"/>
-      <inkml:brushProperty name="height" value="0.035" units="cm"/>
-    </inkml:brush>
-  </inkml:definitions>
-  <inkml:trace contextRef="#ctx0" brushRef="#br0">1 1 24575,'0'0'-8191</inkml:trace>
-</inkml:ink>
-</file>
-
-<file path=ppt/ink/ink76.xml><?xml version="1.0" encoding="utf-8"?>
-<inkml:ink xmlns:inkml="http://www.w3.org/2003/InkML">
-  <inkml:definitions>
-    <inkml:context xml:id="ctx0">
-      <inkml:inkSource xml:id="inkSrc0">
-        <inkml:traceFormat>
-          <inkml:channel name="X" type="integer" min="-2.14748E9" max="2.14748E9" units="cm"/>
-          <inkml:channel name="Y" type="integer" min="-2.14748E9" max="2.14748E9" units="cm"/>
-          <inkml:channel name="F" type="integer" max="32767" units="dev"/>
-        </inkml:traceFormat>
-        <inkml:channelProperties>
-          <inkml:channelProperty channel="X" name="resolution" value="1000" units="1/cm"/>
-          <inkml:channelProperty channel="Y" name="resolution" value="1000" units="1/cm"/>
-          <inkml:channelProperty channel="F" name="resolution" value="0" units="1/dev"/>
-        </inkml:channelProperties>
-      </inkml:inkSource>
-      <inkml:timestamp xml:id="ts0" timeString="2024-11-14T13:32:22.497"/>
-    </inkml:context>
-    <inkml:brush xml:id="br0">
-      <inkml:brushProperty name="width" value="0.035" units="cm"/>
-      <inkml:brushProperty name="height" value="0.035" units="cm"/>
-    </inkml:brush>
-  </inkml:definitions>
-  <inkml:trace contextRef="#ctx0" brushRef="#br0">1 1 24575,'0'0'-8191</inkml:trace>
-</inkml:ink>
-</file>
-
-<file path=ppt/ink/ink77.xml><?xml version="1.0" encoding="utf-8"?>
-<inkml:ink xmlns:inkml="http://www.w3.org/2003/InkML">
-  <inkml:definitions>
-    <inkml:context xml:id="ctx0">
-      <inkml:inkSource xml:id="inkSrc0">
-        <inkml:traceFormat>
-          <inkml:channel name="X" type="integer" min="-2.14748E9" max="2.14748E9" units="cm"/>
-          <inkml:channel name="Y" type="integer" min="-2.14748E9" max="2.14748E9" units="cm"/>
-          <inkml:channel name="F" type="integer" max="32767" units="dev"/>
-        </inkml:traceFormat>
-        <inkml:channelProperties>
-          <inkml:channelProperty channel="X" name="resolution" value="1000" units="1/cm"/>
-          <inkml:channelProperty channel="Y" name="resolution" value="1000" units="1/cm"/>
-          <inkml:channelProperty channel="F" name="resolution" value="0" units="1/dev"/>
-        </inkml:channelProperties>
-      </inkml:inkSource>
-      <inkml:timestamp xml:id="ts0" timeString="2024-11-14T13:39:32.838"/>
-    </inkml:context>
-    <inkml:brush xml:id="br0">
-      <inkml:brushProperty name="width" value="0.035" units="cm"/>
-      <inkml:brushProperty name="height" value="0.035" units="cm"/>
-    </inkml:brush>
-  </inkml:definitions>
-  <inkml:trace contextRef="#ctx0" brushRef="#br0">0 2 24575,'122'-1'0,"134"3"0,-16 19 0,-72 1 0,-111-16 0,-2 1 0,62 0 0,181-8-1365,-279 1-5461</inkml:trace>
-</inkml:ink>
-</file>
-
-<file path=ppt/ink/ink78.xml><?xml version="1.0" encoding="utf-8"?>
-<inkml:ink xmlns:inkml="http://www.w3.org/2003/InkML">
-  <inkml:definitions>
-    <inkml:context xml:id="ctx0">
-      <inkml:inkSource xml:id="inkSrc0">
-        <inkml:traceFormat>
-          <inkml:channel name="X" type="integer" min="-2.14748E9" max="2.14748E9" units="cm"/>
-          <inkml:channel name="Y" type="integer" min="-2.14748E9" max="2.14748E9" units="cm"/>
-          <inkml:channel name="F" type="integer" max="32767" units="dev"/>
-        </inkml:traceFormat>
-        <inkml:channelProperties>
-          <inkml:channelProperty channel="X" name="resolution" value="1000" units="1/cm"/>
-          <inkml:channelProperty channel="Y" name="resolution" value="1000" units="1/cm"/>
-          <inkml:channelProperty channel="F" name="resolution" value="0" units="1/dev"/>
-        </inkml:channelProperties>
-      </inkml:inkSource>
-      <inkml:timestamp xml:id="ts0" timeString="2024-11-14T13:39:33.183"/>
-    </inkml:context>
-    <inkml:brush xml:id="br0">
-      <inkml:brushProperty name="width" value="0.035" units="cm"/>
-      <inkml:brushProperty name="height" value="0.035" units="cm"/>
-    </inkml:brush>
-  </inkml:definitions>
-  <inkml:trace contextRef="#ctx0" brushRef="#br0">268 1 24575,'-1'1'0,"-1"-1"0,1 1 0,0 0 0,-1 0 0,1 0 0,0 0 0,0 0 0,0 0 0,-1 0 0,1 0 0,0 1 0,0-1 0,1 0 0,-1 1 0,0-1 0,0 0 0,1 1 0,-1-1 0,0 4 0,-11 30 0,-51 202 0,40-133 0,16-67 0,-1 0 0,-18 47 0,-52 124 0,74-197 27,1 0 0,0-1-1,1 1 1,-2 22 0,-6 25-1526,6-44-5327</inkml:trace>
-</inkml:ink>
-</file>
-
-<file path=ppt/ink/ink79.xml><?xml version="1.0" encoding="utf-8"?>
-<inkml:ink xmlns:inkml="http://www.w3.org/2003/InkML">
-  <inkml:definitions>
-    <inkml:context xml:id="ctx0">
-      <inkml:inkSource xml:id="inkSrc0">
-        <inkml:traceFormat>
-          <inkml:channel name="X" type="integer" min="-2.14748E9" max="2.14748E9" units="cm"/>
-          <inkml:channel name="Y" type="integer" min="-2.14748E9" max="2.14748E9" units="cm"/>
-          <inkml:channel name="F" type="integer" max="32767" units="dev"/>
-        </inkml:traceFormat>
-        <inkml:channelProperties>
-          <inkml:channelProperty channel="X" name="resolution" value="1000" units="1/cm"/>
-          <inkml:channelProperty channel="Y" name="resolution" value="1000" units="1/cm"/>
-          <inkml:channelProperty channel="F" name="resolution" value="0" units="1/dev"/>
-        </inkml:channelProperties>
-      </inkml:inkSource>
-      <inkml:timestamp xml:id="ts0" timeString="2024-11-14T13:39:33.506"/>
-    </inkml:context>
-    <inkml:brush xml:id="br0">
-      <inkml:brushProperty name="width" value="0.035" units="cm"/>
-      <inkml:brushProperty name="height" value="0.035" units="cm"/>
-    </inkml:brush>
-  </inkml:definitions>
-  <inkml:trace contextRef="#ctx0" brushRef="#br0">99 1 24575,'-1'44'0,"-2"-1"0,-9 45 0,5 9 0,7-73 0,-1 0 0,-1 0 0,-6 23 0,-4 12 0,-7 84 0,17-117-341,-2 0 0,-1-1-1,-12 38 1,12-50-6485</inkml:trace>
-</inkml:ink>
-</file>
-
 <file path=ppt/ink/ink8.xml><?xml version="1.0" encoding="utf-8"?>
 <inkml:ink xmlns:inkml="http://www.w3.org/2003/InkML">
   <inkml:definitions>
@@ -2278,276 +1779,6 @@
 </inkml:ink>
 </file>
 
-<file path=ppt/ink/ink80.xml><?xml version="1.0" encoding="utf-8"?>
-<inkml:ink xmlns:inkml="http://www.w3.org/2003/InkML">
-  <inkml:definitions>
-    <inkml:context xml:id="ctx0">
-      <inkml:inkSource xml:id="inkSrc0">
-        <inkml:traceFormat>
-          <inkml:channel name="X" type="integer" min="-2.14748E9" max="2.14748E9" units="cm"/>
-          <inkml:channel name="Y" type="integer" min="-2.14748E9" max="2.14748E9" units="cm"/>
-          <inkml:channel name="F" type="integer" max="32767" units="dev"/>
-        </inkml:traceFormat>
-        <inkml:channelProperties>
-          <inkml:channelProperty channel="X" name="resolution" value="1000" units="1/cm"/>
-          <inkml:channelProperty channel="Y" name="resolution" value="1000" units="1/cm"/>
-          <inkml:channelProperty channel="F" name="resolution" value="0" units="1/dev"/>
-        </inkml:channelProperties>
-      </inkml:inkSource>
-      <inkml:timestamp xml:id="ts0" timeString="2024-11-14T13:39:33.849"/>
-    </inkml:context>
-    <inkml:brush xml:id="br0">
-      <inkml:brushProperty name="width" value="0.035" units="cm"/>
-      <inkml:brushProperty name="height" value="0.035" units="cm"/>
-    </inkml:brush>
-  </inkml:definitions>
-  <inkml:trace contextRef="#ctx0" brushRef="#br0">1 4 24575,'89'-1'0,"-23"-1"0,-1 3 0,102 14 0,-127-10 0,0-2 0,65-2 0,-64-3 0,0 3 0,59 8 0,-13 1-170,-1-4 0,137-7 0,-78-2 37,295 3-589,-421 0-6104</inkml:trace>
-</inkml:ink>
-</file>
-
-<file path=ppt/ink/ink81.xml><?xml version="1.0" encoding="utf-8"?>
-<inkml:ink xmlns:inkml="http://www.w3.org/2003/InkML">
-  <inkml:definitions>
-    <inkml:context xml:id="ctx0">
-      <inkml:inkSource xml:id="inkSrc0">
-        <inkml:traceFormat>
-          <inkml:channel name="X" type="integer" min="-2.14748E9" max="2.14748E9" units="cm"/>
-          <inkml:channel name="Y" type="integer" min="-2.14748E9" max="2.14748E9" units="cm"/>
-          <inkml:channel name="F" type="integer" max="32767" units="dev"/>
-        </inkml:traceFormat>
-        <inkml:channelProperties>
-          <inkml:channelProperty channel="X" name="resolution" value="1000" units="1/cm"/>
-          <inkml:channelProperty channel="Y" name="resolution" value="1000" units="1/cm"/>
-          <inkml:channelProperty channel="F" name="resolution" value="0" units="1/dev"/>
-        </inkml:channelProperties>
-      </inkml:inkSource>
-      <inkml:timestamp xml:id="ts0" timeString="2024-11-14T13:39:34.484"/>
-    </inkml:context>
-    <inkml:brush xml:id="br0">
-      <inkml:brushProperty name="width" value="0.035" units="cm"/>
-      <inkml:brushProperty name="height" value="0.035" units="cm"/>
-    </inkml:brush>
-  </inkml:definitions>
-  <inkml:trace contextRef="#ctx0" brushRef="#br0">1 81 24575,'35'-2'0,"46"-7"0,-47 3 0,50 0 0,82 9 0,190-5 0,-181-20 0,-106 13 0,-27 4 0,56-2 0,-59 6-682,62-10-1,-77 7-6143</inkml:trace>
-</inkml:ink>
-</file>
-
-<file path=ppt/ink/ink82.xml><?xml version="1.0" encoding="utf-8"?>
-<inkml:ink xmlns:inkml="http://www.w3.org/2003/InkML">
-  <inkml:definitions>
-    <inkml:context xml:id="ctx0">
-      <inkml:inkSource xml:id="inkSrc0">
-        <inkml:traceFormat>
-          <inkml:channel name="X" type="integer" min="-2.14748E9" max="2.14748E9" units="cm"/>
-          <inkml:channel name="Y" type="integer" min="-2.14748E9" max="2.14748E9" units="cm"/>
-          <inkml:channel name="F" type="integer" max="32767" units="dev"/>
-        </inkml:traceFormat>
-        <inkml:channelProperties>
-          <inkml:channelProperty channel="X" name="resolution" value="1000" units="1/cm"/>
-          <inkml:channelProperty channel="Y" name="resolution" value="1000" units="1/cm"/>
-          <inkml:channelProperty channel="F" name="resolution" value="0" units="1/dev"/>
-        </inkml:channelProperties>
-      </inkml:inkSource>
-      <inkml:timestamp xml:id="ts0" timeString="2024-11-14T13:34:49.814"/>
-    </inkml:context>
-    <inkml:brush xml:id="br0">
-      <inkml:brushProperty name="width" value="0.035" units="cm"/>
-      <inkml:brushProperty name="height" value="0.035" units="cm"/>
-    </inkml:brush>
-  </inkml:definitions>
-  <inkml:trace contextRef="#ctx0" brushRef="#br0">1 1 24575</inkml:trace>
-</inkml:ink>
-</file>
-
-<file path=ppt/ink/ink83.xml><?xml version="1.0" encoding="utf-8"?>
-<inkml:ink xmlns:inkml="http://www.w3.org/2003/InkML">
-  <inkml:definitions>
-    <inkml:context xml:id="ctx0">
-      <inkml:inkSource xml:id="inkSrc0">
-        <inkml:traceFormat>
-          <inkml:channel name="X" type="integer" min="-2.14748E9" max="2.14748E9" units="cm"/>
-          <inkml:channel name="Y" type="integer" min="-2.14748E9" max="2.14748E9" units="cm"/>
-          <inkml:channel name="F" type="integer" max="32767" units="dev"/>
-        </inkml:traceFormat>
-        <inkml:channelProperties>
-          <inkml:channelProperty channel="X" name="resolution" value="1000" units="1/cm"/>
-          <inkml:channelProperty channel="Y" name="resolution" value="1000" units="1/cm"/>
-          <inkml:channelProperty channel="F" name="resolution" value="0" units="1/dev"/>
-        </inkml:channelProperties>
-      </inkml:inkSource>
-      <inkml:timestamp xml:id="ts0" timeString="2024-11-14T13:34:50.186"/>
-    </inkml:context>
-    <inkml:brush xml:id="br0">
-      <inkml:brushProperty name="width" value="0.035" units="cm"/>
-      <inkml:brushProperty name="height" value="0.035" units="cm"/>
-    </inkml:brush>
-  </inkml:definitions>
-  <inkml:trace contextRef="#ctx0" brushRef="#br0">0 0 24575,'0'0'-8191</inkml:trace>
-</inkml:ink>
-</file>
-
-<file path=ppt/ink/ink84.xml><?xml version="1.0" encoding="utf-8"?>
-<inkml:ink xmlns:inkml="http://www.w3.org/2003/InkML">
-  <inkml:definitions>
-    <inkml:context xml:id="ctx0">
-      <inkml:inkSource xml:id="inkSrc0">
-        <inkml:traceFormat>
-          <inkml:channel name="X" type="integer" min="-2.14748E9" max="2.14748E9" units="cm"/>
-          <inkml:channel name="Y" type="integer" min="-2.14748E9" max="2.14748E9" units="cm"/>
-          <inkml:channel name="F" type="integer" max="32767" units="dev"/>
-        </inkml:traceFormat>
-        <inkml:channelProperties>
-          <inkml:channelProperty channel="X" name="resolution" value="1000" units="1/cm"/>
-          <inkml:channelProperty channel="Y" name="resolution" value="1000" units="1/cm"/>
-          <inkml:channelProperty channel="F" name="resolution" value="0" units="1/dev"/>
-        </inkml:channelProperties>
-      </inkml:inkSource>
-      <inkml:timestamp xml:id="ts0" timeString="2024-11-14T13:39:34.837"/>
-    </inkml:context>
-    <inkml:brush xml:id="br0">
-      <inkml:brushProperty name="width" value="0.035" units="cm"/>
-      <inkml:brushProperty name="height" value="0.035" units="cm"/>
-    </inkml:brush>
-  </inkml:definitions>
-  <inkml:trace contextRef="#ctx0" brushRef="#br0">236 0 24575,'-3'1'0,"1"-1"0,-1 1 0,0 0 0,0 0 0,1 0 0,-1 1 0,1-1 0,-1 1 0,1-1 0,0 1 0,-1 0 0,1 0 0,0 0 0,0 0 0,0 0 0,1 0 0,-1 1 0,0-1 0,1 0 0,-1 1 0,0 3 0,-29 67 0,26-58 0,-12 37 0,3 0 0,-8 66 0,0-2 0,15-80 0,-2 56 0,3-15 0,0-24 0,0-2 0,-18 77 0,17-93 0,2 0 0,2 0 0,0 1 0,5 56 0,-1-21 0,3-34-1365,1-23-5461</inkml:trace>
-</inkml:ink>
-</file>
-
-<file path=ppt/ink/ink85.xml><?xml version="1.0" encoding="utf-8"?>
-<inkml:ink xmlns:inkml="http://www.w3.org/2003/InkML">
-  <inkml:definitions>
-    <inkml:context xml:id="ctx0">
-      <inkml:inkSource xml:id="inkSrc0">
-        <inkml:traceFormat>
-          <inkml:channel name="X" type="integer" min="-2.14748E9" max="2.14748E9" units="cm"/>
-          <inkml:channel name="Y" type="integer" min="-2.14748E9" max="2.14748E9" units="cm"/>
-          <inkml:channel name="F" type="integer" max="32767" units="dev"/>
-        </inkml:traceFormat>
-        <inkml:channelProperties>
-          <inkml:channelProperty channel="X" name="resolution" value="1000" units="1/cm"/>
-          <inkml:channelProperty channel="Y" name="resolution" value="1000" units="1/cm"/>
-          <inkml:channelProperty channel="F" name="resolution" value="0" units="1/dev"/>
-        </inkml:channelProperties>
-      </inkml:inkSource>
-      <inkml:timestamp xml:id="ts0" timeString="2024-11-14T13:39:35.164"/>
-    </inkml:context>
-    <inkml:brush xml:id="br0">
-      <inkml:brushProperty name="width" value="0.035" units="cm"/>
-      <inkml:brushProperty name="height" value="0.035" units="cm"/>
-    </inkml:brush>
-  </inkml:definitions>
-  <inkml:trace contextRef="#ctx0" brushRef="#br0">128 1 24575,'-1'6'0,"-1"1"0,0-1 0,-1 0 0,1 0 0,-1 0 0,-5 7 0,2-1 0,-9 25 0,2 0 0,2 1 0,2 1 0,1-1 0,-3 47 0,4-36 0,-14 147 0,15 97 0,8-171 0,-1-96 67,8 43 0,1 6-1566,-9-57-5327</inkml:trace>
-</inkml:ink>
-</file>
-
-<file path=ppt/ink/ink86.xml><?xml version="1.0" encoding="utf-8"?>
-<inkml:ink xmlns:inkml="http://www.w3.org/2003/InkML">
-  <inkml:definitions>
-    <inkml:context xml:id="ctx0">
-      <inkml:inkSource xml:id="inkSrc0">
-        <inkml:traceFormat>
-          <inkml:channel name="X" type="integer" min="-2.14748E9" max="2.14748E9" units="cm"/>
-          <inkml:channel name="Y" type="integer" min="-2.14748E9" max="2.14748E9" units="cm"/>
-          <inkml:channel name="F" type="integer" max="32767" units="dev"/>
-        </inkml:traceFormat>
-        <inkml:channelProperties>
-          <inkml:channelProperty channel="X" name="resolution" value="1000" units="1/cm"/>
-          <inkml:channelProperty channel="Y" name="resolution" value="1000" units="1/cm"/>
-          <inkml:channelProperty channel="F" name="resolution" value="0" units="1/dev"/>
-        </inkml:channelProperties>
-      </inkml:inkSource>
-      <inkml:timestamp xml:id="ts0" timeString="2024-11-14T13:39:35.491"/>
-    </inkml:context>
-    <inkml:brush xml:id="br0">
-      <inkml:brushProperty name="width" value="0.035" units="cm"/>
-      <inkml:brushProperty name="height" value="0.035" units="cm"/>
-    </inkml:brush>
-  </inkml:definitions>
-  <inkml:trace contextRef="#ctx0" brushRef="#br0">1 1 24575,'890'0'0,"-856"1"0,43 8 0,33 2 0,305-12-1365,-397 1-5461</inkml:trace>
-</inkml:ink>
-</file>
-
-<file path=ppt/ink/ink87.xml><?xml version="1.0" encoding="utf-8"?>
-<inkml:ink xmlns:inkml="http://www.w3.org/2003/InkML">
-  <inkml:definitions>
-    <inkml:context xml:id="ctx0">
-      <inkml:inkSource xml:id="inkSrc0">
-        <inkml:traceFormat>
-          <inkml:channel name="X" type="integer" min="-2.14748E9" max="2.14748E9" units="cm"/>
-          <inkml:channel name="Y" type="integer" min="-2.14748E9" max="2.14748E9" units="cm"/>
-          <inkml:channel name="F" type="integer" max="32767" units="dev"/>
-        </inkml:traceFormat>
-        <inkml:channelProperties>
-          <inkml:channelProperty channel="X" name="resolution" value="1000" units="1/cm"/>
-          <inkml:channelProperty channel="Y" name="resolution" value="1000" units="1/cm"/>
-          <inkml:channelProperty channel="F" name="resolution" value="0" units="1/dev"/>
-        </inkml:channelProperties>
-      </inkml:inkSource>
-      <inkml:timestamp xml:id="ts0" timeString="2024-11-14T13:39:36.300"/>
-    </inkml:context>
-    <inkml:brush xml:id="br0">
-      <inkml:brushProperty name="width" value="0.035" units="cm"/>
-      <inkml:brushProperty name="height" value="0.035" units="cm"/>
-    </inkml:brush>
-  </inkml:definitions>
-  <inkml:trace contextRef="#ctx0" brushRef="#br0">1 140 24575,'109'1'0,"121"-3"0,-154-8 0,-46 5 0,47-2 0,69-6 0,-72 5 0,-43 3 0,45-12 0,20-3 0,40-2 0,-119 19-145,0-1-1,28-9 0,-32 9-782,9-3-5898</inkml:trace>
-</inkml:ink>
-</file>
-
-<file path=ppt/ink/ink88.xml><?xml version="1.0" encoding="utf-8"?>
-<inkml:ink xmlns:inkml="http://www.w3.org/2003/InkML">
-  <inkml:definitions>
-    <inkml:context xml:id="ctx0">
-      <inkml:inkSource xml:id="inkSrc0">
-        <inkml:traceFormat>
-          <inkml:channel name="X" type="integer" min="-2.14748E9" max="2.14748E9" units="cm"/>
-          <inkml:channel name="Y" type="integer" min="-2.14748E9" max="2.14748E9" units="cm"/>
-          <inkml:channel name="F" type="integer" max="32767" units="dev"/>
-        </inkml:traceFormat>
-        <inkml:channelProperties>
-          <inkml:channelProperty channel="X" name="resolution" value="1000" units="1/cm"/>
-          <inkml:channelProperty channel="Y" name="resolution" value="1000" units="1/cm"/>
-          <inkml:channelProperty channel="F" name="resolution" value="0" units="1/dev"/>
-        </inkml:channelProperties>
-      </inkml:inkSource>
-      <inkml:timestamp xml:id="ts0" timeString="2024-11-14T13:39:27.202"/>
-    </inkml:context>
-    <inkml:brush xml:id="br0">
-      <inkml:brushProperty name="width" value="0.035" units="cm"/>
-      <inkml:brushProperty name="height" value="0.035" units="cm"/>
-    </inkml:brush>
-  </inkml:definitions>
-  <inkml:trace contextRef="#ctx0" brushRef="#br0">0 1 24575,'0'0'-8191</inkml:trace>
-</inkml:ink>
-</file>
-
-<file path=ppt/ink/ink89.xml><?xml version="1.0" encoding="utf-8"?>
-<inkml:ink xmlns:inkml="http://www.w3.org/2003/InkML">
-  <inkml:definitions>
-    <inkml:context xml:id="ctx0">
-      <inkml:inkSource xml:id="inkSrc0">
-        <inkml:traceFormat>
-          <inkml:channel name="X" type="integer" min="-2.14748E9" max="2.14748E9" units="cm"/>
-          <inkml:channel name="Y" type="integer" min="-2.14748E9" max="2.14748E9" units="cm"/>
-          <inkml:channel name="F" type="integer" max="32767" units="dev"/>
-        </inkml:traceFormat>
-        <inkml:channelProperties>
-          <inkml:channelProperty channel="X" name="resolution" value="1000" units="1/cm"/>
-          <inkml:channelProperty channel="Y" name="resolution" value="1000" units="1/cm"/>
-          <inkml:channelProperty channel="F" name="resolution" value="0" units="1/dev"/>
-        </inkml:channelProperties>
-      </inkml:inkSource>
-      <inkml:timestamp xml:id="ts0" timeString="2024-11-14T13:39:27.544"/>
-    </inkml:context>
-    <inkml:brush xml:id="br0">
-      <inkml:brushProperty name="width" value="0.035" units="cm"/>
-      <inkml:brushProperty name="height" value="0.035" units="cm"/>
-    </inkml:brush>
-  </inkml:definitions>
-  <inkml:trace contextRef="#ctx0" brushRef="#br0">1 0 24575,'0'0'-8191</inkml:trace>
-</inkml:ink>
-</file>
-
 <file path=ppt/ink/ink9.xml><?xml version="1.0" encoding="utf-8"?>
 <inkml:ink xmlns:inkml="http://www.w3.org/2003/InkML">
   <inkml:definitions>
@@ -2572,276 +1803,6 @@
     </inkml:brush>
   </inkml:definitions>
   <inkml:trace contextRef="#ctx0" brushRef="#br0">321 542 24575,'-3'-2'0,"1"0"0,-1 0 0,1 0 0,-1 0 0,1 0 0,0 0 0,0 0 0,0-1 0,0 1 0,-1-3 0,-13-14 0,11 15 0,-1 1 0,1 0 0,-1 0 0,1 1 0,-1-1 0,0 1 0,0 0 0,0 1 0,0 0 0,0 0 0,-1 0 0,1 0 0,0 1 0,0 0 0,0 0 0,-1 1 0,1 0 0,0 0 0,0 0 0,0 1 0,0 0 0,0 0 0,0 1 0,1-1 0,-1 1 0,1 1 0,0-1 0,0 1 0,0-1 0,0 1 0,-5 6 0,-23 16 0,29-24 0,0 1 0,1-1 0,-1 0 0,1 1 0,-1 0 0,1 0 0,0 0 0,0 0 0,0 1 0,1-1 0,-1 1 0,1 0 0,0 0 0,0-1 0,0 1 0,0 1 0,1-1 0,0 0 0,-1 0 0,2 0 0,-1 1 0,0 6 0,0-1 0,1 1 0,-1-1 0,1 0 0,1 1 0,0-1 0,2 12 0,-2-20 0,0 0 0,-1 0 0,1 0 0,0 1 0,0-1 0,0 0 0,1 0 0,-1 0 0,0 0 0,1-1 0,-1 1 0,1 0 0,-1 0 0,1-1 0,0 1 0,0-1 0,0 0 0,0 0 0,0 1 0,0-1 0,0 0 0,0-1 0,1 1 0,-1 0 0,0-1 0,0 1 0,1-1 0,1 1 0,9 0 0,-1 0 0,0-1 0,0-1 0,1 0 0,-1 0 0,0-1 0,15-5 0,-20 5 0,-1 0 0,1-1 0,-1 0 0,0 0 0,0 0 0,0-1 0,0 0 0,-1 0 0,0-1 0,0 0 0,0 1 0,0-2 0,-1 1 0,5-7 0,7-14 0,-2 0 0,-1-1 0,-1 0 0,-1-1 0,-1-1 0,-2 0 0,-1 0 0,3-30 0,-3 16 0,3-38 0,-9 66 0,1-1 0,1 1 0,0 0 0,6-19 0,-5 19 0,0 0 0,0-1 0,-2 1 0,2-22 0,-5-45 0,1 588 0,2-480 0,1 0 0,2 0 0,14 47 0,-16-62 0,-3-11-26,0 1 1,0-1-1,0 1 0,0-1 0,0 1 1,0 0-1,0-1 0,0 1 0,0-1 1,0 1-1,1 0 0,-1-1 0,0 1 1,0-1-1,0 1 0,1-1 0,-1 1 1,0-1-1,1 1 0,-1-1 0,0 1 1,1-1-1,-1 0 0,1 1 0,-1-1 0,0 1 1,1-1-1,-1 0 0,1 1 0,-1-1 1,1 0-1,-1 0 0,1 0 0,0 1 1,-1-1-1,1 0 0,-1 0 0,1 0 1,-1 0-1,1 0 0,0 0 0,-1 0 1,1 0-1,-1 0 0,1 0 0,-1 0 0,1 0 1,0-1-1,-1 1 0,1 0 0,-1 0 1,2-1-1,4-4-6800</inkml:trace>
-</inkml:ink>
-</file>
-
-<file path=ppt/ink/ink90.xml><?xml version="1.0" encoding="utf-8"?>
-<inkml:ink xmlns:inkml="http://www.w3.org/2003/InkML">
-  <inkml:definitions>
-    <inkml:context xml:id="ctx0">
-      <inkml:inkSource xml:id="inkSrc0">
-        <inkml:traceFormat>
-          <inkml:channel name="X" type="integer" min="-2.14748E9" max="2.14748E9" units="cm"/>
-          <inkml:channel name="Y" type="integer" min="-2.14748E9" max="2.14748E9" units="cm"/>
-          <inkml:channel name="F" type="integer" max="32767" units="dev"/>
-        </inkml:traceFormat>
-        <inkml:channelProperties>
-          <inkml:channelProperty channel="X" name="resolution" value="1000" units="1/cm"/>
-          <inkml:channelProperty channel="Y" name="resolution" value="1000" units="1/cm"/>
-          <inkml:channelProperty channel="F" name="resolution" value="0" units="1/dev"/>
-        </inkml:channelProperties>
-      </inkml:inkSource>
-      <inkml:timestamp xml:id="ts0" timeString="2024-11-14T13:39:36.645"/>
-    </inkml:context>
-    <inkml:brush xml:id="br0">
-      <inkml:brushProperty name="width" value="0.035" units="cm"/>
-      <inkml:brushProperty name="height" value="0.035" units="cm"/>
-    </inkml:brush>
-  </inkml:definitions>
-  <inkml:trace contextRef="#ctx0" brushRef="#br0">192 1 24575,'-1'5'0,"0"1"0,0-1 0,-1 0 0,0 0 0,0 0 0,0 0 0,0 0 0,-6 8 0,-9 20 0,4 14 0,-8 54 0,2-4 0,-5 58 0,16-89 0,-12 121 0,-19 47 0,36-215-455,0 0 0,0 29 0,3-30-6371</inkml:trace>
-</inkml:ink>
-</file>
-
-<file path=ppt/ink/ink91.xml><?xml version="1.0" encoding="utf-8"?>
-<inkml:ink xmlns:inkml="http://www.w3.org/2003/InkML">
-  <inkml:definitions>
-    <inkml:context xml:id="ctx0">
-      <inkml:inkSource xml:id="inkSrc0">
-        <inkml:traceFormat>
-          <inkml:channel name="X" type="integer" min="-2.14748E9" max="2.14748E9" units="cm"/>
-          <inkml:channel name="Y" type="integer" min="-2.14748E9" max="2.14748E9" units="cm"/>
-          <inkml:channel name="F" type="integer" max="32767" units="dev"/>
-        </inkml:traceFormat>
-        <inkml:channelProperties>
-          <inkml:channelProperty channel="X" name="resolution" value="1000" units="1/cm"/>
-          <inkml:channelProperty channel="Y" name="resolution" value="1000" units="1/cm"/>
-          <inkml:channelProperty channel="F" name="resolution" value="0" units="1/dev"/>
-        </inkml:channelProperties>
-      </inkml:inkSource>
-      <inkml:timestamp xml:id="ts0" timeString="2024-11-14T13:39:36.998"/>
-    </inkml:context>
-    <inkml:brush xml:id="br0">
-      <inkml:brushProperty name="width" value="0.035" units="cm"/>
-      <inkml:brushProperty name="height" value="0.035" units="cm"/>
-    </inkml:brush>
-  </inkml:definitions>
-  <inkml:trace contextRef="#ctx0" brushRef="#br0">238 1 24575,'-2'19'0,"0"1"0,-1-1 0,-2 1 0,0-1 0,-12 32 0,-10 34 0,-36 127 0,42-147 0,-3 18 0,-32 257 0,50-297-3,1 1 0,3 1 0,5 67 0,-1-18-1350,-2-76-5473</inkml:trace>
-</inkml:ink>
-</file>
-
-<file path=ppt/ink/ink92.xml><?xml version="1.0" encoding="utf-8"?>
-<inkml:ink xmlns:inkml="http://www.w3.org/2003/InkML">
-  <inkml:definitions>
-    <inkml:context xml:id="ctx0">
-      <inkml:inkSource xml:id="inkSrc0">
-        <inkml:traceFormat>
-          <inkml:channel name="X" type="integer" min="-2.14748E9" max="2.14748E9" units="cm"/>
-          <inkml:channel name="Y" type="integer" min="-2.14748E9" max="2.14748E9" units="cm"/>
-          <inkml:channel name="F" type="integer" max="32767" units="dev"/>
-        </inkml:traceFormat>
-        <inkml:channelProperties>
-          <inkml:channelProperty channel="X" name="resolution" value="1000" units="1/cm"/>
-          <inkml:channelProperty channel="Y" name="resolution" value="1000" units="1/cm"/>
-          <inkml:channelProperty channel="F" name="resolution" value="0" units="1/dev"/>
-        </inkml:channelProperties>
-      </inkml:inkSource>
-      <inkml:timestamp xml:id="ts0" timeString="2024-11-14T13:39:37.341"/>
-    </inkml:context>
-    <inkml:brush xml:id="br0">
-      <inkml:brushProperty name="width" value="0.035" units="cm"/>
-      <inkml:brushProperty name="height" value="0.035" units="cm"/>
-    </inkml:brush>
-  </inkml:definitions>
-  <inkml:trace contextRef="#ctx0" brushRef="#br0">1 83 24575,'188'3'0,"197"-6"0,-279-8 0,43 0 0,-35 11-70,30 1-335,250-30 1,-212 10 615,-50 8-1729,-110 8-4487</inkml:trace>
-</inkml:ink>
-</file>
-
-<file path=ppt/ink/ink93.xml><?xml version="1.0" encoding="utf-8"?>
-<inkml:ink xmlns:inkml="http://www.w3.org/2003/InkML">
-  <inkml:definitions>
-    <inkml:context xml:id="ctx0">
-      <inkml:inkSource xml:id="inkSrc0">
-        <inkml:traceFormat>
-          <inkml:channel name="X" type="integer" min="-2.14748E9" max="2.14748E9" units="cm"/>
-          <inkml:channel name="Y" type="integer" min="-2.14748E9" max="2.14748E9" units="cm"/>
-          <inkml:channel name="F" type="integer" max="32767" units="dev"/>
-        </inkml:traceFormat>
-        <inkml:channelProperties>
-          <inkml:channelProperty channel="X" name="resolution" value="1000" units="1/cm"/>
-          <inkml:channelProperty channel="Y" name="resolution" value="1000" units="1/cm"/>
-          <inkml:channelProperty channel="F" name="resolution" value="0" units="1/dev"/>
-        </inkml:channelProperties>
-      </inkml:inkSource>
-      <inkml:timestamp xml:id="ts0" timeString="2024-11-14T13:39:45.739"/>
-    </inkml:context>
-    <inkml:brush xml:id="br0">
-      <inkml:brushProperty name="width" value="0.035" units="cm"/>
-      <inkml:brushProperty name="height" value="0.035" units="cm"/>
-    </inkml:brush>
-  </inkml:definitions>
-  <inkml:trace contextRef="#ctx0" brushRef="#br0">82 1 24575,'-2'89'0,"4"97"0,8-123 0,-6-44 0,-1 1 0,1 26 0,-2 18 0,0-26 0,-1-1 0,-7 49 0,6-85 0,0-1 0,0 0 0,0 0 0,0 0 0,0 0 0,0 1 0,0-1 0,0 0 0,0 0 0,0 0 0,0 0 0,-1 1 0,1-1 0,0 0 0,0 0 0,0 0 0,0 0 0,0 0 0,0 1 0,0-1 0,-1 0 0,1 0 0,0 0 0,0 0 0,0 0 0,0 0 0,0 0 0,-1 0 0,1 0 0,0 1 0,0-1 0,0 0 0,0 0 0,-1 0 0,1 0 0,0 0 0,0 0 0,0 0 0,-1 0 0,1 0 0,0 0 0,0 0 0,0 0 0,0-1 0,-1 1 0,1 0 0,0 0 0,0 0 0,0 0 0,0 0 0,-1 0 0,1 0 0,0 0 0,0 0 0,0-1 0,0 1 0,0 0 0,-1 0 0,-13-15 0,-10-21 0,-9-39 0,10 19 0,48 126 0,-22-64 0,0 0 0,0 0 0,1 0 0,0-1 0,0 0 0,1 0 0,0 0 0,0 0 0,0-1 0,8 6 0,-11-9 0,0 0 0,1 0 0,-1 0 0,0-1 0,1 1 0,-1-1 0,1 0 0,-1 0 0,0 1 0,1-2 0,-1 1 0,1 0 0,-1 0 0,1-1 0,-1 1 0,0-1 0,1 0 0,-1 0 0,0 0 0,1 0 0,-1 0 0,0 0 0,0-1 0,0 1 0,0-1 0,0 1 0,-1-1 0,1 0 0,0 0 0,-1 1 0,1-1 0,1-3 0,3-4 0,0 0 0,0-1 0,0 0 0,-1 0 0,5-16 0,5-10 0,-23 59 0,6-15 0,-1 1 0,0-1 0,-1 0 0,0 1 0,-6 9 0,-7 10-1365,11-15-5461</inkml:trace>
-</inkml:ink>
-</file>
-
-<file path=ppt/ink/ink94.xml><?xml version="1.0" encoding="utf-8"?>
-<inkml:ink xmlns:inkml="http://www.w3.org/2003/InkML">
-  <inkml:definitions>
-    <inkml:context xml:id="ctx0">
-      <inkml:inkSource xml:id="inkSrc0">
-        <inkml:traceFormat>
-          <inkml:channel name="X" type="integer" min="-2.14748E9" max="2.14748E9" units="cm"/>
-          <inkml:channel name="Y" type="integer" min="-2.14748E9" max="2.14748E9" units="cm"/>
-          <inkml:channel name="F" type="integer" max="32767" units="dev"/>
-        </inkml:traceFormat>
-        <inkml:channelProperties>
-          <inkml:channelProperty channel="X" name="resolution" value="1000" units="1/cm"/>
-          <inkml:channelProperty channel="Y" name="resolution" value="1000" units="1/cm"/>
-          <inkml:channelProperty channel="F" name="resolution" value="0" units="1/dev"/>
-        </inkml:channelProperties>
-      </inkml:inkSource>
-      <inkml:timestamp xml:id="ts0" timeString="2024-11-14T13:39:49.749"/>
-    </inkml:context>
-    <inkml:brush xml:id="br0">
-      <inkml:brushProperty name="width" value="0.035" units="cm"/>
-      <inkml:brushProperty name="height" value="0.035" units="cm"/>
-    </inkml:brush>
-  </inkml:definitions>
-  <inkml:trace contextRef="#ctx0" brushRef="#br0">82 1 24575,'-2'89'0,"4"97"0,8-123 0,-6-44 0,-1 1 0,1 26 0,-2 18 0,0-26 0,-1-1 0,-7 49 0,6-85 0,0-1 0,0 0 0,0 0 0,0 0 0,0 0 0,0 1 0,0-1 0,0 0 0,0 0 0,0 0 0,0 0 0,-1 1 0,1-1 0,0 0 0,0 0 0,0 0 0,0 0 0,0 0 0,0 1 0,0-1 0,-1 0 0,1 0 0,0 0 0,0 0 0,0 0 0,0 0 0,0 0 0,-1 0 0,1 0 0,0 1 0,0-1 0,0 0 0,0 0 0,-1 0 0,1 0 0,0 0 0,0 0 0,0 0 0,-1 0 0,1 0 0,0 0 0,0 0 0,0 0 0,0-1 0,-1 1 0,1 0 0,0 0 0,0 0 0,0 0 0,0 0 0,-1 0 0,1 0 0,0 0 0,0 0 0,0-1 0,0 1 0,0 0 0,-1 0 0,-13-15 0,-10-21 0,-9-39 0,10 19 0,48 126 0,-22-64 0,0 0 0,0 0 0,1 0 0,0-1 0,0 0 0,1 0 0,0 0 0,0 0 0,0-1 0,8 6 0,-11-9 0,0 0 0,1 0 0,-1 0 0,0-1 0,1 1 0,-1-1 0,1 0 0,-1 0 0,0 1 0,1-2 0,-1 1 0,1 0 0,-1 0 0,1-1 0,-1 1 0,0-1 0,1 0 0,-1 0 0,0 0 0,1 0 0,-1 0 0,0 0 0,0-1 0,0 1 0,0-1 0,0 1 0,-1-1 0,1 0 0,0 0 0,-1 1 0,1-1 0,1-3 0,3-4 0,0 0 0,0-1 0,0 0 0,-1 0 0,5-16 0,5-10 0,-23 59 0,6-15 0,-1 1 0,0-1 0,-1 0 0,0 1 0,-6 9 0,-7 10-1365,11-15-5461</inkml:trace>
-</inkml:ink>
-</file>
-
-<file path=ppt/ink/ink95.xml><?xml version="1.0" encoding="utf-8"?>
-<inkml:ink xmlns:inkml="http://www.w3.org/2003/InkML">
-  <inkml:definitions>
-    <inkml:context xml:id="ctx0">
-      <inkml:inkSource xml:id="inkSrc0">
-        <inkml:traceFormat>
-          <inkml:channel name="X" type="integer" min="-2.14748E9" max="2.14748E9" units="cm"/>
-          <inkml:channel name="Y" type="integer" min="-2.14748E9" max="2.14748E9" units="cm"/>
-          <inkml:channel name="F" type="integer" max="32767" units="dev"/>
-        </inkml:traceFormat>
-        <inkml:channelProperties>
-          <inkml:channelProperty channel="X" name="resolution" value="1000" units="1/cm"/>
-          <inkml:channelProperty channel="Y" name="resolution" value="1000" units="1/cm"/>
-          <inkml:channelProperty channel="F" name="resolution" value="0" units="1/dev"/>
-        </inkml:channelProperties>
-      </inkml:inkSource>
-      <inkml:timestamp xml:id="ts0" timeString="2024-11-14T13:39:52.709"/>
-    </inkml:context>
-    <inkml:brush xml:id="br0">
-      <inkml:brushProperty name="width" value="0.035" units="cm"/>
-      <inkml:brushProperty name="height" value="0.035" units="cm"/>
-    </inkml:brush>
-  </inkml:definitions>
-  <inkml:trace contextRef="#ctx0" brushRef="#br0">82 1 24575,'-2'89'0,"4"97"0,8-123 0,-6-44 0,-1 1 0,1 26 0,-2 18 0,0-26 0,-1-1 0,-7 49 0,6-85 0,0-1 0,0 0 0,0 0 0,0 0 0,0 0 0,0 1 0,0-1 0,0 0 0,0 0 0,0 0 0,0 0 0,-1 1 0,1-1 0,0 0 0,0 0 0,0 0 0,0 0 0,0 0 0,0 1 0,0-1 0,-1 0 0,1 0 0,0 0 0,0 0 0,0 0 0,0 0 0,0 0 0,-1 0 0,1 0 0,0 1 0,0-1 0,0 0 0,0 0 0,-1 0 0,1 0 0,0 0 0,0 0 0,0 0 0,-1 0 0,1 0 0,0 0 0,0 0 0,0 0 0,0-1 0,-1 1 0,1 0 0,0 0 0,0 0 0,0 0 0,0 0 0,-1 0 0,1 0 0,0 0 0,0 0 0,0-1 0,0 1 0,0 0 0,-1 0 0,-13-15 0,-10-21 0,-9-39 0,10 19 0,48 126 0,-22-64 0,0 0 0,0 0 0,1 0 0,0-1 0,0 0 0,1 0 0,0 0 0,0 0 0,0-1 0,8 6 0,-11-9 0,0 0 0,1 0 0,-1 0 0,0-1 0,1 1 0,-1-1 0,1 0 0,-1 0 0,0 1 0,1-2 0,-1 1 0,1 0 0,-1 0 0,1-1 0,-1 1 0,0-1 0,1 0 0,-1 0 0,0 0 0,1 0 0,-1 0 0,0 0 0,0-1 0,0 1 0,0-1 0,0 1 0,-1-1 0,1 0 0,0 0 0,-1 1 0,1-1 0,1-3 0,3-4 0,0 0 0,0-1 0,0 0 0,-1 0 0,5-16 0,5-10 0,-23 59 0,6-15 0,-1 1 0,0-1 0,-1 0 0,0 1 0,-6 9 0,-7 10-1365,11-15-5461</inkml:trace>
-</inkml:ink>
-</file>
-
-<file path=ppt/ink/ink96.xml><?xml version="1.0" encoding="utf-8"?>
-<inkml:ink xmlns:inkml="http://www.w3.org/2003/InkML">
-  <inkml:definitions>
-    <inkml:context xml:id="ctx0">
-      <inkml:inkSource xml:id="inkSrc0">
-        <inkml:traceFormat>
-          <inkml:channel name="X" type="integer" min="-2.14748E9" max="2.14748E9" units="cm"/>
-          <inkml:channel name="Y" type="integer" min="-2.14748E9" max="2.14748E9" units="cm"/>
-          <inkml:channel name="F" type="integer" max="32767" units="dev"/>
-        </inkml:traceFormat>
-        <inkml:channelProperties>
-          <inkml:channelProperty channel="X" name="resolution" value="1000" units="1/cm"/>
-          <inkml:channelProperty channel="Y" name="resolution" value="1000" units="1/cm"/>
-          <inkml:channelProperty channel="F" name="resolution" value="0" units="1/dev"/>
-        </inkml:channelProperties>
-      </inkml:inkSource>
-      <inkml:timestamp xml:id="ts0" timeString="2024-11-14T13:39:54.539"/>
-    </inkml:context>
-    <inkml:brush xml:id="br0">
-      <inkml:brushProperty name="width" value="0.035" units="cm"/>
-      <inkml:brushProperty name="height" value="0.035" units="cm"/>
-    </inkml:brush>
-  </inkml:definitions>
-  <inkml:trace contextRef="#ctx0" brushRef="#br0">82 1 24575,'-2'89'0,"4"97"0,8-123 0,-6-44 0,-1 1 0,1 26 0,-2 18 0,0-26 0,-1-1 0,-7 49 0,6-85 0,0-1 0,0 0 0,0 0 0,0 0 0,0 0 0,0 1 0,0-1 0,0 0 0,0 0 0,0 0 0,0 0 0,-1 1 0,1-1 0,0 0 0,0 0 0,0 0 0,0 0 0,0 0 0,0 1 0,0-1 0,-1 0 0,1 0 0,0 0 0,0 0 0,0 0 0,0 0 0,0 0 0,-1 0 0,1 0 0,0 1 0,0-1 0,0 0 0,0 0 0,-1 0 0,1 0 0,0 0 0,0 0 0,0 0 0,-1 0 0,1 0 0,0 0 0,0 0 0,0 0 0,0-1 0,-1 1 0,1 0 0,0 0 0,0 0 0,0 0 0,0 0 0,-1 0 0,1 0 0,0 0 0,0 0 0,0-1 0,0 1 0,0 0 0,-1 0 0,-13-15 0,-10-21 0,-9-39 0,10 19 0,48 126 0,-22-64 0,0 0 0,0 0 0,1 0 0,0-1 0,0 0 0,1 0 0,0 0 0,0 0 0,0-1 0,8 6 0,-11-9 0,0 0 0,1 0 0,-1 0 0,0-1 0,1 1 0,-1-1 0,1 0 0,-1 0 0,0 1 0,1-2 0,-1 1 0,1 0 0,-1 0 0,1-1 0,-1 1 0,0-1 0,1 0 0,-1 0 0,0 0 0,1 0 0,-1 0 0,0 0 0,0-1 0,0 1 0,0-1 0,0 1 0,-1-1 0,1 0 0,0 0 0,-1 1 0,1-1 0,1-3 0,3-4 0,0 0 0,0-1 0,0 0 0,-1 0 0,5-16 0,5-10 0,-23 59 0,6-15 0,-1 1 0,0-1 0,-1 0 0,0 1 0,-6 9 0,-7 10-1365,11-15-5461</inkml:trace>
-</inkml:ink>
-</file>
-
-<file path=ppt/ink/ink97.xml><?xml version="1.0" encoding="utf-8"?>
-<inkml:ink xmlns:inkml="http://www.w3.org/2003/InkML">
-  <inkml:definitions>
-    <inkml:context xml:id="ctx0">
-      <inkml:inkSource xml:id="inkSrc0">
-        <inkml:traceFormat>
-          <inkml:channel name="X" type="integer" min="-2.14748E9" max="2.14748E9" units="cm"/>
-          <inkml:channel name="Y" type="integer" min="-2.14748E9" max="2.14748E9" units="cm"/>
-          <inkml:channel name="F" type="integer" max="32767" units="dev"/>
-        </inkml:traceFormat>
-        <inkml:channelProperties>
-          <inkml:channelProperty channel="X" name="resolution" value="1000" units="1/cm"/>
-          <inkml:channelProperty channel="Y" name="resolution" value="1000" units="1/cm"/>
-          <inkml:channelProperty channel="F" name="resolution" value="0" units="1/dev"/>
-        </inkml:channelProperties>
-      </inkml:inkSource>
-      <inkml:timestamp xml:id="ts0" timeString="2024-11-14T13:39:56.689"/>
-    </inkml:context>
-    <inkml:brush xml:id="br0">
-      <inkml:brushProperty name="width" value="0.035" units="cm"/>
-      <inkml:brushProperty name="height" value="0.035" units="cm"/>
-    </inkml:brush>
-  </inkml:definitions>
-  <inkml:trace contextRef="#ctx0" brushRef="#br0">82 1 24575,'-2'89'0,"4"97"0,8-123 0,-6-44 0,-1 1 0,1 26 0,-2 18 0,0-26 0,-1-1 0,-7 49 0,6-85 0,0-1 0,0 0 0,0 0 0,0 0 0,0 0 0,0 1 0,0-1 0,0 0 0,0 0 0,0 0 0,0 0 0,-1 1 0,1-1 0,0 0 0,0 0 0,0 0 0,0 0 0,0 0 0,0 1 0,0-1 0,-1 0 0,1 0 0,0 0 0,0 0 0,0 0 0,0 0 0,0 0 0,-1 0 0,1 0 0,0 1 0,0-1 0,0 0 0,0 0 0,-1 0 0,1 0 0,0 0 0,0 0 0,0 0 0,-1 0 0,1 0 0,0 0 0,0 0 0,0 0 0,0-1 0,-1 1 0,1 0 0,0 0 0,0 0 0,0 0 0,0 0 0,-1 0 0,1 0 0,0 0 0,0 0 0,0-1 0,0 1 0,0 0 0,-1 0 0,-13-15 0,-10-21 0,-9-39 0,10 19 0,48 126 0,-22-64 0,0 0 0,0 0 0,1 0 0,0-1 0,0 0 0,1 0 0,0 0 0,0 0 0,0-1 0,8 6 0,-11-9 0,0 0 0,1 0 0,-1 0 0,0-1 0,1 1 0,-1-1 0,1 0 0,-1 0 0,0 1 0,1-2 0,-1 1 0,1 0 0,-1 0 0,1-1 0,-1 1 0,0-1 0,1 0 0,-1 0 0,0 0 0,1 0 0,-1 0 0,0 0 0,0-1 0,0 1 0,0-1 0,0 1 0,-1-1 0,1 0 0,0 0 0,-1 1 0,1-1 0,1-3 0,3-4 0,0 0 0,0-1 0,0 0 0,-1 0 0,5-16 0,5-10 0,-23 59 0,6-15 0,-1 1 0,0-1 0,-1 0 0,0 1 0,-6 9 0,-7 10-1365,11-15-5461</inkml:trace>
-</inkml:ink>
-</file>
-
-<file path=ppt/ink/ink98.xml><?xml version="1.0" encoding="utf-8"?>
-<inkml:ink xmlns:inkml="http://www.w3.org/2003/InkML">
-  <inkml:definitions>
-    <inkml:context xml:id="ctx0">
-      <inkml:inkSource xml:id="inkSrc0">
-        <inkml:traceFormat>
-          <inkml:channel name="X" type="integer" min="-2.14748E9" max="2.14748E9" units="cm"/>
-          <inkml:channel name="Y" type="integer" min="-2.14748E9" max="2.14748E9" units="cm"/>
-          <inkml:channel name="F" type="integer" max="32767" units="dev"/>
-        </inkml:traceFormat>
-        <inkml:channelProperties>
-          <inkml:channelProperty channel="X" name="resolution" value="1000" units="1/cm"/>
-          <inkml:channelProperty channel="Y" name="resolution" value="1000" units="1/cm"/>
-          <inkml:channelProperty channel="F" name="resolution" value="0" units="1/dev"/>
-        </inkml:channelProperties>
-      </inkml:inkSource>
-      <inkml:timestamp xml:id="ts0" timeString="2024-11-14T13:39:58.805"/>
-    </inkml:context>
-    <inkml:brush xml:id="br0">
-      <inkml:brushProperty name="width" value="0.035" units="cm"/>
-      <inkml:brushProperty name="height" value="0.035" units="cm"/>
-    </inkml:brush>
-  </inkml:definitions>
-  <inkml:trace contextRef="#ctx0" brushRef="#br0">82 1 24575,'-2'89'0,"4"97"0,8-123 0,-6-44 0,-1 1 0,1 26 0,-2 18 0,0-26 0,-1-1 0,-7 49 0,6-85 0,0-1 0,0 0 0,0 0 0,0 0 0,0 0 0,0 1 0,0-1 0,0 0 0,0 0 0,0 0 0,0 0 0,-1 1 0,1-1 0,0 0 0,0 0 0,0 0 0,0 0 0,0 0 0,0 1 0,0-1 0,-1 0 0,1 0 0,0 0 0,0 0 0,0 0 0,0 0 0,0 0 0,-1 0 0,1 0 0,0 1 0,0-1 0,0 0 0,0 0 0,-1 0 0,1 0 0,0 0 0,0 0 0,0 0 0,-1 0 0,1 0 0,0 0 0,0 0 0,0 0 0,0-1 0,-1 1 0,1 0 0,0 0 0,0 0 0,0 0 0,0 0 0,-1 0 0,1 0 0,0 0 0,0 0 0,0-1 0,0 1 0,0 0 0,-1 0 0,-13-15 0,-10-21 0,-9-39 0,10 19 0,48 126 0,-22-64 0,0 0 0,0 0 0,1 0 0,0-1 0,0 0 0,1 0 0,0 0 0,0 0 0,0-1 0,8 6 0,-11-9 0,0 0 0,1 0 0,-1 0 0,0-1 0,1 1 0,-1-1 0,1 0 0,-1 0 0,0 1 0,1-2 0,-1 1 0,1 0 0,-1 0 0,1-1 0,-1 1 0,0-1 0,1 0 0,-1 0 0,0 0 0,1 0 0,-1 0 0,0 0 0,0-1 0,0 1 0,0-1 0,0 1 0,-1-1 0,1 0 0,0 0 0,-1 1 0,1-1 0,1-3 0,3-4 0,0 0 0,0-1 0,0 0 0,-1 0 0,5-16 0,5-10 0,-23 59 0,6-15 0,-1 1 0,0-1 0,-1 0 0,0 1 0,-6 9 0,-7 10-1365,11-15-5461</inkml:trace>
-</inkml:ink>
-</file>
-
-<file path=ppt/ink/ink99.xml><?xml version="1.0" encoding="utf-8"?>
-<inkml:ink xmlns:inkml="http://www.w3.org/2003/InkML">
-  <inkml:definitions>
-    <inkml:context xml:id="ctx0">
-      <inkml:inkSource xml:id="inkSrc0">
-        <inkml:traceFormat>
-          <inkml:channel name="X" type="integer" min="-2.14748E9" max="2.14748E9" units="cm"/>
-          <inkml:channel name="Y" type="integer" min="-2.14748E9" max="2.14748E9" units="cm"/>
-          <inkml:channel name="F" type="integer" max="32767" units="dev"/>
-        </inkml:traceFormat>
-        <inkml:channelProperties>
-          <inkml:channelProperty channel="X" name="resolution" value="1000" units="1/cm"/>
-          <inkml:channelProperty channel="Y" name="resolution" value="1000" units="1/cm"/>
-          <inkml:channelProperty channel="F" name="resolution" value="0" units="1/dev"/>
-        </inkml:channelProperties>
-      </inkml:inkSource>
-      <inkml:timestamp xml:id="ts0" timeString="2024-11-14T13:40:01.042"/>
-    </inkml:context>
-    <inkml:brush xml:id="br0">
-      <inkml:brushProperty name="width" value="0.035" units="cm"/>
-      <inkml:brushProperty name="height" value="0.035" units="cm"/>
-    </inkml:brush>
-  </inkml:definitions>
-  <inkml:trace contextRef="#ctx0" brushRef="#br0">82 1 24575,'-2'89'0,"4"97"0,8-123 0,-6-44 0,-1 1 0,1 26 0,-2 18 0,0-26 0,-1-1 0,-7 49 0,6-85 0,0-1 0,0 0 0,0 0 0,0 0 0,0 0 0,0 1 0,0-1 0,0 0 0,0 0 0,0 0 0,0 0 0,-1 1 0,1-1 0,0 0 0,0 0 0,0 0 0,0 0 0,0 0 0,0 1 0,0-1 0,-1 0 0,1 0 0,0 0 0,0 0 0,0 0 0,0 0 0,0 0 0,-1 0 0,1 0 0,0 1 0,0-1 0,0 0 0,0 0 0,-1 0 0,1 0 0,0 0 0,0 0 0,0 0 0,-1 0 0,1 0 0,0 0 0,0 0 0,0 0 0,0-1 0,-1 1 0,1 0 0,0 0 0,0 0 0,0 0 0,0 0 0,-1 0 0,1 0 0,0 0 0,0 0 0,0-1 0,0 1 0,0 0 0,-1 0 0,-13-15 0,-10-21 0,-9-39 0,10 19 0,48 126 0,-22-64 0,0 0 0,0 0 0,1 0 0,0-1 0,0 0 0,1 0 0,0 0 0,0 0 0,0-1 0,8 6 0,-11-9 0,0 0 0,1 0 0,-1 0 0,0-1 0,1 1 0,-1-1 0,1 0 0,-1 0 0,0 1 0,1-2 0,-1 1 0,1 0 0,-1 0 0,1-1 0,-1 1 0,0-1 0,1 0 0,-1 0 0,0 0 0,1 0 0,-1 0 0,0 0 0,0-1 0,0 1 0,0-1 0,0 1 0,-1-1 0,1 0 0,0 0 0,-1 1 0,1-1 0,1-3 0,3-4 0,0 0 0,0-1 0,0 0 0,-1 0 0,5-16 0,5-10 0,-23 59 0,6-15 0,-1 1 0,0-1 0,-1 0 0,0 1 0,-6 9 0,-7 10-1365,11-15-5461</inkml:trace>
 </inkml:ink>
 </file>
 
@@ -2994,7 +1955,7 @@
           <a:p>
             <a:fld id="{F55DDC14-40C8-49D0-972B-D0099654A4BB}" type="datetimeFigureOut">
               <a:rPr lang="cs-CZ" smtClean="0"/>
-              <a:t>14.11.2024</a:t>
+              <a:t>15.11.2024</a:t>
             </a:fld>
             <a:endParaRPr lang="cs-CZ"/>
           </a:p>
@@ -3194,7 +2155,7 @@
           <a:p>
             <a:fld id="{F55DDC14-40C8-49D0-972B-D0099654A4BB}" type="datetimeFigureOut">
               <a:rPr lang="cs-CZ" smtClean="0"/>
-              <a:t>14.11.2024</a:t>
+              <a:t>15.11.2024</a:t>
             </a:fld>
             <a:endParaRPr lang="cs-CZ"/>
           </a:p>
@@ -3404,7 +2365,7 @@
           <a:p>
             <a:fld id="{F55DDC14-40C8-49D0-972B-D0099654A4BB}" type="datetimeFigureOut">
               <a:rPr lang="cs-CZ" smtClean="0"/>
-              <a:t>14.11.2024</a:t>
+              <a:t>15.11.2024</a:t>
             </a:fld>
             <a:endParaRPr lang="cs-CZ"/>
           </a:p>
@@ -3604,7 +2565,7 @@
           <a:p>
             <a:fld id="{F55DDC14-40C8-49D0-972B-D0099654A4BB}" type="datetimeFigureOut">
               <a:rPr lang="cs-CZ" smtClean="0"/>
-              <a:t>14.11.2024</a:t>
+              <a:t>15.11.2024</a:t>
             </a:fld>
             <a:endParaRPr lang="cs-CZ"/>
           </a:p>
@@ -3880,7 +2841,7 @@
           <a:p>
             <a:fld id="{F55DDC14-40C8-49D0-972B-D0099654A4BB}" type="datetimeFigureOut">
               <a:rPr lang="cs-CZ" smtClean="0"/>
-              <a:t>14.11.2024</a:t>
+              <a:t>15.11.2024</a:t>
             </a:fld>
             <a:endParaRPr lang="cs-CZ"/>
           </a:p>
@@ -4148,7 +3109,7 @@
           <a:p>
             <a:fld id="{F55DDC14-40C8-49D0-972B-D0099654A4BB}" type="datetimeFigureOut">
               <a:rPr lang="cs-CZ" smtClean="0"/>
-              <a:t>14.11.2024</a:t>
+              <a:t>15.11.2024</a:t>
             </a:fld>
             <a:endParaRPr lang="cs-CZ"/>
           </a:p>
@@ -4563,7 +3524,7 @@
           <a:p>
             <a:fld id="{F55DDC14-40C8-49D0-972B-D0099654A4BB}" type="datetimeFigureOut">
               <a:rPr lang="cs-CZ" smtClean="0"/>
-              <a:t>14.11.2024</a:t>
+              <a:t>15.11.2024</a:t>
             </a:fld>
             <a:endParaRPr lang="cs-CZ"/>
           </a:p>
@@ -4705,7 +3666,7 @@
           <a:p>
             <a:fld id="{F55DDC14-40C8-49D0-972B-D0099654A4BB}" type="datetimeFigureOut">
               <a:rPr lang="cs-CZ" smtClean="0"/>
-              <a:t>14.11.2024</a:t>
+              <a:t>15.11.2024</a:t>
             </a:fld>
             <a:endParaRPr lang="cs-CZ"/>
           </a:p>
@@ -4818,7 +3779,7 @@
           <a:p>
             <a:fld id="{F55DDC14-40C8-49D0-972B-D0099654A4BB}" type="datetimeFigureOut">
               <a:rPr lang="cs-CZ" smtClean="0"/>
-              <a:t>14.11.2024</a:t>
+              <a:t>15.11.2024</a:t>
             </a:fld>
             <a:endParaRPr lang="cs-CZ"/>
           </a:p>
@@ -5131,7 +4092,7 @@
           <a:p>
             <a:fld id="{F55DDC14-40C8-49D0-972B-D0099654A4BB}" type="datetimeFigureOut">
               <a:rPr lang="cs-CZ" smtClean="0"/>
-              <a:t>14.11.2024</a:t>
+              <a:t>15.11.2024</a:t>
             </a:fld>
             <a:endParaRPr lang="cs-CZ"/>
           </a:p>
@@ -5420,7 +4381,7 @@
           <a:p>
             <a:fld id="{F55DDC14-40C8-49D0-972B-D0099654A4BB}" type="datetimeFigureOut">
               <a:rPr lang="cs-CZ" smtClean="0"/>
-              <a:t>14.11.2024</a:t>
+              <a:t>15.11.2024</a:t>
             </a:fld>
             <a:endParaRPr lang="cs-CZ"/>
           </a:p>
@@ -5663,7 +4624,7 @@
           <a:p>
             <a:fld id="{F55DDC14-40C8-49D0-972B-D0099654A4BB}" type="datetimeFigureOut">
               <a:rPr lang="cs-CZ" smtClean="0"/>
-              <a:t>14.11.2024</a:t>
+              <a:t>15.11.2024</a:t>
             </a:fld>
             <a:endParaRPr lang="cs-CZ"/>
           </a:p>
@@ -6080,6 +5041,102 @@
           <a:chExt cx="0" cy="0"/>
         </a:xfrm>
       </p:grpSpPr>
+      <p:sp>
+        <p:nvSpPr>
+          <p:cNvPr id="2" name="Nadpis 1">
+            <a:extLst>
+              <a:ext uri="{FF2B5EF4-FFF2-40B4-BE49-F238E27FC236}">
+                <a16:creationId xmlns:a16="http://schemas.microsoft.com/office/drawing/2014/main" id="{6710630C-2DEF-3E04-EA5A-6D0A4735476F}"/>
+              </a:ext>
+            </a:extLst>
+          </p:cNvPr>
+          <p:cNvSpPr>
+            <a:spLocks noGrp="1"/>
+          </p:cNvSpPr>
+          <p:nvPr>
+            <p:ph type="ctrTitle"/>
+          </p:nvPr>
+        </p:nvSpPr>
+        <p:spPr/>
+        <p:txBody>
+          <a:bodyPr/>
+          <a:lstStyle/>
+          <a:p>
+            <a:r>
+              <a:rPr lang="en-GB" dirty="0"/>
+              <a:t>LinoSPAD2 Data Analysis Parallelization</a:t>
+            </a:r>
+          </a:p>
+        </p:txBody>
+      </p:sp>
+      <p:sp>
+        <p:nvSpPr>
+          <p:cNvPr id="3" name="Podnadpis 2">
+            <a:extLst>
+              <a:ext uri="{FF2B5EF4-FFF2-40B4-BE49-F238E27FC236}">
+                <a16:creationId xmlns:a16="http://schemas.microsoft.com/office/drawing/2014/main" id="{42AD41B8-10D6-1ADE-6458-1A5A349D4E47}"/>
+              </a:ext>
+            </a:extLst>
+          </p:cNvPr>
+          <p:cNvSpPr>
+            <a:spLocks noGrp="1"/>
+          </p:cNvSpPr>
+          <p:nvPr>
+            <p:ph type="subTitle" idx="1"/>
+          </p:nvPr>
+        </p:nvSpPr>
+        <p:spPr/>
+        <p:txBody>
+          <a:bodyPr vert="horz" lIns="91440" tIns="45720" rIns="91440" bIns="45720" rtlCol="0" anchor="t">
+            <a:normAutofit/>
+          </a:bodyPr>
+          <a:lstStyle/>
+          <a:p>
+            <a:r>
+              <a:rPr lang="cs-CZ" dirty="0" err="1"/>
+              <a:t>Dmitirj</a:t>
+            </a:r>
+            <a:r>
+              <a:rPr lang="cs-CZ" dirty="0"/>
+              <a:t> </a:t>
+            </a:r>
+            <a:r>
+              <a:rPr lang="cs-CZ" dirty="0" err="1"/>
+              <a:t>Ševaev</a:t>
+            </a:r>
+          </a:p>
+        </p:txBody>
+      </p:sp>
+    </p:spTree>
+    <p:extLst>
+      <p:ext uri="{BB962C8B-B14F-4D97-AF65-F5344CB8AC3E}">
+        <p14:creationId xmlns:p14="http://schemas.microsoft.com/office/powerpoint/2010/main" val="2538134115"/>
+      </p:ext>
+    </p:extLst>
+  </p:cSld>
+  <p:clrMapOvr>
+    <a:masterClrMapping/>
+  </p:clrMapOvr>
+</p:sld>
+</file>
+
+<file path=ppt/slides/slide2.xml><?xml version="1.0" encoding="utf-8"?>
+<p:sld xmlns:a="http://schemas.openxmlformats.org/drawingml/2006/main" xmlns:r="http://schemas.openxmlformats.org/officeDocument/2006/relationships" xmlns:p="http://schemas.openxmlformats.org/presentationml/2006/main">
+  <p:cSld>
+    <p:spTree>
+      <p:nvGrpSpPr>
+        <p:cNvPr id="1" name=""/>
+        <p:cNvGrpSpPr/>
+        <p:nvPr/>
+      </p:nvGrpSpPr>
+      <p:grpSpPr>
+        <a:xfrm>
+          <a:off x="0" y="0"/>
+          <a:ext cx="0" cy="0"/>
+          <a:chOff x="0" y="0"/>
+          <a:chExt cx="0" cy="0"/>
+        </a:xfrm>
+      </p:grpSpPr>
       <p:graphicFrame>
         <p:nvGraphicFramePr>
           <p:cNvPr id="4" name="Table 3">
@@ -6092,10 +5149,16 @@
           <p:cNvGraphicFramePr>
             <a:graphicFrameLocks noGrp="1"/>
           </p:cNvGraphicFramePr>
-          <p:nvPr/>
+          <p:nvPr>
+            <p:extLst>
+              <p:ext uri="{D42A27DB-BD31-4B8C-83A1-F6EECF244321}">
+                <p14:modId xmlns:p14="http://schemas.microsoft.com/office/powerpoint/2010/main" val="3338932962"/>
+              </p:ext>
+            </p:extLst>
+          </p:nvPr>
         </p:nvGraphicFramePr>
         <p:xfrm>
-          <a:off x="2032000" y="719666"/>
+          <a:off x="2550160" y="1410546"/>
           <a:ext cx="8128000" cy="370840"/>
         </p:xfrm>
         <a:graphic>
@@ -6287,8 +5350,8 @@
           </a:graphicData>
         </a:graphic>
       </p:graphicFrame>
-      <mc:AlternateContent xmlns:mc="http://schemas.openxmlformats.org/markup-compatibility/2006">
-        <mc:Choice xmlns:p14="http://schemas.microsoft.com/office/powerpoint/2010/main" Requires="p14">
+      <mc:AlternateContent xmlns:mc="http://schemas.openxmlformats.org/markup-compatibility/2006" xmlns:p14="http://schemas.microsoft.com/office/powerpoint/2010/main">
+        <mc:Choice Requires="p14">
           <p:contentPart p14:bwMode="auto" r:id="rId2">
             <p14:nvContentPartPr>
               <p14:cNvPr id="8" name="Ink 7">
@@ -6302,12 +5365,12 @@
               <p14:nvPr/>
             </p14:nvContentPartPr>
             <p14:xfrm>
-              <a:off x="1774944" y="1060416"/>
+              <a:off x="2293104" y="1751296"/>
               <a:ext cx="639720" cy="569160"/>
             </p14:xfrm>
           </p:contentPart>
         </mc:Choice>
-        <mc:Fallback>
+        <mc:Fallback xmlns="">
           <p:pic>
             <p:nvPicPr>
               <p:cNvPr id="8" name="Ink 7">
@@ -6328,7 +5391,7 @@
             </p:blipFill>
             <p:spPr>
               <a:xfrm>
-                <a:off x="1768824" y="1054296"/>
+                <a:off x="2286984" y="1745176"/>
                 <a:ext cx="651960" cy="581400"/>
               </a:xfrm>
               <a:prstGeom prst="rect">
@@ -6352,14 +5415,14 @@
         </p:nvGrpSpPr>
         <p:grpSpPr>
           <a:xfrm>
-            <a:off x="1306260" y="1696706"/>
+            <a:off x="1824420" y="2387586"/>
             <a:ext cx="527760" cy="179640"/>
             <a:chOff x="1306260" y="1696706"/>
             <a:chExt cx="527760" cy="179640"/>
           </a:xfrm>
         </p:grpSpPr>
-        <mc:AlternateContent xmlns:mc="http://schemas.openxmlformats.org/markup-compatibility/2006">
-          <mc:Choice xmlns:p14="http://schemas.microsoft.com/office/powerpoint/2010/main" Requires="p14">
+        <mc:AlternateContent xmlns:mc="http://schemas.openxmlformats.org/markup-compatibility/2006" xmlns:p14="http://schemas.microsoft.com/office/powerpoint/2010/main">
+          <mc:Choice Requires="p14">
             <p:contentPart p14:bwMode="auto" r:id="rId4">
               <p14:nvContentPartPr>
                 <p14:cNvPr id="9" name="Ink 8">
@@ -6378,7 +5441,7 @@
               </p14:xfrm>
             </p:contentPart>
           </mc:Choice>
-          <mc:Fallback>
+          <mc:Fallback xmlns="">
             <p:pic>
               <p:nvPicPr>
                 <p:cNvPr id="9" name="Ink 8">
@@ -6409,8 +5472,8 @@
             </p:pic>
           </mc:Fallback>
         </mc:AlternateContent>
-        <mc:AlternateContent xmlns:mc="http://schemas.openxmlformats.org/markup-compatibility/2006">
-          <mc:Choice xmlns:p14="http://schemas.microsoft.com/office/powerpoint/2010/main" Requires="p14">
+        <mc:AlternateContent xmlns:mc="http://schemas.openxmlformats.org/markup-compatibility/2006" xmlns:p14="http://schemas.microsoft.com/office/powerpoint/2010/main">
+          <mc:Choice Requires="p14">
             <p:contentPart p14:bwMode="auto" r:id="rId6">
               <p14:nvContentPartPr>
                 <p14:cNvPr id="10" name="Ink 9">
@@ -6429,7 +5492,7 @@
               </p14:xfrm>
             </p:contentPart>
           </mc:Choice>
-          <mc:Fallback>
+          <mc:Fallback xmlns="">
             <p:pic>
               <p:nvPicPr>
                 <p:cNvPr id="10" name="Ink 9">
@@ -6460,8 +5523,8 @@
             </p:pic>
           </mc:Fallback>
         </mc:AlternateContent>
-        <mc:AlternateContent xmlns:mc="http://schemas.openxmlformats.org/markup-compatibility/2006">
-          <mc:Choice xmlns:p14="http://schemas.microsoft.com/office/powerpoint/2010/main" Requires="p14">
+        <mc:AlternateContent xmlns:mc="http://schemas.openxmlformats.org/markup-compatibility/2006" xmlns:p14="http://schemas.microsoft.com/office/powerpoint/2010/main">
+          <mc:Choice Requires="p14">
             <p:contentPart p14:bwMode="auto" r:id="rId8">
               <p14:nvContentPartPr>
                 <p14:cNvPr id="11" name="Ink 10">
@@ -6480,7 +5543,7 @@
               </p14:xfrm>
             </p:contentPart>
           </mc:Choice>
-          <mc:Fallback>
+          <mc:Fallback xmlns="">
             <p:pic>
               <p:nvPicPr>
                 <p:cNvPr id="11" name="Ink 10">
@@ -6511,8 +5574,8 @@
             </p:pic>
           </mc:Fallback>
         </mc:AlternateContent>
-        <mc:AlternateContent xmlns:mc="http://schemas.openxmlformats.org/markup-compatibility/2006">
-          <mc:Choice xmlns:p14="http://schemas.microsoft.com/office/powerpoint/2010/main" Requires="p14">
+        <mc:AlternateContent xmlns:mc="http://schemas.openxmlformats.org/markup-compatibility/2006" xmlns:p14="http://schemas.microsoft.com/office/powerpoint/2010/main">
+          <mc:Choice Requires="p14">
             <p:contentPart p14:bwMode="auto" r:id="rId10">
               <p14:nvContentPartPr>
                 <p14:cNvPr id="12" name="Ink 11">
@@ -6531,7 +5594,7 @@
               </p14:xfrm>
             </p:contentPart>
           </mc:Choice>
-          <mc:Fallback>
+          <mc:Fallback xmlns="">
             <p:pic>
               <p:nvPicPr>
                 <p:cNvPr id="12" name="Ink 11">
@@ -6562,8 +5625,8 @@
             </p:pic>
           </mc:Fallback>
         </mc:AlternateContent>
-        <mc:AlternateContent xmlns:mc="http://schemas.openxmlformats.org/markup-compatibility/2006">
-          <mc:Choice xmlns:p14="http://schemas.microsoft.com/office/powerpoint/2010/main" Requires="p14">
+        <mc:AlternateContent xmlns:mc="http://schemas.openxmlformats.org/markup-compatibility/2006" xmlns:p14="http://schemas.microsoft.com/office/powerpoint/2010/main">
+          <mc:Choice Requires="p14">
             <p:contentPart p14:bwMode="auto" r:id="rId12">
               <p14:nvContentPartPr>
                 <p14:cNvPr id="13" name="Ink 12">
@@ -6582,7 +5645,7 @@
               </p14:xfrm>
             </p:contentPart>
           </mc:Choice>
-          <mc:Fallback>
+          <mc:Fallback xmlns="">
             <p:pic>
               <p:nvPicPr>
                 <p:cNvPr id="13" name="Ink 12">
@@ -6613,8 +5676,8 @@
             </p:pic>
           </mc:Fallback>
         </mc:AlternateContent>
-        <mc:AlternateContent xmlns:mc="http://schemas.openxmlformats.org/markup-compatibility/2006">
-          <mc:Choice xmlns:p14="http://schemas.microsoft.com/office/powerpoint/2010/main" Requires="p14">
+        <mc:AlternateContent xmlns:mc="http://schemas.openxmlformats.org/markup-compatibility/2006" xmlns:p14="http://schemas.microsoft.com/office/powerpoint/2010/main">
+          <mc:Choice Requires="p14">
             <p:contentPart p14:bwMode="auto" r:id="rId14">
               <p14:nvContentPartPr>
                 <p14:cNvPr id="14" name="Ink 13">
@@ -6633,7 +5696,7 @@
               </p14:xfrm>
             </p:contentPart>
           </mc:Choice>
-          <mc:Fallback>
+          <mc:Fallback xmlns="">
             <p:pic>
               <p:nvPicPr>
                 <p:cNvPr id="14" name="Ink 13">
@@ -6665,8 +5728,8 @@
           </mc:Fallback>
         </mc:AlternateContent>
       </p:grpSp>
-      <mc:AlternateContent xmlns:mc="http://schemas.openxmlformats.org/markup-compatibility/2006">
-        <mc:Choice xmlns:p14="http://schemas.microsoft.com/office/powerpoint/2010/main" Requires="p14">
+      <mc:AlternateContent xmlns:mc="http://schemas.openxmlformats.org/markup-compatibility/2006" xmlns:p14="http://schemas.microsoft.com/office/powerpoint/2010/main">
+        <mc:Choice Requires="p14">
           <p:contentPart p14:bwMode="auto" r:id="rId16">
             <p14:nvContentPartPr>
               <p14:cNvPr id="16" name="Ink 15">
@@ -6680,12 +5743,12 @@
               <p14:nvPr/>
             </p14:nvContentPartPr>
             <p14:xfrm>
-              <a:off x="9658230" y="1079460"/>
+              <a:off x="10176390" y="1770340"/>
               <a:ext cx="354600" cy="486000"/>
             </p14:xfrm>
           </p:contentPart>
         </mc:Choice>
-        <mc:Fallback>
+        <mc:Fallback xmlns="">
           <p:pic>
             <p:nvPicPr>
               <p:cNvPr id="16" name="Ink 15">
@@ -6706,7 +5769,7 @@
             </p:blipFill>
             <p:spPr>
               <a:xfrm>
-                <a:off x="9652110" y="1073340"/>
+                <a:off x="10170270" y="1764220"/>
                 <a:ext cx="366840" cy="498240"/>
               </a:xfrm>
               <a:prstGeom prst="rect">
@@ -6730,14 +5793,14 @@
         </p:nvGrpSpPr>
         <p:grpSpPr>
           <a:xfrm>
-            <a:off x="9358760" y="1602180"/>
+            <a:off x="9876920" y="2293060"/>
             <a:ext cx="770400" cy="272520"/>
             <a:chOff x="9358760" y="1602180"/>
             <a:chExt cx="770400" cy="272520"/>
           </a:xfrm>
         </p:grpSpPr>
-        <mc:AlternateContent xmlns:mc="http://schemas.openxmlformats.org/markup-compatibility/2006">
-          <mc:Choice xmlns:p14="http://schemas.microsoft.com/office/powerpoint/2010/main" Requires="p14">
+        <mc:AlternateContent xmlns:mc="http://schemas.openxmlformats.org/markup-compatibility/2006" xmlns:p14="http://schemas.microsoft.com/office/powerpoint/2010/main">
+          <mc:Choice Requires="p14">
             <p:contentPart p14:bwMode="auto" r:id="rId18">
               <p14:nvContentPartPr>
                 <p14:cNvPr id="17" name="Ink 16">
@@ -6756,7 +5819,7 @@
               </p14:xfrm>
             </p:contentPart>
           </mc:Choice>
-          <mc:Fallback>
+          <mc:Fallback xmlns="">
             <p:pic>
               <p:nvPicPr>
                 <p:cNvPr id="17" name="Ink 16">
@@ -6787,8 +5850,8 @@
             </p:pic>
           </mc:Fallback>
         </mc:AlternateContent>
-        <mc:AlternateContent xmlns:mc="http://schemas.openxmlformats.org/markup-compatibility/2006">
-          <mc:Choice xmlns:p14="http://schemas.microsoft.com/office/powerpoint/2010/main" Requires="p14">
+        <mc:AlternateContent xmlns:mc="http://schemas.openxmlformats.org/markup-compatibility/2006" xmlns:p14="http://schemas.microsoft.com/office/powerpoint/2010/main">
+          <mc:Choice Requires="p14">
             <p:contentPart p14:bwMode="auto" r:id="rId20">
               <p14:nvContentPartPr>
                 <p14:cNvPr id="18" name="Ink 17">
@@ -6807,7 +5870,7 @@
               </p14:xfrm>
             </p:contentPart>
           </mc:Choice>
-          <mc:Fallback>
+          <mc:Fallback xmlns="">
             <p:pic>
               <p:nvPicPr>
                 <p:cNvPr id="18" name="Ink 17">
@@ -6838,8 +5901,8 @@
             </p:pic>
           </mc:Fallback>
         </mc:AlternateContent>
-        <mc:AlternateContent xmlns:mc="http://schemas.openxmlformats.org/markup-compatibility/2006">
-          <mc:Choice xmlns:p14="http://schemas.microsoft.com/office/powerpoint/2010/main" Requires="p14">
+        <mc:AlternateContent xmlns:mc="http://schemas.openxmlformats.org/markup-compatibility/2006" xmlns:p14="http://schemas.microsoft.com/office/powerpoint/2010/main">
+          <mc:Choice Requires="p14">
             <p:contentPart p14:bwMode="auto" r:id="rId22">
               <p14:nvContentPartPr>
                 <p14:cNvPr id="19" name="Ink 18">
@@ -6858,7 +5921,7 @@
               </p14:xfrm>
             </p:contentPart>
           </mc:Choice>
-          <mc:Fallback>
+          <mc:Fallback xmlns="">
             <p:pic>
               <p:nvPicPr>
                 <p:cNvPr id="19" name="Ink 18">
@@ -6889,8 +5952,8 @@
             </p:pic>
           </mc:Fallback>
         </mc:AlternateContent>
-        <mc:AlternateContent xmlns:mc="http://schemas.openxmlformats.org/markup-compatibility/2006">
-          <mc:Choice xmlns:p14="http://schemas.microsoft.com/office/powerpoint/2010/main" Requires="p14">
+        <mc:AlternateContent xmlns:mc="http://schemas.openxmlformats.org/markup-compatibility/2006" xmlns:p14="http://schemas.microsoft.com/office/powerpoint/2010/main">
+          <mc:Choice Requires="p14">
             <p:contentPart p14:bwMode="auto" r:id="rId23">
               <p14:nvContentPartPr>
                 <p14:cNvPr id="20" name="Ink 19">
@@ -6909,7 +5972,7 @@
               </p14:xfrm>
             </p:contentPart>
           </mc:Choice>
-          <mc:Fallback>
+          <mc:Fallback xmlns="">
             <p:pic>
               <p:nvPicPr>
                 <p:cNvPr id="20" name="Ink 19">
@@ -6940,8 +6003,8 @@
             </p:pic>
           </mc:Fallback>
         </mc:AlternateContent>
-        <mc:AlternateContent xmlns:mc="http://schemas.openxmlformats.org/markup-compatibility/2006">
-          <mc:Choice xmlns:p14="http://schemas.microsoft.com/office/powerpoint/2010/main" Requires="p14">
+        <mc:AlternateContent xmlns:mc="http://schemas.openxmlformats.org/markup-compatibility/2006" xmlns:p14="http://schemas.microsoft.com/office/powerpoint/2010/main">
+          <mc:Choice Requires="p14">
             <p:contentPart p14:bwMode="auto" r:id="rId25">
               <p14:nvContentPartPr>
                 <p14:cNvPr id="21" name="Ink 20">
@@ -6960,7 +6023,7 @@
               </p14:xfrm>
             </p:contentPart>
           </mc:Choice>
-          <mc:Fallback>
+          <mc:Fallback xmlns="">
             <p:pic>
               <p:nvPicPr>
                 <p:cNvPr id="21" name="Ink 20">
@@ -6991,8 +6054,8 @@
             </p:pic>
           </mc:Fallback>
         </mc:AlternateContent>
-        <mc:AlternateContent xmlns:mc="http://schemas.openxmlformats.org/markup-compatibility/2006">
-          <mc:Choice xmlns:p14="http://schemas.microsoft.com/office/powerpoint/2010/main" Requires="p14">
+        <mc:AlternateContent xmlns:mc="http://schemas.openxmlformats.org/markup-compatibility/2006" xmlns:p14="http://schemas.microsoft.com/office/powerpoint/2010/main">
+          <mc:Choice Requires="p14">
             <p:contentPart p14:bwMode="auto" r:id="rId27">
               <p14:nvContentPartPr>
                 <p14:cNvPr id="22" name="Ink 21">
@@ -7011,7 +6074,7 @@
               </p14:xfrm>
             </p:contentPart>
           </mc:Choice>
-          <mc:Fallback>
+          <mc:Fallback xmlns="">
             <p:pic>
               <p:nvPicPr>
                 <p:cNvPr id="22" name="Ink 21">
@@ -7042,8 +6105,8 @@
             </p:pic>
           </mc:Fallback>
         </mc:AlternateContent>
-        <mc:AlternateContent xmlns:mc="http://schemas.openxmlformats.org/markup-compatibility/2006">
-          <mc:Choice xmlns:p14="http://schemas.microsoft.com/office/powerpoint/2010/main" Requires="p14">
+        <mc:AlternateContent xmlns:mc="http://schemas.openxmlformats.org/markup-compatibility/2006" xmlns:p14="http://schemas.microsoft.com/office/powerpoint/2010/main">
+          <mc:Choice Requires="p14">
             <p:contentPart p14:bwMode="auto" r:id="rId29">
               <p14:nvContentPartPr>
                 <p14:cNvPr id="23" name="Ink 22">
@@ -7062,7 +6125,7 @@
               </p14:xfrm>
             </p:contentPart>
           </mc:Choice>
-          <mc:Fallback>
+          <mc:Fallback xmlns="">
             <p:pic>
               <p:nvPicPr>
                 <p:cNvPr id="23" name="Ink 22">
@@ -7093,8 +6156,8 @@
             </p:pic>
           </mc:Fallback>
         </mc:AlternateContent>
-        <mc:AlternateContent xmlns:mc="http://schemas.openxmlformats.org/markup-compatibility/2006">
-          <mc:Choice xmlns:p14="http://schemas.microsoft.com/office/powerpoint/2010/main" Requires="p14">
+        <mc:AlternateContent xmlns:mc="http://schemas.openxmlformats.org/markup-compatibility/2006" xmlns:p14="http://schemas.microsoft.com/office/powerpoint/2010/main">
+          <mc:Choice Requires="p14">
             <p:contentPart p14:bwMode="auto" r:id="rId31">
               <p14:nvContentPartPr>
                 <p14:cNvPr id="24" name="Ink 23">
@@ -7113,7 +6176,7 @@
               </p14:xfrm>
             </p:contentPart>
           </mc:Choice>
-          <mc:Fallback>
+          <mc:Fallback xmlns="">
             <p:pic>
               <p:nvPicPr>
                 <p:cNvPr id="24" name="Ink 23">
@@ -7145,282 +6208,6 @@
           </mc:Fallback>
         </mc:AlternateContent>
       </p:grpSp>
-      <p:grpSp>
-        <p:nvGrpSpPr>
-          <p:cNvPr id="29" name="Group 28">
-            <a:extLst>
-              <a:ext uri="{FF2B5EF4-FFF2-40B4-BE49-F238E27FC236}">
-                <a16:creationId xmlns:a16="http://schemas.microsoft.com/office/drawing/2014/main" id="{0573E832-971A-2780-5758-831BE454E54E}"/>
-              </a:ext>
-            </a:extLst>
-          </p:cNvPr>
-          <p:cNvGrpSpPr/>
-          <p:nvPr/>
-        </p:nvGrpSpPr>
-        <p:grpSpPr>
-          <a:xfrm>
-            <a:off x="1973340" y="1866780"/>
-            <a:ext cx="213840" cy="7920"/>
-            <a:chOff x="1973340" y="1866780"/>
-            <a:chExt cx="213840" cy="7920"/>
-          </a:xfrm>
-        </p:grpSpPr>
-        <mc:AlternateContent xmlns:mc="http://schemas.openxmlformats.org/markup-compatibility/2006">
-          <mc:Choice xmlns:p14="http://schemas.microsoft.com/office/powerpoint/2010/main" Requires="p14">
-            <p:contentPart p14:bwMode="auto" r:id="rId33">
-              <p14:nvContentPartPr>
-                <p14:cNvPr id="26" name="Ink 25">
-                  <a:extLst>
-                    <a:ext uri="{FF2B5EF4-FFF2-40B4-BE49-F238E27FC236}">
-                      <a16:creationId xmlns:a16="http://schemas.microsoft.com/office/drawing/2014/main" id="{5E7F4E9E-8C58-3202-549F-5CF7CA625B12}"/>
-                    </a:ext>
-                  </a:extLst>
-                </p14:cNvPr>
-                <p14:cNvContentPartPr/>
-                <p14:nvPr/>
-              </p14:nvContentPartPr>
-              <p14:xfrm>
-                <a:off x="1973340" y="1866780"/>
-                <a:ext cx="360" cy="360"/>
-              </p14:xfrm>
-            </p:contentPart>
-          </mc:Choice>
-          <mc:Fallback>
-            <p:pic>
-              <p:nvPicPr>
-                <p:cNvPr id="26" name="Ink 25">
-                  <a:extLst>
-                    <a:ext uri="{FF2B5EF4-FFF2-40B4-BE49-F238E27FC236}">
-                      <a16:creationId xmlns:a16="http://schemas.microsoft.com/office/drawing/2014/main" id="{5E7F4E9E-8C58-3202-549F-5CF7CA625B12}"/>
-                    </a:ext>
-                  </a:extLst>
-                </p:cNvPr>
-                <p:cNvPicPr/>
-                <p:nvPr/>
-              </p:nvPicPr>
-              <p:blipFill>
-                <a:blip r:embed="rId9"/>
-                <a:stretch>
-                  <a:fillRect/>
-                </a:stretch>
-              </p:blipFill>
-              <p:spPr>
-                <a:xfrm>
-                  <a:off x="1967220" y="1860660"/>
-                  <a:ext cx="12600" cy="12600"/>
-                </a:xfrm>
-                <a:prstGeom prst="rect">
-                  <a:avLst/>
-                </a:prstGeom>
-              </p:spPr>
-            </p:pic>
-          </mc:Fallback>
-        </mc:AlternateContent>
-        <mc:AlternateContent xmlns:mc="http://schemas.openxmlformats.org/markup-compatibility/2006">
-          <mc:Choice xmlns:p14="http://schemas.microsoft.com/office/powerpoint/2010/main" Requires="p14">
-            <p:contentPart p14:bwMode="auto" r:id="rId34">
-              <p14:nvContentPartPr>
-                <p14:cNvPr id="27" name="Ink 26">
-                  <a:extLst>
-                    <a:ext uri="{FF2B5EF4-FFF2-40B4-BE49-F238E27FC236}">
-                      <a16:creationId xmlns:a16="http://schemas.microsoft.com/office/drawing/2014/main" id="{DA4FC0DF-780E-BE10-35C2-6D5A56C17E0D}"/>
-                    </a:ext>
-                  </a:extLst>
-                </p14:cNvPr>
-                <p14:cNvContentPartPr/>
-                <p14:nvPr/>
-              </p14:nvContentPartPr>
-              <p14:xfrm>
-                <a:off x="2072340" y="1866780"/>
-                <a:ext cx="360" cy="360"/>
-              </p14:xfrm>
-            </p:contentPart>
-          </mc:Choice>
-          <mc:Fallback>
-            <p:pic>
-              <p:nvPicPr>
-                <p:cNvPr id="27" name="Ink 26">
-                  <a:extLst>
-                    <a:ext uri="{FF2B5EF4-FFF2-40B4-BE49-F238E27FC236}">
-                      <a16:creationId xmlns:a16="http://schemas.microsoft.com/office/drawing/2014/main" id="{DA4FC0DF-780E-BE10-35C2-6D5A56C17E0D}"/>
-                    </a:ext>
-                  </a:extLst>
-                </p:cNvPr>
-                <p:cNvPicPr/>
-                <p:nvPr/>
-              </p:nvPicPr>
-              <p:blipFill>
-                <a:blip r:embed="rId9"/>
-                <a:stretch>
-                  <a:fillRect/>
-                </a:stretch>
-              </p:blipFill>
-              <p:spPr>
-                <a:xfrm>
-                  <a:off x="2066220" y="1860660"/>
-                  <a:ext cx="12600" cy="12600"/>
-                </a:xfrm>
-                <a:prstGeom prst="rect">
-                  <a:avLst/>
-                </a:prstGeom>
-              </p:spPr>
-            </p:pic>
-          </mc:Fallback>
-        </mc:AlternateContent>
-        <mc:AlternateContent xmlns:mc="http://schemas.openxmlformats.org/markup-compatibility/2006">
-          <mc:Choice xmlns:p14="http://schemas.microsoft.com/office/powerpoint/2010/main" Requires="p14">
-            <p:contentPart p14:bwMode="auto" r:id="rId35">
-              <p14:nvContentPartPr>
-                <p14:cNvPr id="28" name="Ink 27">
-                  <a:extLst>
-                    <a:ext uri="{FF2B5EF4-FFF2-40B4-BE49-F238E27FC236}">
-                      <a16:creationId xmlns:a16="http://schemas.microsoft.com/office/drawing/2014/main" id="{75644ACA-AED9-400C-0CBB-97938C742968}"/>
-                    </a:ext>
-                  </a:extLst>
-                </p14:cNvPr>
-                <p14:cNvContentPartPr/>
-                <p14:nvPr/>
-              </p14:nvContentPartPr>
-              <p14:xfrm>
-                <a:off x="2186820" y="1874340"/>
-                <a:ext cx="360" cy="360"/>
-              </p14:xfrm>
-            </p:contentPart>
-          </mc:Choice>
-          <mc:Fallback>
-            <p:pic>
-              <p:nvPicPr>
-                <p:cNvPr id="28" name="Ink 27">
-                  <a:extLst>
-                    <a:ext uri="{FF2B5EF4-FFF2-40B4-BE49-F238E27FC236}">
-                      <a16:creationId xmlns:a16="http://schemas.microsoft.com/office/drawing/2014/main" id="{75644ACA-AED9-400C-0CBB-97938C742968}"/>
-                    </a:ext>
-                  </a:extLst>
-                </p:cNvPr>
-                <p:cNvPicPr/>
-                <p:nvPr/>
-              </p:nvPicPr>
-              <p:blipFill>
-                <a:blip r:embed="rId9"/>
-                <a:stretch>
-                  <a:fillRect/>
-                </a:stretch>
-              </p:blipFill>
-              <p:spPr>
-                <a:xfrm>
-                  <a:off x="2180700" y="1868220"/>
-                  <a:ext cx="12600" cy="12600"/>
-                </a:xfrm>
-                <a:prstGeom prst="rect">
-                  <a:avLst/>
-                </a:prstGeom>
-              </p:spPr>
-            </p:pic>
-          </mc:Fallback>
-        </mc:AlternateContent>
-      </p:grpSp>
-      <mc:AlternateContent xmlns:mc="http://schemas.openxmlformats.org/markup-compatibility/2006">
-        <mc:Choice xmlns:p14="http://schemas.microsoft.com/office/powerpoint/2010/main" Requires="p14">
-          <p:contentPart p14:bwMode="auto" r:id="rId36">
-            <p14:nvContentPartPr>
-              <p14:cNvPr id="34" name="Ink 33">
-                <a:extLst>
-                  <a:ext uri="{FF2B5EF4-FFF2-40B4-BE49-F238E27FC236}">
-                    <a16:creationId xmlns:a16="http://schemas.microsoft.com/office/drawing/2014/main" id="{A5CBE0D5-95F2-2A83-0D09-1B76069E5180}"/>
-                  </a:ext>
-                </a:extLst>
-              </p14:cNvPr>
-              <p14:cNvContentPartPr/>
-              <p14:nvPr/>
-            </p14:nvContentPartPr>
-            <p14:xfrm>
-              <a:off x="8869500" y="1874340"/>
-              <a:ext cx="360" cy="360"/>
-            </p14:xfrm>
-          </p:contentPart>
-        </mc:Choice>
-        <mc:Fallback>
-          <p:pic>
-            <p:nvPicPr>
-              <p:cNvPr id="34" name="Ink 33">
-                <a:extLst>
-                  <a:ext uri="{FF2B5EF4-FFF2-40B4-BE49-F238E27FC236}">
-                    <a16:creationId xmlns:a16="http://schemas.microsoft.com/office/drawing/2014/main" id="{A5CBE0D5-95F2-2A83-0D09-1B76069E5180}"/>
-                  </a:ext>
-                </a:extLst>
-              </p:cNvPr>
-              <p:cNvPicPr/>
-              <p:nvPr/>
-            </p:nvPicPr>
-            <p:blipFill>
-              <a:blip r:embed="rId9"/>
-              <a:stretch>
-                <a:fillRect/>
-              </a:stretch>
-            </p:blipFill>
-            <p:spPr>
-              <a:xfrm>
-                <a:off x="8863380" y="1868220"/>
-                <a:ext cx="12600" cy="12600"/>
-              </a:xfrm>
-              <a:prstGeom prst="rect">
-                <a:avLst/>
-              </a:prstGeom>
-            </p:spPr>
-          </p:pic>
-        </mc:Fallback>
-      </mc:AlternateContent>
-      <mc:AlternateContent xmlns:mc="http://schemas.openxmlformats.org/markup-compatibility/2006">
-        <mc:Choice xmlns:p14="http://schemas.microsoft.com/office/powerpoint/2010/main" Requires="p14">
-          <p:contentPart p14:bwMode="auto" r:id="rId37">
-            <p14:nvContentPartPr>
-              <p14:cNvPr id="35" name="Ink 34">
-                <a:extLst>
-                  <a:ext uri="{FF2B5EF4-FFF2-40B4-BE49-F238E27FC236}">
-                    <a16:creationId xmlns:a16="http://schemas.microsoft.com/office/drawing/2014/main" id="{DDC5C530-A09E-B129-52F1-D23018C94223}"/>
-                  </a:ext>
-                </a:extLst>
-              </p14:cNvPr>
-              <p14:cNvContentPartPr/>
-              <p14:nvPr/>
-            </p14:nvContentPartPr>
-            <p14:xfrm>
-              <a:off x="9052380" y="1858860"/>
-              <a:ext cx="360" cy="360"/>
-            </p14:xfrm>
-          </p:contentPart>
-        </mc:Choice>
-        <mc:Fallback>
-          <p:pic>
-            <p:nvPicPr>
-              <p:cNvPr id="35" name="Ink 34">
-                <a:extLst>
-                  <a:ext uri="{FF2B5EF4-FFF2-40B4-BE49-F238E27FC236}">
-                    <a16:creationId xmlns:a16="http://schemas.microsoft.com/office/drawing/2014/main" id="{DDC5C530-A09E-B129-52F1-D23018C94223}"/>
-                  </a:ext>
-                </a:extLst>
-              </p:cNvPr>
-              <p:cNvPicPr/>
-              <p:nvPr/>
-            </p:nvPicPr>
-            <p:blipFill>
-              <a:blip r:embed="rId9"/>
-              <a:stretch>
-                <a:fillRect/>
-              </a:stretch>
-            </p:blipFill>
-            <p:spPr>
-              <a:xfrm>
-                <a:off x="9046260" y="1852740"/>
-                <a:ext cx="12600" cy="12600"/>
-              </a:xfrm>
-              <a:prstGeom prst="rect">
-                <a:avLst/>
-              </a:prstGeom>
-            </p:spPr>
-          </p:pic>
-        </mc:Fallback>
-      </mc:AlternateContent>
       <p:sp>
         <p:nvSpPr>
           <p:cNvPr id="37" name="Rectangle 36">
@@ -7435,7 +6222,7 @@
         </p:nvSpPr>
         <p:spPr>
           <a:xfrm>
-            <a:off x="1189860" y="2891134"/>
+            <a:off x="1708020" y="3582014"/>
             <a:ext cx="1017280" cy="567360"/>
           </a:xfrm>
           <a:prstGeom prst="rect">
@@ -7482,7 +6269,7 @@
         </p:nvSpPr>
         <p:spPr>
           <a:xfrm>
-            <a:off x="9232440" y="1590326"/>
+            <a:off x="9750600" y="2281206"/>
             <a:ext cx="1017280" cy="567360"/>
           </a:xfrm>
           <a:prstGeom prst="rect">
@@ -7515,9 +6302,9 @@
           </a:p>
         </p:txBody>
       </p:sp>
-      <mc:AlternateContent xmlns:mc="http://schemas.openxmlformats.org/markup-compatibility/2006">
-        <mc:Choice xmlns:p14="http://schemas.microsoft.com/office/powerpoint/2010/main" Requires="p14">
-          <p:contentPart p14:bwMode="auto" r:id="rId38">
+      <mc:AlternateContent xmlns:mc="http://schemas.openxmlformats.org/markup-compatibility/2006" xmlns:p14="http://schemas.microsoft.com/office/powerpoint/2010/main">
+        <mc:Choice Requires="p14">
+          <p:contentPart p14:bwMode="auto" r:id="rId33">
             <p14:nvContentPartPr>
               <p14:cNvPr id="40" name="Ink 39">
                 <a:extLst>
@@ -7530,12 +6317,12 @@
               <p14:nvPr/>
             </p14:nvContentPartPr>
             <p14:xfrm>
-              <a:off x="1440180" y="2232540"/>
+              <a:off x="1958340" y="2923420"/>
               <a:ext cx="236880" cy="552240"/>
             </p14:xfrm>
           </p:contentPart>
         </mc:Choice>
-        <mc:Fallback>
+        <mc:Fallback xmlns="">
           <p:pic>
             <p:nvPicPr>
               <p:cNvPr id="40" name="Ink 39">
@@ -7549,14 +6336,14 @@
               <p:nvPr/>
             </p:nvPicPr>
             <p:blipFill>
-              <a:blip r:embed="rId39"/>
+              <a:blip r:embed="rId34"/>
               <a:stretch>
                 <a:fillRect/>
               </a:stretch>
             </p:blipFill>
             <p:spPr>
               <a:xfrm>
-                <a:off x="1434060" y="2226420"/>
+                <a:off x="1952220" y="2917300"/>
                 <a:ext cx="249120" cy="564480"/>
               </a:xfrm>
               <a:prstGeom prst="rect">
@@ -7580,7 +6367,7 @@
         </p:nvSpPr>
         <p:spPr>
           <a:xfrm>
-            <a:off x="9254660" y="2975580"/>
+            <a:off x="9772820" y="3666460"/>
             <a:ext cx="1017280" cy="567360"/>
           </a:xfrm>
           <a:prstGeom prst="rect">
@@ -7613,9 +6400,9 @@
           </a:p>
         </p:txBody>
       </p:sp>
-      <mc:AlternateContent xmlns:mc="http://schemas.openxmlformats.org/markup-compatibility/2006">
-        <mc:Choice xmlns:p14="http://schemas.microsoft.com/office/powerpoint/2010/main" Requires="p14">
-          <p:contentPart p14:bwMode="auto" r:id="rId40">
+      <mc:AlternateContent xmlns:mc="http://schemas.openxmlformats.org/markup-compatibility/2006" xmlns:p14="http://schemas.microsoft.com/office/powerpoint/2010/main">
+        <mc:Choice Requires="p14">
+          <p:contentPart p14:bwMode="auto" r:id="rId35">
             <p14:nvContentPartPr>
               <p14:cNvPr id="42" name="Ink 41">
                 <a:extLst>
@@ -7628,12 +6415,12 @@
               <p14:nvPr/>
             </p14:nvContentPartPr>
             <p14:xfrm>
-              <a:off x="1332900" y="3070620"/>
+              <a:off x="1851060" y="3761500"/>
               <a:ext cx="62640" cy="188640"/>
             </p14:xfrm>
           </p:contentPart>
         </mc:Choice>
-        <mc:Fallback>
+        <mc:Fallback xmlns="">
           <p:pic>
             <p:nvPicPr>
               <p:cNvPr id="42" name="Ink 41">
@@ -7647,14 +6434,14 @@
               <p:nvPr/>
             </p:nvPicPr>
             <p:blipFill>
-              <a:blip r:embed="rId41"/>
+              <a:blip r:embed="rId36"/>
               <a:stretch>
                 <a:fillRect/>
               </a:stretch>
             </p:blipFill>
             <p:spPr>
               <a:xfrm>
-                <a:off x="1326780" y="3064500"/>
+                <a:off x="1844940" y="3755380"/>
                 <a:ext cx="74880" cy="200880"/>
               </a:xfrm>
               <a:prstGeom prst="rect">
@@ -7664,9 +6451,9 @@
           </p:pic>
         </mc:Fallback>
       </mc:AlternateContent>
-      <mc:AlternateContent xmlns:mc="http://schemas.openxmlformats.org/markup-compatibility/2006">
-        <mc:Choice xmlns:p14="http://schemas.microsoft.com/office/powerpoint/2010/main" Requires="p14">
-          <p:contentPart p14:bwMode="auto" r:id="rId42">
+      <mc:AlternateContent xmlns:mc="http://schemas.openxmlformats.org/markup-compatibility/2006" xmlns:p14="http://schemas.microsoft.com/office/powerpoint/2010/main">
+        <mc:Choice Requires="p14">
+          <p:contentPart p14:bwMode="auto" r:id="rId37">
             <p14:nvContentPartPr>
               <p14:cNvPr id="43" name="Ink 42">
                 <a:extLst>
@@ -7679,12 +6466,12 @@
               <p14:nvPr/>
             </p14:nvContentPartPr>
             <p14:xfrm>
-              <a:off x="1417140" y="3064140"/>
+              <a:off x="1935300" y="3755020"/>
               <a:ext cx="92160" cy="101520"/>
             </p14:xfrm>
           </p:contentPart>
         </mc:Choice>
-        <mc:Fallback>
+        <mc:Fallback xmlns="">
           <p:pic>
             <p:nvPicPr>
               <p:cNvPr id="43" name="Ink 42">
@@ -7698,14 +6485,14 @@
               <p:nvPr/>
             </p:nvPicPr>
             <p:blipFill>
-              <a:blip r:embed="rId43"/>
+              <a:blip r:embed="rId38"/>
               <a:stretch>
                 <a:fillRect/>
               </a:stretch>
             </p:blipFill>
             <p:spPr>
               <a:xfrm>
-                <a:off x="1411020" y="3058020"/>
+                <a:off x="1929180" y="3748900"/>
                 <a:ext cx="104400" cy="113760"/>
               </a:xfrm>
               <a:prstGeom prst="rect">
@@ -7715,9 +6502,9 @@
           </p:pic>
         </mc:Fallback>
       </mc:AlternateContent>
-      <mc:AlternateContent xmlns:mc="http://schemas.openxmlformats.org/markup-compatibility/2006">
-        <mc:Choice xmlns:p14="http://schemas.microsoft.com/office/powerpoint/2010/main" Requires="p14">
-          <p:contentPart p14:bwMode="auto" r:id="rId44">
+      <mc:AlternateContent xmlns:mc="http://schemas.openxmlformats.org/markup-compatibility/2006" xmlns:p14="http://schemas.microsoft.com/office/powerpoint/2010/main">
+        <mc:Choice Requires="p14">
+          <p:contentPart p14:bwMode="auto" r:id="rId39">
             <p14:nvContentPartPr>
               <p14:cNvPr id="44" name="Ink 43">
                 <a:extLst>
@@ -7730,12 +6517,12 @@
               <p14:nvPr/>
             </p14:nvContentPartPr>
             <p14:xfrm>
-              <a:off x="1560420" y="3070620"/>
+              <a:off x="2078580" y="3761500"/>
               <a:ext cx="64440" cy="70920"/>
             </p14:xfrm>
           </p:contentPart>
         </mc:Choice>
-        <mc:Fallback>
+        <mc:Fallback xmlns="">
           <p:pic>
             <p:nvPicPr>
               <p:cNvPr id="44" name="Ink 43">
@@ -7749,14 +6536,14 @@
               <p:nvPr/>
             </p:nvPicPr>
             <p:blipFill>
-              <a:blip r:embed="rId45"/>
+              <a:blip r:embed="rId40"/>
               <a:stretch>
                 <a:fillRect/>
               </a:stretch>
             </p:blipFill>
             <p:spPr>
               <a:xfrm>
-                <a:off x="1554300" y="3064500"/>
+                <a:off x="2072460" y="3755380"/>
                 <a:ext cx="76680" cy="83160"/>
               </a:xfrm>
               <a:prstGeom prst="rect">
@@ -7780,15 +6567,15 @@
         </p:nvGrpSpPr>
         <p:grpSpPr>
           <a:xfrm>
-            <a:off x="1674180" y="3018780"/>
+            <a:off x="2192340" y="3709660"/>
             <a:ext cx="299880" cy="121320"/>
             <a:chOff x="1674180" y="3018780"/>
             <a:chExt cx="299880" cy="121320"/>
           </a:xfrm>
         </p:grpSpPr>
-        <mc:AlternateContent xmlns:mc="http://schemas.openxmlformats.org/markup-compatibility/2006">
-          <mc:Choice xmlns:p14="http://schemas.microsoft.com/office/powerpoint/2010/main" Requires="p14">
-            <p:contentPart p14:bwMode="auto" r:id="rId46">
+        <mc:AlternateContent xmlns:mc="http://schemas.openxmlformats.org/markup-compatibility/2006" xmlns:p14="http://schemas.microsoft.com/office/powerpoint/2010/main">
+          <mc:Choice Requires="p14">
+            <p:contentPart p14:bwMode="auto" r:id="rId41">
               <p14:nvContentPartPr>
                 <p14:cNvPr id="47" name="Ink 46">
                   <a:extLst>
@@ -7806,7 +6593,7 @@
               </p14:xfrm>
             </p:contentPart>
           </mc:Choice>
-          <mc:Fallback>
+          <mc:Fallback xmlns="">
             <p:pic>
               <p:nvPicPr>
                 <p:cNvPr id="47" name="Ink 46">
@@ -7837,8 +6624,8 @@
             </p:pic>
           </mc:Fallback>
         </mc:AlternateContent>
-        <mc:AlternateContent xmlns:mc="http://schemas.openxmlformats.org/markup-compatibility/2006">
-          <mc:Choice xmlns:p14="http://schemas.microsoft.com/office/powerpoint/2010/main" Requires="p14">
+        <mc:AlternateContent xmlns:mc="http://schemas.openxmlformats.org/markup-compatibility/2006" xmlns:p14="http://schemas.microsoft.com/office/powerpoint/2010/main">
+          <mc:Choice Requires="p14">
             <p:contentPart p14:bwMode="auto" r:id="rId48">
               <p14:nvContentPartPr>
                 <p14:cNvPr id="48" name="Ink 47">
@@ -7857,7 +6644,7 @@
               </p14:xfrm>
             </p:contentPart>
           </mc:Choice>
-          <mc:Fallback>
+          <mc:Fallback xmlns="">
             <p:pic>
               <p:nvPicPr>
                 <p:cNvPr id="48" name="Ink 47">
@@ -7888,8 +6675,8 @@
             </p:pic>
           </mc:Fallback>
         </mc:AlternateContent>
-        <mc:AlternateContent xmlns:mc="http://schemas.openxmlformats.org/markup-compatibility/2006">
-          <mc:Choice xmlns:p14="http://schemas.microsoft.com/office/powerpoint/2010/main" Requires="p14">
+        <mc:AlternateContent xmlns:mc="http://schemas.openxmlformats.org/markup-compatibility/2006" xmlns:p14="http://schemas.microsoft.com/office/powerpoint/2010/main">
+          <mc:Choice Requires="p14">
             <p:contentPart p14:bwMode="auto" r:id="rId50">
               <p14:nvContentPartPr>
                 <p14:cNvPr id="49" name="Ink 48">
@@ -7908,7 +6695,7 @@
               </p14:xfrm>
             </p:contentPart>
           </mc:Choice>
-          <mc:Fallback>
+          <mc:Fallback xmlns="">
             <p:pic>
               <p:nvPicPr>
                 <p:cNvPr id="49" name="Ink 48">
@@ -7954,7 +6741,7 @@
         </p:nvSpPr>
         <p:spPr>
           <a:xfrm>
-            <a:off x="1115180" y="1602180"/>
+            <a:off x="1633340" y="2293060"/>
             <a:ext cx="1017280" cy="567360"/>
           </a:xfrm>
           <a:prstGeom prst="rect">
@@ -8001,14 +6788,14 @@
         </p:nvGrpSpPr>
         <p:grpSpPr>
           <a:xfrm>
-            <a:off x="9350460" y="3094380"/>
+            <a:off x="9868620" y="3785260"/>
             <a:ext cx="839160" cy="322920"/>
             <a:chOff x="9350460" y="3094380"/>
             <a:chExt cx="839160" cy="322920"/>
           </a:xfrm>
         </p:grpSpPr>
-        <mc:AlternateContent xmlns:mc="http://schemas.openxmlformats.org/markup-compatibility/2006">
-          <mc:Choice xmlns:p14="http://schemas.microsoft.com/office/powerpoint/2010/main" Requires="p14">
+        <mc:AlternateContent xmlns:mc="http://schemas.openxmlformats.org/markup-compatibility/2006" xmlns:p14="http://schemas.microsoft.com/office/powerpoint/2010/main">
+          <mc:Choice Requires="p14">
             <p:contentPart p14:bwMode="auto" r:id="rId52">
               <p14:nvContentPartPr>
                 <p14:cNvPr id="52" name="Ink 51">
@@ -8027,7 +6814,7 @@
               </p14:xfrm>
             </p:contentPart>
           </mc:Choice>
-          <mc:Fallback>
+          <mc:Fallback xmlns="">
             <p:pic>
               <p:nvPicPr>
                 <p:cNvPr id="52" name="Ink 51">
@@ -8058,8 +6845,8 @@
             </p:pic>
           </mc:Fallback>
         </mc:AlternateContent>
-        <mc:AlternateContent xmlns:mc="http://schemas.openxmlformats.org/markup-compatibility/2006">
-          <mc:Choice xmlns:p14="http://schemas.microsoft.com/office/powerpoint/2010/main" Requires="p14">
+        <mc:AlternateContent xmlns:mc="http://schemas.openxmlformats.org/markup-compatibility/2006" xmlns:p14="http://schemas.microsoft.com/office/powerpoint/2010/main">
+          <mc:Choice Requires="p14">
             <p:contentPart p14:bwMode="auto" r:id="rId54">
               <p14:nvContentPartPr>
                 <p14:cNvPr id="53" name="Ink 52">
@@ -8078,7 +6865,7 @@
               </p14:xfrm>
             </p:contentPart>
           </mc:Choice>
-          <mc:Fallback>
+          <mc:Fallback xmlns="">
             <p:pic>
               <p:nvPicPr>
                 <p:cNvPr id="53" name="Ink 52">
@@ -8109,8 +6896,8 @@
             </p:pic>
           </mc:Fallback>
         </mc:AlternateContent>
-        <mc:AlternateContent xmlns:mc="http://schemas.openxmlformats.org/markup-compatibility/2006">
-          <mc:Choice xmlns:p14="http://schemas.microsoft.com/office/powerpoint/2010/main" Requires="p14">
+        <mc:AlternateContent xmlns:mc="http://schemas.openxmlformats.org/markup-compatibility/2006" xmlns:p14="http://schemas.microsoft.com/office/powerpoint/2010/main">
+          <mc:Choice Requires="p14">
             <p:contentPart p14:bwMode="auto" r:id="rId56">
               <p14:nvContentPartPr>
                 <p14:cNvPr id="54" name="Ink 53">
@@ -8129,7 +6916,7 @@
               </p14:xfrm>
             </p:contentPart>
           </mc:Choice>
-          <mc:Fallback>
+          <mc:Fallback xmlns="">
             <p:pic>
               <p:nvPicPr>
                 <p:cNvPr id="54" name="Ink 53">
@@ -8160,8 +6947,8 @@
             </p:pic>
           </mc:Fallback>
         </mc:AlternateContent>
-        <mc:AlternateContent xmlns:mc="http://schemas.openxmlformats.org/markup-compatibility/2006">
-          <mc:Choice xmlns:p14="http://schemas.microsoft.com/office/powerpoint/2010/main" Requires="p14">
+        <mc:AlternateContent xmlns:mc="http://schemas.openxmlformats.org/markup-compatibility/2006" xmlns:p14="http://schemas.microsoft.com/office/powerpoint/2010/main">
+          <mc:Choice Requires="p14">
             <p:contentPart p14:bwMode="auto" r:id="rId58">
               <p14:nvContentPartPr>
                 <p14:cNvPr id="55" name="Ink 54">
@@ -8180,7 +6967,7 @@
               </p14:xfrm>
             </p:contentPart>
           </mc:Choice>
-          <mc:Fallback>
+          <mc:Fallback xmlns="">
             <p:pic>
               <p:nvPicPr>
                 <p:cNvPr id="55" name="Ink 54">
@@ -8211,8 +6998,8 @@
             </p:pic>
           </mc:Fallback>
         </mc:AlternateContent>
-        <mc:AlternateContent xmlns:mc="http://schemas.openxmlformats.org/markup-compatibility/2006">
-          <mc:Choice xmlns:p14="http://schemas.microsoft.com/office/powerpoint/2010/main" Requires="p14">
+        <mc:AlternateContent xmlns:mc="http://schemas.openxmlformats.org/markup-compatibility/2006" xmlns:p14="http://schemas.microsoft.com/office/powerpoint/2010/main">
+          <mc:Choice Requires="p14">
             <p:contentPart p14:bwMode="auto" r:id="rId60">
               <p14:nvContentPartPr>
                 <p14:cNvPr id="57" name="Ink 56">
@@ -8231,7 +7018,7 @@
               </p14:xfrm>
             </p:contentPart>
           </mc:Choice>
-          <mc:Fallback>
+          <mc:Fallback xmlns="">
             <p:pic>
               <p:nvPicPr>
                 <p:cNvPr id="57" name="Ink 56">
@@ -8262,8 +7049,8 @@
             </p:pic>
           </mc:Fallback>
         </mc:AlternateContent>
-        <mc:AlternateContent xmlns:mc="http://schemas.openxmlformats.org/markup-compatibility/2006">
-          <mc:Choice xmlns:p14="http://schemas.microsoft.com/office/powerpoint/2010/main" Requires="p14">
+        <mc:AlternateContent xmlns:mc="http://schemas.openxmlformats.org/markup-compatibility/2006" xmlns:p14="http://schemas.microsoft.com/office/powerpoint/2010/main">
+          <mc:Choice Requires="p14">
             <p:contentPart p14:bwMode="auto" r:id="rId62">
               <p14:nvContentPartPr>
                 <p14:cNvPr id="58" name="Ink 57">
@@ -8282,7 +7069,7 @@
               </p14:xfrm>
             </p:contentPart>
           </mc:Choice>
-          <mc:Fallback>
+          <mc:Fallback xmlns="">
             <p:pic>
               <p:nvPicPr>
                 <p:cNvPr id="58" name="Ink 57">
@@ -8313,8 +7100,8 @@
             </p:pic>
           </mc:Fallback>
         </mc:AlternateContent>
-        <mc:AlternateContent xmlns:mc="http://schemas.openxmlformats.org/markup-compatibility/2006">
-          <mc:Choice xmlns:p14="http://schemas.microsoft.com/office/powerpoint/2010/main" Requires="p14">
+        <mc:AlternateContent xmlns:mc="http://schemas.openxmlformats.org/markup-compatibility/2006" xmlns:p14="http://schemas.microsoft.com/office/powerpoint/2010/main">
+          <mc:Choice Requires="p14">
             <p:contentPart p14:bwMode="auto" r:id="rId64">
               <p14:nvContentPartPr>
                 <p14:cNvPr id="59" name="Ink 58">
@@ -8333,7 +7120,7 @@
               </p14:xfrm>
             </p:contentPart>
           </mc:Choice>
-          <mc:Fallback>
+          <mc:Fallback xmlns="">
             <p:pic>
               <p:nvPicPr>
                 <p:cNvPr id="59" name="Ink 58">
@@ -8365,8 +7152,8 @@
           </mc:Fallback>
         </mc:AlternateContent>
       </p:grpSp>
-      <mc:AlternateContent xmlns:mc="http://schemas.openxmlformats.org/markup-compatibility/2006">
-        <mc:Choice xmlns:p14="http://schemas.microsoft.com/office/powerpoint/2010/main" Requires="p14">
+      <mc:AlternateContent xmlns:mc="http://schemas.openxmlformats.org/markup-compatibility/2006" xmlns:p14="http://schemas.microsoft.com/office/powerpoint/2010/main">
+        <mc:Choice Requires="p14">
           <p:contentPart p14:bwMode="auto" r:id="rId66">
             <p14:nvContentPartPr>
               <p14:cNvPr id="61" name="Ink 60">
@@ -8380,12 +7167,12 @@
               <p14:nvPr/>
             </p14:nvContentPartPr>
             <p14:xfrm>
-              <a:off x="9643500" y="2255220"/>
+              <a:off x="10161660" y="2946100"/>
               <a:ext cx="297720" cy="563400"/>
             </p14:xfrm>
           </p:contentPart>
         </mc:Choice>
-        <mc:Fallback>
+        <mc:Fallback xmlns="">
           <p:pic>
             <p:nvPicPr>
               <p:cNvPr id="61" name="Ink 60">
@@ -8406,8 +7193,8 @@
             </p:blipFill>
             <p:spPr>
               <a:xfrm>
-                <a:off x="9637380" y="2249100"/>
-                <a:ext cx="309960" cy="575640"/>
+                <a:off x="10155547" y="2939980"/>
+                <a:ext cx="309945" cy="575640"/>
               </a:xfrm>
               <a:prstGeom prst="rect">
                 <a:avLst/>
@@ -8416,315 +7203,9 @@
           </p:pic>
         </mc:Fallback>
       </mc:AlternateContent>
-      <mc:AlternateContent xmlns:mc="http://schemas.openxmlformats.org/markup-compatibility/2006">
-        <mc:Choice xmlns:p14="http://schemas.microsoft.com/office/powerpoint/2010/main" Requires="p14">
+      <mc:AlternateContent xmlns:mc="http://schemas.openxmlformats.org/markup-compatibility/2006" xmlns:p14="http://schemas.microsoft.com/office/powerpoint/2010/main">
+        <mc:Choice Requires="p14">
           <p:contentPart p14:bwMode="auto" r:id="rId68">
-            <p14:nvContentPartPr>
-              <p14:cNvPr id="62" name="Ink 61">
-                <a:extLst>
-                  <a:ext uri="{FF2B5EF4-FFF2-40B4-BE49-F238E27FC236}">
-                    <a16:creationId xmlns:a16="http://schemas.microsoft.com/office/drawing/2014/main" id="{CBEADF9E-3771-41C2-5691-E7BAE7DE9132}"/>
-                  </a:ext>
-                </a:extLst>
-              </p14:cNvPr>
-              <p14:cNvContentPartPr/>
-              <p14:nvPr/>
-            </p14:nvContentPartPr>
-            <p14:xfrm>
-              <a:off x="2735460" y="3200220"/>
-              <a:ext cx="360" cy="360"/>
-            </p14:xfrm>
-          </p:contentPart>
-        </mc:Choice>
-        <mc:Fallback>
-          <p:pic>
-            <p:nvPicPr>
-              <p:cNvPr id="62" name="Ink 61">
-                <a:extLst>
-                  <a:ext uri="{FF2B5EF4-FFF2-40B4-BE49-F238E27FC236}">
-                    <a16:creationId xmlns:a16="http://schemas.microsoft.com/office/drawing/2014/main" id="{CBEADF9E-3771-41C2-5691-E7BAE7DE9132}"/>
-                  </a:ext>
-                </a:extLst>
-              </p:cNvPr>
-              <p:cNvPicPr/>
-              <p:nvPr/>
-            </p:nvPicPr>
-            <p:blipFill>
-              <a:blip r:embed="rId9"/>
-              <a:stretch>
-                <a:fillRect/>
-              </a:stretch>
-            </p:blipFill>
-            <p:spPr>
-              <a:xfrm>
-                <a:off x="2729340" y="3194100"/>
-                <a:ext cx="12600" cy="12600"/>
-              </a:xfrm>
-              <a:prstGeom prst="rect">
-                <a:avLst/>
-              </a:prstGeom>
-            </p:spPr>
-          </p:pic>
-        </mc:Fallback>
-      </mc:AlternateContent>
-      <mc:AlternateContent xmlns:mc="http://schemas.openxmlformats.org/markup-compatibility/2006">
-        <mc:Choice xmlns:p14="http://schemas.microsoft.com/office/powerpoint/2010/main" Requires="p14">
-          <p:contentPart p14:bwMode="auto" r:id="rId69">
-            <p14:nvContentPartPr>
-              <p14:cNvPr id="63" name="Ink 62">
-                <a:extLst>
-                  <a:ext uri="{FF2B5EF4-FFF2-40B4-BE49-F238E27FC236}">
-                    <a16:creationId xmlns:a16="http://schemas.microsoft.com/office/drawing/2014/main" id="{11C5D84A-8408-8737-18B0-07DBBC52DD1F}"/>
-                  </a:ext>
-                </a:extLst>
-              </p14:cNvPr>
-              <p14:cNvContentPartPr/>
-              <p14:nvPr/>
-            </p14:nvContentPartPr>
-            <p14:xfrm>
-              <a:off x="2925900" y="3192660"/>
-              <a:ext cx="360" cy="360"/>
-            </p14:xfrm>
-          </p:contentPart>
-        </mc:Choice>
-        <mc:Fallback>
-          <p:pic>
-            <p:nvPicPr>
-              <p:cNvPr id="63" name="Ink 62">
-                <a:extLst>
-                  <a:ext uri="{FF2B5EF4-FFF2-40B4-BE49-F238E27FC236}">
-                    <a16:creationId xmlns:a16="http://schemas.microsoft.com/office/drawing/2014/main" id="{11C5D84A-8408-8737-18B0-07DBBC52DD1F}"/>
-                  </a:ext>
-                </a:extLst>
-              </p:cNvPr>
-              <p:cNvPicPr/>
-              <p:nvPr/>
-            </p:nvPicPr>
-            <p:blipFill>
-              <a:blip r:embed="rId9"/>
-              <a:stretch>
-                <a:fillRect/>
-              </a:stretch>
-            </p:blipFill>
-            <p:spPr>
-              <a:xfrm>
-                <a:off x="2919780" y="3186540"/>
-                <a:ext cx="12600" cy="12600"/>
-              </a:xfrm>
-              <a:prstGeom prst="rect">
-                <a:avLst/>
-              </a:prstGeom>
-            </p:spPr>
-          </p:pic>
-        </mc:Fallback>
-      </mc:AlternateContent>
-      <mc:AlternateContent xmlns:mc="http://schemas.openxmlformats.org/markup-compatibility/2006">
-        <mc:Choice xmlns:p14="http://schemas.microsoft.com/office/powerpoint/2010/main" Requires="p14">
-          <p:contentPart p14:bwMode="auto" r:id="rId70">
-            <p14:nvContentPartPr>
-              <p14:cNvPr id="64" name="Ink 63">
-                <a:extLst>
-                  <a:ext uri="{FF2B5EF4-FFF2-40B4-BE49-F238E27FC236}">
-                    <a16:creationId xmlns:a16="http://schemas.microsoft.com/office/drawing/2014/main" id="{6E57B95C-3C31-9D4F-FA0D-77155C5A3D9C}"/>
-                  </a:ext>
-                </a:extLst>
-              </p14:cNvPr>
-              <p14:cNvContentPartPr/>
-              <p14:nvPr/>
-            </p14:nvContentPartPr>
-            <p14:xfrm>
-              <a:off x="3192660" y="3192660"/>
-              <a:ext cx="360" cy="360"/>
-            </p14:xfrm>
-          </p:contentPart>
-        </mc:Choice>
-        <mc:Fallback>
-          <p:pic>
-            <p:nvPicPr>
-              <p:cNvPr id="64" name="Ink 63">
-                <a:extLst>
-                  <a:ext uri="{FF2B5EF4-FFF2-40B4-BE49-F238E27FC236}">
-                    <a16:creationId xmlns:a16="http://schemas.microsoft.com/office/drawing/2014/main" id="{6E57B95C-3C31-9D4F-FA0D-77155C5A3D9C}"/>
-                  </a:ext>
-                </a:extLst>
-              </p:cNvPr>
-              <p:cNvPicPr/>
-              <p:nvPr/>
-            </p:nvPicPr>
-            <p:blipFill>
-              <a:blip r:embed="rId9"/>
-              <a:stretch>
-                <a:fillRect/>
-              </a:stretch>
-            </p:blipFill>
-            <p:spPr>
-              <a:xfrm>
-                <a:off x="3186540" y="3186540"/>
-                <a:ext cx="12600" cy="12600"/>
-              </a:xfrm>
-              <a:prstGeom prst="rect">
-                <a:avLst/>
-              </a:prstGeom>
-            </p:spPr>
-          </p:pic>
-        </mc:Fallback>
-      </mc:AlternateContent>
-      <mc:AlternateContent xmlns:mc="http://schemas.openxmlformats.org/markup-compatibility/2006">
-        <mc:Choice xmlns:p14="http://schemas.microsoft.com/office/powerpoint/2010/main" Requires="p14">
-          <p:contentPart p14:bwMode="auto" r:id="rId71">
-            <p14:nvContentPartPr>
-              <p14:cNvPr id="65" name="Ink 64">
-                <a:extLst>
-                  <a:ext uri="{FF2B5EF4-FFF2-40B4-BE49-F238E27FC236}">
-                    <a16:creationId xmlns:a16="http://schemas.microsoft.com/office/drawing/2014/main" id="{4EE4F545-3232-41C1-E7E6-7D41D320F18B}"/>
-                  </a:ext>
-                </a:extLst>
-              </p14:cNvPr>
-              <p14:cNvContentPartPr/>
-              <p14:nvPr/>
-            </p14:nvContentPartPr>
-            <p14:xfrm>
-              <a:off x="5104980" y="3146940"/>
-              <a:ext cx="360" cy="360"/>
-            </p14:xfrm>
-          </p:contentPart>
-        </mc:Choice>
-        <mc:Fallback>
-          <p:pic>
-            <p:nvPicPr>
-              <p:cNvPr id="65" name="Ink 64">
-                <a:extLst>
-                  <a:ext uri="{FF2B5EF4-FFF2-40B4-BE49-F238E27FC236}">
-                    <a16:creationId xmlns:a16="http://schemas.microsoft.com/office/drawing/2014/main" id="{4EE4F545-3232-41C1-E7E6-7D41D320F18B}"/>
-                  </a:ext>
-                </a:extLst>
-              </p:cNvPr>
-              <p:cNvPicPr/>
-              <p:nvPr/>
-            </p:nvPicPr>
-            <p:blipFill>
-              <a:blip r:embed="rId9"/>
-              <a:stretch>
-                <a:fillRect/>
-              </a:stretch>
-            </p:blipFill>
-            <p:spPr>
-              <a:xfrm>
-                <a:off x="5098860" y="3140820"/>
-                <a:ext cx="12600" cy="12600"/>
-              </a:xfrm>
-              <a:prstGeom prst="rect">
-                <a:avLst/>
-              </a:prstGeom>
-            </p:spPr>
-          </p:pic>
-        </mc:Fallback>
-      </mc:AlternateContent>
-      <mc:AlternateContent xmlns:mc="http://schemas.openxmlformats.org/markup-compatibility/2006">
-        <mc:Choice xmlns:p14="http://schemas.microsoft.com/office/powerpoint/2010/main" Requires="p14">
-          <p:contentPart p14:bwMode="auto" r:id="rId72">
-            <p14:nvContentPartPr>
-              <p14:cNvPr id="68" name="Ink 67">
-                <a:extLst>
-                  <a:ext uri="{FF2B5EF4-FFF2-40B4-BE49-F238E27FC236}">
-                    <a16:creationId xmlns:a16="http://schemas.microsoft.com/office/drawing/2014/main" id="{4F62AE51-6E1D-6AB0-25DC-6AD4CE09BF2C}"/>
-                  </a:ext>
-                </a:extLst>
-              </p14:cNvPr>
-              <p14:cNvContentPartPr/>
-              <p14:nvPr/>
-            </p14:nvContentPartPr>
-            <p14:xfrm>
-              <a:off x="8366580" y="3230820"/>
-              <a:ext cx="1800" cy="360"/>
-            </p14:xfrm>
-          </p:contentPart>
-        </mc:Choice>
-        <mc:Fallback>
-          <p:pic>
-            <p:nvPicPr>
-              <p:cNvPr id="68" name="Ink 67">
-                <a:extLst>
-                  <a:ext uri="{FF2B5EF4-FFF2-40B4-BE49-F238E27FC236}">
-                    <a16:creationId xmlns:a16="http://schemas.microsoft.com/office/drawing/2014/main" id="{4F62AE51-6E1D-6AB0-25DC-6AD4CE09BF2C}"/>
-                  </a:ext>
-                </a:extLst>
-              </p:cNvPr>
-              <p:cNvPicPr/>
-              <p:nvPr/>
-            </p:nvPicPr>
-            <p:blipFill>
-              <a:blip r:embed="rId9"/>
-              <a:stretch>
-                <a:fillRect/>
-              </a:stretch>
-            </p:blipFill>
-            <p:spPr>
-              <a:xfrm>
-                <a:off x="8360460" y="3224700"/>
-                <a:ext cx="14040" cy="12600"/>
-              </a:xfrm>
-              <a:prstGeom prst="rect">
-                <a:avLst/>
-              </a:prstGeom>
-            </p:spPr>
-          </p:pic>
-        </mc:Fallback>
-      </mc:AlternateContent>
-      <mc:AlternateContent xmlns:mc="http://schemas.openxmlformats.org/markup-compatibility/2006">
-        <mc:Choice xmlns:p14="http://schemas.microsoft.com/office/powerpoint/2010/main" Requires="p14">
-          <p:contentPart p14:bwMode="auto" r:id="rId73">
-            <p14:nvContentPartPr>
-              <p14:cNvPr id="69" name="Ink 68">
-                <a:extLst>
-                  <a:ext uri="{FF2B5EF4-FFF2-40B4-BE49-F238E27FC236}">
-                    <a16:creationId xmlns:a16="http://schemas.microsoft.com/office/drawing/2014/main" id="{007044A3-01D3-AD93-4E41-854015022F8A}"/>
-                  </a:ext>
-                </a:extLst>
-              </p14:cNvPr>
-              <p14:cNvContentPartPr/>
-              <p14:nvPr/>
-            </p14:nvContentPartPr>
-            <p14:xfrm>
-              <a:off x="8595180" y="3230820"/>
-              <a:ext cx="360" cy="360"/>
-            </p14:xfrm>
-          </p:contentPart>
-        </mc:Choice>
-        <mc:Fallback>
-          <p:pic>
-            <p:nvPicPr>
-              <p:cNvPr id="69" name="Ink 68">
-                <a:extLst>
-                  <a:ext uri="{FF2B5EF4-FFF2-40B4-BE49-F238E27FC236}">
-                    <a16:creationId xmlns:a16="http://schemas.microsoft.com/office/drawing/2014/main" id="{007044A3-01D3-AD93-4E41-854015022F8A}"/>
-                  </a:ext>
-                </a:extLst>
-              </p:cNvPr>
-              <p:cNvPicPr/>
-              <p:nvPr/>
-            </p:nvPicPr>
-            <p:blipFill>
-              <a:blip r:embed="rId9"/>
-              <a:stretch>
-                <a:fillRect/>
-              </a:stretch>
-            </p:blipFill>
-            <p:spPr>
-              <a:xfrm>
-                <a:off x="8589060" y="3224700"/>
-                <a:ext cx="12600" cy="12600"/>
-              </a:xfrm>
-              <a:prstGeom prst="rect">
-                <a:avLst/>
-              </a:prstGeom>
-            </p:spPr>
-          </p:pic>
-        </mc:Fallback>
-      </mc:AlternateContent>
-      <mc:AlternateContent xmlns:mc="http://schemas.openxmlformats.org/markup-compatibility/2006">
-        <mc:Choice xmlns:p14="http://schemas.microsoft.com/office/powerpoint/2010/main" Requires="p14">
-          <p:contentPart p14:bwMode="auto" r:id="rId74">
             <p14:nvContentPartPr>
               <p14:cNvPr id="70" name="Ink 69">
                 <a:extLst>
@@ -8737,12 +7218,12 @@
               <p14:nvPr/>
             </p14:nvContentPartPr>
             <p14:xfrm>
-              <a:off x="8801100" y="3230820"/>
+              <a:off x="9319260" y="3921700"/>
               <a:ext cx="360" cy="360"/>
             </p14:xfrm>
           </p:contentPart>
         </mc:Choice>
-        <mc:Fallback>
+        <mc:Fallback xmlns="">
           <p:pic>
             <p:nvPicPr>
               <p:cNvPr id="70" name="Ink 69">
@@ -8756,14 +7237,14 @@
               <p:nvPr/>
             </p:nvPicPr>
             <p:blipFill>
-              <a:blip r:embed="rId9"/>
+              <a:blip r:embed="rId69"/>
               <a:stretch>
                 <a:fillRect/>
               </a:stretch>
             </p:blipFill>
             <p:spPr>
               <a:xfrm>
-                <a:off x="8794980" y="3224700"/>
+                <a:off x="9313140" y="3915580"/>
                 <a:ext cx="12600" cy="12600"/>
               </a:xfrm>
               <a:prstGeom prst="rect">
@@ -8773,9 +7254,9 @@
           </p:pic>
         </mc:Fallback>
       </mc:AlternateContent>
-      <mc:AlternateContent xmlns:mc="http://schemas.openxmlformats.org/markup-compatibility/2006">
-        <mc:Choice xmlns:p14="http://schemas.microsoft.com/office/powerpoint/2010/main" Requires="p14">
-          <p:contentPart p14:bwMode="auto" r:id="rId75">
+      <mc:AlternateContent xmlns:mc="http://schemas.openxmlformats.org/markup-compatibility/2006" xmlns:p14="http://schemas.microsoft.com/office/powerpoint/2010/main">
+        <mc:Choice Requires="p14">
+          <p:contentPart p14:bwMode="auto" r:id="rId70">
             <p14:nvContentPartPr>
               <p14:cNvPr id="71" name="Ink 70">
                 <a:extLst>
@@ -8788,12 +7269,12 @@
               <p14:nvPr/>
             </p14:nvContentPartPr>
             <p14:xfrm>
-              <a:off x="1600020" y="3550860"/>
+              <a:off x="2118180" y="4241740"/>
               <a:ext cx="187560" cy="469440"/>
             </p14:xfrm>
           </p:contentPart>
         </mc:Choice>
-        <mc:Fallback>
+        <mc:Fallback xmlns="">
           <p:pic>
             <p:nvPicPr>
               <p:cNvPr id="71" name="Ink 70">
@@ -8807,14 +7288,14 @@
               <p:nvPr/>
             </p:nvPicPr>
             <p:blipFill>
-              <a:blip r:embed="rId76"/>
+              <a:blip r:embed="rId71"/>
               <a:stretch>
                 <a:fillRect/>
               </a:stretch>
             </p:blipFill>
             <p:spPr>
               <a:xfrm>
-                <a:off x="1593900" y="3544740"/>
+                <a:off x="2112060" y="4235620"/>
                 <a:ext cx="199800" cy="481680"/>
               </a:xfrm>
               <a:prstGeom prst="rect">
@@ -8838,15 +7319,15 @@
         </p:nvGrpSpPr>
         <p:grpSpPr>
           <a:xfrm>
-            <a:off x="1232820" y="4274820"/>
+            <a:off x="1750980" y="4965700"/>
             <a:ext cx="645480" cy="290160"/>
             <a:chOff x="1232820" y="4274820"/>
             <a:chExt cx="645480" cy="290160"/>
           </a:xfrm>
         </p:grpSpPr>
-        <mc:AlternateContent xmlns:mc="http://schemas.openxmlformats.org/markup-compatibility/2006">
-          <mc:Choice xmlns:p14="http://schemas.microsoft.com/office/powerpoint/2010/main" Requires="p14">
-            <p:contentPart p14:bwMode="auto" r:id="rId77">
+        <mc:AlternateContent xmlns:mc="http://schemas.openxmlformats.org/markup-compatibility/2006" xmlns:p14="http://schemas.microsoft.com/office/powerpoint/2010/main">
+          <mc:Choice Requires="p14">
+            <p:contentPart p14:bwMode="auto" r:id="rId72">
               <p14:nvContentPartPr>
                 <p14:cNvPr id="72" name="Ink 71">
                   <a:extLst>
@@ -8864,7 +7345,7 @@
               </p14:xfrm>
             </p:contentPart>
           </mc:Choice>
-          <mc:Fallback>
+          <mc:Fallback xmlns="">
             <p:pic>
               <p:nvPicPr>
                 <p:cNvPr id="72" name="Ink 71">
@@ -8895,8 +7376,8 @@
             </p:pic>
           </mc:Fallback>
         </mc:AlternateContent>
-        <mc:AlternateContent xmlns:mc="http://schemas.openxmlformats.org/markup-compatibility/2006">
-          <mc:Choice xmlns:p14="http://schemas.microsoft.com/office/powerpoint/2010/main" Requires="p14">
+        <mc:AlternateContent xmlns:mc="http://schemas.openxmlformats.org/markup-compatibility/2006" xmlns:p14="http://schemas.microsoft.com/office/powerpoint/2010/main">
+          <mc:Choice Requires="p14">
             <p:contentPart p14:bwMode="auto" r:id="rId79">
               <p14:nvContentPartPr>
                 <p14:cNvPr id="73" name="Ink 72">
@@ -8915,7 +7396,7 @@
               </p14:xfrm>
             </p:contentPart>
           </mc:Choice>
-          <mc:Fallback>
+          <mc:Fallback xmlns="">
             <p:pic>
               <p:nvPicPr>
                 <p:cNvPr id="73" name="Ink 72">
@@ -8946,8 +7427,8 @@
             </p:pic>
           </mc:Fallback>
         </mc:AlternateContent>
-        <mc:AlternateContent xmlns:mc="http://schemas.openxmlformats.org/markup-compatibility/2006">
-          <mc:Choice xmlns:p14="http://schemas.microsoft.com/office/powerpoint/2010/main" Requires="p14">
+        <mc:AlternateContent xmlns:mc="http://schemas.openxmlformats.org/markup-compatibility/2006" xmlns:p14="http://schemas.microsoft.com/office/powerpoint/2010/main">
+          <mc:Choice Requires="p14">
             <p:contentPart p14:bwMode="auto" r:id="rId81">
               <p14:nvContentPartPr>
                 <p14:cNvPr id="74" name="Ink 73">
@@ -8966,7 +7447,7 @@
               </p14:xfrm>
             </p:contentPart>
           </mc:Choice>
-          <mc:Fallback>
+          <mc:Fallback xmlns="">
             <p:pic>
               <p:nvPicPr>
                 <p:cNvPr id="74" name="Ink 73">
@@ -8997,8 +7478,8 @@
             </p:pic>
           </mc:Fallback>
         </mc:AlternateContent>
-        <mc:AlternateContent xmlns:mc="http://schemas.openxmlformats.org/markup-compatibility/2006">
-          <mc:Choice xmlns:p14="http://schemas.microsoft.com/office/powerpoint/2010/main" Requires="p14">
+        <mc:AlternateContent xmlns:mc="http://schemas.openxmlformats.org/markup-compatibility/2006" xmlns:p14="http://schemas.microsoft.com/office/powerpoint/2010/main">
+          <mc:Choice Requires="p14">
             <p:contentPart p14:bwMode="auto" r:id="rId83">
               <p14:nvContentPartPr>
                 <p14:cNvPr id="75" name="Ink 74">
@@ -9017,7 +7498,7 @@
               </p14:xfrm>
             </p:contentPart>
           </mc:Choice>
-          <mc:Fallback>
+          <mc:Fallback xmlns="">
             <p:pic>
               <p:nvPicPr>
                 <p:cNvPr id="75" name="Ink 74">
@@ -9048,8 +7529,8 @@
             </p:pic>
           </mc:Fallback>
         </mc:AlternateContent>
-        <mc:AlternateContent xmlns:mc="http://schemas.openxmlformats.org/markup-compatibility/2006">
-          <mc:Choice xmlns:p14="http://schemas.microsoft.com/office/powerpoint/2010/main" Requires="p14">
+        <mc:AlternateContent xmlns:mc="http://schemas.openxmlformats.org/markup-compatibility/2006" xmlns:p14="http://schemas.microsoft.com/office/powerpoint/2010/main">
+          <mc:Choice Requires="p14">
             <p:contentPart p14:bwMode="auto" r:id="rId85">
               <p14:nvContentPartPr>
                 <p14:cNvPr id="76" name="Ink 75">
@@ -9068,7 +7549,7 @@
               </p14:xfrm>
             </p:contentPart>
           </mc:Choice>
-          <mc:Fallback>
+          <mc:Fallback xmlns="">
             <p:pic>
               <p:nvPicPr>
                 <p:cNvPr id="76" name="Ink 75">
@@ -9100,8 +7581,8 @@
           </mc:Fallback>
         </mc:AlternateContent>
       </p:grpSp>
-      <mc:AlternateContent xmlns:mc="http://schemas.openxmlformats.org/markup-compatibility/2006">
-        <mc:Choice xmlns:p14="http://schemas.microsoft.com/office/powerpoint/2010/main" Requires="p14">
+      <mc:AlternateContent xmlns:mc="http://schemas.openxmlformats.org/markup-compatibility/2006" xmlns:p14="http://schemas.microsoft.com/office/powerpoint/2010/main">
+        <mc:Choice Requires="p14">
           <p:contentPart p14:bwMode="auto" r:id="rId87">
             <p14:nvContentPartPr>
               <p14:cNvPr id="77" name="Ink 76">
@@ -9115,12 +7596,12 @@
               <p14:nvPr/>
             </p14:nvContentPartPr>
             <p14:xfrm>
-              <a:off x="2072340" y="4345740"/>
+              <a:off x="2590500" y="5036620"/>
               <a:ext cx="65880" cy="122040"/>
             </p14:xfrm>
           </p:contentPart>
         </mc:Choice>
-        <mc:Fallback>
+        <mc:Fallback xmlns="">
           <p:pic>
             <p:nvPicPr>
               <p:cNvPr id="77" name="Ink 76">
@@ -9141,8 +7622,8 @@
             </p:blipFill>
             <p:spPr>
               <a:xfrm>
-                <a:off x="2066220" y="4339620"/>
-                <a:ext cx="78120" cy="134280"/>
+                <a:off x="2584380" y="5030482"/>
+                <a:ext cx="78120" cy="134316"/>
               </a:xfrm>
               <a:prstGeom prst="rect">
                 <a:avLst/>
@@ -9165,14 +7646,14 @@
         </p:nvGrpSpPr>
         <p:grpSpPr>
           <a:xfrm>
-            <a:off x="9396540" y="4175820"/>
+            <a:off x="9914700" y="4866700"/>
             <a:ext cx="908280" cy="229320"/>
             <a:chOff x="9396540" y="4175820"/>
             <a:chExt cx="908280" cy="229320"/>
           </a:xfrm>
         </p:grpSpPr>
-        <mc:AlternateContent xmlns:mc="http://schemas.openxmlformats.org/markup-compatibility/2006">
-          <mc:Choice xmlns:p14="http://schemas.microsoft.com/office/powerpoint/2010/main" Requires="p14">
+        <mc:AlternateContent xmlns:mc="http://schemas.openxmlformats.org/markup-compatibility/2006" xmlns:p14="http://schemas.microsoft.com/office/powerpoint/2010/main">
+          <mc:Choice Requires="p14">
             <p:contentPart p14:bwMode="auto" r:id="rId89">
               <p14:nvContentPartPr>
                 <p14:cNvPr id="79" name="Ink 78">
@@ -9191,7 +7672,7 @@
               </p14:xfrm>
             </p:contentPart>
           </mc:Choice>
-          <mc:Fallback>
+          <mc:Fallback xmlns="">
             <p:pic>
               <p:nvPicPr>
                 <p:cNvPr id="79" name="Ink 78">
@@ -9222,8 +7703,8 @@
             </p:pic>
           </mc:Fallback>
         </mc:AlternateContent>
-        <mc:AlternateContent xmlns:mc="http://schemas.openxmlformats.org/markup-compatibility/2006">
-          <mc:Choice xmlns:p14="http://schemas.microsoft.com/office/powerpoint/2010/main" Requires="p14">
+        <mc:AlternateContent xmlns:mc="http://schemas.openxmlformats.org/markup-compatibility/2006" xmlns:p14="http://schemas.microsoft.com/office/powerpoint/2010/main">
+          <mc:Choice Requires="p14">
             <p:contentPart p14:bwMode="auto" r:id="rId91">
               <p14:nvContentPartPr>
                 <p14:cNvPr id="80" name="Ink 79">
@@ -9242,7 +7723,7 @@
               </p14:xfrm>
             </p:contentPart>
           </mc:Choice>
-          <mc:Fallback>
+          <mc:Fallback xmlns="">
             <p:pic>
               <p:nvPicPr>
                 <p:cNvPr id="80" name="Ink 79">
@@ -9273,8 +7754,8 @@
             </p:pic>
           </mc:Fallback>
         </mc:AlternateContent>
-        <mc:AlternateContent xmlns:mc="http://schemas.openxmlformats.org/markup-compatibility/2006">
-          <mc:Choice xmlns:p14="http://schemas.microsoft.com/office/powerpoint/2010/main" Requires="p14">
+        <mc:AlternateContent xmlns:mc="http://schemas.openxmlformats.org/markup-compatibility/2006" xmlns:p14="http://schemas.microsoft.com/office/powerpoint/2010/main">
+          <mc:Choice Requires="p14">
             <p:contentPart p14:bwMode="auto" r:id="rId93">
               <p14:nvContentPartPr>
                 <p14:cNvPr id="81" name="Ink 80">
@@ -9293,7 +7774,7 @@
               </p14:xfrm>
             </p:contentPart>
           </mc:Choice>
-          <mc:Fallback>
+          <mc:Fallback xmlns="">
             <p:pic>
               <p:nvPicPr>
                 <p:cNvPr id="81" name="Ink 80">
@@ -9324,8 +7805,8 @@
             </p:pic>
           </mc:Fallback>
         </mc:AlternateContent>
-        <mc:AlternateContent xmlns:mc="http://schemas.openxmlformats.org/markup-compatibility/2006">
-          <mc:Choice xmlns:p14="http://schemas.microsoft.com/office/powerpoint/2010/main" Requires="p14">
+        <mc:AlternateContent xmlns:mc="http://schemas.openxmlformats.org/markup-compatibility/2006" xmlns:p14="http://schemas.microsoft.com/office/powerpoint/2010/main">
+          <mc:Choice Requires="p14">
             <p:contentPart p14:bwMode="auto" r:id="rId95">
               <p14:nvContentPartPr>
                 <p14:cNvPr id="82" name="Ink 81">
@@ -9344,7 +7825,7 @@
               </p14:xfrm>
             </p:contentPart>
           </mc:Choice>
-          <mc:Fallback>
+          <mc:Fallback xmlns="">
             <p:pic>
               <p:nvPicPr>
                 <p:cNvPr id="82" name="Ink 81">
@@ -9375,8 +7856,8 @@
             </p:pic>
           </mc:Fallback>
         </mc:AlternateContent>
-        <mc:AlternateContent xmlns:mc="http://schemas.openxmlformats.org/markup-compatibility/2006">
-          <mc:Choice xmlns:p14="http://schemas.microsoft.com/office/powerpoint/2010/main" Requires="p14">
+        <mc:AlternateContent xmlns:mc="http://schemas.openxmlformats.org/markup-compatibility/2006" xmlns:p14="http://schemas.microsoft.com/office/powerpoint/2010/main">
+          <mc:Choice Requires="p14">
             <p:contentPart p14:bwMode="auto" r:id="rId97">
               <p14:nvContentPartPr>
                 <p14:cNvPr id="83" name="Ink 82">
@@ -9395,7 +7876,7 @@
               </p14:xfrm>
             </p:contentPart>
           </mc:Choice>
-          <mc:Fallback>
+          <mc:Fallback xmlns="">
             <p:pic>
               <p:nvPicPr>
                 <p:cNvPr id="83" name="Ink 82">
@@ -9426,8 +7907,8 @@
             </p:pic>
           </mc:Fallback>
         </mc:AlternateContent>
-        <mc:AlternateContent xmlns:mc="http://schemas.openxmlformats.org/markup-compatibility/2006">
-          <mc:Choice xmlns:p14="http://schemas.microsoft.com/office/powerpoint/2010/main" Requires="p14">
+        <mc:AlternateContent xmlns:mc="http://schemas.openxmlformats.org/markup-compatibility/2006" xmlns:p14="http://schemas.microsoft.com/office/powerpoint/2010/main">
+          <mc:Choice Requires="p14">
             <p:contentPart p14:bwMode="auto" r:id="rId98">
               <p14:nvContentPartPr>
                 <p14:cNvPr id="84" name="Ink 83">
@@ -9446,7 +7927,7 @@
               </p14:xfrm>
             </p:contentPart>
           </mc:Choice>
-          <mc:Fallback>
+          <mc:Fallback xmlns="">
             <p:pic>
               <p:nvPicPr>
                 <p:cNvPr id="84" name="Ink 83">
@@ -9477,8 +7958,8 @@
             </p:pic>
           </mc:Fallback>
         </mc:AlternateContent>
-        <mc:AlternateContent xmlns:mc="http://schemas.openxmlformats.org/markup-compatibility/2006">
-          <mc:Choice xmlns:p14="http://schemas.microsoft.com/office/powerpoint/2010/main" Requires="p14">
+        <mc:AlternateContent xmlns:mc="http://schemas.openxmlformats.org/markup-compatibility/2006" xmlns:p14="http://schemas.microsoft.com/office/powerpoint/2010/main">
+          <mc:Choice Requires="p14">
             <p:contentPart p14:bwMode="auto" r:id="rId100">
               <p14:nvContentPartPr>
                 <p14:cNvPr id="85" name="Ink 84">
@@ -9497,7 +7978,7 @@
               </p14:xfrm>
             </p:contentPart>
           </mc:Choice>
-          <mc:Fallback>
+          <mc:Fallback xmlns="">
             <p:pic>
               <p:nvPicPr>
                 <p:cNvPr id="85" name="Ink 84">
@@ -9543,7 +8024,7 @@
         </p:nvSpPr>
         <p:spPr>
           <a:xfrm>
-            <a:off x="1183500" y="4152692"/>
+            <a:off x="1701660" y="4843572"/>
             <a:ext cx="1017280" cy="567360"/>
           </a:xfrm>
           <a:prstGeom prst="rect">
@@ -9590,7 +8071,7 @@
         </p:nvSpPr>
         <p:spPr>
           <a:xfrm>
-            <a:off x="9292540" y="4062060"/>
+            <a:off x="9810700" y="4752940"/>
             <a:ext cx="1017280" cy="567360"/>
           </a:xfrm>
           <a:prstGeom prst="rect">
@@ -9623,8 +8104,8 @@
           </a:p>
         </p:txBody>
       </p:sp>
-      <mc:AlternateContent xmlns:mc="http://schemas.openxmlformats.org/markup-compatibility/2006">
-        <mc:Choice xmlns:p14="http://schemas.microsoft.com/office/powerpoint/2010/main" Requires="p14">
+      <mc:AlternateContent xmlns:mc="http://schemas.openxmlformats.org/markup-compatibility/2006" xmlns:p14="http://schemas.microsoft.com/office/powerpoint/2010/main">
+        <mc:Choice Requires="p14">
           <p:contentPart p14:bwMode="auto" r:id="rId102">
             <p14:nvContentPartPr>
               <p14:cNvPr id="89" name="Ink 88">
@@ -9638,12 +8119,12 @@
               <p14:nvPr/>
             </p14:nvContentPartPr>
             <p14:xfrm>
-              <a:off x="9755100" y="3695580"/>
+              <a:off x="10273260" y="4386460"/>
               <a:ext cx="184320" cy="357120"/>
             </p14:xfrm>
           </p:contentPart>
         </mc:Choice>
-        <mc:Fallback>
+        <mc:Fallback xmlns="">
           <p:pic>
             <p:nvPicPr>
               <p:cNvPr id="89" name="Ink 88">
@@ -9664,8 +8145,8 @@
             </p:blipFill>
             <p:spPr>
               <a:xfrm>
-                <a:off x="9748980" y="3689460"/>
-                <a:ext cx="196560" cy="369360"/>
+                <a:off x="10267152" y="4380334"/>
+                <a:ext cx="196536" cy="369372"/>
               </a:xfrm>
               <a:prstGeom prst="rect">
                 <a:avLst/>
@@ -9688,14 +8169,14 @@
         </p:nvGrpSpPr>
         <p:grpSpPr>
           <a:xfrm>
-            <a:off x="1804140" y="2254500"/>
+            <a:off x="2322300" y="2945380"/>
             <a:ext cx="95040" cy="287280"/>
             <a:chOff x="1804140" y="2254500"/>
             <a:chExt cx="95040" cy="287280"/>
           </a:xfrm>
         </p:grpSpPr>
-        <mc:AlternateContent xmlns:mc="http://schemas.openxmlformats.org/markup-compatibility/2006">
-          <mc:Choice xmlns:p14="http://schemas.microsoft.com/office/powerpoint/2010/main" Requires="p14">
+        <mc:AlternateContent xmlns:mc="http://schemas.openxmlformats.org/markup-compatibility/2006" xmlns:p14="http://schemas.microsoft.com/office/powerpoint/2010/main">
+          <mc:Choice Requires="p14">
             <p:contentPart p14:bwMode="auto" r:id="rId104">
               <p14:nvContentPartPr>
                 <p14:cNvPr id="90" name="Ink 89">
@@ -9714,7 +8195,7 @@
               </p14:xfrm>
             </p:contentPart>
           </mc:Choice>
-          <mc:Fallback>
+          <mc:Fallback xmlns="">
             <p:pic>
               <p:nvPicPr>
                 <p:cNvPr id="90" name="Ink 89">
@@ -9745,8 +8226,8 @@
             </p:pic>
           </mc:Fallback>
         </mc:AlternateContent>
-        <mc:AlternateContent xmlns:mc="http://schemas.openxmlformats.org/markup-compatibility/2006">
-          <mc:Choice xmlns:p14="http://schemas.microsoft.com/office/powerpoint/2010/main" Requires="p14">
+        <mc:AlternateContent xmlns:mc="http://schemas.openxmlformats.org/markup-compatibility/2006" xmlns:p14="http://schemas.microsoft.com/office/powerpoint/2010/main">
+          <mc:Choice Requires="p14">
             <p:contentPart p14:bwMode="auto" r:id="rId106">
               <p14:nvContentPartPr>
                 <p14:cNvPr id="91" name="Ink 90">
@@ -9765,7 +8246,7 @@
               </p14:xfrm>
             </p:contentPart>
           </mc:Choice>
-          <mc:Fallback>
+          <mc:Fallback xmlns="">
             <p:pic>
               <p:nvPicPr>
                 <p:cNvPr id="91" name="Ink 90">
@@ -9797,14 +8278,14 @@
           </mc:Fallback>
         </mc:AlternateContent>
       </p:grpSp>
-      <mc:AlternateContent xmlns:mc="http://schemas.openxmlformats.org/markup-compatibility/2006">
-        <mc:Choice xmlns:p14="http://schemas.microsoft.com/office/powerpoint/2010/main" Requires="p14">
+      <mc:AlternateContent xmlns:mc="http://schemas.openxmlformats.org/markup-compatibility/2006" xmlns:p14="http://schemas.microsoft.com/office/powerpoint/2010/main">
+        <mc:Choice Requires="p14">
           <p:contentPart p14:bwMode="auto" r:id="rId108">
             <p14:nvContentPartPr>
-              <p14:cNvPr id="93" name="Ink 92">
+              <p14:cNvPr id="94" name="Ink 93">
                 <a:extLst>
                   <a:ext uri="{FF2B5EF4-FFF2-40B4-BE49-F238E27FC236}">
-                    <a16:creationId xmlns:a16="http://schemas.microsoft.com/office/drawing/2014/main" id="{9F5E2028-3AE8-CFB8-7C2C-09EFC3D41038}"/>
+                    <a16:creationId xmlns:a16="http://schemas.microsoft.com/office/drawing/2014/main" id="{FF4C400E-AFA2-97F0-B2AC-B05BE851C681}"/>
                   </a:ext>
                 </a:extLst>
               </p14:cNvPr>
@@ -9812,18 +8293,18 @@
               <p14:nvPr/>
             </p14:nvContentPartPr>
             <p14:xfrm>
-              <a:off x="9349380" y="2276460"/>
-              <a:ext cx="131400" cy="292320"/>
+              <a:off x="9916140" y="3361540"/>
+              <a:ext cx="10080" cy="7560"/>
             </p14:xfrm>
           </p:contentPart>
         </mc:Choice>
-        <mc:Fallback>
+        <mc:Fallback xmlns="">
           <p:pic>
             <p:nvPicPr>
-              <p:cNvPr id="93" name="Ink 92">
+              <p:cNvPr id="94" name="Ink 93">
                 <a:extLst>
                   <a:ext uri="{FF2B5EF4-FFF2-40B4-BE49-F238E27FC236}">
-                    <a16:creationId xmlns:a16="http://schemas.microsoft.com/office/drawing/2014/main" id="{9F5E2028-3AE8-CFB8-7C2C-09EFC3D41038}"/>
+                    <a16:creationId xmlns:a16="http://schemas.microsoft.com/office/drawing/2014/main" id="{FF4C400E-AFA2-97F0-B2AC-B05BE851C681}"/>
                   </a:ext>
                 </a:extLst>
               </p:cNvPr>
@@ -9838,8 +8319,8 @@
             </p:blipFill>
             <p:spPr>
               <a:xfrm>
-                <a:off x="9343260" y="2270340"/>
-                <a:ext cx="143640" cy="304560"/>
+                <a:off x="9910020" y="3355420"/>
+                <a:ext cx="22320" cy="19800"/>
               </a:xfrm>
               <a:prstGeom prst="rect">
                 <a:avLst/>
@@ -9848,14 +8329,14 @@
           </p:pic>
         </mc:Fallback>
       </mc:AlternateContent>
-      <mc:AlternateContent xmlns:mc="http://schemas.openxmlformats.org/markup-compatibility/2006">
-        <mc:Choice xmlns:p14="http://schemas.microsoft.com/office/powerpoint/2010/main" Requires="p14">
+      <mc:AlternateContent xmlns:mc="http://schemas.openxmlformats.org/markup-compatibility/2006" xmlns:p14="http://schemas.microsoft.com/office/powerpoint/2010/main">
+        <mc:Choice Requires="p14">
           <p:contentPart p14:bwMode="auto" r:id="rId110">
             <p14:nvContentPartPr>
-              <p14:cNvPr id="94" name="Ink 93">
+              <p14:cNvPr id="95" name="Ink 94">
                 <a:extLst>
                   <a:ext uri="{FF2B5EF4-FFF2-40B4-BE49-F238E27FC236}">
-                    <a16:creationId xmlns:a16="http://schemas.microsoft.com/office/drawing/2014/main" id="{FF4C400E-AFA2-97F0-B2AC-B05BE851C681}"/>
+                    <a16:creationId xmlns:a16="http://schemas.microsoft.com/office/drawing/2014/main" id="{25BD25A3-AC04-9CC5-12C0-FB8AA5E8AC42}"/>
                   </a:ext>
                 </a:extLst>
               </p14:cNvPr>
@@ -9863,18 +8344,18 @@
               <p14:nvPr/>
             </p14:nvContentPartPr>
             <p14:xfrm>
-              <a:off x="9397980" y="2670660"/>
-              <a:ext cx="10080" cy="7560"/>
+              <a:off x="2872740" y="3615340"/>
+              <a:ext cx="347760" cy="395280"/>
             </p14:xfrm>
           </p:contentPart>
         </mc:Choice>
-        <mc:Fallback>
+        <mc:Fallback xmlns="">
           <p:pic>
             <p:nvPicPr>
-              <p:cNvPr id="94" name="Ink 93">
+              <p:cNvPr id="95" name="Ink 94">
                 <a:extLst>
                   <a:ext uri="{FF2B5EF4-FFF2-40B4-BE49-F238E27FC236}">
-                    <a16:creationId xmlns:a16="http://schemas.microsoft.com/office/drawing/2014/main" id="{FF4C400E-AFA2-97F0-B2AC-B05BE851C681}"/>
+                    <a16:creationId xmlns:a16="http://schemas.microsoft.com/office/drawing/2014/main" id="{25BD25A3-AC04-9CC5-12C0-FB8AA5E8AC42}"/>
                   </a:ext>
                 </a:extLst>
               </p:cNvPr>
@@ -9889,8 +8370,8 @@
             </p:blipFill>
             <p:spPr>
               <a:xfrm>
-                <a:off x="9391860" y="2664540"/>
-                <a:ext cx="22320" cy="19800"/>
+                <a:off x="2866620" y="3609226"/>
+                <a:ext cx="360000" cy="407509"/>
               </a:xfrm>
               <a:prstGeom prst="rect">
                 <a:avLst/>
@@ -9899,14 +8380,14 @@
           </p:pic>
         </mc:Fallback>
       </mc:AlternateContent>
-      <mc:AlternateContent xmlns:mc="http://schemas.openxmlformats.org/markup-compatibility/2006">
-        <mc:Choice xmlns:p14="http://schemas.microsoft.com/office/powerpoint/2010/main" Requires="p14">
+      <mc:AlternateContent xmlns:mc="http://schemas.openxmlformats.org/markup-compatibility/2006" xmlns:p14="http://schemas.microsoft.com/office/powerpoint/2010/main">
+        <mc:Choice Requires="p14">
           <p:contentPart p14:bwMode="auto" r:id="rId112">
             <p14:nvContentPartPr>
-              <p14:cNvPr id="95" name="Ink 94">
+              <p14:cNvPr id="96" name="Ink 95">
                 <a:extLst>
                   <a:ext uri="{FF2B5EF4-FFF2-40B4-BE49-F238E27FC236}">
-                    <a16:creationId xmlns:a16="http://schemas.microsoft.com/office/drawing/2014/main" id="{25BD25A3-AC04-9CC5-12C0-FB8AA5E8AC42}"/>
+                    <a16:creationId xmlns:a16="http://schemas.microsoft.com/office/drawing/2014/main" id="{72208BF7-C563-192F-0707-C0E1D48902D5}"/>
                   </a:ext>
                 </a:extLst>
               </p14:cNvPr>
@@ -9914,18 +8395,18 @@
               <p14:nvPr/>
             </p14:nvContentPartPr>
             <p14:xfrm>
-              <a:off x="2354580" y="2924460"/>
-              <a:ext cx="347760" cy="395280"/>
+              <a:off x="2947260" y="4945180"/>
+              <a:ext cx="324000" cy="346320"/>
             </p14:xfrm>
           </p:contentPart>
         </mc:Choice>
-        <mc:Fallback>
+        <mc:Fallback xmlns="">
           <p:pic>
             <p:nvPicPr>
-              <p:cNvPr id="95" name="Ink 94">
+              <p:cNvPr id="96" name="Ink 95">
                 <a:extLst>
                   <a:ext uri="{FF2B5EF4-FFF2-40B4-BE49-F238E27FC236}">
-                    <a16:creationId xmlns:a16="http://schemas.microsoft.com/office/drawing/2014/main" id="{25BD25A3-AC04-9CC5-12C0-FB8AA5E8AC42}"/>
+                    <a16:creationId xmlns:a16="http://schemas.microsoft.com/office/drawing/2014/main" id="{72208BF7-C563-192F-0707-C0E1D48902D5}"/>
                   </a:ext>
                 </a:extLst>
               </p:cNvPr>
@@ -9940,161 +8421,8 @@
             </p:blipFill>
             <p:spPr>
               <a:xfrm>
-                <a:off x="2348460" y="2918340"/>
-                <a:ext cx="360000" cy="407520"/>
-              </a:xfrm>
-              <a:prstGeom prst="rect">
-                <a:avLst/>
-              </a:prstGeom>
-            </p:spPr>
-          </p:pic>
-        </mc:Fallback>
-      </mc:AlternateContent>
-      <mc:AlternateContent xmlns:mc="http://schemas.openxmlformats.org/markup-compatibility/2006">
-        <mc:Choice xmlns:p14="http://schemas.microsoft.com/office/powerpoint/2010/main" Requires="p14">
-          <p:contentPart p14:bwMode="auto" r:id="rId114">
-            <p14:nvContentPartPr>
-              <p14:cNvPr id="96" name="Ink 95">
-                <a:extLst>
-                  <a:ext uri="{FF2B5EF4-FFF2-40B4-BE49-F238E27FC236}">
-                    <a16:creationId xmlns:a16="http://schemas.microsoft.com/office/drawing/2014/main" id="{72208BF7-C563-192F-0707-C0E1D48902D5}"/>
-                  </a:ext>
-                </a:extLst>
-              </p14:cNvPr>
-              <p14:cNvContentPartPr/>
-              <p14:nvPr/>
-            </p14:nvContentPartPr>
-            <p14:xfrm>
-              <a:off x="2429100" y="4254300"/>
-              <a:ext cx="324000" cy="346320"/>
-            </p14:xfrm>
-          </p:contentPart>
-        </mc:Choice>
-        <mc:Fallback>
-          <p:pic>
-            <p:nvPicPr>
-              <p:cNvPr id="96" name="Ink 95">
-                <a:extLst>
-                  <a:ext uri="{FF2B5EF4-FFF2-40B4-BE49-F238E27FC236}">
-                    <a16:creationId xmlns:a16="http://schemas.microsoft.com/office/drawing/2014/main" id="{72208BF7-C563-192F-0707-C0E1D48902D5}"/>
-                  </a:ext>
-                </a:extLst>
-              </p:cNvPr>
-              <p:cNvPicPr/>
-              <p:nvPr/>
-            </p:nvPicPr>
-            <p:blipFill>
-              <a:blip r:embed="rId115"/>
-              <a:stretch>
-                <a:fillRect/>
-              </a:stretch>
-            </p:blipFill>
-            <p:spPr>
-              <a:xfrm>
-                <a:off x="2422980" y="4248180"/>
-                <a:ext cx="336240" cy="358560"/>
-              </a:xfrm>
-              <a:prstGeom prst="rect">
-                <a:avLst/>
-              </a:prstGeom>
-            </p:spPr>
-          </p:pic>
-        </mc:Fallback>
-      </mc:AlternateContent>
-      <mc:AlternateContent xmlns:mc="http://schemas.openxmlformats.org/markup-compatibility/2006">
-        <mc:Choice xmlns:p14="http://schemas.microsoft.com/office/powerpoint/2010/main" Requires="p14">
-          <p:contentPart p14:bwMode="auto" r:id="rId116">
-            <p14:nvContentPartPr>
-              <p14:cNvPr id="97" name="Ink 96">
-                <a:extLst>
-                  <a:ext uri="{FF2B5EF4-FFF2-40B4-BE49-F238E27FC236}">
-                    <a16:creationId xmlns:a16="http://schemas.microsoft.com/office/drawing/2014/main" id="{9096A9CF-EF1B-511C-3781-EBB062D737CE}"/>
-                  </a:ext>
-                </a:extLst>
-              </p14:cNvPr>
-              <p14:cNvContentPartPr/>
-              <p14:nvPr/>
-            </p14:nvContentPartPr>
-            <p14:xfrm>
-              <a:off x="8930340" y="3038580"/>
-              <a:ext cx="234360" cy="352800"/>
-            </p14:xfrm>
-          </p:contentPart>
-        </mc:Choice>
-        <mc:Fallback>
-          <p:pic>
-            <p:nvPicPr>
-              <p:cNvPr id="97" name="Ink 96">
-                <a:extLst>
-                  <a:ext uri="{FF2B5EF4-FFF2-40B4-BE49-F238E27FC236}">
-                    <a16:creationId xmlns:a16="http://schemas.microsoft.com/office/drawing/2014/main" id="{9096A9CF-EF1B-511C-3781-EBB062D737CE}"/>
-                  </a:ext>
-                </a:extLst>
-              </p:cNvPr>
-              <p:cNvPicPr/>
-              <p:nvPr/>
-            </p:nvPicPr>
-            <p:blipFill>
-              <a:blip r:embed="rId117"/>
-              <a:stretch>
-                <a:fillRect/>
-              </a:stretch>
-            </p:blipFill>
-            <p:spPr>
-              <a:xfrm>
-                <a:off x="8924220" y="3032460"/>
-                <a:ext cx="246600" cy="365040"/>
-              </a:xfrm>
-              <a:prstGeom prst="rect">
-                <a:avLst/>
-              </a:prstGeom>
-            </p:spPr>
-          </p:pic>
-        </mc:Fallback>
-      </mc:AlternateContent>
-      <mc:AlternateContent xmlns:mc="http://schemas.openxmlformats.org/markup-compatibility/2006">
-        <mc:Choice xmlns:p14="http://schemas.microsoft.com/office/powerpoint/2010/main" Requires="p14">
-          <p:contentPart p14:bwMode="auto" r:id="rId118">
-            <p14:nvContentPartPr>
-              <p14:cNvPr id="98" name="Ink 97">
-                <a:extLst>
-                  <a:ext uri="{FF2B5EF4-FFF2-40B4-BE49-F238E27FC236}">
-                    <a16:creationId xmlns:a16="http://schemas.microsoft.com/office/drawing/2014/main" id="{3FB6B85F-7127-82AD-2A6B-30D6DF3B68DC}"/>
-                  </a:ext>
-                </a:extLst>
-              </p14:cNvPr>
-              <p14:cNvContentPartPr/>
-              <p14:nvPr/>
-            </p14:nvContentPartPr>
-            <p14:xfrm>
-              <a:off x="9014220" y="4137300"/>
-              <a:ext cx="189720" cy="417240"/>
-            </p14:xfrm>
-          </p:contentPart>
-        </mc:Choice>
-        <mc:Fallback>
-          <p:pic>
-            <p:nvPicPr>
-              <p:cNvPr id="98" name="Ink 97">
-                <a:extLst>
-                  <a:ext uri="{FF2B5EF4-FFF2-40B4-BE49-F238E27FC236}">
-                    <a16:creationId xmlns:a16="http://schemas.microsoft.com/office/drawing/2014/main" id="{3FB6B85F-7127-82AD-2A6B-30D6DF3B68DC}"/>
-                  </a:ext>
-                </a:extLst>
-              </p:cNvPr>
-              <p:cNvPicPr/>
-              <p:nvPr/>
-            </p:nvPicPr>
-            <p:blipFill>
-              <a:blip r:embed="rId119"/>
-              <a:stretch>
-                <a:fillRect/>
-              </a:stretch>
-            </p:blipFill>
-            <p:spPr>
-              <a:xfrm>
-                <a:off x="9008100" y="4131180"/>
-                <a:ext cx="201960" cy="429480"/>
+                <a:off x="2941140" y="4939054"/>
+                <a:ext cx="336240" cy="358573"/>
               </a:xfrm>
               <a:prstGeom prst="rect">
                 <a:avLst/>
@@ -10117,7 +8445,7 @@
         </p:nvSpPr>
         <p:spPr>
           <a:xfrm>
-            <a:off x="274320" y="1647042"/>
+            <a:off x="792480" y="2337922"/>
             <a:ext cx="840860" cy="369332"/>
           </a:xfrm>
           <a:prstGeom prst="rect">
@@ -10153,7 +8481,7 @@
         </p:nvSpPr>
         <p:spPr>
           <a:xfrm>
-            <a:off x="49120" y="2937434"/>
+            <a:off x="567280" y="3628314"/>
             <a:ext cx="1115180" cy="369332"/>
           </a:xfrm>
           <a:prstGeom prst="rect">
@@ -10189,7 +8517,7 @@
         </p:nvSpPr>
         <p:spPr>
           <a:xfrm>
-            <a:off x="298340" y="4222094"/>
+            <a:off x="816500" y="4912974"/>
             <a:ext cx="840860" cy="369332"/>
           </a:xfrm>
           <a:prstGeom prst="rect">
@@ -10225,7 +8553,7 @@
         </p:nvSpPr>
         <p:spPr>
           <a:xfrm>
-            <a:off x="3840480" y="190500"/>
+            <a:off x="4358640" y="881380"/>
             <a:ext cx="3771900" cy="369332"/>
           </a:xfrm>
           <a:prstGeom prst="rect">
@@ -10247,9 +8575,9 @@
           </a:p>
         </p:txBody>
       </p:sp>
-      <mc:AlternateContent xmlns:mc="http://schemas.openxmlformats.org/markup-compatibility/2006">
-        <mc:Choice xmlns:p14="http://schemas.microsoft.com/office/powerpoint/2010/main" Requires="p14">
-          <p:contentPart p14:bwMode="auto" r:id="rId120">
+      <mc:AlternateContent xmlns:mc="http://schemas.openxmlformats.org/markup-compatibility/2006" xmlns:p14="http://schemas.microsoft.com/office/powerpoint/2010/main">
+        <mc:Choice Requires="p14">
+          <p:contentPart p14:bwMode="auto" r:id="rId114">
             <p14:nvContentPartPr>
               <p14:cNvPr id="215" name="Ink 214">
                 <a:extLst>
@@ -10262,12 +8590,12 @@
               <p14:nvPr/>
             </p14:nvContentPartPr>
             <p14:xfrm>
-              <a:off x="2735460" y="4632660"/>
+              <a:off x="3253620" y="5323540"/>
               <a:ext cx="360" cy="360"/>
             </p14:xfrm>
           </p:contentPart>
         </mc:Choice>
-        <mc:Fallback>
+        <mc:Fallback xmlns="">
           <p:pic>
             <p:nvPicPr>
               <p:cNvPr id="215" name="Ink 214">
@@ -10281,14 +8609,14 @@
               <p:nvPr/>
             </p:nvPicPr>
             <p:blipFill>
-              <a:blip r:embed="rId9"/>
+              <a:blip r:embed="rId69"/>
               <a:stretch>
                 <a:fillRect/>
               </a:stretch>
             </p:blipFill>
             <p:spPr>
               <a:xfrm>
-                <a:off x="2729340" y="4626540"/>
+                <a:off x="3247500" y="5317420"/>
                 <a:ext cx="12600" cy="12600"/>
               </a:xfrm>
               <a:prstGeom prst="rect">
@@ -10298,1368 +8626,9 @@
           </p:pic>
         </mc:Fallback>
       </mc:AlternateContent>
-      <p:grpSp>
-        <p:nvGrpSpPr>
-          <p:cNvPr id="218" name="Group 217">
-            <a:extLst>
-              <a:ext uri="{FF2B5EF4-FFF2-40B4-BE49-F238E27FC236}">
-                <a16:creationId xmlns:a16="http://schemas.microsoft.com/office/drawing/2014/main" id="{2BB9BE6B-9165-4207-AEB9-0251383C3073}"/>
-              </a:ext>
-            </a:extLst>
-          </p:cNvPr>
-          <p:cNvGrpSpPr/>
-          <p:nvPr/>
-        </p:nvGrpSpPr>
-        <p:grpSpPr>
-          <a:xfrm>
-            <a:off x="2910420" y="4632660"/>
-            <a:ext cx="99720" cy="360"/>
-            <a:chOff x="2910420" y="4632660"/>
-            <a:chExt cx="99720" cy="360"/>
-          </a:xfrm>
-        </p:grpSpPr>
-        <mc:AlternateContent xmlns:mc="http://schemas.openxmlformats.org/markup-compatibility/2006">
-          <mc:Choice xmlns:p14="http://schemas.microsoft.com/office/powerpoint/2010/main" Requires="p14">
-            <p:contentPart p14:bwMode="auto" r:id="rId121">
-              <p14:nvContentPartPr>
-                <p14:cNvPr id="216" name="Ink 215">
-                  <a:extLst>
-                    <a:ext uri="{FF2B5EF4-FFF2-40B4-BE49-F238E27FC236}">
-                      <a16:creationId xmlns:a16="http://schemas.microsoft.com/office/drawing/2014/main" id="{D8E87C8F-5B55-4BC1-754C-9EC054A27188}"/>
-                    </a:ext>
-                  </a:extLst>
-                </p14:cNvPr>
-                <p14:cNvContentPartPr/>
-                <p14:nvPr/>
-              </p14:nvContentPartPr>
-              <p14:xfrm>
-                <a:off x="2910420" y="4632660"/>
-                <a:ext cx="360" cy="360"/>
-              </p14:xfrm>
-            </p:contentPart>
-          </mc:Choice>
-          <mc:Fallback>
-            <p:pic>
-              <p:nvPicPr>
-                <p:cNvPr id="216" name="Ink 215">
-                  <a:extLst>
-                    <a:ext uri="{FF2B5EF4-FFF2-40B4-BE49-F238E27FC236}">
-                      <a16:creationId xmlns:a16="http://schemas.microsoft.com/office/drawing/2014/main" id="{D8E87C8F-5B55-4BC1-754C-9EC054A27188}"/>
-                    </a:ext>
-                  </a:extLst>
-                </p:cNvPr>
-                <p:cNvPicPr/>
-                <p:nvPr/>
-              </p:nvPicPr>
-              <p:blipFill>
-                <a:blip r:embed="rId9"/>
-                <a:stretch>
-                  <a:fillRect/>
-                </a:stretch>
-              </p:blipFill>
-              <p:spPr>
-                <a:xfrm>
-                  <a:off x="2904300" y="4626540"/>
-                  <a:ext cx="12600" cy="12600"/>
-                </a:xfrm>
-                <a:prstGeom prst="rect">
-                  <a:avLst/>
-                </a:prstGeom>
-              </p:spPr>
-            </p:pic>
-          </mc:Fallback>
-        </mc:AlternateContent>
-        <mc:AlternateContent xmlns:mc="http://schemas.openxmlformats.org/markup-compatibility/2006">
-          <mc:Choice xmlns:p14="http://schemas.microsoft.com/office/powerpoint/2010/main" Requires="p14">
-            <p:contentPart p14:bwMode="auto" r:id="rId122">
-              <p14:nvContentPartPr>
-                <p14:cNvPr id="217" name="Ink 216">
-                  <a:extLst>
-                    <a:ext uri="{FF2B5EF4-FFF2-40B4-BE49-F238E27FC236}">
-                      <a16:creationId xmlns:a16="http://schemas.microsoft.com/office/drawing/2014/main" id="{EC6B864B-418C-0C0D-81C7-C8EB0C5CD68B}"/>
-                    </a:ext>
-                  </a:extLst>
-                </p14:cNvPr>
-                <p14:cNvContentPartPr/>
-                <p14:nvPr/>
-              </p14:nvContentPartPr>
-              <p14:xfrm>
-                <a:off x="3009780" y="4632660"/>
-                <a:ext cx="360" cy="360"/>
-              </p14:xfrm>
-            </p:contentPart>
-          </mc:Choice>
-          <mc:Fallback>
-            <p:pic>
-              <p:nvPicPr>
-                <p:cNvPr id="217" name="Ink 216">
-                  <a:extLst>
-                    <a:ext uri="{FF2B5EF4-FFF2-40B4-BE49-F238E27FC236}">
-                      <a16:creationId xmlns:a16="http://schemas.microsoft.com/office/drawing/2014/main" id="{EC6B864B-418C-0C0D-81C7-C8EB0C5CD68B}"/>
-                    </a:ext>
-                  </a:extLst>
-                </p:cNvPr>
-                <p:cNvPicPr/>
-                <p:nvPr/>
-              </p:nvPicPr>
-              <p:blipFill>
-                <a:blip r:embed="rId9"/>
-                <a:stretch>
-                  <a:fillRect/>
-                </a:stretch>
-              </p:blipFill>
-              <p:spPr>
-                <a:xfrm>
-                  <a:off x="3003660" y="4626540"/>
-                  <a:ext cx="12600" cy="12600"/>
-                </a:xfrm>
-                <a:prstGeom prst="rect">
-                  <a:avLst/>
-                </a:prstGeom>
-              </p:spPr>
-            </p:pic>
-          </mc:Fallback>
-        </mc:AlternateContent>
-      </p:grpSp>
-      <mc:AlternateContent xmlns:mc="http://schemas.openxmlformats.org/markup-compatibility/2006">
-        <mc:Choice xmlns:p14="http://schemas.microsoft.com/office/powerpoint/2010/main" Requires="p14">
-          <p:contentPart p14:bwMode="auto" r:id="rId123">
-            <p14:nvContentPartPr>
-              <p14:cNvPr id="219" name="Ink 218">
-                <a:extLst>
-                  <a:ext uri="{FF2B5EF4-FFF2-40B4-BE49-F238E27FC236}">
-                    <a16:creationId xmlns:a16="http://schemas.microsoft.com/office/drawing/2014/main" id="{65503DC4-B613-BB6A-86EE-72AFAD81F102}"/>
-                  </a:ext>
-                </a:extLst>
-              </p14:cNvPr>
-              <p14:cNvContentPartPr/>
-              <p14:nvPr/>
-            </p14:nvContentPartPr>
-            <p14:xfrm>
-              <a:off x="5158260" y="4533660"/>
-              <a:ext cx="360" cy="360"/>
-            </p14:xfrm>
-          </p:contentPart>
-        </mc:Choice>
-        <mc:Fallback>
-          <p:pic>
-            <p:nvPicPr>
-              <p:cNvPr id="219" name="Ink 218">
-                <a:extLst>
-                  <a:ext uri="{FF2B5EF4-FFF2-40B4-BE49-F238E27FC236}">
-                    <a16:creationId xmlns:a16="http://schemas.microsoft.com/office/drawing/2014/main" id="{65503DC4-B613-BB6A-86EE-72AFAD81F102}"/>
-                  </a:ext>
-                </a:extLst>
-              </p:cNvPr>
-              <p:cNvPicPr/>
-              <p:nvPr/>
-            </p:nvPicPr>
-            <p:blipFill>
-              <a:blip r:embed="rId9"/>
-              <a:stretch>
-                <a:fillRect/>
-              </a:stretch>
-            </p:blipFill>
-            <p:spPr>
-              <a:xfrm>
-                <a:off x="5152140" y="4527540"/>
-                <a:ext cx="12600" cy="12600"/>
-              </a:xfrm>
-              <a:prstGeom prst="rect">
-                <a:avLst/>
-              </a:prstGeom>
-            </p:spPr>
-          </p:pic>
-        </mc:Fallback>
-      </mc:AlternateContent>
-      <mc:AlternateContent xmlns:mc="http://schemas.openxmlformats.org/markup-compatibility/2006">
-        <mc:Choice xmlns:p14="http://schemas.microsoft.com/office/powerpoint/2010/main" Requires="p14">
-          <p:contentPart p14:bwMode="auto" r:id="rId124">
-            <p14:nvContentPartPr>
-              <p14:cNvPr id="222" name="Ink 221">
-                <a:extLst>
-                  <a:ext uri="{FF2B5EF4-FFF2-40B4-BE49-F238E27FC236}">
-                    <a16:creationId xmlns:a16="http://schemas.microsoft.com/office/drawing/2014/main" id="{3004C207-6C18-CEDB-18F9-C237E0F7442E}"/>
-                  </a:ext>
-                </a:extLst>
-              </p14:cNvPr>
-              <p14:cNvContentPartPr/>
-              <p14:nvPr/>
-            </p14:nvContentPartPr>
-            <p14:xfrm>
-              <a:off x="8374140" y="4548780"/>
-              <a:ext cx="360" cy="360"/>
-            </p14:xfrm>
-          </p:contentPart>
-        </mc:Choice>
-        <mc:Fallback>
-          <p:pic>
-            <p:nvPicPr>
-              <p:cNvPr id="222" name="Ink 221">
-                <a:extLst>
-                  <a:ext uri="{FF2B5EF4-FFF2-40B4-BE49-F238E27FC236}">
-                    <a16:creationId xmlns:a16="http://schemas.microsoft.com/office/drawing/2014/main" id="{3004C207-6C18-CEDB-18F9-C237E0F7442E}"/>
-                  </a:ext>
-                </a:extLst>
-              </p:cNvPr>
-              <p:cNvPicPr/>
-              <p:nvPr/>
-            </p:nvPicPr>
-            <p:blipFill>
-              <a:blip r:embed="rId9"/>
-              <a:stretch>
-                <a:fillRect/>
-              </a:stretch>
-            </p:blipFill>
-            <p:spPr>
-              <a:xfrm>
-                <a:off x="8368020" y="4542660"/>
-                <a:ext cx="12600" cy="12600"/>
-              </a:xfrm>
-              <a:prstGeom prst="rect">
-                <a:avLst/>
-              </a:prstGeom>
-            </p:spPr>
-          </p:pic>
-        </mc:Fallback>
-      </mc:AlternateContent>
-      <mc:AlternateContent xmlns:mc="http://schemas.openxmlformats.org/markup-compatibility/2006">
-        <mc:Choice xmlns:p14="http://schemas.microsoft.com/office/powerpoint/2010/main" Requires="p14">
-          <p:contentPart p14:bwMode="auto" r:id="rId125">
-            <p14:nvContentPartPr>
-              <p14:cNvPr id="223" name="Ink 222">
-                <a:extLst>
-                  <a:ext uri="{FF2B5EF4-FFF2-40B4-BE49-F238E27FC236}">
-                    <a16:creationId xmlns:a16="http://schemas.microsoft.com/office/drawing/2014/main" id="{FA5D627C-90EF-F96F-0B40-983E9B8EF3ED}"/>
-                  </a:ext>
-                </a:extLst>
-              </p14:cNvPr>
-              <p14:cNvContentPartPr/>
-              <p14:nvPr/>
-            </p14:nvContentPartPr>
-            <p14:xfrm>
-              <a:off x="8488620" y="4548780"/>
-              <a:ext cx="360" cy="360"/>
-            </p14:xfrm>
-          </p:contentPart>
-        </mc:Choice>
-        <mc:Fallback>
-          <p:pic>
-            <p:nvPicPr>
-              <p:cNvPr id="223" name="Ink 222">
-                <a:extLst>
-                  <a:ext uri="{FF2B5EF4-FFF2-40B4-BE49-F238E27FC236}">
-                    <a16:creationId xmlns:a16="http://schemas.microsoft.com/office/drawing/2014/main" id="{FA5D627C-90EF-F96F-0B40-983E9B8EF3ED}"/>
-                  </a:ext>
-                </a:extLst>
-              </p:cNvPr>
-              <p:cNvPicPr/>
-              <p:nvPr/>
-            </p:nvPicPr>
-            <p:blipFill>
-              <a:blip r:embed="rId9"/>
-              <a:stretch>
-                <a:fillRect/>
-              </a:stretch>
-            </p:blipFill>
-            <p:spPr>
-              <a:xfrm>
-                <a:off x="8482500" y="4542660"/>
-                <a:ext cx="12600" cy="12600"/>
-              </a:xfrm>
-              <a:prstGeom prst="rect">
-                <a:avLst/>
-              </a:prstGeom>
-            </p:spPr>
-          </p:pic>
-        </mc:Fallback>
-      </mc:AlternateContent>
-      <mc:AlternateContent xmlns:mc="http://schemas.openxmlformats.org/markup-compatibility/2006">
-        <mc:Choice xmlns:p14="http://schemas.microsoft.com/office/powerpoint/2010/main" Requires="p14">
-          <p:contentPart p14:bwMode="auto" r:id="rId126">
-            <p14:nvContentPartPr>
-              <p14:cNvPr id="224" name="Ink 223">
-                <a:extLst>
-                  <a:ext uri="{FF2B5EF4-FFF2-40B4-BE49-F238E27FC236}">
-                    <a16:creationId xmlns:a16="http://schemas.microsoft.com/office/drawing/2014/main" id="{B0971CF8-B975-E98F-DDED-802A6E1A9A0E}"/>
-                  </a:ext>
-                </a:extLst>
-              </p14:cNvPr>
-              <p14:cNvContentPartPr/>
-              <p14:nvPr/>
-            </p14:nvContentPartPr>
-            <p14:xfrm>
-              <a:off x="8732340" y="4548780"/>
-              <a:ext cx="360" cy="360"/>
-            </p14:xfrm>
-          </p:contentPart>
-        </mc:Choice>
-        <mc:Fallback>
-          <p:pic>
-            <p:nvPicPr>
-              <p:cNvPr id="224" name="Ink 223">
-                <a:extLst>
-                  <a:ext uri="{FF2B5EF4-FFF2-40B4-BE49-F238E27FC236}">
-                    <a16:creationId xmlns:a16="http://schemas.microsoft.com/office/drawing/2014/main" id="{B0971CF8-B975-E98F-DDED-802A6E1A9A0E}"/>
-                  </a:ext>
-                </a:extLst>
-              </p:cNvPr>
-              <p:cNvPicPr/>
-              <p:nvPr/>
-            </p:nvPicPr>
-            <p:blipFill>
-              <a:blip r:embed="rId9"/>
-              <a:stretch>
-                <a:fillRect/>
-              </a:stretch>
-            </p:blipFill>
-            <p:spPr>
-              <a:xfrm>
-                <a:off x="8726220" y="4542660"/>
-                <a:ext cx="12600" cy="12600"/>
-              </a:xfrm>
-              <a:prstGeom prst="rect">
-                <a:avLst/>
-              </a:prstGeom>
-            </p:spPr>
-          </p:pic>
-        </mc:Fallback>
-      </mc:AlternateContent>
-      <p:grpSp>
-        <p:nvGrpSpPr>
-          <p:cNvPr id="239" name="Group 238">
-            <a:extLst>
-              <a:ext uri="{FF2B5EF4-FFF2-40B4-BE49-F238E27FC236}">
-                <a16:creationId xmlns:a16="http://schemas.microsoft.com/office/drawing/2014/main" id="{BE7C7237-93BA-9207-85EB-BD6B592C7CF9}"/>
-              </a:ext>
-            </a:extLst>
-          </p:cNvPr>
-          <p:cNvGrpSpPr/>
-          <p:nvPr/>
-        </p:nvGrpSpPr>
-        <p:grpSpPr>
-          <a:xfrm>
-            <a:off x="4655700" y="1622700"/>
-            <a:ext cx="861120" cy="330120"/>
-            <a:chOff x="4655700" y="1622700"/>
-            <a:chExt cx="861120" cy="330120"/>
-          </a:xfrm>
-        </p:grpSpPr>
-        <mc:AlternateContent xmlns:mc="http://schemas.openxmlformats.org/markup-compatibility/2006">
-          <mc:Choice xmlns:p14="http://schemas.microsoft.com/office/powerpoint/2010/main" Requires="p14">
-            <p:contentPart p14:bwMode="auto" r:id="rId127">
-              <p14:nvContentPartPr>
-                <p14:cNvPr id="30" name="Ink 29">
-                  <a:extLst>
-                    <a:ext uri="{FF2B5EF4-FFF2-40B4-BE49-F238E27FC236}">
-                      <a16:creationId xmlns:a16="http://schemas.microsoft.com/office/drawing/2014/main" id="{3E0797BC-C5A7-0BBC-1458-B228C628CBAE}"/>
-                    </a:ext>
-                  </a:extLst>
-                </p14:cNvPr>
-                <p14:cNvContentPartPr/>
-                <p14:nvPr/>
-              </p14:nvContentPartPr>
-              <p14:xfrm>
-                <a:off x="5227380" y="1828620"/>
-                <a:ext cx="360" cy="360"/>
-              </p14:xfrm>
-            </p:contentPart>
-          </mc:Choice>
-          <mc:Fallback>
-            <p:pic>
-              <p:nvPicPr>
-                <p:cNvPr id="30" name="Ink 29">
-                  <a:extLst>
-                    <a:ext uri="{FF2B5EF4-FFF2-40B4-BE49-F238E27FC236}">
-                      <a16:creationId xmlns:a16="http://schemas.microsoft.com/office/drawing/2014/main" id="{3E0797BC-C5A7-0BBC-1458-B228C628CBAE}"/>
-                    </a:ext>
-                  </a:extLst>
-                </p:cNvPr>
-                <p:cNvPicPr/>
-                <p:nvPr/>
-              </p:nvPicPr>
-              <p:blipFill>
-                <a:blip r:embed="rId9"/>
-                <a:stretch>
-                  <a:fillRect/>
-                </a:stretch>
-              </p:blipFill>
-              <p:spPr>
-                <a:xfrm>
-                  <a:off x="5221260" y="1822500"/>
-                  <a:ext cx="12600" cy="12600"/>
-                </a:xfrm>
-                <a:prstGeom prst="rect">
-                  <a:avLst/>
-                </a:prstGeom>
-              </p:spPr>
-            </p:pic>
-          </mc:Fallback>
-        </mc:AlternateContent>
-        <mc:AlternateContent xmlns:mc="http://schemas.openxmlformats.org/markup-compatibility/2006">
-          <mc:Choice xmlns:p14="http://schemas.microsoft.com/office/powerpoint/2010/main" Requires="p14">
-            <p:contentPart p14:bwMode="auto" r:id="rId128">
-              <p14:nvContentPartPr>
-                <p14:cNvPr id="31" name="Ink 30">
-                  <a:extLst>
-                    <a:ext uri="{FF2B5EF4-FFF2-40B4-BE49-F238E27FC236}">
-                      <a16:creationId xmlns:a16="http://schemas.microsoft.com/office/drawing/2014/main" id="{4DA0D6D9-9643-FD64-877C-2965D45DF0BB}"/>
-                    </a:ext>
-                  </a:extLst>
-                </p14:cNvPr>
-                <p14:cNvContentPartPr/>
-                <p14:nvPr/>
-              </p14:nvContentPartPr>
-              <p14:xfrm>
-                <a:off x="5341140" y="1813500"/>
-                <a:ext cx="360" cy="360"/>
-              </p14:xfrm>
-            </p:contentPart>
-          </mc:Choice>
-          <mc:Fallback>
-            <p:pic>
-              <p:nvPicPr>
-                <p:cNvPr id="31" name="Ink 30">
-                  <a:extLst>
-                    <a:ext uri="{FF2B5EF4-FFF2-40B4-BE49-F238E27FC236}">
-                      <a16:creationId xmlns:a16="http://schemas.microsoft.com/office/drawing/2014/main" id="{4DA0D6D9-9643-FD64-877C-2965D45DF0BB}"/>
-                    </a:ext>
-                  </a:extLst>
-                </p:cNvPr>
-                <p:cNvPicPr/>
-                <p:nvPr/>
-              </p:nvPicPr>
-              <p:blipFill>
-                <a:blip r:embed="rId9"/>
-                <a:stretch>
-                  <a:fillRect/>
-                </a:stretch>
-              </p:blipFill>
-              <p:spPr>
-                <a:xfrm>
-                  <a:off x="5335020" y="1807380"/>
-                  <a:ext cx="12600" cy="12600"/>
-                </a:xfrm>
-                <a:prstGeom prst="rect">
-                  <a:avLst/>
-                </a:prstGeom>
-              </p:spPr>
-            </p:pic>
-          </mc:Fallback>
-        </mc:AlternateContent>
-        <mc:AlternateContent xmlns:mc="http://schemas.openxmlformats.org/markup-compatibility/2006">
-          <mc:Choice xmlns:p14="http://schemas.microsoft.com/office/powerpoint/2010/main" Requires="p14">
-            <p:contentPart p14:bwMode="auto" r:id="rId129">
-              <p14:nvContentPartPr>
-                <p14:cNvPr id="32" name="Ink 31">
-                  <a:extLst>
-                    <a:ext uri="{FF2B5EF4-FFF2-40B4-BE49-F238E27FC236}">
-                      <a16:creationId xmlns:a16="http://schemas.microsoft.com/office/drawing/2014/main" id="{9F41B9B0-CBFB-2D6A-E379-E75FA355A2E2}"/>
-                    </a:ext>
-                  </a:extLst>
-                </p14:cNvPr>
-                <p14:cNvContentPartPr/>
-                <p14:nvPr/>
-              </p14:nvContentPartPr>
-              <p14:xfrm>
-                <a:off x="5478660" y="1813500"/>
-                <a:ext cx="360" cy="360"/>
-              </p14:xfrm>
-            </p:contentPart>
-          </mc:Choice>
-          <mc:Fallback>
-            <p:pic>
-              <p:nvPicPr>
-                <p:cNvPr id="32" name="Ink 31">
-                  <a:extLst>
-                    <a:ext uri="{FF2B5EF4-FFF2-40B4-BE49-F238E27FC236}">
-                      <a16:creationId xmlns:a16="http://schemas.microsoft.com/office/drawing/2014/main" id="{9F41B9B0-CBFB-2D6A-E379-E75FA355A2E2}"/>
-                    </a:ext>
-                  </a:extLst>
-                </p:cNvPr>
-                <p:cNvPicPr/>
-                <p:nvPr/>
-              </p:nvPicPr>
-              <p:blipFill>
-                <a:blip r:embed="rId9"/>
-                <a:stretch>
-                  <a:fillRect/>
-                </a:stretch>
-              </p:blipFill>
-              <p:spPr>
-                <a:xfrm>
-                  <a:off x="5472540" y="1807380"/>
-                  <a:ext cx="12600" cy="12600"/>
-                </a:xfrm>
-                <a:prstGeom prst="rect">
-                  <a:avLst/>
-                </a:prstGeom>
-              </p:spPr>
-            </p:pic>
-          </mc:Fallback>
-        </mc:AlternateContent>
-        <mc:AlternateContent xmlns:mc="http://schemas.openxmlformats.org/markup-compatibility/2006">
-          <mc:Choice xmlns:p14="http://schemas.microsoft.com/office/powerpoint/2010/main" Requires="p14">
-            <p:contentPart p14:bwMode="auto" r:id="rId130">
-              <p14:nvContentPartPr>
-                <p14:cNvPr id="225" name="Ink 224">
-                  <a:extLst>
-                    <a:ext uri="{FF2B5EF4-FFF2-40B4-BE49-F238E27FC236}">
-                      <a16:creationId xmlns:a16="http://schemas.microsoft.com/office/drawing/2014/main" id="{960FC548-97B7-8768-B96A-E05641F0707C}"/>
-                    </a:ext>
-                  </a:extLst>
-                </p14:cNvPr>
-                <p14:cNvContentPartPr/>
-                <p14:nvPr/>
-              </p14:nvContentPartPr>
-              <p14:xfrm>
-                <a:off x="4655700" y="1797660"/>
-                <a:ext cx="479520" cy="23760"/>
-              </p14:xfrm>
-            </p:contentPart>
-          </mc:Choice>
-          <mc:Fallback>
-            <p:pic>
-              <p:nvPicPr>
-                <p:cNvPr id="225" name="Ink 224">
-                  <a:extLst>
-                    <a:ext uri="{FF2B5EF4-FFF2-40B4-BE49-F238E27FC236}">
-                      <a16:creationId xmlns:a16="http://schemas.microsoft.com/office/drawing/2014/main" id="{960FC548-97B7-8768-B96A-E05641F0707C}"/>
-                    </a:ext>
-                  </a:extLst>
-                </p:cNvPr>
-                <p:cNvPicPr/>
-                <p:nvPr/>
-              </p:nvPicPr>
-              <p:blipFill>
-                <a:blip r:embed="rId131"/>
-                <a:stretch>
-                  <a:fillRect/>
-                </a:stretch>
-              </p:blipFill>
-              <p:spPr>
-                <a:xfrm>
-                  <a:off x="4649580" y="1791540"/>
-                  <a:ext cx="491760" cy="36000"/>
-                </a:xfrm>
-                <a:prstGeom prst="rect">
-                  <a:avLst/>
-                </a:prstGeom>
-              </p:spPr>
-            </p:pic>
-          </mc:Fallback>
-        </mc:AlternateContent>
-        <mc:AlternateContent xmlns:mc="http://schemas.openxmlformats.org/markup-compatibility/2006">
-          <mc:Choice xmlns:p14="http://schemas.microsoft.com/office/powerpoint/2010/main" Requires="p14">
-            <p:contentPart p14:bwMode="auto" r:id="rId132">
-              <p14:nvContentPartPr>
-                <p14:cNvPr id="226" name="Ink 225">
-                  <a:extLst>
-                    <a:ext uri="{FF2B5EF4-FFF2-40B4-BE49-F238E27FC236}">
-                      <a16:creationId xmlns:a16="http://schemas.microsoft.com/office/drawing/2014/main" id="{5984E209-6B95-1F56-16F4-A25B05552C24}"/>
-                    </a:ext>
-                  </a:extLst>
-                </p14:cNvPr>
-                <p14:cNvContentPartPr/>
-                <p14:nvPr/>
-              </p14:nvContentPartPr>
-              <p14:xfrm>
-                <a:off x="5336460" y="1622700"/>
-                <a:ext cx="96840" cy="330120"/>
-              </p14:xfrm>
-            </p:contentPart>
-          </mc:Choice>
-          <mc:Fallback>
-            <p:pic>
-              <p:nvPicPr>
-                <p:cNvPr id="226" name="Ink 225">
-                  <a:extLst>
-                    <a:ext uri="{FF2B5EF4-FFF2-40B4-BE49-F238E27FC236}">
-                      <a16:creationId xmlns:a16="http://schemas.microsoft.com/office/drawing/2014/main" id="{5984E209-6B95-1F56-16F4-A25B05552C24}"/>
-                    </a:ext>
-                  </a:extLst>
-                </p:cNvPr>
-                <p:cNvPicPr/>
-                <p:nvPr/>
-              </p:nvPicPr>
-              <p:blipFill>
-                <a:blip r:embed="rId133"/>
-                <a:stretch>
-                  <a:fillRect/>
-                </a:stretch>
-              </p:blipFill>
-              <p:spPr>
-                <a:xfrm>
-                  <a:off x="5330340" y="1616580"/>
-                  <a:ext cx="109080" cy="342360"/>
-                </a:xfrm>
-                <a:prstGeom prst="rect">
-                  <a:avLst/>
-                </a:prstGeom>
-              </p:spPr>
-            </p:pic>
-          </mc:Fallback>
-        </mc:AlternateContent>
-        <mc:AlternateContent xmlns:mc="http://schemas.openxmlformats.org/markup-compatibility/2006">
-          <mc:Choice xmlns:p14="http://schemas.microsoft.com/office/powerpoint/2010/main" Requires="p14">
-            <p:contentPart p14:bwMode="auto" r:id="rId134">
-              <p14:nvContentPartPr>
-                <p14:cNvPr id="227" name="Ink 226">
-                  <a:extLst>
-                    <a:ext uri="{FF2B5EF4-FFF2-40B4-BE49-F238E27FC236}">
-                      <a16:creationId xmlns:a16="http://schemas.microsoft.com/office/drawing/2014/main" id="{06080142-6FEE-0D49-FABB-8C36A4CD246C}"/>
-                    </a:ext>
-                  </a:extLst>
-                </p14:cNvPr>
-                <p14:cNvContentPartPr/>
-                <p14:nvPr/>
-              </p14:nvContentPartPr>
-              <p14:xfrm>
-                <a:off x="5481180" y="1653300"/>
-                <a:ext cx="35640" cy="269280"/>
-              </p14:xfrm>
-            </p:contentPart>
-          </mc:Choice>
-          <mc:Fallback>
-            <p:pic>
-              <p:nvPicPr>
-                <p:cNvPr id="227" name="Ink 226">
-                  <a:extLst>
-                    <a:ext uri="{FF2B5EF4-FFF2-40B4-BE49-F238E27FC236}">
-                      <a16:creationId xmlns:a16="http://schemas.microsoft.com/office/drawing/2014/main" id="{06080142-6FEE-0D49-FABB-8C36A4CD246C}"/>
-                    </a:ext>
-                  </a:extLst>
-                </p:cNvPr>
-                <p:cNvPicPr/>
-                <p:nvPr/>
-              </p:nvPicPr>
-              <p:blipFill>
-                <a:blip r:embed="rId135"/>
-                <a:stretch>
-                  <a:fillRect/>
-                </a:stretch>
-              </p:blipFill>
-              <p:spPr>
-                <a:xfrm>
-                  <a:off x="5475060" y="1647180"/>
-                  <a:ext cx="47880" cy="281520"/>
-                </a:xfrm>
-                <a:prstGeom prst="rect">
-                  <a:avLst/>
-                </a:prstGeom>
-              </p:spPr>
-            </p:pic>
-          </mc:Fallback>
-        </mc:AlternateContent>
-      </p:grpSp>
-      <mc:AlternateContent xmlns:mc="http://schemas.openxmlformats.org/markup-compatibility/2006">
-        <mc:Choice xmlns:p14="http://schemas.microsoft.com/office/powerpoint/2010/main" Requires="p14">
-          <p:contentPart p14:bwMode="auto" r:id="rId136">
-            <p14:nvContentPartPr>
-              <p14:cNvPr id="228" name="Ink 227">
-                <a:extLst>
-                  <a:ext uri="{FF2B5EF4-FFF2-40B4-BE49-F238E27FC236}">
-                    <a16:creationId xmlns:a16="http://schemas.microsoft.com/office/drawing/2014/main" id="{9118FDB0-2E9F-7D0B-6ED9-E72B784FB0B1}"/>
-                  </a:ext>
-                </a:extLst>
-              </p14:cNvPr>
-              <p14:cNvContentPartPr/>
-              <p14:nvPr/>
-            </p14:nvContentPartPr>
-            <p14:xfrm>
-              <a:off x="5791140" y="1804500"/>
-              <a:ext cx="631800" cy="18000"/>
-            </p14:xfrm>
-          </p:contentPart>
-        </mc:Choice>
-        <mc:Fallback>
-          <p:pic>
-            <p:nvPicPr>
-              <p:cNvPr id="228" name="Ink 227">
-                <a:extLst>
-                  <a:ext uri="{FF2B5EF4-FFF2-40B4-BE49-F238E27FC236}">
-                    <a16:creationId xmlns:a16="http://schemas.microsoft.com/office/drawing/2014/main" id="{9118FDB0-2E9F-7D0B-6ED9-E72B784FB0B1}"/>
-                  </a:ext>
-                </a:extLst>
-              </p:cNvPr>
-              <p:cNvPicPr/>
-              <p:nvPr/>
-            </p:nvPicPr>
-            <p:blipFill>
-              <a:blip r:embed="rId137"/>
-              <a:stretch>
-                <a:fillRect/>
-              </a:stretch>
-            </p:blipFill>
-            <p:spPr>
-              <a:xfrm>
-                <a:off x="5785020" y="1798380"/>
-                <a:ext cx="644040" cy="30240"/>
-              </a:xfrm>
-              <a:prstGeom prst="rect">
-                <a:avLst/>
-              </a:prstGeom>
-            </p:spPr>
-          </p:pic>
-        </mc:Fallback>
-      </mc:AlternateContent>
-      <mc:AlternateContent xmlns:mc="http://schemas.openxmlformats.org/markup-compatibility/2006">
-        <mc:Choice xmlns:p14="http://schemas.microsoft.com/office/powerpoint/2010/main" Requires="p14">
-          <p:contentPart p14:bwMode="auto" r:id="rId138">
-            <p14:nvContentPartPr>
-              <p14:cNvPr id="229" name="Ink 228">
-                <a:extLst>
-                  <a:ext uri="{FF2B5EF4-FFF2-40B4-BE49-F238E27FC236}">
-                    <a16:creationId xmlns:a16="http://schemas.microsoft.com/office/drawing/2014/main" id="{7A415488-8CAF-44ED-5D0E-33A258322EDD}"/>
-                  </a:ext>
-                </a:extLst>
-              </p14:cNvPr>
-              <p14:cNvContentPartPr/>
-              <p14:nvPr/>
-            </p14:nvContentPartPr>
-            <p14:xfrm>
-              <a:off x="4685940" y="3163860"/>
-              <a:ext cx="469800" cy="29160"/>
-            </p14:xfrm>
-          </p:contentPart>
-        </mc:Choice>
-        <mc:Fallback>
-          <p:pic>
-            <p:nvPicPr>
-              <p:cNvPr id="229" name="Ink 228">
-                <a:extLst>
-                  <a:ext uri="{FF2B5EF4-FFF2-40B4-BE49-F238E27FC236}">
-                    <a16:creationId xmlns:a16="http://schemas.microsoft.com/office/drawing/2014/main" id="{7A415488-8CAF-44ED-5D0E-33A258322EDD}"/>
-                  </a:ext>
-                </a:extLst>
-              </p:cNvPr>
-              <p:cNvPicPr/>
-              <p:nvPr/>
-            </p:nvPicPr>
-            <p:blipFill>
-              <a:blip r:embed="rId139"/>
-              <a:stretch>
-                <a:fillRect/>
-              </a:stretch>
-            </p:blipFill>
-            <p:spPr>
-              <a:xfrm>
-                <a:off x="4679820" y="3157740"/>
-                <a:ext cx="482040" cy="41400"/>
-              </a:xfrm>
-              <a:prstGeom prst="rect">
-                <a:avLst/>
-              </a:prstGeom>
-            </p:spPr>
-          </p:pic>
-        </mc:Fallback>
-      </mc:AlternateContent>
-      <p:grpSp>
-        <p:nvGrpSpPr>
-          <p:cNvPr id="238" name="Group 237">
-            <a:extLst>
-              <a:ext uri="{FF2B5EF4-FFF2-40B4-BE49-F238E27FC236}">
-                <a16:creationId xmlns:a16="http://schemas.microsoft.com/office/drawing/2014/main" id="{7BB4AF22-3A7A-EDF3-5E50-763BA45798E7}"/>
-              </a:ext>
-            </a:extLst>
-          </p:cNvPr>
-          <p:cNvGrpSpPr/>
-          <p:nvPr/>
-        </p:nvGrpSpPr>
-        <p:grpSpPr>
-          <a:xfrm>
-            <a:off x="5310900" y="2895660"/>
-            <a:ext cx="312840" cy="487080"/>
-            <a:chOff x="5310900" y="2895660"/>
-            <a:chExt cx="312840" cy="487080"/>
-          </a:xfrm>
-        </p:grpSpPr>
-        <mc:AlternateContent xmlns:mc="http://schemas.openxmlformats.org/markup-compatibility/2006">
-          <mc:Choice xmlns:p14="http://schemas.microsoft.com/office/powerpoint/2010/main" Requires="p14">
-            <p:contentPart p14:bwMode="auto" r:id="rId140">
-              <p14:nvContentPartPr>
-                <p14:cNvPr id="66" name="Ink 65">
-                  <a:extLst>
-                    <a:ext uri="{FF2B5EF4-FFF2-40B4-BE49-F238E27FC236}">
-                      <a16:creationId xmlns:a16="http://schemas.microsoft.com/office/drawing/2014/main" id="{2831FE54-85A2-1EAA-7078-E9E4D03ECB9C}"/>
-                    </a:ext>
-                  </a:extLst>
-                </p14:cNvPr>
-                <p14:cNvContentPartPr/>
-                <p14:nvPr/>
-              </p14:nvContentPartPr>
-              <p14:xfrm>
-                <a:off x="5310900" y="3146940"/>
-                <a:ext cx="360" cy="360"/>
-              </p14:xfrm>
-            </p:contentPart>
-          </mc:Choice>
-          <mc:Fallback>
-            <p:pic>
-              <p:nvPicPr>
-                <p:cNvPr id="66" name="Ink 65">
-                  <a:extLst>
-                    <a:ext uri="{FF2B5EF4-FFF2-40B4-BE49-F238E27FC236}">
-                      <a16:creationId xmlns:a16="http://schemas.microsoft.com/office/drawing/2014/main" id="{2831FE54-85A2-1EAA-7078-E9E4D03ECB9C}"/>
-                    </a:ext>
-                  </a:extLst>
-                </p:cNvPr>
-                <p:cNvPicPr/>
-                <p:nvPr/>
-              </p:nvPicPr>
-              <p:blipFill>
-                <a:blip r:embed="rId9"/>
-                <a:stretch>
-                  <a:fillRect/>
-                </a:stretch>
-              </p:blipFill>
-              <p:spPr>
-                <a:xfrm>
-                  <a:off x="5304780" y="3140820"/>
-                  <a:ext cx="12600" cy="12600"/>
-                </a:xfrm>
-                <a:prstGeom prst="rect">
-                  <a:avLst/>
-                </a:prstGeom>
-              </p:spPr>
-            </p:pic>
-          </mc:Fallback>
-        </mc:AlternateContent>
-        <mc:AlternateContent xmlns:mc="http://schemas.openxmlformats.org/markup-compatibility/2006">
-          <mc:Choice xmlns:p14="http://schemas.microsoft.com/office/powerpoint/2010/main" Requires="p14">
-            <p:contentPart p14:bwMode="auto" r:id="rId141">
-              <p14:nvContentPartPr>
-                <p14:cNvPr id="67" name="Ink 66">
-                  <a:extLst>
-                    <a:ext uri="{FF2B5EF4-FFF2-40B4-BE49-F238E27FC236}">
-                      <a16:creationId xmlns:a16="http://schemas.microsoft.com/office/drawing/2014/main" id="{35FE4B4F-5CF3-187A-60E9-42621BC8E9A2}"/>
-                    </a:ext>
-                  </a:extLst>
-                </p14:cNvPr>
-                <p14:cNvContentPartPr/>
-                <p14:nvPr/>
-              </p14:nvContentPartPr>
-              <p14:xfrm>
-                <a:off x="5570100" y="3131820"/>
-                <a:ext cx="360" cy="360"/>
-              </p14:xfrm>
-            </p:contentPart>
-          </mc:Choice>
-          <mc:Fallback>
-            <p:pic>
-              <p:nvPicPr>
-                <p:cNvPr id="67" name="Ink 66">
-                  <a:extLst>
-                    <a:ext uri="{FF2B5EF4-FFF2-40B4-BE49-F238E27FC236}">
-                      <a16:creationId xmlns:a16="http://schemas.microsoft.com/office/drawing/2014/main" id="{35FE4B4F-5CF3-187A-60E9-42621BC8E9A2}"/>
-                    </a:ext>
-                  </a:extLst>
-                </p:cNvPr>
-                <p:cNvPicPr/>
-                <p:nvPr/>
-              </p:nvPicPr>
-              <p:blipFill>
-                <a:blip r:embed="rId9"/>
-                <a:stretch>
-                  <a:fillRect/>
-                </a:stretch>
-              </p:blipFill>
-              <p:spPr>
-                <a:xfrm>
-                  <a:off x="5563980" y="3125700"/>
-                  <a:ext cx="12600" cy="12600"/>
-                </a:xfrm>
-                <a:prstGeom prst="rect">
-                  <a:avLst/>
-                </a:prstGeom>
-              </p:spPr>
-            </p:pic>
-          </mc:Fallback>
-        </mc:AlternateContent>
-        <mc:AlternateContent xmlns:mc="http://schemas.openxmlformats.org/markup-compatibility/2006">
-          <mc:Choice xmlns:p14="http://schemas.microsoft.com/office/powerpoint/2010/main" Requires="p14">
-            <p:contentPart p14:bwMode="auto" r:id="rId142">
-              <p14:nvContentPartPr>
-                <p14:cNvPr id="230" name="Ink 229">
-                  <a:extLst>
-                    <a:ext uri="{FF2B5EF4-FFF2-40B4-BE49-F238E27FC236}">
-                      <a16:creationId xmlns:a16="http://schemas.microsoft.com/office/drawing/2014/main" id="{15C6C6A6-610C-F3FA-6007-21B1630A3CF1}"/>
-                    </a:ext>
-                  </a:extLst>
-                </p14:cNvPr>
-                <p14:cNvContentPartPr/>
-                <p14:nvPr/>
-              </p14:nvContentPartPr>
-              <p14:xfrm>
-                <a:off x="5355540" y="2895660"/>
-                <a:ext cx="85320" cy="453600"/>
-              </p14:xfrm>
-            </p:contentPart>
-          </mc:Choice>
-          <mc:Fallback>
-            <p:pic>
-              <p:nvPicPr>
-                <p:cNvPr id="230" name="Ink 229">
-                  <a:extLst>
-                    <a:ext uri="{FF2B5EF4-FFF2-40B4-BE49-F238E27FC236}">
-                      <a16:creationId xmlns:a16="http://schemas.microsoft.com/office/drawing/2014/main" id="{15C6C6A6-610C-F3FA-6007-21B1630A3CF1}"/>
-                    </a:ext>
-                  </a:extLst>
-                </p:cNvPr>
-                <p:cNvPicPr/>
-                <p:nvPr/>
-              </p:nvPicPr>
-              <p:blipFill>
-                <a:blip r:embed="rId143"/>
-                <a:stretch>
-                  <a:fillRect/>
-                </a:stretch>
-              </p:blipFill>
-              <p:spPr>
-                <a:xfrm>
-                  <a:off x="5349420" y="2889540"/>
-                  <a:ext cx="97560" cy="465840"/>
-                </a:xfrm>
-                <a:prstGeom prst="rect">
-                  <a:avLst/>
-                </a:prstGeom>
-              </p:spPr>
-            </p:pic>
-          </mc:Fallback>
-        </mc:AlternateContent>
-        <mc:AlternateContent xmlns:mc="http://schemas.openxmlformats.org/markup-compatibility/2006">
-          <mc:Choice xmlns:p14="http://schemas.microsoft.com/office/powerpoint/2010/main" Requires="p14">
-            <p:contentPart p14:bwMode="auto" r:id="rId144">
-              <p14:nvContentPartPr>
-                <p14:cNvPr id="231" name="Ink 230">
-                  <a:extLst>
-                    <a:ext uri="{FF2B5EF4-FFF2-40B4-BE49-F238E27FC236}">
-                      <a16:creationId xmlns:a16="http://schemas.microsoft.com/office/drawing/2014/main" id="{1E8684A7-E403-45D1-073C-C0146FBFF82D}"/>
-                    </a:ext>
-                  </a:extLst>
-                </p14:cNvPr>
-                <p14:cNvContentPartPr/>
-                <p14:nvPr/>
-              </p14:nvContentPartPr>
-              <p14:xfrm>
-                <a:off x="5577300" y="2956140"/>
-                <a:ext cx="46440" cy="426600"/>
-              </p14:xfrm>
-            </p:contentPart>
-          </mc:Choice>
-          <mc:Fallback>
-            <p:pic>
-              <p:nvPicPr>
-                <p:cNvPr id="231" name="Ink 230">
-                  <a:extLst>
-                    <a:ext uri="{FF2B5EF4-FFF2-40B4-BE49-F238E27FC236}">
-                      <a16:creationId xmlns:a16="http://schemas.microsoft.com/office/drawing/2014/main" id="{1E8684A7-E403-45D1-073C-C0146FBFF82D}"/>
-                    </a:ext>
-                  </a:extLst>
-                </p:cNvPr>
-                <p:cNvPicPr/>
-                <p:nvPr/>
-              </p:nvPicPr>
-              <p:blipFill>
-                <a:blip r:embed="rId145"/>
-                <a:stretch>
-                  <a:fillRect/>
-                </a:stretch>
-              </p:blipFill>
-              <p:spPr>
-                <a:xfrm>
-                  <a:off x="5571180" y="2950020"/>
-                  <a:ext cx="58680" cy="438840"/>
-                </a:xfrm>
-                <a:prstGeom prst="rect">
-                  <a:avLst/>
-                </a:prstGeom>
-              </p:spPr>
-            </p:pic>
-          </mc:Fallback>
-        </mc:AlternateContent>
-      </p:grpSp>
-      <mc:AlternateContent xmlns:mc="http://schemas.openxmlformats.org/markup-compatibility/2006">
-        <mc:Choice xmlns:p14="http://schemas.microsoft.com/office/powerpoint/2010/main" Requires="p14">
-          <p:contentPart p14:bwMode="auto" r:id="rId146">
-            <p14:nvContentPartPr>
-              <p14:cNvPr id="232" name="Ink 231">
-                <a:extLst>
-                  <a:ext uri="{FF2B5EF4-FFF2-40B4-BE49-F238E27FC236}">
-                    <a16:creationId xmlns:a16="http://schemas.microsoft.com/office/drawing/2014/main" id="{F71AE085-760D-64BD-EB41-599B155B2E88}"/>
-                  </a:ext>
-                </a:extLst>
-              </p14:cNvPr>
-              <p14:cNvContentPartPr/>
-              <p14:nvPr/>
-            </p14:nvContentPartPr>
-            <p14:xfrm>
-              <a:off x="5813820" y="3146940"/>
-              <a:ext cx="556560" cy="8280"/>
-            </p14:xfrm>
-          </p:contentPart>
-        </mc:Choice>
-        <mc:Fallback>
-          <p:pic>
-            <p:nvPicPr>
-              <p:cNvPr id="232" name="Ink 231">
-                <a:extLst>
-                  <a:ext uri="{FF2B5EF4-FFF2-40B4-BE49-F238E27FC236}">
-                    <a16:creationId xmlns:a16="http://schemas.microsoft.com/office/drawing/2014/main" id="{F71AE085-760D-64BD-EB41-599B155B2E88}"/>
-                  </a:ext>
-                </a:extLst>
-              </p:cNvPr>
-              <p:cNvPicPr/>
-              <p:nvPr/>
-            </p:nvPicPr>
-            <p:blipFill>
-              <a:blip r:embed="rId147"/>
-              <a:stretch>
-                <a:fillRect/>
-              </a:stretch>
-            </p:blipFill>
-            <p:spPr>
-              <a:xfrm>
-                <a:off x="5807700" y="3140820"/>
-                <a:ext cx="568800" cy="20520"/>
-              </a:xfrm>
-              <a:prstGeom prst="rect">
-                <a:avLst/>
-              </a:prstGeom>
-            </p:spPr>
-          </p:pic>
-        </mc:Fallback>
-      </mc:AlternateContent>
-      <mc:AlternateContent xmlns:mc="http://schemas.openxmlformats.org/markup-compatibility/2006">
-        <mc:Choice xmlns:p14="http://schemas.microsoft.com/office/powerpoint/2010/main" Requires="p14">
-          <p:contentPart p14:bwMode="auto" r:id="rId148">
-            <p14:nvContentPartPr>
-              <p14:cNvPr id="233" name="Ink 232">
-                <a:extLst>
-                  <a:ext uri="{FF2B5EF4-FFF2-40B4-BE49-F238E27FC236}">
-                    <a16:creationId xmlns:a16="http://schemas.microsoft.com/office/drawing/2014/main" id="{B6FD162A-85D0-3C97-7516-680A6BADAD1F}"/>
-                  </a:ext>
-                </a:extLst>
-              </p14:cNvPr>
-              <p14:cNvContentPartPr/>
-              <p14:nvPr/>
-            </p14:nvContentPartPr>
-            <p14:xfrm>
-              <a:off x="4724100" y="4506660"/>
-              <a:ext cx="430920" cy="51120"/>
-            </p14:xfrm>
-          </p:contentPart>
-        </mc:Choice>
-        <mc:Fallback>
-          <p:pic>
-            <p:nvPicPr>
-              <p:cNvPr id="233" name="Ink 232">
-                <a:extLst>
-                  <a:ext uri="{FF2B5EF4-FFF2-40B4-BE49-F238E27FC236}">
-                    <a16:creationId xmlns:a16="http://schemas.microsoft.com/office/drawing/2014/main" id="{B6FD162A-85D0-3C97-7516-680A6BADAD1F}"/>
-                  </a:ext>
-                </a:extLst>
-              </p:cNvPr>
-              <p:cNvPicPr/>
-              <p:nvPr/>
-            </p:nvPicPr>
-            <p:blipFill>
-              <a:blip r:embed="rId149"/>
-              <a:stretch>
-                <a:fillRect/>
-              </a:stretch>
-            </p:blipFill>
-            <p:spPr>
-              <a:xfrm>
-                <a:off x="4717980" y="4500540"/>
-                <a:ext cx="443160" cy="63360"/>
-              </a:xfrm>
-              <a:prstGeom prst="rect">
-                <a:avLst/>
-              </a:prstGeom>
-            </p:spPr>
-          </p:pic>
-        </mc:Fallback>
-      </mc:AlternateContent>
-      <p:grpSp>
-        <p:nvGrpSpPr>
-          <p:cNvPr id="237" name="Group 236">
-            <a:extLst>
-              <a:ext uri="{FF2B5EF4-FFF2-40B4-BE49-F238E27FC236}">
-                <a16:creationId xmlns:a16="http://schemas.microsoft.com/office/drawing/2014/main" id="{B7EA9FCD-8C88-AAB1-A2AE-A2EE44DD9224}"/>
-              </a:ext>
-            </a:extLst>
-          </p:cNvPr>
-          <p:cNvGrpSpPr/>
-          <p:nvPr/>
-        </p:nvGrpSpPr>
-        <p:grpSpPr>
-          <a:xfrm>
-            <a:off x="5310540" y="4320180"/>
-            <a:ext cx="244800" cy="464400"/>
-            <a:chOff x="5310540" y="4320180"/>
-            <a:chExt cx="244800" cy="464400"/>
-          </a:xfrm>
-        </p:grpSpPr>
-        <mc:AlternateContent xmlns:mc="http://schemas.openxmlformats.org/markup-compatibility/2006">
-          <mc:Choice xmlns:p14="http://schemas.microsoft.com/office/powerpoint/2010/main" Requires="p14">
-            <p:contentPart p14:bwMode="auto" r:id="rId150">
-              <p14:nvContentPartPr>
-                <p14:cNvPr id="220" name="Ink 219">
-                  <a:extLst>
-                    <a:ext uri="{FF2B5EF4-FFF2-40B4-BE49-F238E27FC236}">
-                      <a16:creationId xmlns:a16="http://schemas.microsoft.com/office/drawing/2014/main" id="{DDBA73AD-5E21-873A-8C3D-DAB2DA745A1E}"/>
-                    </a:ext>
-                  </a:extLst>
-                </p14:cNvPr>
-                <p14:cNvContentPartPr/>
-                <p14:nvPr/>
-              </p14:nvContentPartPr>
-              <p14:xfrm>
-                <a:off x="5326380" y="4526100"/>
-                <a:ext cx="360" cy="360"/>
-              </p14:xfrm>
-            </p:contentPart>
-          </mc:Choice>
-          <mc:Fallback>
-            <p:pic>
-              <p:nvPicPr>
-                <p:cNvPr id="220" name="Ink 219">
-                  <a:extLst>
-                    <a:ext uri="{FF2B5EF4-FFF2-40B4-BE49-F238E27FC236}">
-                      <a16:creationId xmlns:a16="http://schemas.microsoft.com/office/drawing/2014/main" id="{DDBA73AD-5E21-873A-8C3D-DAB2DA745A1E}"/>
-                    </a:ext>
-                  </a:extLst>
-                </p:cNvPr>
-                <p:cNvPicPr/>
-                <p:nvPr/>
-              </p:nvPicPr>
-              <p:blipFill>
-                <a:blip r:embed="rId9"/>
-                <a:stretch>
-                  <a:fillRect/>
-                </a:stretch>
-              </p:blipFill>
-              <p:spPr>
-                <a:xfrm>
-                  <a:off x="5320260" y="4519980"/>
-                  <a:ext cx="12600" cy="12600"/>
-                </a:xfrm>
-                <a:prstGeom prst="rect">
-                  <a:avLst/>
-                </a:prstGeom>
-              </p:spPr>
-            </p:pic>
-          </mc:Fallback>
-        </mc:AlternateContent>
-        <mc:AlternateContent xmlns:mc="http://schemas.openxmlformats.org/markup-compatibility/2006">
-          <mc:Choice xmlns:p14="http://schemas.microsoft.com/office/powerpoint/2010/main" Requires="p14">
-            <p:contentPart p14:bwMode="auto" r:id="rId151">
-              <p14:nvContentPartPr>
-                <p14:cNvPr id="221" name="Ink 220">
-                  <a:extLst>
-                    <a:ext uri="{FF2B5EF4-FFF2-40B4-BE49-F238E27FC236}">
-                      <a16:creationId xmlns:a16="http://schemas.microsoft.com/office/drawing/2014/main" id="{9E71E6E4-43E7-5E3C-649D-FC5497F29FBA}"/>
-                    </a:ext>
-                  </a:extLst>
-                </p14:cNvPr>
-                <p14:cNvContentPartPr/>
-                <p14:nvPr/>
-              </p14:nvContentPartPr>
-              <p14:xfrm>
-                <a:off x="5547060" y="4510980"/>
-                <a:ext cx="360" cy="360"/>
-              </p14:xfrm>
-            </p:contentPart>
-          </mc:Choice>
-          <mc:Fallback>
-            <p:pic>
-              <p:nvPicPr>
-                <p:cNvPr id="221" name="Ink 220">
-                  <a:extLst>
-                    <a:ext uri="{FF2B5EF4-FFF2-40B4-BE49-F238E27FC236}">
-                      <a16:creationId xmlns:a16="http://schemas.microsoft.com/office/drawing/2014/main" id="{9E71E6E4-43E7-5E3C-649D-FC5497F29FBA}"/>
-                    </a:ext>
-                  </a:extLst>
-                </p:cNvPr>
-                <p:cNvPicPr/>
-                <p:nvPr/>
-              </p:nvPicPr>
-              <p:blipFill>
-                <a:blip r:embed="rId9"/>
-                <a:stretch>
-                  <a:fillRect/>
-                </a:stretch>
-              </p:blipFill>
-              <p:spPr>
-                <a:xfrm>
-                  <a:off x="5540940" y="4504860"/>
-                  <a:ext cx="12600" cy="12600"/>
-                </a:xfrm>
-                <a:prstGeom prst="rect">
-                  <a:avLst/>
-                </a:prstGeom>
-              </p:spPr>
-            </p:pic>
-          </mc:Fallback>
-        </mc:AlternateContent>
-        <mc:AlternateContent xmlns:mc="http://schemas.openxmlformats.org/markup-compatibility/2006">
-          <mc:Choice xmlns:p14="http://schemas.microsoft.com/office/powerpoint/2010/main" Requires="p14">
-            <p:contentPart p14:bwMode="auto" r:id="rId152">
-              <p14:nvContentPartPr>
-                <p14:cNvPr id="234" name="Ink 233">
-                  <a:extLst>
-                    <a:ext uri="{FF2B5EF4-FFF2-40B4-BE49-F238E27FC236}">
-                      <a16:creationId xmlns:a16="http://schemas.microsoft.com/office/drawing/2014/main" id="{EBB7D78C-8912-A16F-BB30-87284577C16B}"/>
-                    </a:ext>
-                  </a:extLst>
-                </p14:cNvPr>
-                <p14:cNvContentPartPr/>
-                <p14:nvPr/>
-              </p14:nvContentPartPr>
-              <p14:xfrm>
-                <a:off x="5310540" y="4320180"/>
-                <a:ext cx="69480" cy="388440"/>
-              </p14:xfrm>
-            </p:contentPart>
-          </mc:Choice>
-          <mc:Fallback>
-            <p:pic>
-              <p:nvPicPr>
-                <p:cNvPr id="234" name="Ink 233">
-                  <a:extLst>
-                    <a:ext uri="{FF2B5EF4-FFF2-40B4-BE49-F238E27FC236}">
-                      <a16:creationId xmlns:a16="http://schemas.microsoft.com/office/drawing/2014/main" id="{EBB7D78C-8912-A16F-BB30-87284577C16B}"/>
-                    </a:ext>
-                  </a:extLst>
-                </p:cNvPr>
-                <p:cNvPicPr/>
-                <p:nvPr/>
-              </p:nvPicPr>
-              <p:blipFill>
-                <a:blip r:embed="rId153"/>
-                <a:stretch>
-                  <a:fillRect/>
-                </a:stretch>
-              </p:blipFill>
-              <p:spPr>
-                <a:xfrm>
-                  <a:off x="5304420" y="4314060"/>
-                  <a:ext cx="81720" cy="400680"/>
-                </a:xfrm>
-                <a:prstGeom prst="rect">
-                  <a:avLst/>
-                </a:prstGeom>
-              </p:spPr>
-            </p:pic>
-          </mc:Fallback>
-        </mc:AlternateContent>
-        <mc:AlternateContent xmlns:mc="http://schemas.openxmlformats.org/markup-compatibility/2006">
-          <mc:Choice xmlns:p14="http://schemas.microsoft.com/office/powerpoint/2010/main" Requires="p14">
-            <p:contentPart p14:bwMode="auto" r:id="rId154">
-              <p14:nvContentPartPr>
-                <p14:cNvPr id="235" name="Ink 234">
-                  <a:extLst>
-                    <a:ext uri="{FF2B5EF4-FFF2-40B4-BE49-F238E27FC236}">
-                      <a16:creationId xmlns:a16="http://schemas.microsoft.com/office/drawing/2014/main" id="{5438E0BC-90BC-76C6-2B74-E3C2F97D4377}"/>
-                    </a:ext>
-                  </a:extLst>
-                </p14:cNvPr>
-                <p14:cNvContentPartPr/>
-                <p14:nvPr/>
-              </p14:nvContentPartPr>
-              <p14:xfrm>
-                <a:off x="5469300" y="4320180"/>
-                <a:ext cx="86040" cy="464400"/>
-              </p14:xfrm>
-            </p:contentPart>
-          </mc:Choice>
-          <mc:Fallback>
-            <p:pic>
-              <p:nvPicPr>
-                <p:cNvPr id="235" name="Ink 234">
-                  <a:extLst>
-                    <a:ext uri="{FF2B5EF4-FFF2-40B4-BE49-F238E27FC236}">
-                      <a16:creationId xmlns:a16="http://schemas.microsoft.com/office/drawing/2014/main" id="{5438E0BC-90BC-76C6-2B74-E3C2F97D4377}"/>
-                    </a:ext>
-                  </a:extLst>
-                </p:cNvPr>
-                <p:cNvPicPr/>
-                <p:nvPr/>
-              </p:nvPicPr>
-              <p:blipFill>
-                <a:blip r:embed="rId155"/>
-                <a:stretch>
-                  <a:fillRect/>
-                </a:stretch>
-              </p:blipFill>
-              <p:spPr>
-                <a:xfrm>
-                  <a:off x="5463180" y="4314060"/>
-                  <a:ext cx="98280" cy="476640"/>
-                </a:xfrm>
-                <a:prstGeom prst="rect">
-                  <a:avLst/>
-                </a:prstGeom>
-              </p:spPr>
-            </p:pic>
-          </mc:Fallback>
-        </mc:AlternateContent>
-      </p:grpSp>
-      <mc:AlternateContent xmlns:mc="http://schemas.openxmlformats.org/markup-compatibility/2006">
-        <mc:Choice xmlns:p14="http://schemas.microsoft.com/office/powerpoint/2010/main" Requires="p14">
-          <p:contentPart p14:bwMode="auto" r:id="rId156">
-            <p14:nvContentPartPr>
-              <p14:cNvPr id="236" name="Ink 235">
-                <a:extLst>
-                  <a:ext uri="{FF2B5EF4-FFF2-40B4-BE49-F238E27FC236}">
-                    <a16:creationId xmlns:a16="http://schemas.microsoft.com/office/drawing/2014/main" id="{92A0BC55-9400-3EA8-EB6B-15AA7CE1DF78}"/>
-                  </a:ext>
-                </a:extLst>
-              </p14:cNvPr>
-              <p14:cNvContentPartPr/>
-              <p14:nvPr/>
-            </p14:nvContentPartPr>
-            <p14:xfrm>
-              <a:off x="5706900" y="4481100"/>
-              <a:ext cx="654120" cy="30960"/>
-            </p14:xfrm>
-          </p:contentPart>
-        </mc:Choice>
-        <mc:Fallback>
-          <p:pic>
-            <p:nvPicPr>
-              <p:cNvPr id="236" name="Ink 235">
-                <a:extLst>
-                  <a:ext uri="{FF2B5EF4-FFF2-40B4-BE49-F238E27FC236}">
-                    <a16:creationId xmlns:a16="http://schemas.microsoft.com/office/drawing/2014/main" id="{92A0BC55-9400-3EA8-EB6B-15AA7CE1DF78}"/>
-                  </a:ext>
-                </a:extLst>
-              </p:cNvPr>
-              <p:cNvPicPr/>
-              <p:nvPr/>
-            </p:nvPicPr>
-            <p:blipFill>
-              <a:blip r:embed="rId157"/>
-              <a:stretch>
-                <a:fillRect/>
-              </a:stretch>
-            </p:blipFill>
-            <p:spPr>
-              <a:xfrm>
-                <a:off x="5700780" y="4474980"/>
-                <a:ext cx="666360" cy="43200"/>
-              </a:xfrm>
-              <a:prstGeom prst="rect">
-                <a:avLst/>
-              </a:prstGeom>
-            </p:spPr>
-          </p:pic>
-        </mc:Fallback>
-      </mc:AlternateContent>
-      <mc:AlternateContent xmlns:mc="http://schemas.openxmlformats.org/markup-compatibility/2006">
-        <mc:Choice xmlns:p14="http://schemas.microsoft.com/office/powerpoint/2010/main" Requires="p14">
-          <p:contentPart p14:bwMode="auto" r:id="rId158">
+      <mc:AlternateContent xmlns:mc="http://schemas.openxmlformats.org/markup-compatibility/2006" xmlns:p14="http://schemas.microsoft.com/office/powerpoint/2010/main">
+        <mc:Choice Requires="p14">
+          <p:contentPart p14:bwMode="auto" r:id="rId115">
             <p14:nvContentPartPr>
               <p14:cNvPr id="241" name="Ink 240">
                 <a:extLst>
@@ -11672,12 +8641,12 @@
               <p14:nvPr/>
             </p14:nvContentPartPr>
             <p14:xfrm>
-              <a:off x="3224340" y="1081980"/>
+              <a:off x="3742500" y="1772860"/>
               <a:ext cx="74520" cy="235440"/>
             </p14:xfrm>
           </p:contentPart>
         </mc:Choice>
-        <mc:Fallback>
+        <mc:Fallback xmlns="">
           <p:pic>
             <p:nvPicPr>
               <p:cNvPr id="241" name="Ink 240">
@@ -11691,14 +8660,14 @@
               <p:nvPr/>
             </p:nvPicPr>
             <p:blipFill>
-              <a:blip r:embed="rId159"/>
+              <a:blip r:embed="rId116"/>
               <a:stretch>
                 <a:fillRect/>
               </a:stretch>
             </p:blipFill>
             <p:spPr>
               <a:xfrm>
-                <a:off x="3218220" y="1075860"/>
+                <a:off x="3736380" y="1766740"/>
                 <a:ext cx="86760" cy="247680"/>
               </a:xfrm>
               <a:prstGeom prst="rect">
@@ -11708,9 +8677,9 @@
           </p:pic>
         </mc:Fallback>
       </mc:AlternateContent>
-      <mc:AlternateContent xmlns:mc="http://schemas.openxmlformats.org/markup-compatibility/2006">
-        <mc:Choice xmlns:p14="http://schemas.microsoft.com/office/powerpoint/2010/main" Requires="p14">
-          <p:contentPart p14:bwMode="auto" r:id="rId160">
+      <mc:AlternateContent xmlns:mc="http://schemas.openxmlformats.org/markup-compatibility/2006" xmlns:p14="http://schemas.microsoft.com/office/powerpoint/2010/main">
+        <mc:Choice Requires="p14">
+          <p:contentPart p14:bwMode="auto" r:id="rId117">
             <p14:nvContentPartPr>
               <p14:cNvPr id="242" name="Ink 241">
                 <a:extLst>
@@ -11723,12 +8692,12 @@
               <p14:nvPr/>
             </p14:nvContentPartPr>
             <p14:xfrm>
-              <a:off x="4034016" y="1088160"/>
+              <a:off x="4552176" y="1779040"/>
               <a:ext cx="74520" cy="235440"/>
             </p14:xfrm>
           </p:contentPart>
         </mc:Choice>
-        <mc:Fallback>
+        <mc:Fallback xmlns="">
           <p:pic>
             <p:nvPicPr>
               <p:cNvPr id="242" name="Ink 241">
@@ -11742,14 +8711,14 @@
               <p:nvPr/>
             </p:nvPicPr>
             <p:blipFill>
-              <a:blip r:embed="rId159"/>
+              <a:blip r:embed="rId116"/>
               <a:stretch>
                 <a:fillRect/>
               </a:stretch>
             </p:blipFill>
             <p:spPr>
               <a:xfrm>
-                <a:off x="4027896" y="1082040"/>
+                <a:off x="4546056" y="1772920"/>
                 <a:ext cx="86760" cy="247680"/>
               </a:xfrm>
               <a:prstGeom prst="rect">
@@ -11759,9 +8728,9 @@
           </p:pic>
         </mc:Fallback>
       </mc:AlternateContent>
-      <mc:AlternateContent xmlns:mc="http://schemas.openxmlformats.org/markup-compatibility/2006">
-        <mc:Choice xmlns:p14="http://schemas.microsoft.com/office/powerpoint/2010/main" Requires="p14">
-          <p:contentPart p14:bwMode="auto" r:id="rId161">
+      <mc:AlternateContent xmlns:mc="http://schemas.openxmlformats.org/markup-compatibility/2006" xmlns:p14="http://schemas.microsoft.com/office/powerpoint/2010/main">
+        <mc:Choice Requires="p14">
+          <p:contentPart p14:bwMode="auto" r:id="rId118">
             <p14:nvContentPartPr>
               <p14:cNvPr id="243" name="Ink 242">
                 <a:extLst>
@@ -11774,12 +8743,12 @@
               <p14:nvPr/>
             </p14:nvContentPartPr>
             <p14:xfrm>
-              <a:off x="4865040" y="1088160"/>
+              <a:off x="5383200" y="1779040"/>
               <a:ext cx="74520" cy="235440"/>
             </p14:xfrm>
           </p:contentPart>
         </mc:Choice>
-        <mc:Fallback>
+        <mc:Fallback xmlns="">
           <p:pic>
             <p:nvPicPr>
               <p:cNvPr id="243" name="Ink 242">
@@ -11793,14 +8762,14 @@
               <p:nvPr/>
             </p:nvPicPr>
             <p:blipFill>
-              <a:blip r:embed="rId159"/>
+              <a:blip r:embed="rId116"/>
               <a:stretch>
                 <a:fillRect/>
               </a:stretch>
             </p:blipFill>
             <p:spPr>
               <a:xfrm>
-                <a:off x="4858920" y="1082040"/>
+                <a:off x="5377080" y="1772920"/>
                 <a:ext cx="86760" cy="247680"/>
               </a:xfrm>
               <a:prstGeom prst="rect">
@@ -11810,9 +8779,9 @@
           </p:pic>
         </mc:Fallback>
       </mc:AlternateContent>
-      <mc:AlternateContent xmlns:mc="http://schemas.openxmlformats.org/markup-compatibility/2006">
-        <mc:Choice xmlns:p14="http://schemas.microsoft.com/office/powerpoint/2010/main" Requires="p14">
-          <p:contentPart p14:bwMode="auto" r:id="rId162">
+      <mc:AlternateContent xmlns:mc="http://schemas.openxmlformats.org/markup-compatibility/2006" xmlns:p14="http://schemas.microsoft.com/office/powerpoint/2010/main">
+        <mc:Choice Requires="p14">
+          <p:contentPart p14:bwMode="auto" r:id="rId119">
             <p14:nvContentPartPr>
               <p14:cNvPr id="244" name="Ink 243">
                 <a:extLst>
@@ -11825,12 +8794,12 @@
               <p14:nvPr/>
             </p14:nvContentPartPr>
             <p14:xfrm>
-              <a:off x="5651910" y="1079460"/>
+              <a:off x="6170070" y="1770340"/>
               <a:ext cx="74520" cy="235440"/>
             </p14:xfrm>
           </p:contentPart>
         </mc:Choice>
-        <mc:Fallback>
+        <mc:Fallback xmlns="">
           <p:pic>
             <p:nvPicPr>
               <p:cNvPr id="244" name="Ink 243">
@@ -11844,14 +8813,14 @@
               <p:nvPr/>
             </p:nvPicPr>
             <p:blipFill>
-              <a:blip r:embed="rId159"/>
+              <a:blip r:embed="rId116"/>
               <a:stretch>
                 <a:fillRect/>
               </a:stretch>
             </p:blipFill>
             <p:spPr>
               <a:xfrm>
-                <a:off x="5645790" y="1073340"/>
+                <a:off x="6163950" y="1764220"/>
                 <a:ext cx="86760" cy="247680"/>
               </a:xfrm>
               <a:prstGeom prst="rect">
@@ -11861,9 +8830,9 @@
           </p:pic>
         </mc:Fallback>
       </mc:AlternateContent>
-      <mc:AlternateContent xmlns:mc="http://schemas.openxmlformats.org/markup-compatibility/2006">
-        <mc:Choice xmlns:p14="http://schemas.microsoft.com/office/powerpoint/2010/main" Requires="p14">
-          <p:contentPart p14:bwMode="auto" r:id="rId163">
+      <mc:AlternateContent xmlns:mc="http://schemas.openxmlformats.org/markup-compatibility/2006" xmlns:p14="http://schemas.microsoft.com/office/powerpoint/2010/main">
+        <mc:Choice Requires="p14">
+          <p:contentPart p14:bwMode="auto" r:id="rId120">
             <p14:nvContentPartPr>
               <p14:cNvPr id="245" name="Ink 244">
                 <a:extLst>
@@ -11876,12 +8845,12 @@
               <p14:nvPr/>
             </p14:nvContentPartPr>
             <p14:xfrm>
-              <a:off x="6488011" y="1060416"/>
+              <a:off x="7006171" y="1751296"/>
               <a:ext cx="74520" cy="235440"/>
             </p14:xfrm>
           </p:contentPart>
         </mc:Choice>
-        <mc:Fallback>
+        <mc:Fallback xmlns="">
           <p:pic>
             <p:nvPicPr>
               <p:cNvPr id="245" name="Ink 244">
@@ -11895,14 +8864,14 @@
               <p:nvPr/>
             </p:nvPicPr>
             <p:blipFill>
-              <a:blip r:embed="rId159"/>
+              <a:blip r:embed="rId116"/>
               <a:stretch>
                 <a:fillRect/>
               </a:stretch>
             </p:blipFill>
             <p:spPr>
               <a:xfrm>
-                <a:off x="6481891" y="1054296"/>
+                <a:off x="7000051" y="1745176"/>
                 <a:ext cx="86760" cy="247680"/>
               </a:xfrm>
               <a:prstGeom prst="rect">
@@ -11912,9 +8881,9 @@
           </p:pic>
         </mc:Fallback>
       </mc:AlternateContent>
-      <mc:AlternateContent xmlns:mc="http://schemas.openxmlformats.org/markup-compatibility/2006">
-        <mc:Choice xmlns:p14="http://schemas.microsoft.com/office/powerpoint/2010/main" Requires="p14">
-          <p:contentPart p14:bwMode="auto" r:id="rId164">
+      <mc:AlternateContent xmlns:mc="http://schemas.openxmlformats.org/markup-compatibility/2006" xmlns:p14="http://schemas.microsoft.com/office/powerpoint/2010/main">
+        <mc:Choice Requires="p14">
+          <p:contentPart p14:bwMode="auto" r:id="rId121">
             <p14:nvContentPartPr>
               <p14:cNvPr id="246" name="Ink 245">
                 <a:extLst>
@@ -11927,12 +8896,12 @@
               <p14:nvPr/>
             </p14:nvContentPartPr>
             <p14:xfrm>
-              <a:off x="7292610" y="1089333"/>
+              <a:off x="7810770" y="1780213"/>
               <a:ext cx="74520" cy="235440"/>
             </p14:xfrm>
           </p:contentPart>
         </mc:Choice>
-        <mc:Fallback>
+        <mc:Fallback xmlns="">
           <p:pic>
             <p:nvPicPr>
               <p:cNvPr id="246" name="Ink 245">
@@ -11946,14 +8915,14 @@
               <p:nvPr/>
             </p:nvPicPr>
             <p:blipFill>
-              <a:blip r:embed="rId159"/>
+              <a:blip r:embed="rId116"/>
               <a:stretch>
                 <a:fillRect/>
               </a:stretch>
             </p:blipFill>
             <p:spPr>
               <a:xfrm>
-                <a:off x="7286490" y="1083213"/>
+                <a:off x="7804650" y="1774093"/>
                 <a:ext cx="86760" cy="247680"/>
               </a:xfrm>
               <a:prstGeom prst="rect">
@@ -11963,9 +8932,9 @@
           </p:pic>
         </mc:Fallback>
       </mc:AlternateContent>
-      <mc:AlternateContent xmlns:mc="http://schemas.openxmlformats.org/markup-compatibility/2006">
-        <mc:Choice xmlns:p14="http://schemas.microsoft.com/office/powerpoint/2010/main" Requires="p14">
-          <p:contentPart p14:bwMode="auto" r:id="rId165">
+      <mc:AlternateContent xmlns:mc="http://schemas.openxmlformats.org/markup-compatibility/2006" xmlns:p14="http://schemas.microsoft.com/office/powerpoint/2010/main">
+        <mc:Choice Requires="p14">
+          <p:contentPart p14:bwMode="auto" r:id="rId122">
             <p14:nvContentPartPr>
               <p14:cNvPr id="247" name="Ink 246">
                 <a:extLst>
@@ -11978,12 +8947,12 @@
               <p14:nvPr/>
             </p14:nvContentPartPr>
             <p14:xfrm>
-              <a:off x="8017530" y="1096881"/>
+              <a:off x="8535690" y="1787761"/>
               <a:ext cx="74520" cy="235440"/>
             </p14:xfrm>
           </p:contentPart>
         </mc:Choice>
-        <mc:Fallback>
+        <mc:Fallback xmlns="">
           <p:pic>
             <p:nvPicPr>
               <p:cNvPr id="247" name="Ink 246">
@@ -11997,14 +8966,14 @@
               <p:nvPr/>
             </p:nvPicPr>
             <p:blipFill>
-              <a:blip r:embed="rId159"/>
+              <a:blip r:embed="rId116"/>
               <a:stretch>
                 <a:fillRect/>
               </a:stretch>
             </p:blipFill>
             <p:spPr>
               <a:xfrm>
-                <a:off x="8011410" y="1090761"/>
+                <a:off x="8529570" y="1781641"/>
                 <a:ext cx="86760" cy="247680"/>
               </a:xfrm>
               <a:prstGeom prst="rect">
@@ -12014,9 +8983,9 @@
           </p:pic>
         </mc:Fallback>
       </mc:AlternateContent>
-      <mc:AlternateContent xmlns:mc="http://schemas.openxmlformats.org/markup-compatibility/2006">
-        <mc:Choice xmlns:p14="http://schemas.microsoft.com/office/powerpoint/2010/main" Requires="p14">
-          <p:contentPart p14:bwMode="auto" r:id="rId166">
+      <mc:AlternateContent xmlns:mc="http://schemas.openxmlformats.org/markup-compatibility/2006" xmlns:p14="http://schemas.microsoft.com/office/powerpoint/2010/main">
+        <mc:Choice Requires="p14">
+          <p:contentPart p14:bwMode="auto" r:id="rId123">
             <p14:nvContentPartPr>
               <p14:cNvPr id="248" name="Ink 247">
                 <a:extLst>
@@ -12029,12 +8998,12 @@
               <p14:nvPr/>
             </p14:nvContentPartPr>
             <p14:xfrm>
-              <a:off x="8909319" y="1097251"/>
+              <a:off x="9427479" y="1788131"/>
               <a:ext cx="74520" cy="235440"/>
             </p14:xfrm>
           </p:contentPart>
         </mc:Choice>
-        <mc:Fallback>
+        <mc:Fallback xmlns="">
           <p:pic>
             <p:nvPicPr>
               <p:cNvPr id="248" name="Ink 247">
@@ -12048,14 +9017,14 @@
               <p:nvPr/>
             </p:nvPicPr>
             <p:blipFill>
-              <a:blip r:embed="rId159"/>
+              <a:blip r:embed="rId116"/>
               <a:stretch>
                 <a:fillRect/>
               </a:stretch>
             </p:blipFill>
             <p:spPr>
               <a:xfrm>
-                <a:off x="8903199" y="1091131"/>
+                <a:off x="9421359" y="1782011"/>
                 <a:ext cx="86760" cy="247680"/>
               </a:xfrm>
               <a:prstGeom prst="rect">
@@ -12065,9 +9034,9 @@
           </p:pic>
         </mc:Fallback>
       </mc:AlternateContent>
-      <mc:AlternateContent xmlns:mc="http://schemas.openxmlformats.org/markup-compatibility/2006">
-        <mc:Choice xmlns:p14="http://schemas.microsoft.com/office/powerpoint/2010/main" Requires="p14">
-          <p:contentPart p14:bwMode="auto" r:id="rId167">
+      <mc:AlternateContent xmlns:mc="http://schemas.openxmlformats.org/markup-compatibility/2006" xmlns:p14="http://schemas.microsoft.com/office/powerpoint/2010/main">
+        <mc:Choice Requires="p14">
+          <p:contentPart p14:bwMode="auto" r:id="rId124">
             <p14:nvContentPartPr>
               <p14:cNvPr id="250" name="Ink 249">
                 <a:extLst>
@@ -12080,12 +9049,12 @@
               <p14:nvPr/>
             </p14:nvContentPartPr>
             <p14:xfrm>
-              <a:off x="2034540" y="549180"/>
+              <a:off x="2552700" y="1240060"/>
               <a:ext cx="744120" cy="184680"/>
             </p14:xfrm>
           </p:contentPart>
         </mc:Choice>
-        <mc:Fallback>
+        <mc:Fallback xmlns="">
           <p:pic>
             <p:nvPicPr>
               <p:cNvPr id="250" name="Ink 249">
@@ -12099,14 +9068,14 @@
               <p:nvPr/>
             </p:nvPicPr>
             <p:blipFill>
-              <a:blip r:embed="rId168"/>
+              <a:blip r:embed="rId125"/>
               <a:stretch>
                 <a:fillRect/>
               </a:stretch>
             </p:blipFill>
             <p:spPr>
               <a:xfrm>
-                <a:off x="2028420" y="543060"/>
+                <a:off x="2546580" y="1233940"/>
                 <a:ext cx="756360" cy="196920"/>
               </a:xfrm>
               <a:prstGeom prst="rect">
@@ -12130,7 +9099,7 @@
         </p:nvSpPr>
         <p:spPr>
           <a:xfrm>
-            <a:off x="1931670" y="307204"/>
+            <a:off x="2449830" y="998084"/>
             <a:ext cx="1193580" cy="261610"/>
           </a:xfrm>
           <a:prstGeom prst="rect">
@@ -12166,7 +9135,7 @@
         </p:nvCxnSpPr>
         <p:spPr>
           <a:xfrm>
-            <a:off x="2842080" y="1120140"/>
+            <a:off x="3360240" y="1811020"/>
             <a:ext cx="0" cy="3726180"/>
           </a:xfrm>
           <a:prstGeom prst="line">
@@ -12202,7 +9171,7 @@
         </p:nvCxnSpPr>
         <p:spPr>
           <a:xfrm>
-            <a:off x="3657420" y="1120140"/>
+            <a:off x="4175580" y="1811020"/>
             <a:ext cx="0" cy="3726180"/>
           </a:xfrm>
           <a:prstGeom prst="line">
@@ -12238,7 +9207,7 @@
         </p:nvCxnSpPr>
         <p:spPr>
           <a:xfrm>
-            <a:off x="4480380" y="1120140"/>
+            <a:off x="4998540" y="1811020"/>
             <a:ext cx="0" cy="3726180"/>
           </a:xfrm>
           <a:prstGeom prst="line">
@@ -12274,7 +9243,7 @@
         </p:nvCxnSpPr>
         <p:spPr>
           <a:xfrm>
-            <a:off x="5295720" y="1120140"/>
+            <a:off x="5813880" y="1811020"/>
             <a:ext cx="0" cy="3726180"/>
           </a:xfrm>
           <a:prstGeom prst="line">
@@ -12310,7 +9279,7 @@
         </p:nvCxnSpPr>
         <p:spPr>
           <a:xfrm>
-            <a:off x="6096000" y="1120140"/>
+            <a:off x="6614160" y="1811020"/>
             <a:ext cx="0" cy="3726180"/>
           </a:xfrm>
           <a:prstGeom prst="line">
@@ -12346,7 +9315,7 @@
         </p:nvCxnSpPr>
         <p:spPr>
           <a:xfrm>
-            <a:off x="6911160" y="1120140"/>
+            <a:off x="7429320" y="1811020"/>
             <a:ext cx="0" cy="3726180"/>
           </a:xfrm>
           <a:prstGeom prst="line">
@@ -12382,43 +9351,7 @@
         </p:nvCxnSpPr>
         <p:spPr>
           <a:xfrm>
-            <a:off x="7726500" y="1171680"/>
-            <a:ext cx="0" cy="3726180"/>
-          </a:xfrm>
-          <a:prstGeom prst="line">
-            <a:avLst/>
-          </a:prstGeom>
-        </p:spPr>
-        <p:style>
-          <a:lnRef idx="2">
-            <a:schemeClr val="accent1"/>
-          </a:lnRef>
-          <a:fillRef idx="0">
-            <a:schemeClr val="accent1"/>
-          </a:fillRef>
-          <a:effectRef idx="1">
-            <a:schemeClr val="accent1"/>
-          </a:effectRef>
-          <a:fontRef idx="minor">
-            <a:schemeClr val="tx1"/>
-          </a:fontRef>
-        </p:style>
-      </p:cxnSp>
-      <p:cxnSp>
-        <p:nvCxnSpPr>
-          <p:cNvPr id="273" name="Straight Connector 272">
-            <a:extLst>
-              <a:ext uri="{FF2B5EF4-FFF2-40B4-BE49-F238E27FC236}">
-                <a16:creationId xmlns:a16="http://schemas.microsoft.com/office/drawing/2014/main" id="{85A08512-C1D4-4D19-C3A9-81A86827EF3C}"/>
-              </a:ext>
-            </a:extLst>
-          </p:cNvPr>
-          <p:cNvCxnSpPr/>
-          <p:nvPr/>
-        </p:nvCxnSpPr>
-        <p:spPr>
-          <a:xfrm>
-            <a:off x="8534220" y="1203960"/>
+            <a:off x="8244660" y="1862560"/>
             <a:ext cx="0" cy="3726180"/>
           </a:xfrm>
           <a:prstGeom prst="line">
@@ -12454,7 +9387,83 @@
         </p:nvCxnSpPr>
         <p:spPr>
           <a:xfrm>
-            <a:off x="9232440" y="1171680"/>
+            <a:off x="9750600" y="1862560"/>
+            <a:ext cx="0" cy="3726180"/>
+          </a:xfrm>
+          <a:prstGeom prst="line">
+            <a:avLst/>
+          </a:prstGeom>
+        </p:spPr>
+        <p:style>
+          <a:lnRef idx="2">
+            <a:schemeClr val="accent1"/>
+          </a:lnRef>
+          <a:fillRef idx="0">
+            <a:schemeClr val="accent1"/>
+          </a:fillRef>
+          <a:effectRef idx="1">
+            <a:schemeClr val="accent1"/>
+          </a:effectRef>
+          <a:fontRef idx="minor">
+            <a:schemeClr val="tx1"/>
+          </a:fontRef>
+        </p:style>
+      </p:cxnSp>
+      <p:sp>
+        <p:nvSpPr>
+          <p:cNvPr id="2" name="TextovéPole 1">
+            <a:extLst>
+              <a:ext uri="{FF2B5EF4-FFF2-40B4-BE49-F238E27FC236}">
+                <a16:creationId xmlns:a16="http://schemas.microsoft.com/office/drawing/2014/main" id="{583425F5-3866-01FE-0865-AC69B3F6DD5C}"/>
+              </a:ext>
+            </a:extLst>
+          </p:cNvPr>
+          <p:cNvSpPr txBox="1"/>
+          <p:nvPr/>
+        </p:nvSpPr>
+        <p:spPr>
+          <a:xfrm>
+            <a:off x="152400" y="304800"/>
+            <a:ext cx="11897360" cy="400110"/>
+          </a:xfrm>
+          <a:prstGeom prst="rect">
+            <a:avLst/>
+          </a:prstGeom>
+          <a:noFill/>
+        </p:spPr>
+        <p:txBody>
+          <a:bodyPr rot="0" spcFirstLastPara="0" vertOverflow="overflow" horzOverflow="overflow" vert="horz" wrap="square" lIns="91440" tIns="45720" rIns="91440" bIns="45720" numCol="1" spcCol="0" rtlCol="0" fromWordArt="0" anchor="t" anchorCtr="0" forceAA="0" compatLnSpc="1">
+            <a:prstTxWarp prst="textNoShape">
+              <a:avLst/>
+            </a:prstTxWarp>
+            <a:spAutoFit/>
+          </a:bodyPr>
+          <a:lstStyle/>
+          <a:p>
+            <a:r>
+              <a:rPr lang="en-GB" sz="2000" dirty="0"/>
+              <a:t>Idea – split the work evenly between available cores. Each core works within its directory with its own files</a:t>
+            </a:r>
+          </a:p>
+        </p:txBody>
+      </p:sp>
+      <p:cxnSp>
+        <p:nvCxnSpPr>
+          <p:cNvPr id="3" name="Straight Connector 271">
+            <a:extLst>
+              <a:ext uri="{FF2B5EF4-FFF2-40B4-BE49-F238E27FC236}">
+                <a16:creationId xmlns:a16="http://schemas.microsoft.com/office/drawing/2014/main" id="{0E3A05CF-BD96-8F6D-348A-EB301928C061}"/>
+              </a:ext>
+            </a:extLst>
+          </p:cNvPr>
+          <p:cNvCxnSpPr>
+            <a:cxnSpLocks/>
+          </p:cNvCxnSpPr>
+          <p:nvPr/>
+        </p:nvCxnSpPr>
+        <p:spPr>
+          <a:xfrm>
+            <a:off x="9047299" y="1811759"/>
             <a:ext cx="0" cy="3726180"/>
           </a:xfrm>
           <a:prstGeom prst="line">
@@ -12489,7 +9498,7 @@
 </p:sld>
 </file>
 
-<file path=ppt/slides/slide2.xml><?xml version="1.0" encoding="utf-8"?>
+<file path=ppt/slides/slide3.xml><?xml version="1.0" encoding="utf-8"?>
 <p:sld xmlns:a="http://schemas.openxmlformats.org/drawingml/2006/main" xmlns:r="http://schemas.openxmlformats.org/officeDocument/2006/relationships" xmlns:p="http://schemas.openxmlformats.org/presentationml/2006/main">
   <p:cSld>
     <p:spTree>
@@ -12641,7 +9650,357 @@
 </p:sld>
 </file>
 
-<file path=ppt/slides/slide3.xml><?xml version="1.0" encoding="utf-8"?>
+<file path=ppt/slides/slide4.xml><?xml version="1.0" encoding="utf-8"?>
+<p:sld xmlns:a="http://schemas.openxmlformats.org/drawingml/2006/main" xmlns:r="http://schemas.openxmlformats.org/officeDocument/2006/relationships" xmlns:p="http://schemas.openxmlformats.org/presentationml/2006/main">
+  <p:cSld>
+    <p:spTree>
+      <p:nvGrpSpPr>
+        <p:cNvPr id="1" name=""/>
+        <p:cNvGrpSpPr/>
+        <p:nvPr/>
+      </p:nvGrpSpPr>
+      <p:grpSpPr>
+        <a:xfrm>
+          <a:off x="0" y="0"/>
+          <a:ext cx="0" cy="0"/>
+          <a:chOff x="0" y="0"/>
+          <a:chExt cx="0" cy="0"/>
+        </a:xfrm>
+      </p:grpSpPr>
+      <p:sp>
+        <p:nvSpPr>
+          <p:cNvPr id="2" name="Nadpis 1">
+            <a:extLst>
+              <a:ext uri="{FF2B5EF4-FFF2-40B4-BE49-F238E27FC236}">
+                <a16:creationId xmlns:a16="http://schemas.microsoft.com/office/drawing/2014/main" id="{0847F631-524B-ED85-B6B9-EB4B479CA2AD}"/>
+              </a:ext>
+            </a:extLst>
+          </p:cNvPr>
+          <p:cNvSpPr>
+            <a:spLocks noGrp="1"/>
+          </p:cNvSpPr>
+          <p:nvPr>
+            <p:ph type="title"/>
+          </p:nvPr>
+        </p:nvSpPr>
+        <p:spPr>
+          <a:xfrm>
+            <a:off x="226719" y="111125"/>
+            <a:ext cx="10515600" cy="1325563"/>
+          </a:xfrm>
+        </p:spPr>
+        <p:txBody>
+          <a:bodyPr>
+            <a:normAutofit/>
+          </a:bodyPr>
+          <a:lstStyle/>
+          <a:p>
+            <a:r>
+              <a:rPr lang="cs-CZ" sz="3600" dirty="0" err="1"/>
+              <a:t>Profiling</a:t>
+            </a:r>
+            <a:r>
+              <a:rPr lang="cs-CZ" sz="3600" dirty="0"/>
+              <a:t> - </a:t>
+            </a:r>
+            <a:r>
+              <a:rPr lang="cs-CZ" sz="3600" dirty="0" err="1"/>
+              <a:t>iotop</a:t>
+            </a:r>
+          </a:p>
+        </p:txBody>
+      </p:sp>
+      <p:pic>
+        <p:nvPicPr>
+          <p:cNvPr id="4" name="Obrázek 3" descr="Obsah obrázku text, snímek obrazovky, Obdélník&#10;&#10;Popis se vygeneroval automaticky.">
+            <a:extLst>
+              <a:ext uri="{FF2B5EF4-FFF2-40B4-BE49-F238E27FC236}">
+                <a16:creationId xmlns:a16="http://schemas.microsoft.com/office/drawing/2014/main" id="{B9D83367-CAEC-7247-5F54-450EA3AD9B71}"/>
+              </a:ext>
+            </a:extLst>
+          </p:cNvPr>
+          <p:cNvPicPr>
+            <a:picLocks noChangeAspect="1"/>
+          </p:cNvPicPr>
+          <p:nvPr/>
+        </p:nvPicPr>
+        <p:blipFill>
+          <a:blip r:embed="rId2"/>
+          <a:srcRect r="60706" b="78653"/>
+          <a:stretch/>
+        </p:blipFill>
+        <p:spPr>
+          <a:xfrm>
+            <a:off x="340354" y="1776183"/>
+            <a:ext cx="11230946" cy="3474264"/>
+          </a:xfrm>
+          <a:prstGeom prst="rect">
+            <a:avLst/>
+          </a:prstGeom>
+        </p:spPr>
+      </p:pic>
+    </p:spTree>
+    <p:extLst>
+      <p:ext uri="{BB962C8B-B14F-4D97-AF65-F5344CB8AC3E}">
+        <p14:creationId xmlns:p14="http://schemas.microsoft.com/office/powerpoint/2010/main" val="3406197969"/>
+      </p:ext>
+    </p:extLst>
+  </p:cSld>
+  <p:clrMapOvr>
+    <a:masterClrMapping/>
+  </p:clrMapOvr>
+</p:sld>
+</file>
+
+<file path=ppt/slides/slide5.xml><?xml version="1.0" encoding="utf-8"?>
+<p:sld xmlns:a="http://schemas.openxmlformats.org/drawingml/2006/main" xmlns:r="http://schemas.openxmlformats.org/officeDocument/2006/relationships" xmlns:p="http://schemas.openxmlformats.org/presentationml/2006/main">
+  <p:cSld>
+    <p:spTree>
+      <p:nvGrpSpPr>
+        <p:cNvPr id="1" name=""/>
+        <p:cNvGrpSpPr/>
+        <p:nvPr/>
+      </p:nvGrpSpPr>
+      <p:grpSpPr>
+        <a:xfrm>
+          <a:off x="0" y="0"/>
+          <a:ext cx="0" cy="0"/>
+          <a:chOff x="0" y="0"/>
+          <a:chExt cx="0" cy="0"/>
+        </a:xfrm>
+      </p:grpSpPr>
+      <p:sp>
+        <p:nvSpPr>
+          <p:cNvPr id="2" name="Nadpis 1">
+            <a:extLst>
+              <a:ext uri="{FF2B5EF4-FFF2-40B4-BE49-F238E27FC236}">
+                <a16:creationId xmlns:a16="http://schemas.microsoft.com/office/drawing/2014/main" id="{0847F631-524B-ED85-B6B9-EB4B479CA2AD}"/>
+              </a:ext>
+            </a:extLst>
+          </p:cNvPr>
+          <p:cNvSpPr>
+            <a:spLocks noGrp="1"/>
+          </p:cNvSpPr>
+          <p:nvPr>
+            <p:ph type="title"/>
+          </p:nvPr>
+        </p:nvSpPr>
+        <p:spPr>
+          <a:xfrm>
+            <a:off x="226719" y="111125"/>
+            <a:ext cx="10515600" cy="1325563"/>
+          </a:xfrm>
+        </p:spPr>
+        <p:txBody>
+          <a:bodyPr>
+            <a:normAutofit/>
+          </a:bodyPr>
+          <a:lstStyle/>
+          <a:p>
+            <a:r>
+              <a:rPr lang="cs-CZ" sz="3600" dirty="0" err="1"/>
+              <a:t>Profiling</a:t>
+            </a:r>
+            <a:r>
+              <a:rPr lang="cs-CZ" sz="3600" dirty="0"/>
+              <a:t> - </a:t>
+            </a:r>
+            <a:r>
+              <a:rPr lang="cs-CZ" sz="3600" dirty="0" err="1"/>
+              <a:t>htop</a:t>
+            </a:r>
+          </a:p>
+        </p:txBody>
+      </p:sp>
+      <p:pic>
+        <p:nvPicPr>
+          <p:cNvPr id="3" name="Obrázek 2" descr="Obsah obrázku text, snímek obrazovky, displej&#10;&#10;Popis se vygeneroval automaticky.">
+            <a:extLst>
+              <a:ext uri="{FF2B5EF4-FFF2-40B4-BE49-F238E27FC236}">
+                <a16:creationId xmlns:a16="http://schemas.microsoft.com/office/drawing/2014/main" id="{28D60DB9-00F3-FF07-A3CB-89E4F130D52C}"/>
+              </a:ext>
+            </a:extLst>
+          </p:cNvPr>
+          <p:cNvPicPr>
+            <a:picLocks noChangeAspect="1"/>
+          </p:cNvPicPr>
+          <p:nvPr/>
+        </p:nvPicPr>
+        <p:blipFill>
+          <a:blip r:embed="rId2"/>
+          <a:srcRect l="527" t="-430" r="2636" b="60976"/>
+          <a:stretch/>
+        </p:blipFill>
+        <p:spPr>
+          <a:xfrm>
+            <a:off x="178741" y="2066468"/>
+            <a:ext cx="11824828" cy="2717530"/>
+          </a:xfrm>
+          <a:prstGeom prst="rect">
+            <a:avLst/>
+          </a:prstGeom>
+        </p:spPr>
+      </p:pic>
+    </p:spTree>
+    <p:extLst>
+      <p:ext uri="{BB962C8B-B14F-4D97-AF65-F5344CB8AC3E}">
+        <p14:creationId xmlns:p14="http://schemas.microsoft.com/office/powerpoint/2010/main" val="2117762973"/>
+      </p:ext>
+    </p:extLst>
+  </p:cSld>
+  <p:clrMapOvr>
+    <a:masterClrMapping/>
+  </p:clrMapOvr>
+</p:sld>
+</file>
+
+<file path=ppt/slides/slide6.xml><?xml version="1.0" encoding="utf-8"?>
+<p:sld xmlns:a="http://schemas.openxmlformats.org/drawingml/2006/main" xmlns:r="http://schemas.openxmlformats.org/officeDocument/2006/relationships" xmlns:p="http://schemas.openxmlformats.org/presentationml/2006/main">
+  <p:cSld>
+    <p:spTree>
+      <p:nvGrpSpPr>
+        <p:cNvPr id="1" name=""/>
+        <p:cNvGrpSpPr/>
+        <p:nvPr/>
+      </p:nvGrpSpPr>
+      <p:grpSpPr>
+        <a:xfrm>
+          <a:off x="0" y="0"/>
+          <a:ext cx="0" cy="0"/>
+          <a:chOff x="0" y="0"/>
+          <a:chExt cx="0" cy="0"/>
+        </a:xfrm>
+      </p:grpSpPr>
+      <p:sp>
+        <p:nvSpPr>
+          <p:cNvPr id="2" name="Nadpis 1">
+            <a:extLst>
+              <a:ext uri="{FF2B5EF4-FFF2-40B4-BE49-F238E27FC236}">
+                <a16:creationId xmlns:a16="http://schemas.microsoft.com/office/drawing/2014/main" id="{0847F631-524B-ED85-B6B9-EB4B479CA2AD}"/>
+              </a:ext>
+            </a:extLst>
+          </p:cNvPr>
+          <p:cNvSpPr>
+            <a:spLocks noGrp="1"/>
+          </p:cNvSpPr>
+          <p:nvPr>
+            <p:ph type="title"/>
+          </p:nvPr>
+        </p:nvSpPr>
+        <p:spPr>
+          <a:xfrm>
+            <a:off x="226719" y="111125"/>
+            <a:ext cx="10515600" cy="1325563"/>
+          </a:xfrm>
+        </p:spPr>
+        <p:txBody>
+          <a:bodyPr>
+            <a:normAutofit/>
+          </a:bodyPr>
+          <a:lstStyle/>
+          <a:p>
+            <a:r>
+              <a:rPr lang="cs-CZ" sz="3600" dirty="0"/>
+              <a:t>Disk </a:t>
+            </a:r>
+            <a:r>
+              <a:rPr lang="cs-CZ" sz="3600" dirty="0" err="1"/>
+              <a:t>capabilities</a:t>
+            </a:r>
+            <a:r>
+              <a:rPr lang="cs-CZ" sz="3600" dirty="0"/>
+              <a:t> – 1 </a:t>
+            </a:r>
+            <a:r>
+              <a:rPr lang="cs-CZ" sz="3600" dirty="0" err="1"/>
+              <a:t>process</a:t>
+            </a:r>
+            <a:r>
+              <a:rPr lang="cs-CZ" sz="3600" dirty="0"/>
+              <a:t> VS 8 </a:t>
+            </a:r>
+            <a:r>
+              <a:rPr lang="cs-CZ" sz="3600" dirty="0" err="1"/>
+              <a:t>processes</a:t>
+            </a:r>
+            <a:endParaRPr lang="cs-CZ" dirty="0" err="1"/>
+          </a:p>
+        </p:txBody>
+      </p:sp>
+      <p:pic>
+        <p:nvPicPr>
+          <p:cNvPr id="4" name="Obrázek 3" descr="Obsah obrázku text, snímek obrazovky, menu, Písmo&#10;&#10;Popis se vygeneroval automaticky.">
+            <a:extLst>
+              <a:ext uri="{FF2B5EF4-FFF2-40B4-BE49-F238E27FC236}">
+                <a16:creationId xmlns:a16="http://schemas.microsoft.com/office/drawing/2014/main" id="{7A7207A1-998E-985F-1F17-AEF3B593C0E3}"/>
+              </a:ext>
+            </a:extLst>
+          </p:cNvPr>
+          <p:cNvPicPr>
+            <a:picLocks noChangeAspect="1"/>
+          </p:cNvPicPr>
+          <p:nvPr/>
+        </p:nvPicPr>
+        <p:blipFill>
+          <a:blip r:embed="rId2"/>
+          <a:stretch>
+            <a:fillRect/>
+          </a:stretch>
+        </p:blipFill>
+        <p:spPr>
+          <a:xfrm>
+            <a:off x="6316248" y="125805"/>
+            <a:ext cx="4727509" cy="6613711"/>
+          </a:xfrm>
+          <a:prstGeom prst="rect">
+            <a:avLst/>
+          </a:prstGeom>
+        </p:spPr>
+      </p:pic>
+      <p:pic>
+        <p:nvPicPr>
+          <p:cNvPr id="5" name="Obrázek 4" descr="Obsah obrázku text, snímek obrazovky, Písmo, menu&#10;&#10;Popis se vygeneroval automaticky.">
+            <a:extLst>
+              <a:ext uri="{FF2B5EF4-FFF2-40B4-BE49-F238E27FC236}">
+                <a16:creationId xmlns:a16="http://schemas.microsoft.com/office/drawing/2014/main" id="{5ED7F686-D501-BAB0-C138-158CF9966E38}"/>
+              </a:ext>
+            </a:extLst>
+          </p:cNvPr>
+          <p:cNvPicPr>
+            <a:picLocks noChangeAspect="1"/>
+          </p:cNvPicPr>
+          <p:nvPr/>
+        </p:nvPicPr>
+        <p:blipFill>
+          <a:blip r:embed="rId3"/>
+          <a:stretch>
+            <a:fillRect/>
+          </a:stretch>
+        </p:blipFill>
+        <p:spPr>
+          <a:xfrm>
+            <a:off x="638002" y="109967"/>
+            <a:ext cx="4649068" cy="6490446"/>
+          </a:xfrm>
+          <a:prstGeom prst="rect">
+            <a:avLst/>
+          </a:prstGeom>
+        </p:spPr>
+      </p:pic>
+    </p:spTree>
+    <p:extLst>
+      <p:ext uri="{BB962C8B-B14F-4D97-AF65-F5344CB8AC3E}">
+        <p14:creationId xmlns:p14="http://schemas.microsoft.com/office/powerpoint/2010/main" val="802868408"/>
+      </p:ext>
+    </p:extLst>
+  </p:cSld>
+  <p:clrMapOvr>
+    <a:masterClrMapping/>
+  </p:clrMapOvr>
+</p:sld>
+</file>
+
+<file path=ppt/slides/slide7.xml><?xml version="1.0" encoding="utf-8"?>
 <p:sld xmlns:a="http://schemas.openxmlformats.org/drawingml/2006/main" xmlns:r="http://schemas.openxmlformats.org/officeDocument/2006/relationships" xmlns:p="http://schemas.openxmlformats.org/presentationml/2006/main">
   <p:cSld>
     <p:spTree>
@@ -12715,7 +10074,7 @@
         <p:spPr>
           <a:xfrm>
             <a:off x="396240" y="1043940"/>
-            <a:ext cx="9464040" cy="3693319"/>
+            <a:ext cx="9464040" cy="5078313"/>
           </a:xfrm>
           <a:prstGeom prst="rect">
             <a:avLst/>
@@ -12723,143 +10082,133 @@
           <a:noFill/>
         </p:spPr>
         <p:txBody>
-          <a:bodyPr wrap="square" rtlCol="0">
+          <a:bodyPr wrap="square" lIns="91440" tIns="45720" rIns="91440" bIns="45720" rtlCol="0" anchor="t">
             <a:spAutoFit/>
           </a:bodyPr>
           <a:lstStyle/>
           <a:p>
             <a:pPr marL="285750" indent="-285750">
-              <a:buFontTx/>
+              <a:buFont typeface="Calibri"/>
               <a:buChar char="-"/>
             </a:pPr>
             <a:r>
-              <a:rPr lang="en-US" dirty="0"/>
+              <a:rPr lang="en-GB" dirty="0"/>
               <a:t>In existing Python code tried: multiprocessing, pool, multithreading, future/promise, executor, manager, manually creating, multi-terminal, GIL disabled, producer-consumer approach…</a:t>
             </a:r>
           </a:p>
           <a:p>
             <a:pPr marL="285750" indent="-285750">
-              <a:buFontTx/>
+              <a:buFont typeface="Calibri"/>
               <a:buChar char="-"/>
             </a:pPr>
-            <a:endParaRPr lang="en-US" dirty="0"/>
+            <a:endParaRPr lang="en-GB" dirty="0"/>
           </a:p>
           <a:p>
             <a:pPr marL="285750" indent="-285750">
-              <a:buFontTx/>
+              <a:buFont typeface="Calibri"/>
               <a:buChar char="-"/>
             </a:pPr>
             <a:r>
-              <a:rPr lang="en-US" dirty="0"/>
-              <a:t>Profiled with </a:t>
-            </a:r>
-            <a:r>
-              <a:rPr lang="en-US" dirty="0" err="1"/>
-              <a:t>htop</a:t>
-            </a:r>
-            <a:r>
-              <a:rPr lang="en-US" dirty="0"/>
-              <a:t>, </a:t>
-            </a:r>
-            <a:r>
-              <a:rPr lang="en-US" dirty="0" err="1"/>
-              <a:t>iotop</a:t>
-            </a:r>
-            <a:r>
-              <a:rPr lang="en-US" dirty="0"/>
-              <a:t>, task manager, </a:t>
-            </a:r>
-            <a:r>
-              <a:rPr lang="en-US" dirty="0" err="1"/>
-              <a:t>mnom</a:t>
-            </a:r>
-            <a:r>
-              <a:rPr lang="en-US" dirty="0"/>
-              <a:t>, </a:t>
-            </a:r>
-            <a:r>
-              <a:rPr lang="en-US" dirty="0" err="1"/>
-              <a:t>cProfile</a:t>
-            </a:r>
-            <a:r>
-              <a:rPr lang="en-US" dirty="0"/>
-              <a:t> =&gt; all cores are used to 100%, tasks evenly </a:t>
-            </a:r>
-            <a:r>
-              <a:rPr lang="en-US" dirty="0" err="1"/>
-              <a:t>spreaded</a:t>
-            </a:r>
-            <a:r>
-              <a:rPr lang="en-US" dirty="0"/>
-              <a:t>, no high I/O latency/idle time (?), no high disk usage latency/idle time (?)</a:t>
+              <a:rPr lang="en-GB"/>
+              <a:t>Profiled with htop, iotop, task manager, mnom, cProfile =&gt; all cores are used to 100%, tasks evenly spread, no high I/O latency/idle time (?), no high disk usage latency/idle time (?)</a:t>
             </a:r>
           </a:p>
           <a:p>
             <a:pPr marL="285750" indent="-285750">
-              <a:buFontTx/>
+              <a:buFont typeface="Calibri"/>
               <a:buChar char="-"/>
             </a:pPr>
-            <a:endParaRPr lang="en-US" dirty="0"/>
+            <a:endParaRPr lang="en-GB" dirty="0"/>
           </a:p>
           <a:p>
             <a:pPr marL="285750" indent="-285750">
-              <a:buFontTx/>
+              <a:buFont typeface="Calibri"/>
               <a:buChar char="-"/>
             </a:pPr>
             <a:r>
-              <a:rPr lang="en-US" dirty="0"/>
-              <a:t>On windows PC: </a:t>
-            </a:r>
-            <a:r>
-              <a:rPr lang="it-IT" dirty="0"/>
-              <a:t>AMD Ryzen 5 7600X 6-Core Processor, 4.70 GHz, RAM 32,0 GB, Virtualization enbaled with 12 logical cores, SSD</a:t>
+              <a:rPr lang="en-GB"/>
+              <a:t>On windows PC: AMD Ryzen 5 7600X 6-Core Processor, 4.70 GHz, RAM 32,0 GB, Virtualization enbaled with 12 logical cores, SSD</a:t>
             </a:r>
           </a:p>
           <a:p>
             <a:pPr marL="285750" indent="-285750">
-              <a:buFontTx/>
+              <a:buFont typeface="Calibri"/>
               <a:buChar char="-"/>
             </a:pPr>
-            <a:endParaRPr lang="it-IT" dirty="0"/>
+            <a:endParaRPr lang="en-GB" dirty="0"/>
           </a:p>
           <a:p>
             <a:pPr marL="285750" indent="-285750">
-              <a:buFontTx/>
+              <a:buFont typeface="Calibri"/>
               <a:buChar char="-"/>
             </a:pPr>
             <a:r>
-              <a:rPr lang="it-IT" dirty="0"/>
-              <a:t>Running time for 200 files sequentialy: 145 s</a:t>
+              <a:rPr lang="en-GB"/>
+              <a:t>On linux ubuntu 20.04 laptop: </a:t>
+            </a:r>
+            <a:r>
+              <a:rPr lang="en-GB">
+                <a:ea typeface="+mn-lt"/>
+                <a:cs typeface="+mn-lt"/>
+              </a:rPr>
+              <a:t>AMD® Ryzen 7 4700u with radeon graphics × 8</a:t>
+            </a:r>
+            <a:r>
+              <a:rPr lang="en-GB"/>
+              <a:t>, RAM 16,0 GB, SSD  </a:t>
             </a:r>
           </a:p>
           <a:p>
             <a:pPr marL="285750" indent="-285750">
-              <a:buFontTx/>
+              <a:buFont typeface="Calibri"/>
               <a:buChar char="-"/>
             </a:pPr>
-            <a:r>
-              <a:rPr lang="it-IT" dirty="0"/>
-              <a:t>Running time for 200 files multiprocessing on 10 cores: 45 s (best configuration)</a:t>
+            <a:endParaRPr lang="en-GB" dirty="0"/>
+          </a:p>
+          <a:p>
+            <a:r>
+              <a:rPr lang="en-GB"/>
+              <a:t>  Best results on windows PC:</a:t>
             </a:r>
           </a:p>
           <a:p>
             <a:pPr marL="285750" indent="-285750">
-              <a:buFontTx/>
+              <a:buFont typeface="Calibri"/>
               <a:buChar char="-"/>
             </a:pPr>
             <a:r>
-              <a:rPr lang="it-IT" dirty="0"/>
+              <a:rPr lang="en-GB"/>
+              <a:t>Running time for 200 files sequentialy: 145 s</a:t>
+            </a:r>
+          </a:p>
+          <a:p>
+            <a:pPr marL="285750" indent="-285750">
+              <a:buFont typeface="Calibri"/>
+              <a:buChar char="-"/>
+            </a:pPr>
+            <a:r>
+              <a:rPr lang="en-GB"/>
+              <a:t>Running time for 200 files multiprocessing on 10 cores: 45 s (best configuration – multi terminal approach)</a:t>
+            </a:r>
+          </a:p>
+          <a:p>
+            <a:pPr marL="285750" indent="-285750">
+              <a:buFont typeface="Calibri"/>
+              <a:buChar char="-"/>
+            </a:pPr>
+            <a:r>
+              <a:rPr lang="en-GB"/>
               <a:t>Speed up: </a:t>
             </a:r>
             <a:r>
-              <a:rPr lang="it-IT" b="1" dirty="0"/>
+              <a:rPr lang="en-GB" b="1"/>
               <a:t>3,2 times </a:t>
             </a:r>
             <a:r>
-              <a:rPr lang="it-IT" dirty="0"/>
+              <a:rPr lang="en-GB"/>
               <a:t>vs expected nearly 10 times</a:t>
             </a:r>
-            <a:endParaRPr lang="cs-CZ" b="1" dirty="0"/>
+            <a:endParaRPr lang="en-GB" b="1"/>
           </a:p>
         </p:txBody>
       </p:sp>
@@ -12876,7 +10225,7 @@
 </p:sld>
 </file>
 
-<file path=ppt/slides/slide4.xml><?xml version="1.0" encoding="utf-8"?>
+<file path=ppt/slides/slide8.xml><?xml version="1.0" encoding="utf-8"?>
 <p:sld xmlns:a="http://schemas.openxmlformats.org/drawingml/2006/main" xmlns:r="http://schemas.openxmlformats.org/officeDocument/2006/relationships" xmlns:p="http://schemas.openxmlformats.org/presentationml/2006/main">
   <p:cSld>
     <p:spTree>
@@ -12950,7 +10299,7 @@
         <p:spPr>
           <a:xfrm>
             <a:off x="419100" y="1043940"/>
-            <a:ext cx="9464040" cy="3416320"/>
+            <a:ext cx="9464040" cy="3693319"/>
           </a:xfrm>
           <a:prstGeom prst="rect">
             <a:avLst/>
@@ -12958,102 +10307,109 @@
           <a:noFill/>
         </p:spPr>
         <p:txBody>
-          <a:bodyPr wrap="square" rtlCol="0">
+          <a:bodyPr wrap="square" lIns="91440" tIns="45720" rIns="91440" bIns="45720" rtlCol="0" anchor="t">
             <a:spAutoFit/>
           </a:bodyPr>
           <a:lstStyle/>
           <a:p>
             <a:pPr marL="285750" indent="-285750">
-              <a:buFontTx/>
+              <a:buFont typeface="Calibri"/>
               <a:buChar char="-"/>
             </a:pPr>
             <a:r>
               <a:rPr lang="en-US" dirty="0"/>
-              <a:t>Calculating dt’s is NOT the bottleneck</a:t>
+              <a:t>Multiprocessing works on both devices (tested on arithmetical heavy CPU calculations)</a:t>
             </a:r>
           </a:p>
           <a:p>
             <a:pPr marL="285750" indent="-285750">
-              <a:buFontTx/>
+              <a:buFont typeface="Calibri"/>
               <a:buChar char="-"/>
             </a:pPr>
             <a:r>
               <a:rPr lang="en-US" dirty="0"/>
-              <a:t>Writing results back is NOT the bottleneck</a:t>
-            </a:r>
-            <a:endParaRPr lang="en-US" b="1" dirty="0"/>
+              <a:t>Calculating dt’s is NOT the bottleneck</a:t>
+            </a:r>
+            <a:endParaRPr lang="cs-CZ" dirty="0"/>
           </a:p>
           <a:p>
             <a:pPr marL="285750" indent="-285750">
-              <a:buFontTx/>
+              <a:buFont typeface="Calibri"/>
               <a:buChar char="-"/>
             </a:pPr>
             <a:r>
               <a:rPr lang="en-US" dirty="0"/>
-              <a:t>Reading files is PROBABLY the bottleneck</a:t>
-            </a:r>
+              <a:t>Writing results back is NOT the bottleneck</a:t>
+            </a:r>
+            <a:endParaRPr lang="en-US" b="1" dirty="0"/>
           </a:p>
           <a:p>
             <a:pPr marL="285750" indent="-285750">
-              <a:buFontTx/>
+              <a:buFont typeface="Calibri"/>
               <a:buChar char="-"/>
             </a:pPr>
             <a:endParaRPr lang="en-US" dirty="0"/>
           </a:p>
           <a:p>
+            <a:endParaRPr lang="en-US" dirty="0"/>
+          </a:p>
+          <a:p>
             <a:pPr marL="285750" indent="-285750">
-              <a:buFontTx/>
+              <a:buFont typeface="Calibri"/>
               <a:buChar char="-"/>
             </a:pPr>
             <a:r>
               <a:rPr lang="en-US" dirty="0"/>
+              <a:t>Reading files is PROBABLY the bottleneck</a:t>
+            </a:r>
+          </a:p>
+          <a:p>
+            <a:pPr marL="285750" indent="-285750">
+              <a:buFont typeface="Calibri"/>
+              <a:buChar char="-"/>
+            </a:pPr>
+            <a:r>
+              <a:rPr lang="en-US" dirty="0"/>
               <a:t>Probably OS/hardware limitations on concurrent files opening/reading</a:t>
             </a:r>
           </a:p>
           <a:p>
             <a:pPr marL="285750" indent="-285750">
-              <a:buFontTx/>
+              <a:buFont typeface="Calibri"/>
               <a:buChar char="-"/>
             </a:pPr>
             <a:endParaRPr lang="en-US" dirty="0"/>
           </a:p>
           <a:p>
             <a:pPr marL="285750" indent="-285750">
-              <a:buFontTx/>
+              <a:buFont typeface="Calibri"/>
               <a:buChar char="-"/>
             </a:pPr>
             <a:endParaRPr lang="en-US" dirty="0"/>
           </a:p>
           <a:p>
             <a:pPr marL="285750" indent="-285750">
-              <a:buFontTx/>
+              <a:buFont typeface="Calibri"/>
               <a:buChar char="-"/>
             </a:pPr>
-            <a:endParaRPr lang="en-US" dirty="0"/>
+            <a:r>
+              <a:rPr lang="en-US" dirty="0"/>
+              <a:t>Last solution in mind: run the code on a server with concurrent I/O operations within files system friendly set up, simulate more computers/jobs running at the same time</a:t>
+            </a:r>
           </a:p>
           <a:p>
             <a:pPr marL="285750" indent="-285750">
-              <a:buFontTx/>
+              <a:buFont typeface="Calibri"/>
               <a:buChar char="-"/>
             </a:pPr>
             <a:r>
               <a:rPr lang="en-US" dirty="0"/>
-              <a:t>Last solution in mind: run the code on a server with concurrent I/O operations within files system friendly set up, simulate more computers/jobs running at the same time</a:t>
+              <a:t>Compare terabytes of data sequentially vs parallel</a:t>
             </a:r>
           </a:p>
           <a:p>
             <a:pPr marL="285750" indent="-285750">
-              <a:buFontTx/>
-              <a:buChar char="-"/>
-            </a:pPr>
-            <a:r>
-              <a:rPr lang="en-US" dirty="0"/>
-              <a:t>Compare terabytes of data sequentially vs parallel</a:t>
-            </a:r>
-          </a:p>
-          <a:p>
-            <a:pPr marL="285750" indent="-285750">
-              <a:buFontTx/>
+              <a:buFont typeface="Calibri"/>
               <a:buChar char="-"/>
             </a:pPr>
             <a:r>

--- a/progress.pptx
+++ b/progress.pptx
@@ -1955,7 +1955,7 @@
           <a:p>
             <a:fld id="{F55DDC14-40C8-49D0-972B-D0099654A4BB}" type="datetimeFigureOut">
               <a:rPr lang="cs-CZ" smtClean="0"/>
-              <a:t>15.11.2024</a:t>
+              <a:t>18.11.2024</a:t>
             </a:fld>
             <a:endParaRPr lang="cs-CZ"/>
           </a:p>
@@ -2155,7 +2155,7 @@
           <a:p>
             <a:fld id="{F55DDC14-40C8-49D0-972B-D0099654A4BB}" type="datetimeFigureOut">
               <a:rPr lang="cs-CZ" smtClean="0"/>
-              <a:t>15.11.2024</a:t>
+              <a:t>18.11.2024</a:t>
             </a:fld>
             <a:endParaRPr lang="cs-CZ"/>
           </a:p>
@@ -2365,7 +2365,7 @@
           <a:p>
             <a:fld id="{F55DDC14-40C8-49D0-972B-D0099654A4BB}" type="datetimeFigureOut">
               <a:rPr lang="cs-CZ" smtClean="0"/>
-              <a:t>15.11.2024</a:t>
+              <a:t>18.11.2024</a:t>
             </a:fld>
             <a:endParaRPr lang="cs-CZ"/>
           </a:p>
@@ -2565,7 +2565,7 @@
           <a:p>
             <a:fld id="{F55DDC14-40C8-49D0-972B-D0099654A4BB}" type="datetimeFigureOut">
               <a:rPr lang="cs-CZ" smtClean="0"/>
-              <a:t>15.11.2024</a:t>
+              <a:t>18.11.2024</a:t>
             </a:fld>
             <a:endParaRPr lang="cs-CZ"/>
           </a:p>
@@ -2841,7 +2841,7 @@
           <a:p>
             <a:fld id="{F55DDC14-40C8-49D0-972B-D0099654A4BB}" type="datetimeFigureOut">
               <a:rPr lang="cs-CZ" smtClean="0"/>
-              <a:t>15.11.2024</a:t>
+              <a:t>18.11.2024</a:t>
             </a:fld>
             <a:endParaRPr lang="cs-CZ"/>
           </a:p>
@@ -3109,7 +3109,7 @@
           <a:p>
             <a:fld id="{F55DDC14-40C8-49D0-972B-D0099654A4BB}" type="datetimeFigureOut">
               <a:rPr lang="cs-CZ" smtClean="0"/>
-              <a:t>15.11.2024</a:t>
+              <a:t>18.11.2024</a:t>
             </a:fld>
             <a:endParaRPr lang="cs-CZ"/>
           </a:p>
@@ -3524,7 +3524,7 @@
           <a:p>
             <a:fld id="{F55DDC14-40C8-49D0-972B-D0099654A4BB}" type="datetimeFigureOut">
               <a:rPr lang="cs-CZ" smtClean="0"/>
-              <a:t>15.11.2024</a:t>
+              <a:t>18.11.2024</a:t>
             </a:fld>
             <a:endParaRPr lang="cs-CZ"/>
           </a:p>
@@ -3666,7 +3666,7 @@
           <a:p>
             <a:fld id="{F55DDC14-40C8-49D0-972B-D0099654A4BB}" type="datetimeFigureOut">
               <a:rPr lang="cs-CZ" smtClean="0"/>
-              <a:t>15.11.2024</a:t>
+              <a:t>18.11.2024</a:t>
             </a:fld>
             <a:endParaRPr lang="cs-CZ"/>
           </a:p>
@@ -3779,7 +3779,7 @@
           <a:p>
             <a:fld id="{F55DDC14-40C8-49D0-972B-D0099654A4BB}" type="datetimeFigureOut">
               <a:rPr lang="cs-CZ" smtClean="0"/>
-              <a:t>15.11.2024</a:t>
+              <a:t>18.11.2024</a:t>
             </a:fld>
             <a:endParaRPr lang="cs-CZ"/>
           </a:p>
@@ -4092,7 +4092,7 @@
           <a:p>
             <a:fld id="{F55DDC14-40C8-49D0-972B-D0099654A4BB}" type="datetimeFigureOut">
               <a:rPr lang="cs-CZ" smtClean="0"/>
-              <a:t>15.11.2024</a:t>
+              <a:t>18.11.2024</a:t>
             </a:fld>
             <a:endParaRPr lang="cs-CZ"/>
           </a:p>
@@ -4381,7 +4381,7 @@
           <a:p>
             <a:fld id="{F55DDC14-40C8-49D0-972B-D0099654A4BB}" type="datetimeFigureOut">
               <a:rPr lang="cs-CZ" smtClean="0"/>
-              <a:t>15.11.2024</a:t>
+              <a:t>18.11.2024</a:t>
             </a:fld>
             <a:endParaRPr lang="cs-CZ"/>
           </a:p>
@@ -4624,7 +4624,7 @@
           <a:p>
             <a:fld id="{F55DDC14-40C8-49D0-972B-D0099654A4BB}" type="datetimeFigureOut">
               <a:rPr lang="cs-CZ" smtClean="0"/>
-              <a:t>15.11.2024</a:t>
+              <a:t>18.11.2024</a:t>
             </a:fld>
             <a:endParaRPr lang="cs-CZ"/>
           </a:p>
@@ -9871,62 +9871,6 @@
           <a:chExt cx="0" cy="0"/>
         </a:xfrm>
       </p:grpSpPr>
-      <p:sp>
-        <p:nvSpPr>
-          <p:cNvPr id="2" name="Nadpis 1">
-            <a:extLst>
-              <a:ext uri="{FF2B5EF4-FFF2-40B4-BE49-F238E27FC236}">
-                <a16:creationId xmlns:a16="http://schemas.microsoft.com/office/drawing/2014/main" id="{0847F631-524B-ED85-B6B9-EB4B479CA2AD}"/>
-              </a:ext>
-            </a:extLst>
-          </p:cNvPr>
-          <p:cNvSpPr>
-            <a:spLocks noGrp="1"/>
-          </p:cNvSpPr>
-          <p:nvPr>
-            <p:ph type="title"/>
-          </p:nvPr>
-        </p:nvSpPr>
-        <p:spPr>
-          <a:xfrm>
-            <a:off x="226719" y="111125"/>
-            <a:ext cx="10515600" cy="1325563"/>
-          </a:xfrm>
-        </p:spPr>
-        <p:txBody>
-          <a:bodyPr>
-            <a:normAutofit/>
-          </a:bodyPr>
-          <a:lstStyle/>
-          <a:p>
-            <a:r>
-              <a:rPr lang="cs-CZ" sz="3600" dirty="0"/>
-              <a:t>Disk </a:t>
-            </a:r>
-            <a:r>
-              <a:rPr lang="cs-CZ" sz="3600" dirty="0" err="1"/>
-              <a:t>capabilities</a:t>
-            </a:r>
-            <a:r>
-              <a:rPr lang="cs-CZ" sz="3600" dirty="0"/>
-              <a:t> – 1 </a:t>
-            </a:r>
-            <a:r>
-              <a:rPr lang="cs-CZ" sz="3600" dirty="0" err="1"/>
-              <a:t>process</a:t>
-            </a:r>
-            <a:r>
-              <a:rPr lang="cs-CZ" sz="3600" dirty="0"/>
-              <a:t> VS 8 </a:t>
-            </a:r>
-            <a:r>
-              <a:rPr lang="cs-CZ" sz="3600" dirty="0" err="1"/>
-              <a:t>processes</a:t>
-            </a:r>
-            <a:endParaRPr lang="cs-CZ" dirty="0" err="1"/>
-          </a:p>
-        </p:txBody>
-      </p:sp>
       <p:pic>
         <p:nvPicPr>
           <p:cNvPr id="4" name="Obrázek 3" descr="Obsah obrázku text, snímek obrazovky, menu, Písmo&#10;&#10;Popis se vygeneroval automaticky.">
@@ -9949,8 +9893,8 @@
         </p:blipFill>
         <p:spPr>
           <a:xfrm>
-            <a:off x="6316248" y="125805"/>
-            <a:ext cx="4727509" cy="6613711"/>
+            <a:off x="6209986" y="-14294"/>
+            <a:ext cx="4912345" cy="6872294"/>
           </a:xfrm>
           <a:prstGeom prst="rect">
             <a:avLst/>
@@ -9979,14 +9923,170 @@
         </p:blipFill>
         <p:spPr>
           <a:xfrm>
-            <a:off x="638002" y="109967"/>
-            <a:ext cx="4649068" cy="6490446"/>
+            <a:off x="1069669" y="-14294"/>
+            <a:ext cx="4912345" cy="6858000"/>
           </a:xfrm>
           <a:prstGeom prst="rect">
             <a:avLst/>
           </a:prstGeom>
         </p:spPr>
       </p:pic>
+      <p:cxnSp>
+        <p:nvCxnSpPr>
+          <p:cNvPr id="6" name="Straight Connector 5">
+            <a:extLst>
+              <a:ext uri="{FF2B5EF4-FFF2-40B4-BE49-F238E27FC236}">
+                <a16:creationId xmlns:a16="http://schemas.microsoft.com/office/drawing/2014/main" id="{795E6FEB-22B1-CBDC-9133-218DA467233D}"/>
+              </a:ext>
+            </a:extLst>
+          </p:cNvPr>
+          <p:cNvCxnSpPr>
+            <a:cxnSpLocks/>
+          </p:cNvCxnSpPr>
+          <p:nvPr/>
+        </p:nvCxnSpPr>
+        <p:spPr>
+          <a:xfrm>
+            <a:off x="4636008" y="3712464"/>
+            <a:ext cx="6409944" cy="0"/>
+          </a:xfrm>
+          <a:prstGeom prst="line">
+            <a:avLst/>
+          </a:prstGeom>
+          <a:ln w="28575"/>
+        </p:spPr>
+        <p:style>
+          <a:lnRef idx="2">
+            <a:schemeClr val="accent2"/>
+          </a:lnRef>
+          <a:fillRef idx="0">
+            <a:schemeClr val="accent2"/>
+          </a:fillRef>
+          <a:effectRef idx="1">
+            <a:schemeClr val="accent2"/>
+          </a:effectRef>
+          <a:fontRef idx="minor">
+            <a:schemeClr val="tx1"/>
+          </a:fontRef>
+        </p:style>
+      </p:cxnSp>
+      <p:cxnSp>
+        <p:nvCxnSpPr>
+          <p:cNvPr id="13" name="Straight Connector 12">
+            <a:extLst>
+              <a:ext uri="{FF2B5EF4-FFF2-40B4-BE49-F238E27FC236}">
+                <a16:creationId xmlns:a16="http://schemas.microsoft.com/office/drawing/2014/main" id="{CF87E764-DDAE-9361-0E01-A1669E677462}"/>
+              </a:ext>
+            </a:extLst>
+          </p:cNvPr>
+          <p:cNvCxnSpPr>
+            <a:cxnSpLocks/>
+          </p:cNvCxnSpPr>
+          <p:nvPr/>
+        </p:nvCxnSpPr>
+        <p:spPr>
+          <a:xfrm>
+            <a:off x="4568952" y="4550664"/>
+            <a:ext cx="6409944" cy="0"/>
+          </a:xfrm>
+          <a:prstGeom prst="line">
+            <a:avLst/>
+          </a:prstGeom>
+          <a:ln w="28575"/>
+        </p:spPr>
+        <p:style>
+          <a:lnRef idx="2">
+            <a:schemeClr val="accent2"/>
+          </a:lnRef>
+          <a:fillRef idx="0">
+            <a:schemeClr val="accent2"/>
+          </a:fillRef>
+          <a:effectRef idx="1">
+            <a:schemeClr val="accent2"/>
+          </a:effectRef>
+          <a:fontRef idx="minor">
+            <a:schemeClr val="tx1"/>
+          </a:fontRef>
+        </p:style>
+      </p:cxnSp>
+      <p:cxnSp>
+        <p:nvCxnSpPr>
+          <p:cNvPr id="14" name="Straight Connector 13">
+            <a:extLst>
+              <a:ext uri="{FF2B5EF4-FFF2-40B4-BE49-F238E27FC236}">
+                <a16:creationId xmlns:a16="http://schemas.microsoft.com/office/drawing/2014/main" id="{364E83DC-C3DF-1A57-5FC5-DB95B9069EB2}"/>
+              </a:ext>
+            </a:extLst>
+          </p:cNvPr>
+          <p:cNvCxnSpPr>
+            <a:cxnSpLocks/>
+          </p:cNvCxnSpPr>
+          <p:nvPr/>
+        </p:nvCxnSpPr>
+        <p:spPr>
+          <a:xfrm>
+            <a:off x="4568952" y="5428488"/>
+            <a:ext cx="6409944" cy="0"/>
+          </a:xfrm>
+          <a:prstGeom prst="line">
+            <a:avLst/>
+          </a:prstGeom>
+          <a:ln w="28575"/>
+        </p:spPr>
+        <p:style>
+          <a:lnRef idx="2">
+            <a:schemeClr val="accent2"/>
+          </a:lnRef>
+          <a:fillRef idx="0">
+            <a:schemeClr val="accent2"/>
+          </a:fillRef>
+          <a:effectRef idx="1">
+            <a:schemeClr val="accent2"/>
+          </a:effectRef>
+          <a:fontRef idx="minor">
+            <a:schemeClr val="tx1"/>
+          </a:fontRef>
+        </p:style>
+      </p:cxnSp>
+      <p:cxnSp>
+        <p:nvCxnSpPr>
+          <p:cNvPr id="15" name="Straight Connector 14">
+            <a:extLst>
+              <a:ext uri="{FF2B5EF4-FFF2-40B4-BE49-F238E27FC236}">
+                <a16:creationId xmlns:a16="http://schemas.microsoft.com/office/drawing/2014/main" id="{5E174696-5D22-CBCB-C903-298F53403698}"/>
+              </a:ext>
+            </a:extLst>
+          </p:cNvPr>
+          <p:cNvCxnSpPr>
+            <a:cxnSpLocks/>
+          </p:cNvCxnSpPr>
+          <p:nvPr/>
+        </p:nvCxnSpPr>
+        <p:spPr>
+          <a:xfrm>
+            <a:off x="4568952" y="6288024"/>
+            <a:ext cx="6409944" cy="0"/>
+          </a:xfrm>
+          <a:prstGeom prst="line">
+            <a:avLst/>
+          </a:prstGeom>
+          <a:ln w="28575"/>
+        </p:spPr>
+        <p:style>
+          <a:lnRef idx="2">
+            <a:schemeClr val="accent2"/>
+          </a:lnRef>
+          <a:fillRef idx="0">
+            <a:schemeClr val="accent2"/>
+          </a:fillRef>
+          <a:effectRef idx="1">
+            <a:schemeClr val="accent2"/>
+          </a:effectRef>
+          <a:fontRef idx="minor">
+            <a:schemeClr val="tx1"/>
+          </a:fontRef>
+        </p:style>
+      </p:cxnSp>
     </p:spTree>
     <p:extLst>
       <p:ext uri="{BB962C8B-B14F-4D97-AF65-F5344CB8AC3E}">
@@ -10093,8 +10193,13 @@
             </a:pPr>
             <a:r>
               <a:rPr lang="en-GB" dirty="0"/>
-              <a:t>In existing Python code tried: multiprocessing, pool, multithreading, future/promise, executor, manager, manually creating, multi-terminal, GIL disabled, producer-consumer approach…</a:t>
-            </a:r>
+              <a:t>In existing Python code tried: multiprocessing, pool, multithreading, future/promise, executor, manager, manually creating, multi-terminal, GIL disabled, producer-consumer approach</a:t>
+            </a:r>
+            <a:r>
+              <a:rPr lang="en-GB"/>
+              <a:t>, tensor-flow tool, </a:t>
+            </a:r>
+            <a:endParaRPr lang="en-GB" dirty="0"/>
           </a:p>
           <a:p>
             <a:pPr marL="285750" indent="-285750">
@@ -10109,8 +10214,40 @@
               <a:buChar char="-"/>
             </a:pPr>
             <a:r>
-              <a:rPr lang="en-GB"/>
-              <a:t>Profiled with htop, iotop, task manager, mnom, cProfile =&gt; all cores are used to 100%, tasks evenly spread, no high I/O latency/idle time (?), no high disk usage latency/idle time (?)</a:t>
+              <a:rPr lang="en-GB" dirty="0"/>
+              <a:t>Profiled with </a:t>
+            </a:r>
+            <a:r>
+              <a:rPr lang="en-GB" dirty="0" err="1"/>
+              <a:t>htop</a:t>
+            </a:r>
+            <a:r>
+              <a:rPr lang="en-GB" dirty="0"/>
+              <a:t>, </a:t>
+            </a:r>
+            <a:r>
+              <a:rPr lang="en-GB" dirty="0" err="1"/>
+              <a:t>iotop</a:t>
+            </a:r>
+            <a:r>
+              <a:rPr lang="en-GB" dirty="0"/>
+              <a:t>, task manager, </a:t>
+            </a:r>
+            <a:r>
+              <a:rPr lang="en-GB" dirty="0" err="1"/>
+              <a:t>mnom</a:t>
+            </a:r>
+            <a:r>
+              <a:rPr lang="en-GB" dirty="0"/>
+              <a:t>, </a:t>
+            </a:r>
+            <a:r>
+              <a:rPr lang="en-GB" dirty="0" err="1"/>
+              <a:t>cProfile</a:t>
+            </a:r>
+            <a:r>
+              <a:rPr lang="en-GB" dirty="0"/>
+              <a:t> =&gt; all cores are used to 100%, tasks evenly spread, no high I/O latency/idle time (?), no high disk usage latency/idle time (?)</a:t>
             </a:r>
           </a:p>
           <a:p>
@@ -10126,8 +10263,24 @@
               <a:buChar char="-"/>
             </a:pPr>
             <a:r>
-              <a:rPr lang="en-GB"/>
-              <a:t>On windows PC: AMD Ryzen 5 7600X 6-Core Processor, 4.70 GHz, RAM 32,0 GB, Virtualization enbaled with 12 logical cores, SSD</a:t>
+              <a:rPr lang="en-GB" dirty="0"/>
+              <a:t>On windows PC: AMD </a:t>
+            </a:r>
+            <a:r>
+              <a:rPr lang="en-GB" dirty="0" err="1"/>
+              <a:t>Ryzen</a:t>
+            </a:r>
+            <a:r>
+              <a:rPr lang="en-GB" dirty="0"/>
+              <a:t> 5 7600X 6-Core Processor, 4.70 GHz, RAM 32,0 GB, Virtualization </a:t>
+            </a:r>
+            <a:r>
+              <a:rPr lang="en-GB" dirty="0" err="1"/>
+              <a:t>enbaled</a:t>
+            </a:r>
+            <a:r>
+              <a:rPr lang="en-GB" dirty="0"/>
+              <a:t> with 12 logical cores, SSD</a:t>
             </a:r>
           </a:p>
           <a:p>
@@ -10143,18 +10296,54 @@
               <a:buChar char="-"/>
             </a:pPr>
             <a:r>
-              <a:rPr lang="en-GB"/>
-              <a:t>On linux ubuntu 20.04 laptop: </a:t>
-            </a:r>
-            <a:r>
-              <a:rPr lang="en-GB">
+              <a:rPr lang="en-GB" dirty="0"/>
+              <a:t>On </a:t>
+            </a:r>
+            <a:r>
+              <a:rPr lang="en-GB" dirty="0" err="1"/>
+              <a:t>linux</a:t>
+            </a:r>
+            <a:r>
+              <a:rPr lang="en-GB" dirty="0"/>
+              <a:t> ubuntu 20.04 laptop: </a:t>
+            </a:r>
+            <a:r>
+              <a:rPr lang="en-GB" dirty="0">
                 <a:ea typeface="+mn-lt"/>
                 <a:cs typeface="+mn-lt"/>
               </a:rPr>
-              <a:t>AMD® Ryzen 7 4700u with radeon graphics × 8</a:t>
-            </a:r>
-            <a:r>
-              <a:rPr lang="en-GB"/>
+              <a:t>AMD® </a:t>
+            </a:r>
+            <a:r>
+              <a:rPr lang="en-GB" dirty="0" err="1">
+                <a:ea typeface="+mn-lt"/>
+                <a:cs typeface="+mn-lt"/>
+              </a:rPr>
+              <a:t>Ryzen</a:t>
+            </a:r>
+            <a:r>
+              <a:rPr lang="en-GB" dirty="0">
+                <a:ea typeface="+mn-lt"/>
+                <a:cs typeface="+mn-lt"/>
+              </a:rPr>
+              <a:t> 7 4700u with </a:t>
+            </a:r>
+            <a:r>
+              <a:rPr lang="en-GB" dirty="0" err="1">
+                <a:ea typeface="+mn-lt"/>
+                <a:cs typeface="+mn-lt"/>
+              </a:rPr>
+              <a:t>radeon</a:t>
+            </a:r>
+            <a:r>
+              <a:rPr lang="en-GB" dirty="0">
+                <a:ea typeface="+mn-lt"/>
+                <a:cs typeface="+mn-lt"/>
+              </a:rPr>
+              <a:t> graphics × 8</a:t>
+            </a:r>
+            <a:r>
+              <a:rPr lang="en-GB" dirty="0"/>
               <a:t>, RAM 16,0 GB, SSD  </a:t>
             </a:r>
           </a:p>
@@ -10167,7 +10356,7 @@
           </a:p>
           <a:p>
             <a:r>
-              <a:rPr lang="en-GB"/>
+              <a:rPr lang="en-GB" dirty="0"/>
               <a:t>  Best results on windows PC:</a:t>
             </a:r>
           </a:p>
@@ -10177,8 +10366,16 @@
               <a:buChar char="-"/>
             </a:pPr>
             <a:r>
-              <a:rPr lang="en-GB"/>
-              <a:t>Running time for 200 files sequentialy: 145 s</a:t>
+              <a:rPr lang="en-GB" dirty="0"/>
+              <a:t>Running time for 200 files </a:t>
+            </a:r>
+            <a:r>
+              <a:rPr lang="en-GB" dirty="0" err="1"/>
+              <a:t>sequentialy</a:t>
+            </a:r>
+            <a:r>
+              <a:rPr lang="en-GB" dirty="0"/>
+              <a:t>: 145 s</a:t>
             </a:r>
           </a:p>
           <a:p>
@@ -10187,7 +10384,7 @@
               <a:buChar char="-"/>
             </a:pPr>
             <a:r>
-              <a:rPr lang="en-GB"/>
+              <a:rPr lang="en-GB" dirty="0"/>
               <a:t>Running time for 200 files multiprocessing on 10 cores: 45 s (best configuration – multi terminal approach)</a:t>
             </a:r>
           </a:p>
@@ -10197,18 +10394,18 @@
               <a:buChar char="-"/>
             </a:pPr>
             <a:r>
-              <a:rPr lang="en-GB"/>
+              <a:rPr lang="en-GB" dirty="0"/>
               <a:t>Speed up: </a:t>
             </a:r>
             <a:r>
-              <a:rPr lang="en-GB" b="1"/>
+              <a:rPr lang="en-GB" b="1" dirty="0"/>
               <a:t>3,2 times </a:t>
             </a:r>
             <a:r>
-              <a:rPr lang="en-GB"/>
+              <a:rPr lang="en-GB" dirty="0"/>
               <a:t>vs expected nearly 10 times</a:t>
             </a:r>
-            <a:endParaRPr lang="en-GB" b="1"/>
+            <a:endParaRPr lang="en-GB" b="1" dirty="0"/>
           </a:p>
         </p:txBody>
       </p:sp>
